--- a/4-1/소프트웨어 종합설계/10주차/졸업작품 DFD : ERD.pptx
+++ b/4-1/소프트웨어 종합설계/10주차/졸업작품 DFD : ERD.pptx
@@ -6,22 +6,23 @@
   </p:sldMasterIdLst>
   <p:sldIdLst>
     <p:sldId id="257" r:id="rId2"/>
-    <p:sldId id="258" r:id="rId3"/>
+    <p:sldId id="288" r:id="rId3"/>
+    <p:sldId id="290" r:id="rId4"/>
   </p:sldIdLst>
   <p:sldSz cx="12192000" cy="6858000"/>
   <p:notesSz cx="6858000" cy="9144000"/>
   <p:embeddedFontLst>
     <p:embeddedFont>
       <p:font typeface="Calibri" panose="020F0502020204030204" pitchFamily="34" charset="0"/>
-      <p:regular r:id="rId4"/>
-      <p:bold r:id="rId5"/>
-      <p:italic r:id="rId6"/>
-      <p:boldItalic r:id="rId7"/>
+      <p:regular r:id="rId5"/>
+      <p:bold r:id="rId6"/>
+      <p:italic r:id="rId7"/>
+      <p:boldItalic r:id="rId8"/>
     </p:embeddedFont>
     <p:embeddedFont>
       <p:font typeface="Calibri Light" panose="020F0302020204030204" pitchFamily="34" charset="0"/>
-      <p:regular r:id="rId8"/>
-      <p:italic r:id="rId9"/>
+      <p:regular r:id="rId9"/>
+      <p:italic r:id="rId10"/>
     </p:embeddedFont>
   </p:embeddedFontLst>
   <p:defaultTextStyle>
@@ -276,7 +277,7 @@
           <a:p>
             <a:fld id="{CA0C9A70-06BB-774B-8A5A-F2019B565F3F}" type="datetimeFigureOut">
               <a:rPr kumimoji="1" lang="ko-Kore-KR" altLang="en-US" smtClean="0"/>
-              <a:t>2022. 5. 1.</a:t>
+              <a:t>2022. 5. 3.</a:t>
             </a:fld>
             <a:endParaRPr kumimoji="1" lang="ko-Kore-KR" altLang="en-US"/>
           </a:p>
@@ -476,7 +477,7 @@
           <a:p>
             <a:fld id="{CA0C9A70-06BB-774B-8A5A-F2019B565F3F}" type="datetimeFigureOut">
               <a:rPr kumimoji="1" lang="ko-Kore-KR" altLang="en-US" smtClean="0"/>
-              <a:t>2022. 5. 1.</a:t>
+              <a:t>2022. 5. 3.</a:t>
             </a:fld>
             <a:endParaRPr kumimoji="1" lang="ko-Kore-KR" altLang="en-US"/>
           </a:p>
@@ -686,7 +687,7 @@
           <a:p>
             <a:fld id="{CA0C9A70-06BB-774B-8A5A-F2019B565F3F}" type="datetimeFigureOut">
               <a:rPr kumimoji="1" lang="ko-Kore-KR" altLang="en-US" smtClean="0"/>
-              <a:t>2022. 5. 1.</a:t>
+              <a:t>2022. 5. 3.</a:t>
             </a:fld>
             <a:endParaRPr kumimoji="1" lang="ko-Kore-KR" altLang="en-US"/>
           </a:p>
@@ -886,7 +887,7 @@
           <a:p>
             <a:fld id="{CA0C9A70-06BB-774B-8A5A-F2019B565F3F}" type="datetimeFigureOut">
               <a:rPr kumimoji="1" lang="ko-Kore-KR" altLang="en-US" smtClean="0"/>
-              <a:t>2022. 5. 1.</a:t>
+              <a:t>2022. 5. 3.</a:t>
             </a:fld>
             <a:endParaRPr kumimoji="1" lang="ko-Kore-KR" altLang="en-US"/>
           </a:p>
@@ -1162,7 +1163,7 @@
           <a:p>
             <a:fld id="{CA0C9A70-06BB-774B-8A5A-F2019B565F3F}" type="datetimeFigureOut">
               <a:rPr kumimoji="1" lang="ko-Kore-KR" altLang="en-US" smtClean="0"/>
-              <a:t>2022. 5. 1.</a:t>
+              <a:t>2022. 5. 3.</a:t>
             </a:fld>
             <a:endParaRPr kumimoji="1" lang="ko-Kore-KR" altLang="en-US"/>
           </a:p>
@@ -1430,7 +1431,7 @@
           <a:p>
             <a:fld id="{CA0C9A70-06BB-774B-8A5A-F2019B565F3F}" type="datetimeFigureOut">
               <a:rPr kumimoji="1" lang="ko-Kore-KR" altLang="en-US" smtClean="0"/>
-              <a:t>2022. 5. 1.</a:t>
+              <a:t>2022. 5. 3.</a:t>
             </a:fld>
             <a:endParaRPr kumimoji="1" lang="ko-Kore-KR" altLang="en-US"/>
           </a:p>
@@ -1845,7 +1846,7 @@
           <a:p>
             <a:fld id="{CA0C9A70-06BB-774B-8A5A-F2019B565F3F}" type="datetimeFigureOut">
               <a:rPr kumimoji="1" lang="ko-Kore-KR" altLang="en-US" smtClean="0"/>
-              <a:t>2022. 5. 1.</a:t>
+              <a:t>2022. 5. 3.</a:t>
             </a:fld>
             <a:endParaRPr kumimoji="1" lang="ko-Kore-KR" altLang="en-US"/>
           </a:p>
@@ -1987,7 +1988,7 @@
           <a:p>
             <a:fld id="{CA0C9A70-06BB-774B-8A5A-F2019B565F3F}" type="datetimeFigureOut">
               <a:rPr kumimoji="1" lang="ko-Kore-KR" altLang="en-US" smtClean="0"/>
-              <a:t>2022. 5. 1.</a:t>
+              <a:t>2022. 5. 3.</a:t>
             </a:fld>
             <a:endParaRPr kumimoji="1" lang="ko-Kore-KR" altLang="en-US"/>
           </a:p>
@@ -2100,7 +2101,7 @@
           <a:p>
             <a:fld id="{CA0C9A70-06BB-774B-8A5A-F2019B565F3F}" type="datetimeFigureOut">
               <a:rPr kumimoji="1" lang="ko-Kore-KR" altLang="en-US" smtClean="0"/>
-              <a:t>2022. 5. 1.</a:t>
+              <a:t>2022. 5. 3.</a:t>
             </a:fld>
             <a:endParaRPr kumimoji="1" lang="ko-Kore-KR" altLang="en-US"/>
           </a:p>
@@ -2413,7 +2414,7 @@
           <a:p>
             <a:fld id="{CA0C9A70-06BB-774B-8A5A-F2019B565F3F}" type="datetimeFigureOut">
               <a:rPr kumimoji="1" lang="ko-Kore-KR" altLang="en-US" smtClean="0"/>
-              <a:t>2022. 5. 1.</a:t>
+              <a:t>2022. 5. 3.</a:t>
             </a:fld>
             <a:endParaRPr kumimoji="1" lang="ko-Kore-KR" altLang="en-US"/>
           </a:p>
@@ -2702,7 +2703,7 @@
           <a:p>
             <a:fld id="{CA0C9A70-06BB-774B-8A5A-F2019B565F3F}" type="datetimeFigureOut">
               <a:rPr kumimoji="1" lang="ko-Kore-KR" altLang="en-US" smtClean="0"/>
-              <a:t>2022. 5. 1.</a:t>
+              <a:t>2022. 5. 3.</a:t>
             </a:fld>
             <a:endParaRPr kumimoji="1" lang="ko-Kore-KR" altLang="en-US"/>
           </a:p>
@@ -2945,7 +2946,7 @@
           <a:p>
             <a:fld id="{CA0C9A70-06BB-774B-8A5A-F2019B565F3F}" type="datetimeFigureOut">
               <a:rPr kumimoji="1" lang="ko-Kore-KR" altLang="en-US" smtClean="0"/>
-              <a:t>2022. 5. 1.</a:t>
+              <a:t>2022. 5. 3.</a:t>
             </a:fld>
             <a:endParaRPr kumimoji="1" lang="ko-Kore-KR" altLang="en-US"/>
           </a:p>
@@ -3507,10 +3508,2594 @@
           <a:chExt cx="0" cy="0"/>
         </a:xfrm>
       </p:grpSpPr>
+      <p:sp>
+        <p:nvSpPr>
+          <p:cNvPr id="11" name="모서리가 둥근 직사각형 10">
+            <a:extLst>
+              <a:ext uri="{FF2B5EF4-FFF2-40B4-BE49-F238E27FC236}">
+                <a16:creationId xmlns:a16="http://schemas.microsoft.com/office/drawing/2014/main" id="{2F63CCEA-3F5B-BA48-9B5A-685CD3779618}"/>
+              </a:ext>
+            </a:extLst>
+          </p:cNvPr>
+          <p:cNvSpPr/>
+          <p:nvPr/>
+        </p:nvSpPr>
+        <p:spPr>
+          <a:xfrm>
+            <a:off x="7530359" y="186376"/>
+            <a:ext cx="1382257" cy="320574"/>
+          </a:xfrm>
+          <a:prstGeom prst="roundRect">
+            <a:avLst/>
+          </a:prstGeom>
+          <a:solidFill>
+            <a:srgbClr val="FD997D"/>
+          </a:solidFill>
+          <a:ln>
+            <a:noFill/>
+          </a:ln>
+        </p:spPr>
+        <p:style>
+          <a:lnRef idx="2">
+            <a:schemeClr val="accent1">
+              <a:shade val="50000"/>
+            </a:schemeClr>
+          </a:lnRef>
+          <a:fillRef idx="1">
+            <a:schemeClr val="accent1"/>
+          </a:fillRef>
+          <a:effectRef idx="0">
+            <a:schemeClr val="accent1"/>
+          </a:effectRef>
+          <a:fontRef idx="minor">
+            <a:schemeClr val="lt1"/>
+          </a:fontRef>
+        </p:style>
+        <p:txBody>
+          <a:bodyPr rtlCol="0" anchor="ctr"/>
+          <a:lstStyle/>
+          <a:p>
+            <a:pPr algn="ctr"/>
+            <a:r>
+              <a:rPr kumimoji="1" lang="en-US" altLang="ko-Kore-KR" dirty="0">
+                <a:solidFill>
+                  <a:sysClr val="windowText" lastClr="000000"/>
+                </a:solidFill>
+              </a:rPr>
+              <a:t>Model</a:t>
+            </a:r>
+          </a:p>
+        </p:txBody>
+      </p:sp>
+      <p:sp>
+        <p:nvSpPr>
+          <p:cNvPr id="12" name="모서리가 둥근 직사각형 11">
+            <a:extLst>
+              <a:ext uri="{FF2B5EF4-FFF2-40B4-BE49-F238E27FC236}">
+                <a16:creationId xmlns:a16="http://schemas.microsoft.com/office/drawing/2014/main" id="{0F495902-A207-5344-8779-E7AFD0080D40}"/>
+              </a:ext>
+            </a:extLst>
+          </p:cNvPr>
+          <p:cNvSpPr/>
+          <p:nvPr/>
+        </p:nvSpPr>
+        <p:spPr>
+          <a:xfrm>
+            <a:off x="9076130" y="186376"/>
+            <a:ext cx="1382257" cy="320574"/>
+          </a:xfrm>
+          <a:prstGeom prst="roundRect">
+            <a:avLst/>
+          </a:prstGeom>
+          <a:solidFill>
+            <a:schemeClr val="accent6">
+              <a:lumMod val="40000"/>
+              <a:lumOff val="60000"/>
+            </a:schemeClr>
+          </a:solidFill>
+          <a:ln>
+            <a:noFill/>
+          </a:ln>
+        </p:spPr>
+        <p:style>
+          <a:lnRef idx="2">
+            <a:schemeClr val="accent1">
+              <a:shade val="50000"/>
+            </a:schemeClr>
+          </a:lnRef>
+          <a:fillRef idx="1">
+            <a:schemeClr val="accent1"/>
+          </a:fillRef>
+          <a:effectRef idx="0">
+            <a:schemeClr val="accent1"/>
+          </a:effectRef>
+          <a:fontRef idx="minor">
+            <a:schemeClr val="lt1"/>
+          </a:fontRef>
+        </p:style>
+        <p:txBody>
+          <a:bodyPr rtlCol="0" anchor="ctr"/>
+          <a:lstStyle/>
+          <a:p>
+            <a:pPr algn="ctr"/>
+            <a:r>
+              <a:rPr kumimoji="1" lang="en-US" altLang="ko-Kore-KR" dirty="0">
+                <a:solidFill>
+                  <a:sysClr val="windowText" lastClr="000000"/>
+                </a:solidFill>
+              </a:rPr>
+              <a:t>View</a:t>
+            </a:r>
+            <a:endParaRPr kumimoji="1" lang="ko-Kore-KR" altLang="en-US" dirty="0">
+              <a:solidFill>
+                <a:sysClr val="windowText" lastClr="000000"/>
+              </a:solidFill>
+            </a:endParaRPr>
+          </a:p>
+        </p:txBody>
+      </p:sp>
+      <p:sp>
+        <p:nvSpPr>
+          <p:cNvPr id="30" name="모서리가 둥근 직사각형 29">
+            <a:extLst>
+              <a:ext uri="{FF2B5EF4-FFF2-40B4-BE49-F238E27FC236}">
+                <a16:creationId xmlns:a16="http://schemas.microsoft.com/office/drawing/2014/main" id="{53E9542E-315B-D643-8807-BEE13D57201E}"/>
+              </a:ext>
+            </a:extLst>
+          </p:cNvPr>
+          <p:cNvSpPr/>
+          <p:nvPr/>
+        </p:nvSpPr>
+        <p:spPr>
+          <a:xfrm>
+            <a:off x="10621901" y="194313"/>
+            <a:ext cx="1382257" cy="320574"/>
+          </a:xfrm>
+          <a:prstGeom prst="roundRect">
+            <a:avLst/>
+          </a:prstGeom>
+          <a:solidFill>
+            <a:schemeClr val="accent4">
+              <a:lumMod val="20000"/>
+              <a:lumOff val="80000"/>
+            </a:schemeClr>
+          </a:solidFill>
+          <a:ln>
+            <a:noFill/>
+          </a:ln>
+        </p:spPr>
+        <p:style>
+          <a:lnRef idx="2">
+            <a:schemeClr val="accent1">
+              <a:shade val="50000"/>
+            </a:schemeClr>
+          </a:lnRef>
+          <a:fillRef idx="1">
+            <a:schemeClr val="accent1"/>
+          </a:fillRef>
+          <a:effectRef idx="0">
+            <a:schemeClr val="accent1"/>
+          </a:effectRef>
+          <a:fontRef idx="minor">
+            <a:schemeClr val="lt1"/>
+          </a:fontRef>
+        </p:style>
+        <p:txBody>
+          <a:bodyPr rtlCol="0" anchor="ctr"/>
+          <a:lstStyle/>
+          <a:p>
+            <a:pPr algn="ctr"/>
+            <a:r>
+              <a:rPr kumimoji="1" lang="en-US" altLang="ko-Kore-KR" dirty="0">
+                <a:solidFill>
+                  <a:sysClr val="windowText" lastClr="000000"/>
+                </a:solidFill>
+              </a:rPr>
+              <a:t>Controller</a:t>
+            </a:r>
+            <a:endParaRPr kumimoji="1" lang="ko-Kore-KR" altLang="en-US" dirty="0">
+              <a:solidFill>
+                <a:sysClr val="windowText" lastClr="000000"/>
+              </a:solidFill>
+            </a:endParaRPr>
+          </a:p>
+        </p:txBody>
+      </p:sp>
+      <p:sp>
+        <p:nvSpPr>
+          <p:cNvPr id="29" name="모서리가 둥근 직사각형 28">
+            <a:extLst>
+              <a:ext uri="{FF2B5EF4-FFF2-40B4-BE49-F238E27FC236}">
+                <a16:creationId xmlns:a16="http://schemas.microsoft.com/office/drawing/2014/main" id="{45E8FE5A-E451-2445-9B62-D1A4CECF240B}"/>
+              </a:ext>
+            </a:extLst>
+          </p:cNvPr>
+          <p:cNvSpPr/>
+          <p:nvPr/>
+        </p:nvSpPr>
+        <p:spPr>
+          <a:xfrm>
+            <a:off x="5984588" y="194313"/>
+            <a:ext cx="1382257" cy="320574"/>
+          </a:xfrm>
+          <a:prstGeom prst="roundRect">
+            <a:avLst/>
+          </a:prstGeom>
+          <a:solidFill>
+            <a:srgbClr val="B870EA"/>
+          </a:solidFill>
+          <a:ln>
+            <a:noFill/>
+          </a:ln>
+        </p:spPr>
+        <p:style>
+          <a:lnRef idx="2">
+            <a:schemeClr val="accent1">
+              <a:shade val="50000"/>
+            </a:schemeClr>
+          </a:lnRef>
+          <a:fillRef idx="1">
+            <a:schemeClr val="accent1"/>
+          </a:fillRef>
+          <a:effectRef idx="0">
+            <a:schemeClr val="accent1"/>
+          </a:effectRef>
+          <a:fontRef idx="minor">
+            <a:schemeClr val="lt1"/>
+          </a:fontRef>
+        </p:style>
+        <p:txBody>
+          <a:bodyPr rtlCol="0" anchor="ctr"/>
+          <a:lstStyle/>
+          <a:p>
+            <a:pPr algn="ctr"/>
+            <a:r>
+              <a:rPr kumimoji="1" lang="en-US" altLang="ko-Kore-KR" dirty="0">
+                <a:solidFill>
+                  <a:sysClr val="windowText" lastClr="000000"/>
+                </a:solidFill>
+              </a:rPr>
+              <a:t>DB</a:t>
+            </a:r>
+          </a:p>
+        </p:txBody>
+      </p:sp>
+      <p:sp>
+        <p:nvSpPr>
+          <p:cNvPr id="32" name="모서리가 둥근 직사각형 31">
+            <a:extLst>
+              <a:ext uri="{FF2B5EF4-FFF2-40B4-BE49-F238E27FC236}">
+                <a16:creationId xmlns:a16="http://schemas.microsoft.com/office/drawing/2014/main" id="{ACE1A9E1-1B44-294D-9DA6-F7389B03D7E1}"/>
+              </a:ext>
+            </a:extLst>
+          </p:cNvPr>
+          <p:cNvSpPr/>
+          <p:nvPr/>
+        </p:nvSpPr>
+        <p:spPr>
+          <a:xfrm>
+            <a:off x="289950" y="2639406"/>
+            <a:ext cx="1382257" cy="1579188"/>
+          </a:xfrm>
+          <a:prstGeom prst="roundRect">
+            <a:avLst/>
+          </a:prstGeom>
+          <a:solidFill>
+            <a:srgbClr val="B870EA"/>
+          </a:solidFill>
+          <a:ln>
+            <a:noFill/>
+          </a:ln>
+        </p:spPr>
+        <p:style>
+          <a:lnRef idx="2">
+            <a:schemeClr val="accent1">
+              <a:shade val="50000"/>
+            </a:schemeClr>
+          </a:lnRef>
+          <a:fillRef idx="1">
+            <a:schemeClr val="accent1"/>
+          </a:fillRef>
+          <a:effectRef idx="0">
+            <a:schemeClr val="accent1"/>
+          </a:effectRef>
+          <a:fontRef idx="minor">
+            <a:schemeClr val="lt1"/>
+          </a:fontRef>
+        </p:style>
+        <p:txBody>
+          <a:bodyPr rtlCol="0" anchor="ctr"/>
+          <a:lstStyle/>
+          <a:p>
+            <a:pPr algn="ctr"/>
+            <a:r>
+              <a:rPr kumimoji="1" lang="en-US" altLang="ko-Kore-KR" dirty="0">
+                <a:solidFill>
+                  <a:sysClr val="windowText" lastClr="000000"/>
+                </a:solidFill>
+              </a:rPr>
+              <a:t>Realm</a:t>
+            </a:r>
+          </a:p>
+        </p:txBody>
+      </p:sp>
+      <p:sp>
+        <p:nvSpPr>
+          <p:cNvPr id="9" name="모서리가 둥근 직사각형 8">
+            <a:extLst>
+              <a:ext uri="{FF2B5EF4-FFF2-40B4-BE49-F238E27FC236}">
+                <a16:creationId xmlns:a16="http://schemas.microsoft.com/office/drawing/2014/main" id="{2126D422-7365-7543-A7B2-8DFD9684F6B1}"/>
+              </a:ext>
+            </a:extLst>
+          </p:cNvPr>
+          <p:cNvSpPr/>
+          <p:nvPr/>
+        </p:nvSpPr>
+        <p:spPr>
+          <a:xfrm>
+            <a:off x="2299918" y="3107057"/>
+            <a:ext cx="1719991" cy="1800000"/>
+          </a:xfrm>
+          <a:prstGeom prst="roundRect">
+            <a:avLst/>
+          </a:prstGeom>
+          <a:solidFill>
+            <a:srgbClr val="FD997D"/>
+          </a:solidFill>
+          <a:ln>
+            <a:noFill/>
+          </a:ln>
+        </p:spPr>
+        <p:style>
+          <a:lnRef idx="2">
+            <a:schemeClr val="accent1">
+              <a:shade val="50000"/>
+            </a:schemeClr>
+          </a:lnRef>
+          <a:fillRef idx="1">
+            <a:schemeClr val="accent1"/>
+          </a:fillRef>
+          <a:effectRef idx="0">
+            <a:schemeClr val="accent1"/>
+          </a:effectRef>
+          <a:fontRef idx="minor">
+            <a:schemeClr val="lt1"/>
+          </a:fontRef>
+        </p:style>
+        <p:txBody>
+          <a:bodyPr rtlCol="0" anchor="ctr"/>
+          <a:lstStyle/>
+          <a:p>
+            <a:pPr algn="ctr"/>
+            <a:r>
+              <a:rPr kumimoji="1" lang="en-US" altLang="ko-Kore-KR" dirty="0">
+                <a:solidFill>
+                  <a:sysClr val="windowText" lastClr="000000"/>
+                </a:solidFill>
+              </a:rPr>
+              <a:t>To Do</a:t>
+            </a:r>
+          </a:p>
+          <a:p>
+            <a:pPr algn="ctr"/>
+            <a:endParaRPr kumimoji="1" lang="en-US" altLang="ko-Kore-KR" dirty="0">
+              <a:solidFill>
+                <a:sysClr val="windowText" lastClr="000000"/>
+              </a:solidFill>
+            </a:endParaRPr>
+          </a:p>
+          <a:p>
+            <a:pPr marL="285750" indent="-285750">
+              <a:buFontTx/>
+              <a:buChar char="-"/>
+            </a:pPr>
+            <a:r>
+              <a:rPr kumimoji="1" lang="en-US" altLang="ko-Kore-KR" sz="1200" dirty="0">
+                <a:solidFill>
+                  <a:sysClr val="windowText" lastClr="000000"/>
+                </a:solidFill>
+              </a:rPr>
+              <a:t>title: String</a:t>
+            </a:r>
+          </a:p>
+          <a:p>
+            <a:pPr marL="285750" indent="-285750">
+              <a:buFontTx/>
+              <a:buChar char="-"/>
+            </a:pPr>
+            <a:r>
+              <a:rPr kumimoji="1" lang="en-US" altLang="ko-Kore-KR" sz="1200" dirty="0">
+                <a:solidFill>
+                  <a:sysClr val="windowText" lastClr="000000"/>
+                </a:solidFill>
+              </a:rPr>
+              <a:t>memo: String</a:t>
+            </a:r>
+          </a:p>
+          <a:p>
+            <a:pPr marL="285750" indent="-285750">
+              <a:buFontTx/>
+              <a:buChar char="-"/>
+            </a:pPr>
+            <a:r>
+              <a:rPr kumimoji="1" lang="en-US" altLang="ko-Kore-KR" sz="1200" dirty="0" err="1">
+                <a:solidFill>
+                  <a:sysClr val="windowText" lastClr="000000"/>
+                </a:solidFill>
+              </a:rPr>
+              <a:t>isChecked</a:t>
+            </a:r>
+            <a:r>
+              <a:rPr kumimoji="1" lang="en-US" altLang="ko-Kore-KR" sz="1200" dirty="0">
+                <a:solidFill>
+                  <a:sysClr val="windowText" lastClr="000000"/>
+                </a:solidFill>
+              </a:rPr>
+              <a:t>: Bool</a:t>
+            </a:r>
+          </a:p>
+          <a:p>
+            <a:pPr marL="285750" indent="-285750">
+              <a:buFontTx/>
+              <a:buChar char="-"/>
+            </a:pPr>
+            <a:r>
+              <a:rPr kumimoji="1" lang="en-US" altLang="ko-Kore-KR" sz="1200" dirty="0" err="1">
+                <a:solidFill>
+                  <a:sysClr val="windowText" lastClr="000000"/>
+                </a:solidFill>
+              </a:rPr>
+              <a:t>startDate</a:t>
+            </a:r>
+            <a:r>
+              <a:rPr kumimoji="1" lang="en-US" altLang="ko-Kore-KR" sz="1200" dirty="0">
+                <a:solidFill>
+                  <a:sysClr val="windowText" lastClr="000000"/>
+                </a:solidFill>
+              </a:rPr>
+              <a:t>: Date</a:t>
+            </a:r>
+          </a:p>
+          <a:p>
+            <a:pPr marL="285750" indent="-285750">
+              <a:buFontTx/>
+              <a:buChar char="-"/>
+            </a:pPr>
+            <a:r>
+              <a:rPr kumimoji="1" lang="en-US" altLang="ko-Kore-KR" sz="1200" dirty="0" err="1">
+                <a:solidFill>
+                  <a:sysClr val="windowText" lastClr="000000"/>
+                </a:solidFill>
+              </a:rPr>
+              <a:t>endDate</a:t>
+            </a:r>
+            <a:r>
+              <a:rPr kumimoji="1" lang="en-US" altLang="ko-Kore-KR" sz="1200" dirty="0">
+                <a:solidFill>
+                  <a:sysClr val="windowText" lastClr="000000"/>
+                </a:solidFill>
+              </a:rPr>
+              <a:t>: Date</a:t>
+            </a:r>
+          </a:p>
+        </p:txBody>
+      </p:sp>
+      <p:sp>
+        <p:nvSpPr>
+          <p:cNvPr id="10" name="모서리가 둥근 직사각형 9">
+            <a:extLst>
+              <a:ext uri="{FF2B5EF4-FFF2-40B4-BE49-F238E27FC236}">
+                <a16:creationId xmlns:a16="http://schemas.microsoft.com/office/drawing/2014/main" id="{C5CD0510-17AD-8B40-A414-68CE71F5D9A0}"/>
+              </a:ext>
+            </a:extLst>
+          </p:cNvPr>
+          <p:cNvSpPr/>
+          <p:nvPr/>
+        </p:nvSpPr>
+        <p:spPr>
+          <a:xfrm>
+            <a:off x="2299918" y="848777"/>
+            <a:ext cx="1719991" cy="1800000"/>
+          </a:xfrm>
+          <a:prstGeom prst="roundRect">
+            <a:avLst/>
+          </a:prstGeom>
+          <a:solidFill>
+            <a:srgbClr val="FD997D"/>
+          </a:solidFill>
+          <a:ln>
+            <a:noFill/>
+          </a:ln>
+        </p:spPr>
+        <p:style>
+          <a:lnRef idx="2">
+            <a:schemeClr val="accent1">
+              <a:shade val="50000"/>
+            </a:schemeClr>
+          </a:lnRef>
+          <a:fillRef idx="1">
+            <a:schemeClr val="accent1"/>
+          </a:fillRef>
+          <a:effectRef idx="0">
+            <a:schemeClr val="accent1"/>
+          </a:effectRef>
+          <a:fontRef idx="minor">
+            <a:schemeClr val="lt1"/>
+          </a:fontRef>
+        </p:style>
+        <p:txBody>
+          <a:bodyPr rtlCol="0" anchor="ctr"/>
+          <a:lstStyle/>
+          <a:p>
+            <a:pPr algn="ctr"/>
+            <a:r>
+              <a:rPr kumimoji="1" lang="en-US" altLang="ko-Kore-KR" dirty="0">
+                <a:solidFill>
+                  <a:sysClr val="windowText" lastClr="000000"/>
+                </a:solidFill>
+              </a:rPr>
+              <a:t>Diary</a:t>
+            </a:r>
+          </a:p>
+          <a:p>
+            <a:pPr algn="ctr"/>
+            <a:endParaRPr kumimoji="1" lang="en-US" altLang="ko-Kore-KR" dirty="0">
+              <a:solidFill>
+                <a:sysClr val="windowText" lastClr="000000"/>
+              </a:solidFill>
+            </a:endParaRPr>
+          </a:p>
+          <a:p>
+            <a:pPr marL="285750" indent="-285750">
+              <a:buFontTx/>
+              <a:buChar char="-"/>
+            </a:pPr>
+            <a:r>
+              <a:rPr kumimoji="1" lang="en-US" altLang="ko-Kore-KR" sz="1200" dirty="0">
+                <a:solidFill>
+                  <a:sysClr val="windowText" lastClr="000000"/>
+                </a:solidFill>
+              </a:rPr>
+              <a:t>content: String</a:t>
+            </a:r>
+          </a:p>
+          <a:p>
+            <a:pPr marL="285750" indent="-285750">
+              <a:buFontTx/>
+              <a:buChar char="-"/>
+            </a:pPr>
+            <a:r>
+              <a:rPr kumimoji="1" lang="en-US" altLang="ko-Kore-KR" sz="1200" dirty="0">
+                <a:solidFill>
+                  <a:sysClr val="windowText" lastClr="000000"/>
+                </a:solidFill>
+              </a:rPr>
+              <a:t>hashtag: [String]</a:t>
+            </a:r>
+          </a:p>
+          <a:p>
+            <a:pPr marL="285750" indent="-285750">
+              <a:buFontTx/>
+              <a:buChar char="-"/>
+            </a:pPr>
+            <a:r>
+              <a:rPr kumimoji="1" lang="en-US" altLang="ko-Kore-KR" sz="1200" dirty="0">
+                <a:solidFill>
+                  <a:sysClr val="windowText" lastClr="000000"/>
+                </a:solidFill>
+              </a:rPr>
+              <a:t>date: Date</a:t>
+            </a:r>
+          </a:p>
+          <a:p>
+            <a:pPr marL="285750" indent="-285750">
+              <a:buFontTx/>
+              <a:buChar char="-"/>
+            </a:pPr>
+            <a:r>
+              <a:rPr kumimoji="1" lang="en-US" altLang="ko-Kore-KR" sz="1200" dirty="0">
+                <a:solidFill>
+                  <a:sysClr val="windowText" lastClr="000000"/>
+                </a:solidFill>
+              </a:rPr>
+              <a:t>picture: </a:t>
+            </a:r>
+            <a:r>
+              <a:rPr kumimoji="1" lang="en-US" altLang="ko-Kore-KR" sz="1200" dirty="0" err="1">
+                <a:solidFill>
+                  <a:sysClr val="windowText" lastClr="000000"/>
+                </a:solidFill>
+              </a:rPr>
+              <a:t>UIImage</a:t>
+            </a:r>
+            <a:endParaRPr kumimoji="1" lang="en-US" altLang="ko-Kore-KR" sz="1600" dirty="0">
+              <a:solidFill>
+                <a:sysClr val="windowText" lastClr="000000"/>
+              </a:solidFill>
+            </a:endParaRPr>
+          </a:p>
+        </p:txBody>
+      </p:sp>
+      <p:sp>
+        <p:nvSpPr>
+          <p:cNvPr id="14" name="모서리가 둥근 직사각형 13">
+            <a:extLst>
+              <a:ext uri="{FF2B5EF4-FFF2-40B4-BE49-F238E27FC236}">
+                <a16:creationId xmlns:a16="http://schemas.microsoft.com/office/drawing/2014/main" id="{1F7D66E0-8E15-E041-8F98-CDBB97AAE82F}"/>
+              </a:ext>
+            </a:extLst>
+          </p:cNvPr>
+          <p:cNvSpPr/>
+          <p:nvPr/>
+        </p:nvSpPr>
+        <p:spPr>
+          <a:xfrm>
+            <a:off x="4389567" y="3842698"/>
+            <a:ext cx="1382257" cy="320574"/>
+          </a:xfrm>
+          <a:prstGeom prst="roundRect">
+            <a:avLst/>
+          </a:prstGeom>
+          <a:solidFill>
+            <a:schemeClr val="accent6">
+              <a:lumMod val="40000"/>
+              <a:lumOff val="60000"/>
+            </a:schemeClr>
+          </a:solidFill>
+          <a:ln>
+            <a:noFill/>
+          </a:ln>
+        </p:spPr>
+        <p:style>
+          <a:lnRef idx="2">
+            <a:schemeClr val="accent1">
+              <a:shade val="50000"/>
+            </a:schemeClr>
+          </a:lnRef>
+          <a:fillRef idx="1">
+            <a:schemeClr val="accent1"/>
+          </a:fillRef>
+          <a:effectRef idx="0">
+            <a:schemeClr val="accent1"/>
+          </a:effectRef>
+          <a:fontRef idx="minor">
+            <a:schemeClr val="lt1"/>
+          </a:fontRef>
+        </p:style>
+        <p:txBody>
+          <a:bodyPr rtlCol="0" anchor="ctr"/>
+          <a:lstStyle/>
+          <a:p>
+            <a:pPr algn="ctr"/>
+            <a:r>
+              <a:rPr kumimoji="1" lang="en-US" altLang="ko-Kore-KR" sz="1600" dirty="0" err="1">
+                <a:solidFill>
+                  <a:sysClr val="windowText" lastClr="000000"/>
+                </a:solidFill>
+              </a:rPr>
+              <a:t>ToDoCell</a:t>
+            </a:r>
+            <a:endParaRPr kumimoji="1" lang="ko-Kore-KR" altLang="en-US" sz="1600" dirty="0">
+              <a:solidFill>
+                <a:sysClr val="windowText" lastClr="000000"/>
+              </a:solidFill>
+            </a:endParaRPr>
+          </a:p>
+        </p:txBody>
+      </p:sp>
+      <p:sp>
+        <p:nvSpPr>
+          <p:cNvPr id="31" name="모서리가 둥근 직사각형 30">
+            <a:extLst>
+              <a:ext uri="{FF2B5EF4-FFF2-40B4-BE49-F238E27FC236}">
+                <a16:creationId xmlns:a16="http://schemas.microsoft.com/office/drawing/2014/main" id="{802F804E-1C93-4F4B-B476-9DF8615F6539}"/>
+              </a:ext>
+            </a:extLst>
+          </p:cNvPr>
+          <p:cNvSpPr/>
+          <p:nvPr/>
+        </p:nvSpPr>
+        <p:spPr>
+          <a:xfrm>
+            <a:off x="9592504" y="4677340"/>
+            <a:ext cx="1802921" cy="2160000"/>
+          </a:xfrm>
+          <a:prstGeom prst="roundRect">
+            <a:avLst/>
+          </a:prstGeom>
+          <a:solidFill>
+            <a:schemeClr val="accent6">
+              <a:lumMod val="75000"/>
+            </a:schemeClr>
+          </a:solidFill>
+          <a:ln>
+            <a:noFill/>
+          </a:ln>
+        </p:spPr>
+        <p:style>
+          <a:lnRef idx="2">
+            <a:schemeClr val="accent1">
+              <a:shade val="50000"/>
+            </a:schemeClr>
+          </a:lnRef>
+          <a:fillRef idx="1">
+            <a:schemeClr val="accent1"/>
+          </a:fillRef>
+          <a:effectRef idx="0">
+            <a:schemeClr val="accent1"/>
+          </a:effectRef>
+          <a:fontRef idx="minor">
+            <a:schemeClr val="lt1"/>
+          </a:fontRef>
+        </p:style>
+        <p:txBody>
+          <a:bodyPr rtlCol="0" anchor="ctr"/>
+          <a:lstStyle/>
+          <a:p>
+            <a:pPr algn="ctr"/>
+            <a:endParaRPr kumimoji="1" lang="ko-Kore-KR" altLang="en-US"/>
+          </a:p>
+        </p:txBody>
+      </p:sp>
+      <p:sp>
+        <p:nvSpPr>
+          <p:cNvPr id="15" name="모서리가 둥근 직사각형 14">
+            <a:extLst>
+              <a:ext uri="{FF2B5EF4-FFF2-40B4-BE49-F238E27FC236}">
+                <a16:creationId xmlns:a16="http://schemas.microsoft.com/office/drawing/2014/main" id="{7BAEA1CA-3394-8942-8D1D-DDFB37220599}"/>
+              </a:ext>
+            </a:extLst>
+          </p:cNvPr>
+          <p:cNvSpPr/>
+          <p:nvPr/>
+        </p:nvSpPr>
+        <p:spPr>
+          <a:xfrm>
+            <a:off x="9801981" y="5404842"/>
+            <a:ext cx="1382257" cy="326232"/>
+          </a:xfrm>
+          <a:prstGeom prst="roundRect">
+            <a:avLst/>
+          </a:prstGeom>
+          <a:solidFill>
+            <a:schemeClr val="accent6">
+              <a:lumMod val="40000"/>
+              <a:lumOff val="60000"/>
+            </a:schemeClr>
+          </a:solidFill>
+          <a:ln>
+            <a:noFill/>
+          </a:ln>
+        </p:spPr>
+        <p:style>
+          <a:lnRef idx="2">
+            <a:schemeClr val="accent1">
+              <a:shade val="50000"/>
+            </a:schemeClr>
+          </a:lnRef>
+          <a:fillRef idx="1">
+            <a:schemeClr val="accent1"/>
+          </a:fillRef>
+          <a:effectRef idx="0">
+            <a:schemeClr val="accent1"/>
+          </a:effectRef>
+          <a:fontRef idx="minor">
+            <a:schemeClr val="lt1"/>
+          </a:fontRef>
+        </p:style>
+        <p:txBody>
+          <a:bodyPr rtlCol="0" anchor="ctr"/>
+          <a:lstStyle/>
+          <a:p>
+            <a:pPr algn="ctr"/>
+            <a:r>
+              <a:rPr kumimoji="1" lang="en-US" altLang="ko-Kore-KR" sz="1400" dirty="0" err="1">
+                <a:solidFill>
+                  <a:sysClr val="windowText" lastClr="000000"/>
+                </a:solidFill>
+              </a:rPr>
+              <a:t>FontSizeCell</a:t>
+            </a:r>
+            <a:endParaRPr kumimoji="1" lang="ko-Kore-KR" altLang="en-US" sz="1400" dirty="0">
+              <a:solidFill>
+                <a:sysClr val="windowText" lastClr="000000"/>
+              </a:solidFill>
+            </a:endParaRPr>
+          </a:p>
+        </p:txBody>
+      </p:sp>
+      <p:sp>
+        <p:nvSpPr>
+          <p:cNvPr id="16" name="모서리가 둥근 직사각형 15">
+            <a:extLst>
+              <a:ext uri="{FF2B5EF4-FFF2-40B4-BE49-F238E27FC236}">
+                <a16:creationId xmlns:a16="http://schemas.microsoft.com/office/drawing/2014/main" id="{2F9A790D-82CC-E846-8C8B-4B33204BD382}"/>
+              </a:ext>
+            </a:extLst>
+          </p:cNvPr>
+          <p:cNvSpPr/>
+          <p:nvPr/>
+        </p:nvSpPr>
+        <p:spPr>
+          <a:xfrm>
+            <a:off x="9820858" y="6371729"/>
+            <a:ext cx="1382257" cy="326232"/>
+          </a:xfrm>
+          <a:prstGeom prst="roundRect">
+            <a:avLst/>
+          </a:prstGeom>
+          <a:solidFill>
+            <a:schemeClr val="accent6">
+              <a:lumMod val="40000"/>
+              <a:lumOff val="60000"/>
+            </a:schemeClr>
+          </a:solidFill>
+          <a:ln>
+            <a:noFill/>
+          </a:ln>
+        </p:spPr>
+        <p:style>
+          <a:lnRef idx="2">
+            <a:schemeClr val="accent1">
+              <a:shade val="50000"/>
+            </a:schemeClr>
+          </a:lnRef>
+          <a:fillRef idx="1">
+            <a:schemeClr val="accent1"/>
+          </a:fillRef>
+          <a:effectRef idx="0">
+            <a:schemeClr val="accent1"/>
+          </a:effectRef>
+          <a:fontRef idx="minor">
+            <a:schemeClr val="lt1"/>
+          </a:fontRef>
+        </p:style>
+        <p:txBody>
+          <a:bodyPr rtlCol="0" anchor="ctr"/>
+          <a:lstStyle/>
+          <a:p>
+            <a:pPr algn="ctr"/>
+            <a:r>
+              <a:rPr kumimoji="1" lang="en-US" altLang="ko-Kore-KR" sz="1400" dirty="0" err="1">
+                <a:solidFill>
+                  <a:sysClr val="windowText" lastClr="000000"/>
+                </a:solidFill>
+              </a:rPr>
+              <a:t>FilmCell</a:t>
+            </a:r>
+            <a:endParaRPr kumimoji="1" lang="en-US" altLang="ko-Kore-KR" sz="1400" dirty="0">
+              <a:solidFill>
+                <a:sysClr val="windowText" lastClr="000000"/>
+              </a:solidFill>
+            </a:endParaRPr>
+          </a:p>
+        </p:txBody>
+      </p:sp>
+      <p:sp>
+        <p:nvSpPr>
+          <p:cNvPr id="17" name="모서리가 둥근 직사각형 16">
+            <a:extLst>
+              <a:ext uri="{FF2B5EF4-FFF2-40B4-BE49-F238E27FC236}">
+                <a16:creationId xmlns:a16="http://schemas.microsoft.com/office/drawing/2014/main" id="{D287C181-50DF-8F44-AE8C-73F226049AAF}"/>
+              </a:ext>
+            </a:extLst>
+          </p:cNvPr>
+          <p:cNvSpPr/>
+          <p:nvPr/>
+        </p:nvSpPr>
+        <p:spPr>
+          <a:xfrm>
+            <a:off x="9801981" y="5888285"/>
+            <a:ext cx="1382257" cy="326232"/>
+          </a:xfrm>
+          <a:prstGeom prst="roundRect">
+            <a:avLst/>
+          </a:prstGeom>
+          <a:solidFill>
+            <a:schemeClr val="accent6">
+              <a:lumMod val="40000"/>
+              <a:lumOff val="60000"/>
+            </a:schemeClr>
+          </a:solidFill>
+          <a:ln>
+            <a:noFill/>
+          </a:ln>
+        </p:spPr>
+        <p:style>
+          <a:lnRef idx="2">
+            <a:schemeClr val="accent1">
+              <a:shade val="50000"/>
+            </a:schemeClr>
+          </a:lnRef>
+          <a:fillRef idx="1">
+            <a:schemeClr val="accent1"/>
+          </a:fillRef>
+          <a:effectRef idx="0">
+            <a:schemeClr val="accent1"/>
+          </a:effectRef>
+          <a:fontRef idx="minor">
+            <a:schemeClr val="lt1"/>
+          </a:fontRef>
+        </p:style>
+        <p:txBody>
+          <a:bodyPr rtlCol="0" anchor="ctr"/>
+          <a:lstStyle/>
+          <a:p>
+            <a:pPr algn="ctr"/>
+            <a:r>
+              <a:rPr kumimoji="1" lang="en-US" altLang="ko-Kore-KR" sz="1400" dirty="0" err="1">
+                <a:solidFill>
+                  <a:sysClr val="windowText" lastClr="000000"/>
+                </a:solidFill>
+              </a:rPr>
+              <a:t>FontSettingCell</a:t>
+            </a:r>
+            <a:endParaRPr kumimoji="1" lang="ko-Kore-KR" altLang="en-US" sz="1400" dirty="0">
+              <a:solidFill>
+                <a:sysClr val="windowText" lastClr="000000"/>
+              </a:solidFill>
+            </a:endParaRPr>
+          </a:p>
+        </p:txBody>
+      </p:sp>
+      <p:sp>
+        <p:nvSpPr>
+          <p:cNvPr id="18" name="모서리가 둥근 직사각형 17">
+            <a:extLst>
+              <a:ext uri="{FF2B5EF4-FFF2-40B4-BE49-F238E27FC236}">
+                <a16:creationId xmlns:a16="http://schemas.microsoft.com/office/drawing/2014/main" id="{26352B7A-3BE3-7348-9F81-EC586B34F149}"/>
+              </a:ext>
+            </a:extLst>
+          </p:cNvPr>
+          <p:cNvSpPr/>
+          <p:nvPr/>
+        </p:nvSpPr>
+        <p:spPr>
+          <a:xfrm>
+            <a:off x="9801981" y="4921782"/>
+            <a:ext cx="1382257" cy="326232"/>
+          </a:xfrm>
+          <a:prstGeom prst="roundRect">
+            <a:avLst/>
+          </a:prstGeom>
+          <a:solidFill>
+            <a:schemeClr val="accent6">
+              <a:lumMod val="40000"/>
+              <a:lumOff val="60000"/>
+            </a:schemeClr>
+          </a:solidFill>
+          <a:ln>
+            <a:noFill/>
+          </a:ln>
+        </p:spPr>
+        <p:style>
+          <a:lnRef idx="2">
+            <a:schemeClr val="accent1">
+              <a:shade val="50000"/>
+            </a:schemeClr>
+          </a:lnRef>
+          <a:fillRef idx="1">
+            <a:schemeClr val="accent1"/>
+          </a:fillRef>
+          <a:effectRef idx="0">
+            <a:schemeClr val="accent1"/>
+          </a:effectRef>
+          <a:fontRef idx="minor">
+            <a:schemeClr val="lt1"/>
+          </a:fontRef>
+        </p:style>
+        <p:txBody>
+          <a:bodyPr rtlCol="0" anchor="ctr"/>
+          <a:lstStyle/>
+          <a:p>
+            <a:pPr algn="ctr"/>
+            <a:r>
+              <a:rPr kumimoji="1" lang="en-US" altLang="ko-Kore-KR" sz="1400" dirty="0" err="1">
+                <a:solidFill>
+                  <a:sysClr val="windowText" lastClr="000000"/>
+                </a:solidFill>
+              </a:rPr>
+              <a:t>DateFormatCell</a:t>
+            </a:r>
+            <a:endParaRPr kumimoji="1" lang="ko-Kore-KR" altLang="en-US" sz="1400" dirty="0">
+              <a:solidFill>
+                <a:sysClr val="windowText" lastClr="000000"/>
+              </a:solidFill>
+            </a:endParaRPr>
+          </a:p>
+        </p:txBody>
+      </p:sp>
+      <p:sp>
+        <p:nvSpPr>
+          <p:cNvPr id="23" name="모서리가 둥근 직사각형 22">
+            <a:extLst>
+              <a:ext uri="{FF2B5EF4-FFF2-40B4-BE49-F238E27FC236}">
+                <a16:creationId xmlns:a16="http://schemas.microsoft.com/office/drawing/2014/main" id="{CD6CA262-19CD-E649-8F75-3B9CDC57CE99}"/>
+              </a:ext>
+            </a:extLst>
+          </p:cNvPr>
+          <p:cNvSpPr/>
+          <p:nvPr/>
+        </p:nvSpPr>
+        <p:spPr>
+          <a:xfrm>
+            <a:off x="6422164" y="5580760"/>
+            <a:ext cx="1260000" cy="360000"/>
+          </a:xfrm>
+          <a:prstGeom prst="roundRect">
+            <a:avLst/>
+          </a:prstGeom>
+          <a:solidFill>
+            <a:schemeClr val="accent4">
+              <a:lumMod val="20000"/>
+              <a:lumOff val="80000"/>
+            </a:schemeClr>
+          </a:solidFill>
+          <a:ln>
+            <a:noFill/>
+          </a:ln>
+        </p:spPr>
+        <p:style>
+          <a:lnRef idx="2">
+            <a:schemeClr val="accent1">
+              <a:shade val="50000"/>
+            </a:schemeClr>
+          </a:lnRef>
+          <a:fillRef idx="1">
+            <a:schemeClr val="accent1"/>
+          </a:fillRef>
+          <a:effectRef idx="0">
+            <a:schemeClr val="accent1"/>
+          </a:effectRef>
+          <a:fontRef idx="minor">
+            <a:schemeClr val="lt1"/>
+          </a:fontRef>
+        </p:style>
+        <p:txBody>
+          <a:bodyPr rtlCol="0" anchor="ctr"/>
+          <a:lstStyle/>
+          <a:p>
+            <a:pPr algn="ctr"/>
+            <a:r>
+              <a:rPr kumimoji="1" lang="en-US" altLang="ko-Kore-KR" sz="1600" dirty="0" err="1">
+                <a:solidFill>
+                  <a:sysClr val="windowText" lastClr="000000"/>
+                </a:solidFill>
+              </a:rPr>
+              <a:t>SettingVC</a:t>
+            </a:r>
+            <a:endParaRPr kumimoji="1" lang="ko-Kore-KR" altLang="en-US" sz="1600" dirty="0">
+              <a:solidFill>
+                <a:sysClr val="windowText" lastClr="000000"/>
+              </a:solidFill>
+            </a:endParaRPr>
+          </a:p>
+        </p:txBody>
+      </p:sp>
+      <p:sp>
+        <p:nvSpPr>
+          <p:cNvPr id="28" name="모서리가 둥근 직사각형 27">
+            <a:extLst>
+              <a:ext uri="{FF2B5EF4-FFF2-40B4-BE49-F238E27FC236}">
+                <a16:creationId xmlns:a16="http://schemas.microsoft.com/office/drawing/2014/main" id="{05C9F0C0-DE33-B241-B4C6-27A1A5403CD2}"/>
+              </a:ext>
+            </a:extLst>
+          </p:cNvPr>
+          <p:cNvSpPr/>
+          <p:nvPr/>
+        </p:nvSpPr>
+        <p:spPr>
+          <a:xfrm>
+            <a:off x="6167805" y="938777"/>
+            <a:ext cx="3240000" cy="1620000"/>
+          </a:xfrm>
+          <a:prstGeom prst="roundRect">
+            <a:avLst/>
+          </a:prstGeom>
+          <a:solidFill>
+            <a:schemeClr val="accent4">
+              <a:lumMod val="75000"/>
+            </a:schemeClr>
+          </a:solidFill>
+          <a:ln>
+            <a:noFill/>
+          </a:ln>
+        </p:spPr>
+        <p:style>
+          <a:lnRef idx="2">
+            <a:schemeClr val="accent1">
+              <a:shade val="50000"/>
+            </a:schemeClr>
+          </a:lnRef>
+          <a:fillRef idx="1">
+            <a:schemeClr val="accent1"/>
+          </a:fillRef>
+          <a:effectRef idx="0">
+            <a:schemeClr val="accent1"/>
+          </a:effectRef>
+          <a:fontRef idx="minor">
+            <a:schemeClr val="lt1"/>
+          </a:fontRef>
+        </p:style>
+        <p:txBody>
+          <a:bodyPr rtlCol="0" anchor="ctr"/>
+          <a:lstStyle/>
+          <a:p>
+            <a:pPr algn="ctr"/>
+            <a:endParaRPr kumimoji="1" lang="ko-Kore-KR" altLang="en-US"/>
+          </a:p>
+        </p:txBody>
+      </p:sp>
+      <p:sp>
+        <p:nvSpPr>
+          <p:cNvPr id="19" name="모서리가 둥근 직사각형 18">
+            <a:extLst>
+              <a:ext uri="{FF2B5EF4-FFF2-40B4-BE49-F238E27FC236}">
+                <a16:creationId xmlns:a16="http://schemas.microsoft.com/office/drawing/2014/main" id="{DE142DFC-C292-6D4E-92B2-F41CE60E7E33}"/>
+              </a:ext>
+            </a:extLst>
+          </p:cNvPr>
+          <p:cNvSpPr/>
+          <p:nvPr/>
+        </p:nvSpPr>
+        <p:spPr>
+          <a:xfrm>
+            <a:off x="6353785" y="1568777"/>
+            <a:ext cx="1260000" cy="360000"/>
+          </a:xfrm>
+          <a:prstGeom prst="roundRect">
+            <a:avLst/>
+          </a:prstGeom>
+          <a:solidFill>
+            <a:schemeClr val="accent4">
+              <a:lumMod val="20000"/>
+              <a:lumOff val="80000"/>
+            </a:schemeClr>
+          </a:solidFill>
+          <a:ln>
+            <a:noFill/>
+          </a:ln>
+        </p:spPr>
+        <p:style>
+          <a:lnRef idx="2">
+            <a:schemeClr val="accent1">
+              <a:shade val="50000"/>
+            </a:schemeClr>
+          </a:lnRef>
+          <a:fillRef idx="1">
+            <a:schemeClr val="accent1"/>
+          </a:fillRef>
+          <a:effectRef idx="0">
+            <a:schemeClr val="accent1"/>
+          </a:effectRef>
+          <a:fontRef idx="minor">
+            <a:schemeClr val="lt1"/>
+          </a:fontRef>
+        </p:style>
+        <p:txBody>
+          <a:bodyPr rtlCol="0" anchor="ctr"/>
+          <a:lstStyle/>
+          <a:p>
+            <a:pPr algn="ctr"/>
+            <a:r>
+              <a:rPr kumimoji="1" lang="en-US" altLang="ko-Kore-KR" sz="1600" dirty="0" err="1">
+                <a:solidFill>
+                  <a:sysClr val="windowText" lastClr="000000"/>
+                </a:solidFill>
+              </a:rPr>
+              <a:t>DiaryVC</a:t>
+            </a:r>
+            <a:endParaRPr kumimoji="1" lang="ko-Kore-KR" altLang="en-US" sz="1600" dirty="0">
+              <a:solidFill>
+                <a:sysClr val="windowText" lastClr="000000"/>
+              </a:solidFill>
+            </a:endParaRPr>
+          </a:p>
+        </p:txBody>
+      </p:sp>
+      <p:sp>
+        <p:nvSpPr>
+          <p:cNvPr id="20" name="모서리가 둥근 직사각형 19">
+            <a:extLst>
+              <a:ext uri="{FF2B5EF4-FFF2-40B4-BE49-F238E27FC236}">
+                <a16:creationId xmlns:a16="http://schemas.microsoft.com/office/drawing/2014/main" id="{9D00DDFF-B040-FE4A-8D44-366E3F7DFA96}"/>
+              </a:ext>
+            </a:extLst>
+          </p:cNvPr>
+          <p:cNvSpPr/>
+          <p:nvPr/>
+        </p:nvSpPr>
+        <p:spPr>
+          <a:xfrm>
+            <a:off x="7887401" y="1568777"/>
+            <a:ext cx="1260000" cy="360000"/>
+          </a:xfrm>
+          <a:prstGeom prst="roundRect">
+            <a:avLst/>
+          </a:prstGeom>
+          <a:solidFill>
+            <a:schemeClr val="accent4">
+              <a:lumMod val="20000"/>
+              <a:lumOff val="80000"/>
+            </a:schemeClr>
+          </a:solidFill>
+          <a:ln>
+            <a:noFill/>
+          </a:ln>
+        </p:spPr>
+        <p:style>
+          <a:lnRef idx="2">
+            <a:schemeClr val="accent1">
+              <a:shade val="50000"/>
+            </a:schemeClr>
+          </a:lnRef>
+          <a:fillRef idx="1">
+            <a:schemeClr val="accent1"/>
+          </a:fillRef>
+          <a:effectRef idx="0">
+            <a:schemeClr val="accent1"/>
+          </a:effectRef>
+          <a:fontRef idx="minor">
+            <a:schemeClr val="lt1"/>
+          </a:fontRef>
+        </p:style>
+        <p:txBody>
+          <a:bodyPr rtlCol="0" anchor="ctr"/>
+          <a:lstStyle/>
+          <a:p>
+            <a:pPr algn="ctr"/>
+            <a:r>
+              <a:rPr kumimoji="1" lang="en-US" altLang="ko-Kore-KR" sz="1600" dirty="0" err="1">
+                <a:solidFill>
+                  <a:sysClr val="windowText" lastClr="000000"/>
+                </a:solidFill>
+              </a:rPr>
+              <a:t>AddDiaryVC</a:t>
+            </a:r>
+            <a:endParaRPr kumimoji="1" lang="ko-Kore-KR" altLang="en-US" sz="1600" dirty="0">
+              <a:solidFill>
+                <a:sysClr val="windowText" lastClr="000000"/>
+              </a:solidFill>
+            </a:endParaRPr>
+          </a:p>
+        </p:txBody>
+      </p:sp>
+      <p:sp>
+        <p:nvSpPr>
+          <p:cNvPr id="25" name="모서리가 둥근 직사각형 24">
+            <a:extLst>
+              <a:ext uri="{FF2B5EF4-FFF2-40B4-BE49-F238E27FC236}">
+                <a16:creationId xmlns:a16="http://schemas.microsoft.com/office/drawing/2014/main" id="{B6BE6E2D-D9B0-4241-A153-E3C7C80B5D6D}"/>
+              </a:ext>
+            </a:extLst>
+          </p:cNvPr>
+          <p:cNvSpPr/>
+          <p:nvPr/>
+        </p:nvSpPr>
+        <p:spPr>
+          <a:xfrm>
+            <a:off x="6167805" y="3192985"/>
+            <a:ext cx="3240000" cy="1620000"/>
+          </a:xfrm>
+          <a:prstGeom prst="roundRect">
+            <a:avLst/>
+          </a:prstGeom>
+          <a:solidFill>
+            <a:schemeClr val="accent4">
+              <a:lumMod val="75000"/>
+            </a:schemeClr>
+          </a:solidFill>
+          <a:ln>
+            <a:noFill/>
+          </a:ln>
+        </p:spPr>
+        <p:style>
+          <a:lnRef idx="2">
+            <a:schemeClr val="accent1">
+              <a:shade val="50000"/>
+            </a:schemeClr>
+          </a:lnRef>
+          <a:fillRef idx="1">
+            <a:schemeClr val="accent1"/>
+          </a:fillRef>
+          <a:effectRef idx="0">
+            <a:schemeClr val="accent1"/>
+          </a:effectRef>
+          <a:fontRef idx="minor">
+            <a:schemeClr val="lt1"/>
+          </a:fontRef>
+        </p:style>
+        <p:txBody>
+          <a:bodyPr rtlCol="0" anchor="ctr"/>
+          <a:lstStyle/>
+          <a:p>
+            <a:pPr algn="ctr"/>
+            <a:endParaRPr kumimoji="1" lang="ko-Kore-KR" altLang="en-US"/>
+          </a:p>
+        </p:txBody>
+      </p:sp>
+      <p:sp>
+        <p:nvSpPr>
+          <p:cNvPr id="21" name="모서리가 둥근 직사각형 20">
+            <a:extLst>
+              <a:ext uri="{FF2B5EF4-FFF2-40B4-BE49-F238E27FC236}">
+                <a16:creationId xmlns:a16="http://schemas.microsoft.com/office/drawing/2014/main" id="{A051493F-9B00-3E40-982A-C3DAF4728315}"/>
+              </a:ext>
+            </a:extLst>
+          </p:cNvPr>
+          <p:cNvSpPr/>
+          <p:nvPr/>
+        </p:nvSpPr>
+        <p:spPr>
+          <a:xfrm>
+            <a:off x="6413538" y="3822985"/>
+            <a:ext cx="1260000" cy="360000"/>
+          </a:xfrm>
+          <a:prstGeom prst="roundRect">
+            <a:avLst/>
+          </a:prstGeom>
+          <a:solidFill>
+            <a:schemeClr val="accent4">
+              <a:lumMod val="20000"/>
+              <a:lumOff val="80000"/>
+            </a:schemeClr>
+          </a:solidFill>
+          <a:ln>
+            <a:noFill/>
+          </a:ln>
+        </p:spPr>
+        <p:style>
+          <a:lnRef idx="2">
+            <a:schemeClr val="accent1">
+              <a:shade val="50000"/>
+            </a:schemeClr>
+          </a:lnRef>
+          <a:fillRef idx="1">
+            <a:schemeClr val="accent1"/>
+          </a:fillRef>
+          <a:effectRef idx="0">
+            <a:schemeClr val="accent1"/>
+          </a:effectRef>
+          <a:fontRef idx="minor">
+            <a:schemeClr val="lt1"/>
+          </a:fontRef>
+        </p:style>
+        <p:txBody>
+          <a:bodyPr rtlCol="0" anchor="ctr"/>
+          <a:lstStyle/>
+          <a:p>
+            <a:pPr algn="ctr"/>
+            <a:r>
+              <a:rPr kumimoji="1" lang="en-US" altLang="ko-Kore-KR" sz="1600" dirty="0" err="1">
+                <a:solidFill>
+                  <a:sysClr val="windowText" lastClr="000000"/>
+                </a:solidFill>
+              </a:rPr>
+              <a:t>ToDoVC</a:t>
+            </a:r>
+            <a:endParaRPr kumimoji="1" lang="ko-Kore-KR" altLang="en-US" sz="1600" dirty="0">
+              <a:solidFill>
+                <a:sysClr val="windowText" lastClr="000000"/>
+              </a:solidFill>
+            </a:endParaRPr>
+          </a:p>
+        </p:txBody>
+      </p:sp>
+      <p:sp>
+        <p:nvSpPr>
+          <p:cNvPr id="22" name="모서리가 둥근 직사각형 21">
+            <a:extLst>
+              <a:ext uri="{FF2B5EF4-FFF2-40B4-BE49-F238E27FC236}">
+                <a16:creationId xmlns:a16="http://schemas.microsoft.com/office/drawing/2014/main" id="{F267A0F3-FDF3-044E-A186-B6EF7D4C9738}"/>
+              </a:ext>
+            </a:extLst>
+          </p:cNvPr>
+          <p:cNvSpPr/>
+          <p:nvPr/>
+        </p:nvSpPr>
+        <p:spPr>
+          <a:xfrm>
+            <a:off x="7944861" y="3822985"/>
+            <a:ext cx="1260000" cy="360000"/>
+          </a:xfrm>
+          <a:prstGeom prst="roundRect">
+            <a:avLst/>
+          </a:prstGeom>
+          <a:solidFill>
+            <a:schemeClr val="accent4">
+              <a:lumMod val="20000"/>
+              <a:lumOff val="80000"/>
+            </a:schemeClr>
+          </a:solidFill>
+          <a:ln>
+            <a:noFill/>
+          </a:ln>
+        </p:spPr>
+        <p:style>
+          <a:lnRef idx="2">
+            <a:schemeClr val="accent1">
+              <a:shade val="50000"/>
+            </a:schemeClr>
+          </a:lnRef>
+          <a:fillRef idx="1">
+            <a:schemeClr val="accent1"/>
+          </a:fillRef>
+          <a:effectRef idx="0">
+            <a:schemeClr val="accent1"/>
+          </a:effectRef>
+          <a:fontRef idx="minor">
+            <a:schemeClr val="lt1"/>
+          </a:fontRef>
+        </p:style>
+        <p:txBody>
+          <a:bodyPr rtlCol="0" anchor="ctr"/>
+          <a:lstStyle/>
+          <a:p>
+            <a:pPr algn="ctr"/>
+            <a:r>
+              <a:rPr kumimoji="1" lang="en-US" altLang="ko-Kore-KR" sz="1600" dirty="0" err="1">
+                <a:solidFill>
+                  <a:sysClr val="windowText" lastClr="000000"/>
+                </a:solidFill>
+              </a:rPr>
+              <a:t>AddToDoVC</a:t>
+            </a:r>
+            <a:endParaRPr kumimoji="1" lang="ko-Kore-KR" altLang="en-US" sz="1600" dirty="0">
+              <a:solidFill>
+                <a:sysClr val="windowText" lastClr="000000"/>
+              </a:solidFill>
+            </a:endParaRPr>
+          </a:p>
+        </p:txBody>
+      </p:sp>
+      <p:cxnSp>
+        <p:nvCxnSpPr>
+          <p:cNvPr id="35" name="직선 화살표 연결선 34">
+            <a:extLst>
+              <a:ext uri="{FF2B5EF4-FFF2-40B4-BE49-F238E27FC236}">
+                <a16:creationId xmlns:a16="http://schemas.microsoft.com/office/drawing/2014/main" id="{831C8F6F-A1F3-4743-B286-7D7C36AC7DC8}"/>
+              </a:ext>
+            </a:extLst>
+          </p:cNvPr>
+          <p:cNvCxnSpPr>
+            <a:cxnSpLocks/>
+            <a:stCxn id="32" idx="3"/>
+            <a:endCxn id="9" idx="1"/>
+          </p:cNvCxnSpPr>
+          <p:nvPr/>
+        </p:nvCxnSpPr>
+        <p:spPr>
+          <a:xfrm>
+            <a:off x="1672207" y="3429000"/>
+            <a:ext cx="627711" cy="578057"/>
+          </a:xfrm>
+          <a:prstGeom prst="straightConnector1">
+            <a:avLst/>
+          </a:prstGeom>
+          <a:ln w="28575">
+            <a:headEnd type="triangle" w="med" len="med"/>
+            <a:tailEnd type="triangle" w="med" len="med"/>
+          </a:ln>
+        </p:spPr>
+        <p:style>
+          <a:lnRef idx="1">
+            <a:schemeClr val="dk1"/>
+          </a:lnRef>
+          <a:fillRef idx="0">
+            <a:schemeClr val="dk1"/>
+          </a:fillRef>
+          <a:effectRef idx="0">
+            <a:schemeClr val="dk1"/>
+          </a:effectRef>
+          <a:fontRef idx="minor">
+            <a:schemeClr val="tx1"/>
+          </a:fontRef>
+        </p:style>
+      </p:cxnSp>
+      <p:cxnSp>
+        <p:nvCxnSpPr>
+          <p:cNvPr id="36" name="직선 화살표 연결선 35">
+            <a:extLst>
+              <a:ext uri="{FF2B5EF4-FFF2-40B4-BE49-F238E27FC236}">
+                <a16:creationId xmlns:a16="http://schemas.microsoft.com/office/drawing/2014/main" id="{C1959577-E053-AE4F-B7A9-B8B39D1F9299}"/>
+              </a:ext>
+            </a:extLst>
+          </p:cNvPr>
+          <p:cNvCxnSpPr>
+            <a:cxnSpLocks/>
+            <a:stCxn id="32" idx="3"/>
+            <a:endCxn id="10" idx="1"/>
+          </p:cNvCxnSpPr>
+          <p:nvPr/>
+        </p:nvCxnSpPr>
+        <p:spPr>
+          <a:xfrm flipV="1">
+            <a:off x="1672207" y="1748777"/>
+            <a:ext cx="627711" cy="1680223"/>
+          </a:xfrm>
+          <a:prstGeom prst="straightConnector1">
+            <a:avLst/>
+          </a:prstGeom>
+          <a:ln w="28575">
+            <a:headEnd type="triangle" w="med" len="med"/>
+            <a:tailEnd type="triangle" w="med" len="med"/>
+          </a:ln>
+        </p:spPr>
+        <p:style>
+          <a:lnRef idx="1">
+            <a:schemeClr val="dk1"/>
+          </a:lnRef>
+          <a:fillRef idx="0">
+            <a:schemeClr val="dk1"/>
+          </a:fillRef>
+          <a:effectRef idx="0">
+            <a:schemeClr val="dk1"/>
+          </a:effectRef>
+          <a:fontRef idx="minor">
+            <a:schemeClr val="tx1"/>
+          </a:fontRef>
+        </p:style>
+      </p:cxnSp>
+      <p:cxnSp>
+        <p:nvCxnSpPr>
+          <p:cNvPr id="44" name="직선 화살표 연결선 43">
+            <a:extLst>
+              <a:ext uri="{FF2B5EF4-FFF2-40B4-BE49-F238E27FC236}">
+                <a16:creationId xmlns:a16="http://schemas.microsoft.com/office/drawing/2014/main" id="{DE6FB62A-CF27-B64E-85A5-8977D2DEC02B}"/>
+              </a:ext>
+            </a:extLst>
+          </p:cNvPr>
+          <p:cNvCxnSpPr>
+            <a:cxnSpLocks/>
+            <a:stCxn id="9" idx="3"/>
+            <a:endCxn id="14" idx="1"/>
+          </p:cNvCxnSpPr>
+          <p:nvPr/>
+        </p:nvCxnSpPr>
+        <p:spPr>
+          <a:xfrm flipV="1">
+            <a:off x="4019909" y="4002985"/>
+            <a:ext cx="369658" cy="4072"/>
+          </a:xfrm>
+          <a:prstGeom prst="straightConnector1">
+            <a:avLst/>
+          </a:prstGeom>
+          <a:ln w="28575">
+            <a:headEnd type="none" w="med" len="med"/>
+            <a:tailEnd type="none" w="med" len="med"/>
+          </a:ln>
+        </p:spPr>
+        <p:style>
+          <a:lnRef idx="1">
+            <a:schemeClr val="dk1"/>
+          </a:lnRef>
+          <a:fillRef idx="0">
+            <a:schemeClr val="dk1"/>
+          </a:fillRef>
+          <a:effectRef idx="0">
+            <a:schemeClr val="dk1"/>
+          </a:effectRef>
+          <a:fontRef idx="minor">
+            <a:schemeClr val="tx1"/>
+          </a:fontRef>
+        </p:style>
+      </p:cxnSp>
+      <p:cxnSp>
+        <p:nvCxnSpPr>
+          <p:cNvPr id="47" name="직선 화살표 연결선 46">
+            <a:extLst>
+              <a:ext uri="{FF2B5EF4-FFF2-40B4-BE49-F238E27FC236}">
+                <a16:creationId xmlns:a16="http://schemas.microsoft.com/office/drawing/2014/main" id="{8D6C82CA-9F1E-6B48-8882-653D01558A47}"/>
+              </a:ext>
+            </a:extLst>
+          </p:cNvPr>
+          <p:cNvCxnSpPr>
+            <a:cxnSpLocks/>
+            <a:stCxn id="10" idx="3"/>
+            <a:endCxn id="28" idx="1"/>
+          </p:cNvCxnSpPr>
+          <p:nvPr/>
+        </p:nvCxnSpPr>
+        <p:spPr>
+          <a:xfrm>
+            <a:off x="4019909" y="1748777"/>
+            <a:ext cx="2147896" cy="0"/>
+          </a:xfrm>
+          <a:prstGeom prst="straightConnector1">
+            <a:avLst/>
+          </a:prstGeom>
+          <a:ln w="28575">
+            <a:tailEnd type="triangle"/>
+          </a:ln>
+        </p:spPr>
+        <p:style>
+          <a:lnRef idx="1">
+            <a:schemeClr val="dk1"/>
+          </a:lnRef>
+          <a:fillRef idx="0">
+            <a:schemeClr val="dk1"/>
+          </a:fillRef>
+          <a:effectRef idx="0">
+            <a:schemeClr val="dk1"/>
+          </a:effectRef>
+          <a:fontRef idx="minor">
+            <a:schemeClr val="tx1"/>
+          </a:fontRef>
+        </p:style>
+      </p:cxnSp>
+      <p:cxnSp>
+        <p:nvCxnSpPr>
+          <p:cNvPr id="53" name="직선 화살표 연결선 52">
+            <a:extLst>
+              <a:ext uri="{FF2B5EF4-FFF2-40B4-BE49-F238E27FC236}">
+                <a16:creationId xmlns:a16="http://schemas.microsoft.com/office/drawing/2014/main" id="{86E6140B-222C-6845-8451-CA39F7F9F071}"/>
+              </a:ext>
+            </a:extLst>
+          </p:cNvPr>
+          <p:cNvCxnSpPr>
+            <a:cxnSpLocks/>
+            <a:stCxn id="14" idx="3"/>
+            <a:endCxn id="25" idx="1"/>
+          </p:cNvCxnSpPr>
+          <p:nvPr/>
+        </p:nvCxnSpPr>
+        <p:spPr>
+          <a:xfrm>
+            <a:off x="5771824" y="4002985"/>
+            <a:ext cx="395981" cy="0"/>
+          </a:xfrm>
+          <a:prstGeom prst="straightConnector1">
+            <a:avLst/>
+          </a:prstGeom>
+          <a:ln w="28575">
+            <a:tailEnd type="triangle"/>
+          </a:ln>
+        </p:spPr>
+        <p:style>
+          <a:lnRef idx="1">
+            <a:schemeClr val="dk1"/>
+          </a:lnRef>
+          <a:fillRef idx="0">
+            <a:schemeClr val="dk1"/>
+          </a:fillRef>
+          <a:effectRef idx="0">
+            <a:schemeClr val="dk1"/>
+          </a:effectRef>
+          <a:fontRef idx="minor">
+            <a:schemeClr val="tx1"/>
+          </a:fontRef>
+        </p:style>
+      </p:cxnSp>
+      <p:cxnSp>
+        <p:nvCxnSpPr>
+          <p:cNvPr id="72" name="직선 화살표 연결선 71">
+            <a:extLst>
+              <a:ext uri="{FF2B5EF4-FFF2-40B4-BE49-F238E27FC236}">
+                <a16:creationId xmlns:a16="http://schemas.microsoft.com/office/drawing/2014/main" id="{404ABC3D-D14D-1C42-827B-6C33C31ABA63}"/>
+              </a:ext>
+            </a:extLst>
+          </p:cNvPr>
+          <p:cNvCxnSpPr>
+            <a:cxnSpLocks/>
+            <a:stCxn id="23" idx="3"/>
+            <a:endCxn id="31" idx="1"/>
+          </p:cNvCxnSpPr>
+          <p:nvPr/>
+        </p:nvCxnSpPr>
+        <p:spPr>
+          <a:xfrm flipV="1">
+            <a:off x="7682164" y="5757340"/>
+            <a:ext cx="1910340" cy="3420"/>
+          </a:xfrm>
+          <a:prstGeom prst="straightConnector1">
+            <a:avLst/>
+          </a:prstGeom>
+          <a:ln w="28575">
+            <a:tailEnd type="triangle"/>
+          </a:ln>
+        </p:spPr>
+        <p:style>
+          <a:lnRef idx="1">
+            <a:schemeClr val="dk1"/>
+          </a:lnRef>
+          <a:fillRef idx="0">
+            <a:schemeClr val="dk1"/>
+          </a:fillRef>
+          <a:effectRef idx="0">
+            <a:schemeClr val="dk1"/>
+          </a:effectRef>
+          <a:fontRef idx="minor">
+            <a:schemeClr val="tx1"/>
+          </a:fontRef>
+        </p:style>
+      </p:cxnSp>
+      <p:sp>
+        <p:nvSpPr>
+          <p:cNvPr id="73" name="직사각형 72">
+            <a:extLst>
+              <a:ext uri="{FF2B5EF4-FFF2-40B4-BE49-F238E27FC236}">
+                <a16:creationId xmlns:a16="http://schemas.microsoft.com/office/drawing/2014/main" id="{B6E3CC48-A4C7-6049-9465-8EADF438FAE2}"/>
+              </a:ext>
+            </a:extLst>
+          </p:cNvPr>
+          <p:cNvSpPr/>
+          <p:nvPr/>
+        </p:nvSpPr>
+        <p:spPr>
+          <a:xfrm>
+            <a:off x="5983106" y="577971"/>
+            <a:ext cx="1802921" cy="5793759"/>
+          </a:xfrm>
+          <a:prstGeom prst="rect">
+            <a:avLst/>
+          </a:prstGeom>
+          <a:noFill/>
+          <a:ln w="28575">
+            <a:solidFill>
+              <a:schemeClr val="accent4">
+                <a:lumMod val="60000"/>
+                <a:lumOff val="40000"/>
+              </a:schemeClr>
+            </a:solidFill>
+            <a:prstDash val="dash"/>
+          </a:ln>
+        </p:spPr>
+        <p:style>
+          <a:lnRef idx="2">
+            <a:schemeClr val="accent1">
+              <a:shade val="50000"/>
+            </a:schemeClr>
+          </a:lnRef>
+          <a:fillRef idx="1">
+            <a:schemeClr val="accent1"/>
+          </a:fillRef>
+          <a:effectRef idx="0">
+            <a:schemeClr val="accent1"/>
+          </a:effectRef>
+          <a:fontRef idx="minor">
+            <a:schemeClr val="lt1"/>
+          </a:fontRef>
+        </p:style>
+        <p:txBody>
+          <a:bodyPr rtlCol="0" anchor="ctr"/>
+          <a:lstStyle/>
+          <a:p>
+            <a:pPr algn="ctr"/>
+            <a:endParaRPr kumimoji="1" lang="ko-Kore-KR" altLang="en-US"/>
+          </a:p>
+        </p:txBody>
+      </p:sp>
+      <p:sp>
+        <p:nvSpPr>
+          <p:cNvPr id="77" name="TextBox 76">
+            <a:extLst>
+              <a:ext uri="{FF2B5EF4-FFF2-40B4-BE49-F238E27FC236}">
+                <a16:creationId xmlns:a16="http://schemas.microsoft.com/office/drawing/2014/main" id="{B512C87D-4061-134A-9609-866A45BA1D4D}"/>
+              </a:ext>
+            </a:extLst>
+          </p:cNvPr>
+          <p:cNvSpPr txBox="1"/>
+          <p:nvPr/>
+        </p:nvSpPr>
+        <p:spPr>
+          <a:xfrm>
+            <a:off x="6053831" y="573708"/>
+            <a:ext cx="876778" cy="369332"/>
+          </a:xfrm>
+          <a:prstGeom prst="rect">
+            <a:avLst/>
+          </a:prstGeom>
+          <a:noFill/>
+        </p:spPr>
+        <p:txBody>
+          <a:bodyPr wrap="none" rtlCol="0">
+            <a:spAutoFit/>
+          </a:bodyPr>
+          <a:lstStyle/>
+          <a:p>
+            <a:r>
+              <a:rPr kumimoji="1" lang="en-US" altLang="ko-Kore-KR" dirty="0"/>
+              <a:t>Tab bar</a:t>
+            </a:r>
+            <a:endParaRPr kumimoji="1" lang="ko-Kore-KR" altLang="en-US" dirty="0"/>
+          </a:p>
+        </p:txBody>
+      </p:sp>
+      <p:cxnSp>
+        <p:nvCxnSpPr>
+          <p:cNvPr id="81" name="직선 화살표 연결선 80">
+            <a:extLst>
+              <a:ext uri="{FF2B5EF4-FFF2-40B4-BE49-F238E27FC236}">
+                <a16:creationId xmlns:a16="http://schemas.microsoft.com/office/drawing/2014/main" id="{688629CB-AD69-9F4E-8D27-37434ABBAC47}"/>
+              </a:ext>
+            </a:extLst>
+          </p:cNvPr>
+          <p:cNvCxnSpPr>
+            <a:cxnSpLocks/>
+            <a:endCxn id="20" idx="1"/>
+          </p:cNvCxnSpPr>
+          <p:nvPr/>
+        </p:nvCxnSpPr>
+        <p:spPr>
+          <a:xfrm>
+            <a:off x="7613785" y="1748777"/>
+            <a:ext cx="270000" cy="0"/>
+          </a:xfrm>
+          <a:prstGeom prst="straightConnector1">
+            <a:avLst/>
+          </a:prstGeom>
+          <a:ln w="28575">
+            <a:headEnd type="triangle" w="med" len="med"/>
+            <a:tailEnd type="triangle" w="med" len="med"/>
+          </a:ln>
+        </p:spPr>
+        <p:style>
+          <a:lnRef idx="1">
+            <a:schemeClr val="dk1"/>
+          </a:lnRef>
+          <a:fillRef idx="0">
+            <a:schemeClr val="dk1"/>
+          </a:fillRef>
+          <a:effectRef idx="0">
+            <a:schemeClr val="dk1"/>
+          </a:effectRef>
+          <a:fontRef idx="minor">
+            <a:schemeClr val="tx1"/>
+          </a:fontRef>
+        </p:style>
+      </p:cxnSp>
+      <p:cxnSp>
+        <p:nvCxnSpPr>
+          <p:cNvPr id="84" name="직선 화살표 연결선 83">
+            <a:extLst>
+              <a:ext uri="{FF2B5EF4-FFF2-40B4-BE49-F238E27FC236}">
+                <a16:creationId xmlns:a16="http://schemas.microsoft.com/office/drawing/2014/main" id="{CA94C118-3336-AA45-86A5-134C324DF6B9}"/>
+              </a:ext>
+            </a:extLst>
+          </p:cNvPr>
+          <p:cNvCxnSpPr>
+            <a:cxnSpLocks/>
+            <a:stCxn id="21" idx="3"/>
+            <a:endCxn id="22" idx="1"/>
+          </p:cNvCxnSpPr>
+          <p:nvPr/>
+        </p:nvCxnSpPr>
+        <p:spPr>
+          <a:xfrm>
+            <a:off x="7673538" y="4002985"/>
+            <a:ext cx="271323" cy="0"/>
+          </a:xfrm>
+          <a:prstGeom prst="straightConnector1">
+            <a:avLst/>
+          </a:prstGeom>
+          <a:ln w="28575">
+            <a:headEnd type="triangle" w="med" len="med"/>
+            <a:tailEnd type="triangle" w="med" len="med"/>
+          </a:ln>
+        </p:spPr>
+        <p:style>
+          <a:lnRef idx="1">
+            <a:schemeClr val="dk1"/>
+          </a:lnRef>
+          <a:fillRef idx="0">
+            <a:schemeClr val="dk1"/>
+          </a:fillRef>
+          <a:effectRef idx="0">
+            <a:schemeClr val="dk1"/>
+          </a:effectRef>
+          <a:fontRef idx="minor">
+            <a:schemeClr val="tx1"/>
+          </a:fontRef>
+        </p:style>
+      </p:cxnSp>
+      <p:sp>
+        <p:nvSpPr>
+          <p:cNvPr id="37" name="모서리가 둥근 직사각형 36">
+            <a:extLst>
+              <a:ext uri="{FF2B5EF4-FFF2-40B4-BE49-F238E27FC236}">
+                <a16:creationId xmlns:a16="http://schemas.microsoft.com/office/drawing/2014/main" id="{112F15CB-D38A-8F4A-8F32-5C1B35289BF3}"/>
+              </a:ext>
+            </a:extLst>
+          </p:cNvPr>
+          <p:cNvSpPr/>
+          <p:nvPr/>
+        </p:nvSpPr>
+        <p:spPr>
+          <a:xfrm>
+            <a:off x="722150" y="213749"/>
+            <a:ext cx="1132529" cy="513045"/>
+          </a:xfrm>
+          <a:prstGeom prst="roundRect">
+            <a:avLst/>
+          </a:prstGeom>
+          <a:solidFill>
+            <a:srgbClr val="FD997D"/>
+          </a:solidFill>
+          <a:ln>
+            <a:noFill/>
+          </a:ln>
+        </p:spPr>
+        <p:style>
+          <a:lnRef idx="2">
+            <a:schemeClr val="accent1">
+              <a:shade val="50000"/>
+            </a:schemeClr>
+          </a:lnRef>
+          <a:fillRef idx="1">
+            <a:schemeClr val="accent1"/>
+          </a:fillRef>
+          <a:effectRef idx="0">
+            <a:schemeClr val="accent1"/>
+          </a:effectRef>
+          <a:fontRef idx="minor">
+            <a:schemeClr val="lt1"/>
+          </a:fontRef>
+        </p:style>
+        <p:txBody>
+          <a:bodyPr rtlCol="0" anchor="ctr"/>
+          <a:lstStyle/>
+          <a:p>
+            <a:pPr algn="ctr"/>
+            <a:r>
+              <a:rPr kumimoji="1" lang="en-US" altLang="ko-KR" dirty="0"/>
+              <a:t>DFD</a:t>
+            </a:r>
+            <a:endParaRPr kumimoji="1" lang="en-US" altLang="ko-Kore-KR" dirty="0"/>
+          </a:p>
+        </p:txBody>
+      </p:sp>
     </p:spTree>
     <p:extLst>
       <p:ext uri="{BB962C8B-B14F-4D97-AF65-F5344CB8AC3E}">
-        <p14:creationId xmlns:p14="http://schemas.microsoft.com/office/powerpoint/2010/main" val="4047740826"/>
+        <p14:creationId xmlns:p14="http://schemas.microsoft.com/office/powerpoint/2010/main" val="1873635688"/>
+      </p:ext>
+    </p:extLst>
+  </p:cSld>
+  <p:clrMapOvr>
+    <a:masterClrMapping/>
+  </p:clrMapOvr>
+</p:sld>
+</file>
+
+<file path=ppt/slides/slide3.xml><?xml version="1.0" encoding="utf-8"?>
+<p:sld xmlns:a="http://schemas.openxmlformats.org/drawingml/2006/main" xmlns:r="http://schemas.openxmlformats.org/officeDocument/2006/relationships" xmlns:p="http://schemas.openxmlformats.org/presentationml/2006/main">
+  <p:cSld>
+    <p:spTree>
+      <p:nvGrpSpPr>
+        <p:cNvPr id="1" name=""/>
+        <p:cNvGrpSpPr/>
+        <p:nvPr/>
+      </p:nvGrpSpPr>
+      <p:grpSpPr>
+        <a:xfrm>
+          <a:off x="0" y="0"/>
+          <a:ext cx="0" cy="0"/>
+          <a:chOff x="0" y="0"/>
+          <a:chExt cx="0" cy="0"/>
+        </a:xfrm>
+      </p:grpSpPr>
+      <p:sp>
+        <p:nvSpPr>
+          <p:cNvPr id="33" name="모서리가 둥근 직사각형 32">
+            <a:extLst>
+              <a:ext uri="{FF2B5EF4-FFF2-40B4-BE49-F238E27FC236}">
+                <a16:creationId xmlns:a16="http://schemas.microsoft.com/office/drawing/2014/main" id="{06DEFFB6-B4EA-9175-7FE5-AB58B22EA48F}"/>
+              </a:ext>
+            </a:extLst>
+          </p:cNvPr>
+          <p:cNvSpPr/>
+          <p:nvPr/>
+        </p:nvSpPr>
+        <p:spPr>
+          <a:xfrm>
+            <a:off x="722150" y="213749"/>
+            <a:ext cx="1132529" cy="513045"/>
+          </a:xfrm>
+          <a:prstGeom prst="roundRect">
+            <a:avLst/>
+          </a:prstGeom>
+          <a:solidFill>
+            <a:srgbClr val="FD997D"/>
+          </a:solidFill>
+          <a:ln>
+            <a:noFill/>
+          </a:ln>
+        </p:spPr>
+        <p:style>
+          <a:lnRef idx="2">
+            <a:schemeClr val="accent1">
+              <a:shade val="50000"/>
+            </a:schemeClr>
+          </a:lnRef>
+          <a:fillRef idx="1">
+            <a:schemeClr val="accent1"/>
+          </a:fillRef>
+          <a:effectRef idx="0">
+            <a:schemeClr val="accent1"/>
+          </a:effectRef>
+          <a:fontRef idx="minor">
+            <a:schemeClr val="lt1"/>
+          </a:fontRef>
+        </p:style>
+        <p:txBody>
+          <a:bodyPr rtlCol="0" anchor="ctr"/>
+          <a:lstStyle/>
+          <a:p>
+            <a:pPr algn="ctr"/>
+            <a:r>
+              <a:rPr kumimoji="1" lang="en-US" altLang="ko-KR" dirty="0"/>
+              <a:t>ERD</a:t>
+            </a:r>
+            <a:endParaRPr kumimoji="1" lang="en-US" altLang="ko-Kore-KR" dirty="0"/>
+          </a:p>
+        </p:txBody>
+      </p:sp>
+      <p:sp>
+        <p:nvSpPr>
+          <p:cNvPr id="2" name="모서리가 둥근 직사각형 1">
+            <a:extLst>
+              <a:ext uri="{FF2B5EF4-FFF2-40B4-BE49-F238E27FC236}">
+                <a16:creationId xmlns:a16="http://schemas.microsoft.com/office/drawing/2014/main" id="{B8BF642E-1B98-AEEA-02E1-8F95FDAD237C}"/>
+              </a:ext>
+            </a:extLst>
+          </p:cNvPr>
+          <p:cNvSpPr/>
+          <p:nvPr/>
+        </p:nvSpPr>
+        <p:spPr>
+          <a:xfrm>
+            <a:off x="2786332" y="2139351"/>
+            <a:ext cx="1708030" cy="923026"/>
+          </a:xfrm>
+          <a:prstGeom prst="roundRect">
+            <a:avLst/>
+          </a:prstGeom>
+          <a:solidFill>
+            <a:srgbClr val="FD997D"/>
+          </a:solidFill>
+          <a:ln>
+            <a:noFill/>
+          </a:ln>
+        </p:spPr>
+        <p:style>
+          <a:lnRef idx="2">
+            <a:schemeClr val="accent1">
+              <a:shade val="50000"/>
+            </a:schemeClr>
+          </a:lnRef>
+          <a:fillRef idx="1">
+            <a:schemeClr val="accent1"/>
+          </a:fillRef>
+          <a:effectRef idx="0">
+            <a:schemeClr val="accent1"/>
+          </a:effectRef>
+          <a:fontRef idx="minor">
+            <a:schemeClr val="lt1"/>
+          </a:fontRef>
+        </p:style>
+        <p:txBody>
+          <a:bodyPr rtlCol="0" anchor="ctr"/>
+          <a:lstStyle/>
+          <a:p>
+            <a:pPr algn="ctr"/>
+            <a:r>
+              <a:rPr kumimoji="1" lang="en-US" altLang="ko-Kore-KR" dirty="0"/>
+              <a:t>Diary</a:t>
+            </a:r>
+            <a:endParaRPr kumimoji="1" lang="ko-Kore-KR" altLang="en-US" dirty="0"/>
+          </a:p>
+        </p:txBody>
+      </p:sp>
+      <p:sp>
+        <p:nvSpPr>
+          <p:cNvPr id="38" name="모서리가 둥근 직사각형 37">
+            <a:extLst>
+              <a:ext uri="{FF2B5EF4-FFF2-40B4-BE49-F238E27FC236}">
+                <a16:creationId xmlns:a16="http://schemas.microsoft.com/office/drawing/2014/main" id="{C461C126-674D-24C6-384A-E1FC596436BB}"/>
+              </a:ext>
+            </a:extLst>
+          </p:cNvPr>
+          <p:cNvSpPr/>
+          <p:nvPr/>
+        </p:nvSpPr>
+        <p:spPr>
+          <a:xfrm>
+            <a:off x="7226060" y="2139351"/>
+            <a:ext cx="1708030" cy="923026"/>
+          </a:xfrm>
+          <a:prstGeom prst="roundRect">
+            <a:avLst/>
+          </a:prstGeom>
+          <a:solidFill>
+            <a:srgbClr val="FD997D"/>
+          </a:solidFill>
+          <a:ln>
+            <a:noFill/>
+          </a:ln>
+        </p:spPr>
+        <p:style>
+          <a:lnRef idx="2">
+            <a:schemeClr val="accent1">
+              <a:shade val="50000"/>
+            </a:schemeClr>
+          </a:lnRef>
+          <a:fillRef idx="1">
+            <a:schemeClr val="accent1"/>
+          </a:fillRef>
+          <a:effectRef idx="0">
+            <a:schemeClr val="accent1"/>
+          </a:effectRef>
+          <a:fontRef idx="minor">
+            <a:schemeClr val="lt1"/>
+          </a:fontRef>
+        </p:style>
+        <p:txBody>
+          <a:bodyPr rtlCol="0" anchor="ctr"/>
+          <a:lstStyle/>
+          <a:p>
+            <a:pPr algn="ctr"/>
+            <a:r>
+              <a:rPr kumimoji="1" lang="en-US" altLang="ko-Kore-KR" dirty="0" err="1"/>
+              <a:t>ToDo</a:t>
+            </a:r>
+            <a:endParaRPr kumimoji="1" lang="ko-Kore-KR" altLang="en-US" dirty="0"/>
+          </a:p>
+        </p:txBody>
+      </p:sp>
+      <p:sp>
+        <p:nvSpPr>
+          <p:cNvPr id="3" name="타원 2">
+            <a:extLst>
+              <a:ext uri="{FF2B5EF4-FFF2-40B4-BE49-F238E27FC236}">
+                <a16:creationId xmlns:a16="http://schemas.microsoft.com/office/drawing/2014/main" id="{103098F4-096C-2986-C0AD-205F4E09EA1C}"/>
+              </a:ext>
+            </a:extLst>
+          </p:cNvPr>
+          <p:cNvSpPr/>
+          <p:nvPr/>
+        </p:nvSpPr>
+        <p:spPr>
+          <a:xfrm>
+            <a:off x="1084458" y="1241502"/>
+            <a:ext cx="1368000" cy="720000"/>
+          </a:xfrm>
+          <a:prstGeom prst="ellipse">
+            <a:avLst/>
+          </a:prstGeom>
+        </p:spPr>
+        <p:style>
+          <a:lnRef idx="2">
+            <a:schemeClr val="accent1">
+              <a:shade val="50000"/>
+            </a:schemeClr>
+          </a:lnRef>
+          <a:fillRef idx="1">
+            <a:schemeClr val="accent1"/>
+          </a:fillRef>
+          <a:effectRef idx="0">
+            <a:schemeClr val="accent1"/>
+          </a:effectRef>
+          <a:fontRef idx="minor">
+            <a:schemeClr val="lt1"/>
+          </a:fontRef>
+        </p:style>
+        <p:txBody>
+          <a:bodyPr rtlCol="0" anchor="ctr"/>
+          <a:lstStyle/>
+          <a:p>
+            <a:pPr algn="ctr"/>
+            <a:r>
+              <a:rPr kumimoji="1" lang="en-US" altLang="ko-Kore-KR" sz="1400" dirty="0"/>
+              <a:t>Date</a:t>
+            </a:r>
+            <a:endParaRPr kumimoji="1" lang="ko-Kore-KR" altLang="en-US" sz="1400" dirty="0"/>
+          </a:p>
+        </p:txBody>
+      </p:sp>
+      <p:sp>
+        <p:nvSpPr>
+          <p:cNvPr id="39" name="타원 38">
+            <a:extLst>
+              <a:ext uri="{FF2B5EF4-FFF2-40B4-BE49-F238E27FC236}">
+                <a16:creationId xmlns:a16="http://schemas.microsoft.com/office/drawing/2014/main" id="{048C60C9-9F22-CF5C-723D-D7D71882D697}"/>
+              </a:ext>
+            </a:extLst>
+          </p:cNvPr>
+          <p:cNvSpPr/>
+          <p:nvPr/>
+        </p:nvSpPr>
+        <p:spPr>
+          <a:xfrm>
+            <a:off x="722148" y="2498784"/>
+            <a:ext cx="1368000" cy="720000"/>
+          </a:xfrm>
+          <a:prstGeom prst="ellipse">
+            <a:avLst/>
+          </a:prstGeom>
+        </p:spPr>
+        <p:style>
+          <a:lnRef idx="2">
+            <a:schemeClr val="accent1">
+              <a:shade val="50000"/>
+            </a:schemeClr>
+          </a:lnRef>
+          <a:fillRef idx="1">
+            <a:schemeClr val="accent1"/>
+          </a:fillRef>
+          <a:effectRef idx="0">
+            <a:schemeClr val="accent1"/>
+          </a:effectRef>
+          <a:fontRef idx="minor">
+            <a:schemeClr val="lt1"/>
+          </a:fontRef>
+        </p:style>
+        <p:txBody>
+          <a:bodyPr rtlCol="0" anchor="ctr"/>
+          <a:lstStyle/>
+          <a:p>
+            <a:pPr algn="ctr"/>
+            <a:r>
+              <a:rPr kumimoji="1" lang="en-US" altLang="ko-Kore-KR" sz="1400" dirty="0"/>
+              <a:t>Content</a:t>
+            </a:r>
+            <a:endParaRPr kumimoji="1" lang="ko-Kore-KR" altLang="en-US" sz="1400" dirty="0"/>
+          </a:p>
+        </p:txBody>
+      </p:sp>
+      <p:sp>
+        <p:nvSpPr>
+          <p:cNvPr id="40" name="타원 39">
+            <a:extLst>
+              <a:ext uri="{FF2B5EF4-FFF2-40B4-BE49-F238E27FC236}">
+                <a16:creationId xmlns:a16="http://schemas.microsoft.com/office/drawing/2014/main" id="{1A74D299-2B08-C438-042B-2A66F01D916D}"/>
+              </a:ext>
+            </a:extLst>
+          </p:cNvPr>
+          <p:cNvSpPr/>
+          <p:nvPr/>
+        </p:nvSpPr>
+        <p:spPr>
+          <a:xfrm>
+            <a:off x="1440813" y="3651848"/>
+            <a:ext cx="1368000" cy="720000"/>
+          </a:xfrm>
+          <a:prstGeom prst="ellipse">
+            <a:avLst/>
+          </a:prstGeom>
+        </p:spPr>
+        <p:style>
+          <a:lnRef idx="2">
+            <a:schemeClr val="accent1">
+              <a:shade val="50000"/>
+            </a:schemeClr>
+          </a:lnRef>
+          <a:fillRef idx="1">
+            <a:schemeClr val="accent1"/>
+          </a:fillRef>
+          <a:effectRef idx="0">
+            <a:schemeClr val="accent1"/>
+          </a:effectRef>
+          <a:fontRef idx="minor">
+            <a:schemeClr val="lt1"/>
+          </a:fontRef>
+        </p:style>
+        <p:txBody>
+          <a:bodyPr rtlCol="0" anchor="ctr"/>
+          <a:lstStyle/>
+          <a:p>
+            <a:pPr algn="ctr"/>
+            <a:r>
+              <a:rPr kumimoji="1" lang="en-US" altLang="ko-Kore-KR" sz="1400" dirty="0"/>
+              <a:t>hashtag</a:t>
+            </a:r>
+            <a:endParaRPr kumimoji="1" lang="ko-Kore-KR" altLang="en-US" sz="1400" dirty="0"/>
+          </a:p>
+        </p:txBody>
+      </p:sp>
+      <p:sp>
+        <p:nvSpPr>
+          <p:cNvPr id="41" name="타원 40">
+            <a:extLst>
+              <a:ext uri="{FF2B5EF4-FFF2-40B4-BE49-F238E27FC236}">
+                <a16:creationId xmlns:a16="http://schemas.microsoft.com/office/drawing/2014/main" id="{AC24338F-5620-BC38-8B5B-4F5472403CCB}"/>
+              </a:ext>
+            </a:extLst>
+          </p:cNvPr>
+          <p:cNvSpPr/>
+          <p:nvPr/>
+        </p:nvSpPr>
+        <p:spPr>
+          <a:xfrm>
+            <a:off x="3361832" y="3850257"/>
+            <a:ext cx="1368000" cy="720000"/>
+          </a:xfrm>
+          <a:prstGeom prst="ellipse">
+            <a:avLst/>
+          </a:prstGeom>
+        </p:spPr>
+        <p:style>
+          <a:lnRef idx="2">
+            <a:schemeClr val="accent1">
+              <a:shade val="50000"/>
+            </a:schemeClr>
+          </a:lnRef>
+          <a:fillRef idx="1">
+            <a:schemeClr val="accent1"/>
+          </a:fillRef>
+          <a:effectRef idx="0">
+            <a:schemeClr val="accent1"/>
+          </a:effectRef>
+          <a:fontRef idx="minor">
+            <a:schemeClr val="lt1"/>
+          </a:fontRef>
+        </p:style>
+        <p:txBody>
+          <a:bodyPr rtlCol="0" anchor="ctr"/>
+          <a:lstStyle/>
+          <a:p>
+            <a:pPr algn="ctr"/>
+            <a:r>
+              <a:rPr kumimoji="1" lang="en-US" altLang="ko-Kore-KR" sz="1400" dirty="0"/>
+              <a:t>picture</a:t>
+            </a:r>
+            <a:endParaRPr kumimoji="1" lang="ko-Kore-KR" altLang="en-US" sz="1400" dirty="0"/>
+          </a:p>
+        </p:txBody>
+      </p:sp>
+      <p:sp>
+        <p:nvSpPr>
+          <p:cNvPr id="42" name="타원 41">
+            <a:extLst>
+              <a:ext uri="{FF2B5EF4-FFF2-40B4-BE49-F238E27FC236}">
+                <a16:creationId xmlns:a16="http://schemas.microsoft.com/office/drawing/2014/main" id="{D220EBFC-803F-4BF8-A7CC-5243ADFE0D70}"/>
+              </a:ext>
+            </a:extLst>
+          </p:cNvPr>
+          <p:cNvSpPr/>
+          <p:nvPr/>
+        </p:nvSpPr>
+        <p:spPr>
+          <a:xfrm>
+            <a:off x="7801560" y="1241501"/>
+            <a:ext cx="1368000" cy="720000"/>
+          </a:xfrm>
+          <a:prstGeom prst="ellipse">
+            <a:avLst/>
+          </a:prstGeom>
+        </p:spPr>
+        <p:style>
+          <a:lnRef idx="2">
+            <a:schemeClr val="accent1">
+              <a:shade val="50000"/>
+            </a:schemeClr>
+          </a:lnRef>
+          <a:fillRef idx="1">
+            <a:schemeClr val="accent1"/>
+          </a:fillRef>
+          <a:effectRef idx="0">
+            <a:schemeClr val="accent1"/>
+          </a:effectRef>
+          <a:fontRef idx="minor">
+            <a:schemeClr val="lt1"/>
+          </a:fontRef>
+        </p:style>
+        <p:txBody>
+          <a:bodyPr rtlCol="0" anchor="ctr"/>
+          <a:lstStyle/>
+          <a:p>
+            <a:pPr algn="ctr"/>
+            <a:r>
+              <a:rPr kumimoji="1" lang="en-US" altLang="ko-Kore-KR" sz="1400" dirty="0"/>
+              <a:t>Title</a:t>
+            </a:r>
+            <a:endParaRPr kumimoji="1" lang="ko-Kore-KR" altLang="en-US" sz="1400" dirty="0"/>
+          </a:p>
+        </p:txBody>
+      </p:sp>
+      <p:sp>
+        <p:nvSpPr>
+          <p:cNvPr id="43" name="타원 42">
+            <a:extLst>
+              <a:ext uri="{FF2B5EF4-FFF2-40B4-BE49-F238E27FC236}">
+                <a16:creationId xmlns:a16="http://schemas.microsoft.com/office/drawing/2014/main" id="{4F042F38-521B-11D0-3687-C0FAF9981094}"/>
+              </a:ext>
+            </a:extLst>
+          </p:cNvPr>
+          <p:cNvSpPr/>
+          <p:nvPr/>
+        </p:nvSpPr>
+        <p:spPr>
+          <a:xfrm>
+            <a:off x="9213619" y="1402353"/>
+            <a:ext cx="1368000" cy="720000"/>
+          </a:xfrm>
+          <a:prstGeom prst="ellipse">
+            <a:avLst/>
+          </a:prstGeom>
+        </p:spPr>
+        <p:style>
+          <a:lnRef idx="2">
+            <a:schemeClr val="accent1">
+              <a:shade val="50000"/>
+            </a:schemeClr>
+          </a:lnRef>
+          <a:fillRef idx="1">
+            <a:schemeClr val="accent1"/>
+          </a:fillRef>
+          <a:effectRef idx="0">
+            <a:schemeClr val="accent1"/>
+          </a:effectRef>
+          <a:fontRef idx="minor">
+            <a:schemeClr val="lt1"/>
+          </a:fontRef>
+        </p:style>
+        <p:txBody>
+          <a:bodyPr rtlCol="0" anchor="ctr"/>
+          <a:lstStyle/>
+          <a:p>
+            <a:pPr algn="ctr"/>
+            <a:r>
+              <a:rPr kumimoji="1" lang="en-US" altLang="ko-Kore-KR" sz="1400" dirty="0"/>
+              <a:t>Memo</a:t>
+            </a:r>
+            <a:endParaRPr kumimoji="1" lang="ko-Kore-KR" altLang="en-US" sz="1400" dirty="0"/>
+          </a:p>
+        </p:txBody>
+      </p:sp>
+      <p:sp>
+        <p:nvSpPr>
+          <p:cNvPr id="45" name="타원 44">
+            <a:extLst>
+              <a:ext uri="{FF2B5EF4-FFF2-40B4-BE49-F238E27FC236}">
+                <a16:creationId xmlns:a16="http://schemas.microsoft.com/office/drawing/2014/main" id="{18A3B76C-B09E-0C4E-62A8-A45FE8D346EE}"/>
+              </a:ext>
+            </a:extLst>
+          </p:cNvPr>
+          <p:cNvSpPr/>
+          <p:nvPr/>
+        </p:nvSpPr>
+        <p:spPr>
+          <a:xfrm>
+            <a:off x="9779884" y="2281685"/>
+            <a:ext cx="1368000" cy="720000"/>
+          </a:xfrm>
+          <a:prstGeom prst="ellipse">
+            <a:avLst/>
+          </a:prstGeom>
+        </p:spPr>
+        <p:style>
+          <a:lnRef idx="2">
+            <a:schemeClr val="accent1">
+              <a:shade val="50000"/>
+            </a:schemeClr>
+          </a:lnRef>
+          <a:fillRef idx="1">
+            <a:schemeClr val="accent1"/>
+          </a:fillRef>
+          <a:effectRef idx="0">
+            <a:schemeClr val="accent1"/>
+          </a:effectRef>
+          <a:fontRef idx="minor">
+            <a:schemeClr val="lt1"/>
+          </a:fontRef>
+        </p:style>
+        <p:txBody>
+          <a:bodyPr rtlCol="0" anchor="ctr"/>
+          <a:lstStyle/>
+          <a:p>
+            <a:pPr algn="ctr"/>
+            <a:r>
+              <a:rPr kumimoji="1" lang="en-US" altLang="ko-Kore-KR" sz="1400" dirty="0" err="1"/>
+              <a:t>isChecked</a:t>
+            </a:r>
+            <a:endParaRPr kumimoji="1" lang="ko-Kore-KR" altLang="en-US" sz="1400" dirty="0"/>
+          </a:p>
+        </p:txBody>
+      </p:sp>
+      <p:sp>
+        <p:nvSpPr>
+          <p:cNvPr id="46" name="타원 45">
+            <a:extLst>
+              <a:ext uri="{FF2B5EF4-FFF2-40B4-BE49-F238E27FC236}">
+                <a16:creationId xmlns:a16="http://schemas.microsoft.com/office/drawing/2014/main" id="{075B130E-71B8-33E1-0EBC-522154576E15}"/>
+              </a:ext>
+            </a:extLst>
+          </p:cNvPr>
+          <p:cNvSpPr/>
+          <p:nvPr/>
+        </p:nvSpPr>
+        <p:spPr>
+          <a:xfrm>
+            <a:off x="9618656" y="3211902"/>
+            <a:ext cx="1368000" cy="720000"/>
+          </a:xfrm>
+          <a:prstGeom prst="ellipse">
+            <a:avLst/>
+          </a:prstGeom>
+        </p:spPr>
+        <p:style>
+          <a:lnRef idx="2">
+            <a:schemeClr val="accent1">
+              <a:shade val="50000"/>
+            </a:schemeClr>
+          </a:lnRef>
+          <a:fillRef idx="1">
+            <a:schemeClr val="accent1"/>
+          </a:fillRef>
+          <a:effectRef idx="0">
+            <a:schemeClr val="accent1"/>
+          </a:effectRef>
+          <a:fontRef idx="minor">
+            <a:schemeClr val="lt1"/>
+          </a:fontRef>
+        </p:style>
+        <p:txBody>
+          <a:bodyPr rtlCol="0" anchor="ctr"/>
+          <a:lstStyle/>
+          <a:p>
+            <a:pPr algn="ctr"/>
+            <a:r>
+              <a:rPr kumimoji="1" lang="en-US" altLang="ko-Kore-KR" sz="1400" dirty="0"/>
+              <a:t>End Date</a:t>
+            </a:r>
+            <a:endParaRPr kumimoji="1" lang="ko-Kore-KR" altLang="en-US" sz="1400" dirty="0"/>
+          </a:p>
+        </p:txBody>
+      </p:sp>
+      <p:sp>
+        <p:nvSpPr>
+          <p:cNvPr id="48" name="타원 47">
+            <a:extLst>
+              <a:ext uri="{FF2B5EF4-FFF2-40B4-BE49-F238E27FC236}">
+                <a16:creationId xmlns:a16="http://schemas.microsoft.com/office/drawing/2014/main" id="{BB01F1D9-34E3-B89E-76C9-7EB95C8637CA}"/>
+              </a:ext>
+            </a:extLst>
+          </p:cNvPr>
+          <p:cNvSpPr/>
+          <p:nvPr/>
+        </p:nvSpPr>
+        <p:spPr>
+          <a:xfrm>
+            <a:off x="8085824" y="3645745"/>
+            <a:ext cx="1368000" cy="720000"/>
+          </a:xfrm>
+          <a:prstGeom prst="ellipse">
+            <a:avLst/>
+          </a:prstGeom>
+        </p:spPr>
+        <p:style>
+          <a:lnRef idx="2">
+            <a:schemeClr val="accent1">
+              <a:shade val="50000"/>
+            </a:schemeClr>
+          </a:lnRef>
+          <a:fillRef idx="1">
+            <a:schemeClr val="accent1"/>
+          </a:fillRef>
+          <a:effectRef idx="0">
+            <a:schemeClr val="accent1"/>
+          </a:effectRef>
+          <a:fontRef idx="minor">
+            <a:schemeClr val="lt1"/>
+          </a:fontRef>
+        </p:style>
+        <p:txBody>
+          <a:bodyPr rtlCol="0" anchor="ctr"/>
+          <a:lstStyle/>
+          <a:p>
+            <a:pPr algn="ctr"/>
+            <a:r>
+              <a:rPr kumimoji="1" lang="en-US" altLang="ko-Kore-KR" sz="1400" dirty="0"/>
+              <a:t>Start Date</a:t>
+            </a:r>
+            <a:endParaRPr kumimoji="1" lang="ko-Kore-KR" altLang="en-US" sz="1400" dirty="0"/>
+          </a:p>
+        </p:txBody>
+      </p:sp>
+    </p:spTree>
+    <p:extLst>
+      <p:ext uri="{BB962C8B-B14F-4D97-AF65-F5344CB8AC3E}">
+        <p14:creationId xmlns:p14="http://schemas.microsoft.com/office/powerpoint/2010/main" val="3397686244"/>
       </p:ext>
     </p:extLst>
   </p:cSld>

--- a/4-1/소프트웨어 종합설계/10주차/졸업작품 DFD : ERD.pptx
+++ b/4-1/소프트웨어 종합설계/10주차/졸업작품 DFD : ERD.pptx
@@ -5532,10 +5532,10 @@
       </p:sp>
       <p:sp>
         <p:nvSpPr>
-          <p:cNvPr id="2" name="모서리가 둥근 직사각형 1">
-            <a:extLst>
-              <a:ext uri="{FF2B5EF4-FFF2-40B4-BE49-F238E27FC236}">
-                <a16:creationId xmlns:a16="http://schemas.microsoft.com/office/drawing/2014/main" id="{B8BF642E-1B98-AEEA-02E1-8F95FDAD237C}"/>
+          <p:cNvPr id="7" name="직사각형 6">
+            <a:extLst>
+              <a:ext uri="{FF2B5EF4-FFF2-40B4-BE49-F238E27FC236}">
+                <a16:creationId xmlns:a16="http://schemas.microsoft.com/office/drawing/2014/main" id="{B613762C-B894-00BE-FA0B-A8DF118D3E65}"/>
               </a:ext>
             </a:extLst>
           </p:cNvPr>
@@ -5544,10 +5544,10 @@
         </p:nvSpPr>
         <p:spPr>
           <a:xfrm>
-            <a:off x="2786332" y="2139351"/>
-            <a:ext cx="1708030" cy="923026"/>
-          </a:xfrm>
-          <a:prstGeom prst="roundRect">
+            <a:off x="3718560" y="3069000"/>
+            <a:ext cx="1620000" cy="720000"/>
+          </a:xfrm>
+          <a:prstGeom prst="rect">
             <a:avLst/>
           </a:prstGeom>
           <a:solidFill>
@@ -5588,10 +5588,10 @@
       </p:sp>
       <p:sp>
         <p:nvSpPr>
-          <p:cNvPr id="38" name="모서리가 둥근 직사각형 37">
-            <a:extLst>
-              <a:ext uri="{FF2B5EF4-FFF2-40B4-BE49-F238E27FC236}">
-                <a16:creationId xmlns:a16="http://schemas.microsoft.com/office/drawing/2014/main" id="{C461C126-674D-24C6-384A-E1FC596436BB}"/>
+          <p:cNvPr id="19" name="직사각형 18">
+            <a:extLst>
+              <a:ext uri="{FF2B5EF4-FFF2-40B4-BE49-F238E27FC236}">
+                <a16:creationId xmlns:a16="http://schemas.microsoft.com/office/drawing/2014/main" id="{05D5B5DB-E371-13B4-4AA5-AEA61912C9F3}"/>
               </a:ext>
             </a:extLst>
           </p:cNvPr>
@@ -5600,10 +5600,10 @@
         </p:nvSpPr>
         <p:spPr>
           <a:xfrm>
-            <a:off x="7226060" y="2139351"/>
-            <a:ext cx="1708030" cy="923026"/>
-          </a:xfrm>
-          <a:prstGeom prst="roundRect">
+            <a:off x="6683829" y="3069000"/>
+            <a:ext cx="1620000" cy="720000"/>
+          </a:xfrm>
+          <a:prstGeom prst="rect">
             <a:avLst/>
           </a:prstGeom>
           <a:solidFill>
@@ -5644,10 +5644,10 @@
       </p:sp>
       <p:sp>
         <p:nvSpPr>
-          <p:cNvPr id="3" name="타원 2">
-            <a:extLst>
-              <a:ext uri="{FF2B5EF4-FFF2-40B4-BE49-F238E27FC236}">
-                <a16:creationId xmlns:a16="http://schemas.microsoft.com/office/drawing/2014/main" id="{103098F4-096C-2986-C0AD-205F4E09EA1C}"/>
+          <p:cNvPr id="8" name="타원 7">
+            <a:extLst>
+              <a:ext uri="{FF2B5EF4-FFF2-40B4-BE49-F238E27FC236}">
+                <a16:creationId xmlns:a16="http://schemas.microsoft.com/office/drawing/2014/main" id="{E88E0BDC-44D4-77DF-8AE7-559EEA84F11E}"/>
               </a:ext>
             </a:extLst>
           </p:cNvPr>
@@ -5656,12 +5656,18 @@
         </p:nvSpPr>
         <p:spPr>
           <a:xfrm>
-            <a:off x="1084458" y="1241502"/>
-            <a:ext cx="1368000" cy="720000"/>
+            <a:off x="1410788" y="1654629"/>
+            <a:ext cx="1443600" cy="720000"/>
           </a:xfrm>
           <a:prstGeom prst="ellipse">
             <a:avLst/>
           </a:prstGeom>
+          <a:solidFill>
+            <a:srgbClr val="FD997D"/>
+          </a:solidFill>
+          <a:ln>
+            <a:noFill/>
+          </a:ln>
         </p:spPr>
         <p:style>
           <a:lnRef idx="2">
@@ -5685,19 +5691,38 @@
           <a:p>
             <a:pPr algn="ctr"/>
             <a:r>
-              <a:rPr kumimoji="1" lang="en-US" altLang="ko-Kore-KR" sz="1400" dirty="0"/>
+              <a:rPr kumimoji="1" lang="en-US" altLang="ko-Kore-KR" sz="1400" dirty="0">
+                <a:solidFill>
+                  <a:schemeClr val="bg1"/>
+                </a:solidFill>
+              </a:rPr>
+              <a:t>Date:</a:t>
+            </a:r>
+          </a:p>
+          <a:p>
+            <a:pPr algn="ctr"/>
+            <a:r>
+              <a:rPr kumimoji="1" lang="en-US" altLang="ko-Kore-KR" sz="1400" dirty="0">
+                <a:solidFill>
+                  <a:schemeClr val="bg1"/>
+                </a:solidFill>
+              </a:rPr>
               <a:t>Date</a:t>
             </a:r>
-            <a:endParaRPr kumimoji="1" lang="ko-Kore-KR" altLang="en-US" sz="1400" dirty="0"/>
-          </a:p>
-        </p:txBody>
-      </p:sp>
-      <p:sp>
-        <p:nvSpPr>
-          <p:cNvPr id="39" name="타원 38">
-            <a:extLst>
-              <a:ext uri="{FF2B5EF4-FFF2-40B4-BE49-F238E27FC236}">
-                <a16:creationId xmlns:a16="http://schemas.microsoft.com/office/drawing/2014/main" id="{048C60C9-9F22-CF5C-723D-D7D71882D697}"/>
+            <a:endParaRPr kumimoji="1" lang="ko-Kore-KR" altLang="en-US" sz="1400" dirty="0">
+              <a:solidFill>
+                <a:schemeClr val="bg1"/>
+              </a:solidFill>
+            </a:endParaRPr>
+          </a:p>
+        </p:txBody>
+      </p:sp>
+      <p:sp>
+        <p:nvSpPr>
+          <p:cNvPr id="21" name="타원 20">
+            <a:extLst>
+              <a:ext uri="{FF2B5EF4-FFF2-40B4-BE49-F238E27FC236}">
+                <a16:creationId xmlns:a16="http://schemas.microsoft.com/office/drawing/2014/main" id="{DA3EF7CC-8694-0A8A-50A7-66850046C6F5}"/>
               </a:ext>
             </a:extLst>
           </p:cNvPr>
@@ -5706,12 +5731,18 @@
         </p:nvSpPr>
         <p:spPr>
           <a:xfrm>
-            <a:off x="722148" y="2498784"/>
-            <a:ext cx="1368000" cy="720000"/>
+            <a:off x="1410788" y="2640613"/>
+            <a:ext cx="1440000" cy="720000"/>
           </a:xfrm>
           <a:prstGeom prst="ellipse">
             <a:avLst/>
           </a:prstGeom>
+          <a:solidFill>
+            <a:srgbClr val="FD997D"/>
+          </a:solidFill>
+          <a:ln>
+            <a:noFill/>
+          </a:ln>
         </p:spPr>
         <p:style>
           <a:lnRef idx="2">
@@ -5736,7 +5767,7 @@
             <a:pPr algn="ctr"/>
             <a:r>
               <a:rPr kumimoji="1" lang="en-US" altLang="ko-Kore-KR" sz="1400" dirty="0"/>
-              <a:t>Content</a:t>
+              <a:t>Content: String</a:t>
             </a:r>
             <a:endParaRPr kumimoji="1" lang="ko-Kore-KR" altLang="en-US" sz="1400" dirty="0"/>
           </a:p>
@@ -5744,10 +5775,10 @@
       </p:sp>
       <p:sp>
         <p:nvSpPr>
-          <p:cNvPr id="40" name="타원 39">
-            <a:extLst>
-              <a:ext uri="{FF2B5EF4-FFF2-40B4-BE49-F238E27FC236}">
-                <a16:creationId xmlns:a16="http://schemas.microsoft.com/office/drawing/2014/main" id="{1A74D299-2B08-C438-042B-2A66F01D916D}"/>
+          <p:cNvPr id="22" name="타원 21">
+            <a:extLst>
+              <a:ext uri="{FF2B5EF4-FFF2-40B4-BE49-F238E27FC236}">
+                <a16:creationId xmlns:a16="http://schemas.microsoft.com/office/drawing/2014/main" id="{77B0C63E-0FA2-52FA-2F76-23943D1914E0}"/>
               </a:ext>
             </a:extLst>
           </p:cNvPr>
@@ -5756,12 +5787,18 @@
         </p:nvSpPr>
         <p:spPr>
           <a:xfrm>
-            <a:off x="1440813" y="3651848"/>
-            <a:ext cx="1368000" cy="720000"/>
+            <a:off x="1410788" y="3632495"/>
+            <a:ext cx="1440000" cy="720000"/>
           </a:xfrm>
           <a:prstGeom prst="ellipse">
             <a:avLst/>
           </a:prstGeom>
+          <a:solidFill>
+            <a:srgbClr val="FD997D"/>
+          </a:solidFill>
+          <a:ln>
+            <a:noFill/>
+          </a:ln>
         </p:spPr>
         <p:style>
           <a:lnRef idx="2">
@@ -5786,7 +5823,7 @@
             <a:pPr algn="ctr"/>
             <a:r>
               <a:rPr kumimoji="1" lang="en-US" altLang="ko-Kore-KR" sz="1400" dirty="0"/>
-              <a:t>hashtag</a:t>
+              <a:t>Hashtag: [String]</a:t>
             </a:r>
             <a:endParaRPr kumimoji="1" lang="ko-Kore-KR" altLang="en-US" sz="1400" dirty="0"/>
           </a:p>
@@ -5794,10 +5831,10 @@
       </p:sp>
       <p:sp>
         <p:nvSpPr>
-          <p:cNvPr id="41" name="타원 40">
-            <a:extLst>
-              <a:ext uri="{FF2B5EF4-FFF2-40B4-BE49-F238E27FC236}">
-                <a16:creationId xmlns:a16="http://schemas.microsoft.com/office/drawing/2014/main" id="{AC24338F-5620-BC38-8B5B-4F5472403CCB}"/>
+          <p:cNvPr id="23" name="타원 22">
+            <a:extLst>
+              <a:ext uri="{FF2B5EF4-FFF2-40B4-BE49-F238E27FC236}">
+                <a16:creationId xmlns:a16="http://schemas.microsoft.com/office/drawing/2014/main" id="{E9EB4820-DAAD-C330-E22D-EF3A21472863}"/>
               </a:ext>
             </a:extLst>
           </p:cNvPr>
@@ -5806,12 +5843,18 @@
         </p:nvSpPr>
         <p:spPr>
           <a:xfrm>
-            <a:off x="3361832" y="3850257"/>
-            <a:ext cx="1368000" cy="720000"/>
+            <a:off x="1410788" y="4624377"/>
+            <a:ext cx="1440000" cy="720000"/>
           </a:xfrm>
           <a:prstGeom prst="ellipse">
             <a:avLst/>
           </a:prstGeom>
+          <a:solidFill>
+            <a:srgbClr val="FD997D"/>
+          </a:solidFill>
+          <a:ln>
+            <a:noFill/>
+          </a:ln>
         </p:spPr>
         <p:style>
           <a:lnRef idx="2">
@@ -5836,7 +5879,11 @@
             <a:pPr algn="ctr"/>
             <a:r>
               <a:rPr kumimoji="1" lang="en-US" altLang="ko-Kore-KR" sz="1400" dirty="0"/>
-              <a:t>picture</a:t>
+              <a:t>Picture: </a:t>
+            </a:r>
+            <a:r>
+              <a:rPr kumimoji="1" lang="en-US" altLang="ko-Kore-KR" sz="1400" dirty="0" err="1"/>
+              <a:t>UIImage</a:t>
             </a:r>
             <a:endParaRPr kumimoji="1" lang="ko-Kore-KR" altLang="en-US" sz="1400" dirty="0"/>
           </a:p>
@@ -5844,10 +5891,10 @@
       </p:sp>
       <p:sp>
         <p:nvSpPr>
-          <p:cNvPr id="42" name="타원 41">
-            <a:extLst>
-              <a:ext uri="{FF2B5EF4-FFF2-40B4-BE49-F238E27FC236}">
-                <a16:creationId xmlns:a16="http://schemas.microsoft.com/office/drawing/2014/main" id="{D220EBFC-803F-4BF8-A7CC-5243ADFE0D70}"/>
+          <p:cNvPr id="24" name="타원 23">
+            <a:extLst>
+              <a:ext uri="{FF2B5EF4-FFF2-40B4-BE49-F238E27FC236}">
+                <a16:creationId xmlns:a16="http://schemas.microsoft.com/office/drawing/2014/main" id="{FEBD48C6-C8F6-88F2-EA04-648E4492FD4B}"/>
               </a:ext>
             </a:extLst>
           </p:cNvPr>
@@ -5856,12 +5903,18 @@
         </p:nvSpPr>
         <p:spPr>
           <a:xfrm>
-            <a:off x="7801560" y="1241501"/>
-            <a:ext cx="1368000" cy="720000"/>
+            <a:off x="9165771" y="1294629"/>
+            <a:ext cx="1443600" cy="720000"/>
           </a:xfrm>
           <a:prstGeom prst="ellipse">
             <a:avLst/>
           </a:prstGeom>
+          <a:solidFill>
+            <a:srgbClr val="FD997D"/>
+          </a:solidFill>
+          <a:ln>
+            <a:noFill/>
+          </a:ln>
         </p:spPr>
         <p:style>
           <a:lnRef idx="2">
@@ -5885,19 +5938,38 @@
           <a:p>
             <a:pPr algn="ctr"/>
             <a:r>
-              <a:rPr kumimoji="1" lang="en-US" altLang="ko-Kore-KR" sz="1400" dirty="0"/>
-              <a:t>Title</a:t>
-            </a:r>
-            <a:endParaRPr kumimoji="1" lang="ko-Kore-KR" altLang="en-US" sz="1400" dirty="0"/>
-          </a:p>
-        </p:txBody>
-      </p:sp>
-      <p:sp>
-        <p:nvSpPr>
-          <p:cNvPr id="43" name="타원 42">
-            <a:extLst>
-              <a:ext uri="{FF2B5EF4-FFF2-40B4-BE49-F238E27FC236}">
-                <a16:creationId xmlns:a16="http://schemas.microsoft.com/office/drawing/2014/main" id="{4F042F38-521B-11D0-3687-C0FAF9981094}"/>
+              <a:rPr kumimoji="1" lang="en-US" altLang="ko-Kore-KR" sz="1400" dirty="0">
+                <a:solidFill>
+                  <a:schemeClr val="bg1"/>
+                </a:solidFill>
+              </a:rPr>
+              <a:t>Title:</a:t>
+            </a:r>
+          </a:p>
+          <a:p>
+            <a:pPr algn="ctr"/>
+            <a:r>
+              <a:rPr kumimoji="1" lang="en-US" altLang="ko-Kore-KR" sz="1400" dirty="0">
+                <a:solidFill>
+                  <a:schemeClr val="bg1"/>
+                </a:solidFill>
+              </a:rPr>
+              <a:t>String</a:t>
+            </a:r>
+            <a:endParaRPr kumimoji="1" lang="ko-Kore-KR" altLang="en-US" sz="1400" dirty="0">
+              <a:solidFill>
+                <a:schemeClr val="bg1"/>
+              </a:solidFill>
+            </a:endParaRPr>
+          </a:p>
+        </p:txBody>
+      </p:sp>
+      <p:sp>
+        <p:nvSpPr>
+          <p:cNvPr id="25" name="타원 24">
+            <a:extLst>
+              <a:ext uri="{FF2B5EF4-FFF2-40B4-BE49-F238E27FC236}">
+                <a16:creationId xmlns:a16="http://schemas.microsoft.com/office/drawing/2014/main" id="{15F0844C-FDD0-1865-D3A5-3BC6B6C147E5}"/>
               </a:ext>
             </a:extLst>
           </p:cNvPr>
@@ -5906,12 +5978,18 @@
         </p:nvSpPr>
         <p:spPr>
           <a:xfrm>
-            <a:off x="9213619" y="1402353"/>
-            <a:ext cx="1368000" cy="720000"/>
+            <a:off x="9165771" y="2280613"/>
+            <a:ext cx="1440000" cy="720000"/>
           </a:xfrm>
           <a:prstGeom prst="ellipse">
             <a:avLst/>
           </a:prstGeom>
+          <a:solidFill>
+            <a:srgbClr val="FD997D"/>
+          </a:solidFill>
+          <a:ln>
+            <a:noFill/>
+          </a:ln>
         </p:spPr>
         <p:style>
           <a:lnRef idx="2">
@@ -5936,7 +6014,14 @@
             <a:pPr algn="ctr"/>
             <a:r>
               <a:rPr kumimoji="1" lang="en-US" altLang="ko-Kore-KR" sz="1400" dirty="0"/>
-              <a:t>Memo</a:t>
+              <a:t>Memo:</a:t>
+            </a:r>
+            <a:br>
+              <a:rPr kumimoji="1" lang="en-US" altLang="ko-Kore-KR" sz="1400" dirty="0"/>
+            </a:br>
+            <a:r>
+              <a:rPr kumimoji="1" lang="en-US" altLang="ko-Kore-KR" sz="1400" dirty="0"/>
+              <a:t>String</a:t>
             </a:r>
             <a:endParaRPr kumimoji="1" lang="ko-Kore-KR" altLang="en-US" sz="1400" dirty="0"/>
           </a:p>
@@ -5944,10 +6029,10 @@
       </p:sp>
       <p:sp>
         <p:nvSpPr>
-          <p:cNvPr id="45" name="타원 44">
-            <a:extLst>
-              <a:ext uri="{FF2B5EF4-FFF2-40B4-BE49-F238E27FC236}">
-                <a16:creationId xmlns:a16="http://schemas.microsoft.com/office/drawing/2014/main" id="{18A3B76C-B09E-0C4E-62A8-A45FE8D346EE}"/>
+          <p:cNvPr id="26" name="타원 25">
+            <a:extLst>
+              <a:ext uri="{FF2B5EF4-FFF2-40B4-BE49-F238E27FC236}">
+                <a16:creationId xmlns:a16="http://schemas.microsoft.com/office/drawing/2014/main" id="{6AC74731-A09B-5528-CD4E-CF7E2001E848}"/>
               </a:ext>
             </a:extLst>
           </p:cNvPr>
@@ -5956,12 +6041,18 @@
         </p:nvSpPr>
         <p:spPr>
           <a:xfrm>
-            <a:off x="9779884" y="2281685"/>
-            <a:ext cx="1368000" cy="720000"/>
+            <a:off x="9165771" y="3272495"/>
+            <a:ext cx="1440000" cy="720000"/>
           </a:xfrm>
           <a:prstGeom prst="ellipse">
             <a:avLst/>
           </a:prstGeom>
+          <a:solidFill>
+            <a:srgbClr val="FD997D"/>
+          </a:solidFill>
+          <a:ln>
+            <a:noFill/>
+          </a:ln>
         </p:spPr>
         <p:style>
           <a:lnRef idx="2">
@@ -5988,16 +6079,27 @@
               <a:rPr kumimoji="1" lang="en-US" altLang="ko-Kore-KR" sz="1400" dirty="0" err="1"/>
               <a:t>isChecked</a:t>
             </a:r>
+            <a:r>
+              <a:rPr kumimoji="1" lang="en-US" altLang="ko-Kore-KR" sz="1400" dirty="0"/>
+              <a:t>:</a:t>
+            </a:r>
+          </a:p>
+          <a:p>
+            <a:pPr algn="ctr"/>
+            <a:r>
+              <a:rPr kumimoji="1" lang="en-US" altLang="ko-Kore-KR" sz="1400" dirty="0"/>
+              <a:t>Bool</a:t>
+            </a:r>
             <a:endParaRPr kumimoji="1" lang="ko-Kore-KR" altLang="en-US" sz="1400" dirty="0"/>
           </a:p>
         </p:txBody>
       </p:sp>
       <p:sp>
         <p:nvSpPr>
-          <p:cNvPr id="46" name="타원 45">
-            <a:extLst>
-              <a:ext uri="{FF2B5EF4-FFF2-40B4-BE49-F238E27FC236}">
-                <a16:creationId xmlns:a16="http://schemas.microsoft.com/office/drawing/2014/main" id="{075B130E-71B8-33E1-0EBC-522154576E15}"/>
+          <p:cNvPr id="27" name="타원 26">
+            <a:extLst>
+              <a:ext uri="{FF2B5EF4-FFF2-40B4-BE49-F238E27FC236}">
+                <a16:creationId xmlns:a16="http://schemas.microsoft.com/office/drawing/2014/main" id="{ACD45561-65DF-AAAC-0671-39FAA434660E}"/>
               </a:ext>
             </a:extLst>
           </p:cNvPr>
@@ -6006,12 +6108,18 @@
         </p:nvSpPr>
         <p:spPr>
           <a:xfrm>
-            <a:off x="9618656" y="3211902"/>
-            <a:ext cx="1368000" cy="720000"/>
+            <a:off x="9165771" y="4264377"/>
+            <a:ext cx="1440000" cy="720000"/>
           </a:xfrm>
           <a:prstGeom prst="ellipse">
             <a:avLst/>
           </a:prstGeom>
+          <a:solidFill>
+            <a:srgbClr val="FD997D"/>
+          </a:solidFill>
+          <a:ln>
+            <a:noFill/>
+          </a:ln>
         </p:spPr>
         <p:style>
           <a:lnRef idx="2">
@@ -6036,7 +6144,14 @@
             <a:pPr algn="ctr"/>
             <a:r>
               <a:rPr kumimoji="1" lang="en-US" altLang="ko-Kore-KR" sz="1400" dirty="0"/>
-              <a:t>End Date</a:t>
+              <a:t>StartDate:</a:t>
+            </a:r>
+            <a:br>
+              <a:rPr kumimoji="1" lang="en-US" altLang="ko-Kore-KR" sz="1400" dirty="0"/>
+            </a:br>
+            <a:r>
+              <a:rPr kumimoji="1" lang="en-US" altLang="ko-Kore-KR" sz="1400" dirty="0"/>
+              <a:t>Date</a:t>
             </a:r>
             <a:endParaRPr kumimoji="1" lang="ko-Kore-KR" altLang="en-US" sz="1400" dirty="0"/>
           </a:p>
@@ -6044,10 +6159,10 @@
       </p:sp>
       <p:sp>
         <p:nvSpPr>
-          <p:cNvPr id="48" name="타원 47">
-            <a:extLst>
-              <a:ext uri="{FF2B5EF4-FFF2-40B4-BE49-F238E27FC236}">
-                <a16:creationId xmlns:a16="http://schemas.microsoft.com/office/drawing/2014/main" id="{BB01F1D9-34E3-B89E-76C9-7EB95C8637CA}"/>
+          <p:cNvPr id="28" name="타원 27">
+            <a:extLst>
+              <a:ext uri="{FF2B5EF4-FFF2-40B4-BE49-F238E27FC236}">
+                <a16:creationId xmlns:a16="http://schemas.microsoft.com/office/drawing/2014/main" id="{7C3866C4-47DB-4646-A69F-E98ADACDC429}"/>
               </a:ext>
             </a:extLst>
           </p:cNvPr>
@@ -6056,12 +6171,18 @@
         </p:nvSpPr>
         <p:spPr>
           <a:xfrm>
-            <a:off x="8085824" y="3645745"/>
-            <a:ext cx="1368000" cy="720000"/>
+            <a:off x="9162171" y="5256259"/>
+            <a:ext cx="1443600" cy="720000"/>
           </a:xfrm>
           <a:prstGeom prst="ellipse">
             <a:avLst/>
           </a:prstGeom>
+          <a:solidFill>
+            <a:srgbClr val="FD997D"/>
+          </a:solidFill>
+          <a:ln>
+            <a:noFill/>
+          </a:ln>
         </p:spPr>
         <p:style>
           <a:lnRef idx="2">
@@ -6085,13 +6206,401 @@
           <a:p>
             <a:pPr algn="ctr"/>
             <a:r>
-              <a:rPr kumimoji="1" lang="en-US" altLang="ko-Kore-KR" sz="1400" dirty="0"/>
-              <a:t>Start Date</a:t>
-            </a:r>
-            <a:endParaRPr kumimoji="1" lang="ko-Kore-KR" altLang="en-US" sz="1400" dirty="0"/>
-          </a:p>
-        </p:txBody>
-      </p:sp>
+              <a:rPr kumimoji="1" lang="en-US" altLang="ko-Kore-KR" sz="1400" dirty="0" err="1">
+                <a:solidFill>
+                  <a:schemeClr val="bg1"/>
+                </a:solidFill>
+              </a:rPr>
+              <a:t>EndDate</a:t>
+            </a:r>
+            <a:r>
+              <a:rPr kumimoji="1" lang="en-US" altLang="ko-Kore-KR" sz="1400" dirty="0">
+                <a:solidFill>
+                  <a:schemeClr val="bg1"/>
+                </a:solidFill>
+              </a:rPr>
+              <a:t>:</a:t>
+            </a:r>
+          </a:p>
+          <a:p>
+            <a:pPr algn="ctr"/>
+            <a:r>
+              <a:rPr kumimoji="1" lang="en-US" altLang="ko-Kore-KR" sz="1400" dirty="0">
+                <a:solidFill>
+                  <a:schemeClr val="bg1"/>
+                </a:solidFill>
+              </a:rPr>
+              <a:t>Date</a:t>
+            </a:r>
+            <a:endParaRPr kumimoji="1" lang="ko-Kore-KR" altLang="en-US" sz="1400" dirty="0">
+              <a:solidFill>
+                <a:schemeClr val="bg1"/>
+              </a:solidFill>
+            </a:endParaRPr>
+          </a:p>
+        </p:txBody>
+      </p:sp>
+      <p:cxnSp>
+        <p:nvCxnSpPr>
+          <p:cNvPr id="10" name="직선 연결선[R] 9">
+            <a:extLst>
+              <a:ext uri="{FF2B5EF4-FFF2-40B4-BE49-F238E27FC236}">
+                <a16:creationId xmlns:a16="http://schemas.microsoft.com/office/drawing/2014/main" id="{C3AEF52B-89CC-502A-D6C1-F0AB8A0A98E9}"/>
+              </a:ext>
+            </a:extLst>
+          </p:cNvPr>
+          <p:cNvCxnSpPr>
+            <a:stCxn id="8" idx="6"/>
+            <a:endCxn id="7" idx="1"/>
+          </p:cNvCxnSpPr>
+          <p:nvPr/>
+        </p:nvCxnSpPr>
+        <p:spPr>
+          <a:xfrm>
+            <a:off x="2854388" y="2014629"/>
+            <a:ext cx="864172" cy="1414371"/>
+          </a:xfrm>
+          <a:prstGeom prst="line">
+            <a:avLst/>
+          </a:prstGeom>
+          <a:ln w="19050"/>
+        </p:spPr>
+        <p:style>
+          <a:lnRef idx="1">
+            <a:schemeClr val="dk1"/>
+          </a:lnRef>
+          <a:fillRef idx="0">
+            <a:schemeClr val="dk1"/>
+          </a:fillRef>
+          <a:effectRef idx="0">
+            <a:schemeClr val="dk1"/>
+          </a:effectRef>
+          <a:fontRef idx="minor">
+            <a:schemeClr val="tx1"/>
+          </a:fontRef>
+        </p:style>
+      </p:cxnSp>
+      <p:cxnSp>
+        <p:nvCxnSpPr>
+          <p:cNvPr id="12" name="직선 연결선[R] 11">
+            <a:extLst>
+              <a:ext uri="{FF2B5EF4-FFF2-40B4-BE49-F238E27FC236}">
+                <a16:creationId xmlns:a16="http://schemas.microsoft.com/office/drawing/2014/main" id="{DFEB167A-A861-7A3D-5571-E2EE976519E0}"/>
+              </a:ext>
+            </a:extLst>
+          </p:cNvPr>
+          <p:cNvCxnSpPr>
+            <a:stCxn id="21" idx="6"/>
+            <a:endCxn id="7" idx="1"/>
+          </p:cNvCxnSpPr>
+          <p:nvPr/>
+        </p:nvCxnSpPr>
+        <p:spPr>
+          <a:xfrm>
+            <a:off x="2850788" y="3000613"/>
+            <a:ext cx="867772" cy="428387"/>
+          </a:xfrm>
+          <a:prstGeom prst="line">
+            <a:avLst/>
+          </a:prstGeom>
+          <a:ln w="19050"/>
+        </p:spPr>
+        <p:style>
+          <a:lnRef idx="1">
+            <a:schemeClr val="dk1"/>
+          </a:lnRef>
+          <a:fillRef idx="0">
+            <a:schemeClr val="dk1"/>
+          </a:fillRef>
+          <a:effectRef idx="0">
+            <a:schemeClr val="dk1"/>
+          </a:effectRef>
+          <a:fontRef idx="minor">
+            <a:schemeClr val="tx1"/>
+          </a:fontRef>
+        </p:style>
+      </p:cxnSp>
+      <p:cxnSp>
+        <p:nvCxnSpPr>
+          <p:cNvPr id="14" name="직선 연결선[R] 13">
+            <a:extLst>
+              <a:ext uri="{FF2B5EF4-FFF2-40B4-BE49-F238E27FC236}">
+                <a16:creationId xmlns:a16="http://schemas.microsoft.com/office/drawing/2014/main" id="{C7D15E4C-64A2-2E50-DC50-7DA94667EDB6}"/>
+              </a:ext>
+            </a:extLst>
+          </p:cNvPr>
+          <p:cNvCxnSpPr>
+            <a:cxnSpLocks/>
+            <a:stCxn id="22" idx="6"/>
+            <a:endCxn id="7" idx="1"/>
+          </p:cNvCxnSpPr>
+          <p:nvPr/>
+        </p:nvCxnSpPr>
+        <p:spPr>
+          <a:xfrm flipV="1">
+            <a:off x="2850788" y="3429000"/>
+            <a:ext cx="867772" cy="563495"/>
+          </a:xfrm>
+          <a:prstGeom prst="line">
+            <a:avLst/>
+          </a:prstGeom>
+          <a:ln w="19050"/>
+        </p:spPr>
+        <p:style>
+          <a:lnRef idx="1">
+            <a:schemeClr val="dk1"/>
+          </a:lnRef>
+          <a:fillRef idx="0">
+            <a:schemeClr val="dk1"/>
+          </a:fillRef>
+          <a:effectRef idx="0">
+            <a:schemeClr val="dk1"/>
+          </a:effectRef>
+          <a:fontRef idx="minor">
+            <a:schemeClr val="tx1"/>
+          </a:fontRef>
+        </p:style>
+      </p:cxnSp>
+      <p:cxnSp>
+        <p:nvCxnSpPr>
+          <p:cNvPr id="18" name="직선 연결선[R] 17">
+            <a:extLst>
+              <a:ext uri="{FF2B5EF4-FFF2-40B4-BE49-F238E27FC236}">
+                <a16:creationId xmlns:a16="http://schemas.microsoft.com/office/drawing/2014/main" id="{88E19D87-9C67-4C96-ABF3-FFE20502A007}"/>
+              </a:ext>
+            </a:extLst>
+          </p:cNvPr>
+          <p:cNvCxnSpPr>
+            <a:stCxn id="23" idx="6"/>
+            <a:endCxn id="7" idx="1"/>
+          </p:cNvCxnSpPr>
+          <p:nvPr/>
+        </p:nvCxnSpPr>
+        <p:spPr>
+          <a:xfrm flipV="1">
+            <a:off x="2850788" y="3429000"/>
+            <a:ext cx="867772" cy="1555377"/>
+          </a:xfrm>
+          <a:prstGeom prst="line">
+            <a:avLst/>
+          </a:prstGeom>
+          <a:ln w="19050"/>
+        </p:spPr>
+        <p:style>
+          <a:lnRef idx="1">
+            <a:schemeClr val="dk1"/>
+          </a:lnRef>
+          <a:fillRef idx="0">
+            <a:schemeClr val="dk1"/>
+          </a:fillRef>
+          <a:effectRef idx="0">
+            <a:schemeClr val="dk1"/>
+          </a:effectRef>
+          <a:fontRef idx="minor">
+            <a:schemeClr val="tx1"/>
+          </a:fontRef>
+        </p:style>
+      </p:cxnSp>
+      <p:cxnSp>
+        <p:nvCxnSpPr>
+          <p:cNvPr id="29" name="직선 연결선[R] 28">
+            <a:extLst>
+              <a:ext uri="{FF2B5EF4-FFF2-40B4-BE49-F238E27FC236}">
+                <a16:creationId xmlns:a16="http://schemas.microsoft.com/office/drawing/2014/main" id="{ED80AE47-4730-2124-DF12-F1A6BB66D957}"/>
+              </a:ext>
+            </a:extLst>
+          </p:cNvPr>
+          <p:cNvCxnSpPr>
+            <a:stCxn id="24" idx="2"/>
+            <a:endCxn id="19" idx="3"/>
+          </p:cNvCxnSpPr>
+          <p:nvPr/>
+        </p:nvCxnSpPr>
+        <p:spPr>
+          <a:xfrm flipH="1">
+            <a:off x="8303829" y="1654629"/>
+            <a:ext cx="861942" cy="1774371"/>
+          </a:xfrm>
+          <a:prstGeom prst="line">
+            <a:avLst/>
+          </a:prstGeom>
+          <a:ln w="19050"/>
+        </p:spPr>
+        <p:style>
+          <a:lnRef idx="1">
+            <a:schemeClr val="dk1"/>
+          </a:lnRef>
+          <a:fillRef idx="0">
+            <a:schemeClr val="dk1"/>
+          </a:fillRef>
+          <a:effectRef idx="0">
+            <a:schemeClr val="dk1"/>
+          </a:effectRef>
+          <a:fontRef idx="minor">
+            <a:schemeClr val="tx1"/>
+          </a:fontRef>
+        </p:style>
+      </p:cxnSp>
+      <p:cxnSp>
+        <p:nvCxnSpPr>
+          <p:cNvPr id="31" name="직선 연결선[R] 30">
+            <a:extLst>
+              <a:ext uri="{FF2B5EF4-FFF2-40B4-BE49-F238E27FC236}">
+                <a16:creationId xmlns:a16="http://schemas.microsoft.com/office/drawing/2014/main" id="{6380149C-B1EC-FA2B-3847-2137BF27FF28}"/>
+              </a:ext>
+            </a:extLst>
+          </p:cNvPr>
+          <p:cNvCxnSpPr>
+            <a:stCxn id="25" idx="2"/>
+            <a:endCxn id="19" idx="3"/>
+          </p:cNvCxnSpPr>
+          <p:nvPr/>
+        </p:nvCxnSpPr>
+        <p:spPr>
+          <a:xfrm flipH="1">
+            <a:off x="8303829" y="2640613"/>
+            <a:ext cx="861942" cy="788387"/>
+          </a:xfrm>
+          <a:prstGeom prst="line">
+            <a:avLst/>
+          </a:prstGeom>
+          <a:ln w="19050"/>
+        </p:spPr>
+        <p:style>
+          <a:lnRef idx="1">
+            <a:schemeClr val="dk1"/>
+          </a:lnRef>
+          <a:fillRef idx="0">
+            <a:schemeClr val="dk1"/>
+          </a:fillRef>
+          <a:effectRef idx="0">
+            <a:schemeClr val="dk1"/>
+          </a:effectRef>
+          <a:fontRef idx="minor">
+            <a:schemeClr val="tx1"/>
+          </a:fontRef>
+        </p:style>
+      </p:cxnSp>
+      <p:cxnSp>
+        <p:nvCxnSpPr>
+          <p:cNvPr id="34" name="직선 연결선[R] 33">
+            <a:extLst>
+              <a:ext uri="{FF2B5EF4-FFF2-40B4-BE49-F238E27FC236}">
+                <a16:creationId xmlns:a16="http://schemas.microsoft.com/office/drawing/2014/main" id="{6256EEBB-17AD-DDF4-E6C9-2129FFA52BDC}"/>
+              </a:ext>
+            </a:extLst>
+          </p:cNvPr>
+          <p:cNvCxnSpPr>
+            <a:stCxn id="26" idx="2"/>
+            <a:endCxn id="19" idx="3"/>
+          </p:cNvCxnSpPr>
+          <p:nvPr/>
+        </p:nvCxnSpPr>
+        <p:spPr>
+          <a:xfrm flipH="1" flipV="1">
+            <a:off x="8303829" y="3429000"/>
+            <a:ext cx="861942" cy="203495"/>
+          </a:xfrm>
+          <a:prstGeom prst="line">
+            <a:avLst/>
+          </a:prstGeom>
+          <a:ln w="19050"/>
+        </p:spPr>
+        <p:style>
+          <a:lnRef idx="1">
+            <a:schemeClr val="dk1"/>
+          </a:lnRef>
+          <a:fillRef idx="0">
+            <a:schemeClr val="dk1"/>
+          </a:fillRef>
+          <a:effectRef idx="0">
+            <a:schemeClr val="dk1"/>
+          </a:effectRef>
+          <a:fontRef idx="minor">
+            <a:schemeClr val="tx1"/>
+          </a:fontRef>
+        </p:style>
+      </p:cxnSp>
+      <p:cxnSp>
+        <p:nvCxnSpPr>
+          <p:cNvPr id="36" name="직선 연결선[R] 35">
+            <a:extLst>
+              <a:ext uri="{FF2B5EF4-FFF2-40B4-BE49-F238E27FC236}">
+                <a16:creationId xmlns:a16="http://schemas.microsoft.com/office/drawing/2014/main" id="{187922D8-7CE0-20F0-1CF0-F2DDE4D4DD35}"/>
+              </a:ext>
+            </a:extLst>
+          </p:cNvPr>
+          <p:cNvCxnSpPr>
+            <a:stCxn id="27" idx="2"/>
+            <a:endCxn id="19" idx="3"/>
+          </p:cNvCxnSpPr>
+          <p:nvPr/>
+        </p:nvCxnSpPr>
+        <p:spPr>
+          <a:xfrm flipH="1" flipV="1">
+            <a:off x="8303829" y="3429000"/>
+            <a:ext cx="861942" cy="1195377"/>
+          </a:xfrm>
+          <a:prstGeom prst="line">
+            <a:avLst/>
+          </a:prstGeom>
+          <a:ln w="19050"/>
+        </p:spPr>
+        <p:style>
+          <a:lnRef idx="1">
+            <a:schemeClr val="dk1"/>
+          </a:lnRef>
+          <a:fillRef idx="0">
+            <a:schemeClr val="dk1"/>
+          </a:fillRef>
+          <a:effectRef idx="0">
+            <a:schemeClr val="dk1"/>
+          </a:effectRef>
+          <a:fontRef idx="minor">
+            <a:schemeClr val="tx1"/>
+          </a:fontRef>
+        </p:style>
+      </p:cxnSp>
+      <p:cxnSp>
+        <p:nvCxnSpPr>
+          <p:cNvPr id="44" name="직선 연결선[R] 43">
+            <a:extLst>
+              <a:ext uri="{FF2B5EF4-FFF2-40B4-BE49-F238E27FC236}">
+                <a16:creationId xmlns:a16="http://schemas.microsoft.com/office/drawing/2014/main" id="{CCB3EEB1-D96D-CA60-8C61-21B0C45611BB}"/>
+              </a:ext>
+            </a:extLst>
+          </p:cNvPr>
+          <p:cNvCxnSpPr>
+            <a:stCxn id="28" idx="2"/>
+            <a:endCxn id="19" idx="3"/>
+          </p:cNvCxnSpPr>
+          <p:nvPr/>
+        </p:nvCxnSpPr>
+        <p:spPr>
+          <a:xfrm flipH="1" flipV="1">
+            <a:off x="8303829" y="3429000"/>
+            <a:ext cx="858342" cy="2187259"/>
+          </a:xfrm>
+          <a:prstGeom prst="line">
+            <a:avLst/>
+          </a:prstGeom>
+          <a:ln w="19050"/>
+        </p:spPr>
+        <p:style>
+          <a:lnRef idx="1">
+            <a:schemeClr val="dk1"/>
+          </a:lnRef>
+          <a:fillRef idx="0">
+            <a:schemeClr val="dk1"/>
+          </a:fillRef>
+          <a:effectRef idx="0">
+            <a:schemeClr val="dk1"/>
+          </a:effectRef>
+          <a:fontRef idx="minor">
+            <a:schemeClr val="tx1"/>
+          </a:fontRef>
+        </p:style>
+      </p:cxnSp>
     </p:spTree>
     <p:extLst>
       <p:ext uri="{BB962C8B-B14F-4D97-AF65-F5344CB8AC3E}">

--- a/4-1/소프트웨어 종합설계/10주차/졸업작품 DFD : ERD.pptx
+++ b/4-1/소프트웨어 종합설계/10주차/졸업작품 DFD : ERD.pptx
@@ -277,7 +277,7 @@
           <a:p>
             <a:fld id="{CA0C9A70-06BB-774B-8A5A-F2019B565F3F}" type="datetimeFigureOut">
               <a:rPr kumimoji="1" lang="ko-Kore-KR" altLang="en-US" smtClean="0"/>
-              <a:t>2022. 5. 3.</a:t>
+              <a:t>2022. 5. 5.</a:t>
             </a:fld>
             <a:endParaRPr kumimoji="1" lang="ko-Kore-KR" altLang="en-US"/>
           </a:p>
@@ -477,7 +477,7 @@
           <a:p>
             <a:fld id="{CA0C9A70-06BB-774B-8A5A-F2019B565F3F}" type="datetimeFigureOut">
               <a:rPr kumimoji="1" lang="ko-Kore-KR" altLang="en-US" smtClean="0"/>
-              <a:t>2022. 5. 3.</a:t>
+              <a:t>2022. 5. 5.</a:t>
             </a:fld>
             <a:endParaRPr kumimoji="1" lang="ko-Kore-KR" altLang="en-US"/>
           </a:p>
@@ -687,7 +687,7 @@
           <a:p>
             <a:fld id="{CA0C9A70-06BB-774B-8A5A-F2019B565F3F}" type="datetimeFigureOut">
               <a:rPr kumimoji="1" lang="ko-Kore-KR" altLang="en-US" smtClean="0"/>
-              <a:t>2022. 5. 3.</a:t>
+              <a:t>2022. 5. 5.</a:t>
             </a:fld>
             <a:endParaRPr kumimoji="1" lang="ko-Kore-KR" altLang="en-US"/>
           </a:p>
@@ -887,7 +887,7 @@
           <a:p>
             <a:fld id="{CA0C9A70-06BB-774B-8A5A-F2019B565F3F}" type="datetimeFigureOut">
               <a:rPr kumimoji="1" lang="ko-Kore-KR" altLang="en-US" smtClean="0"/>
-              <a:t>2022. 5. 3.</a:t>
+              <a:t>2022. 5. 5.</a:t>
             </a:fld>
             <a:endParaRPr kumimoji="1" lang="ko-Kore-KR" altLang="en-US"/>
           </a:p>
@@ -1163,7 +1163,7 @@
           <a:p>
             <a:fld id="{CA0C9A70-06BB-774B-8A5A-F2019B565F3F}" type="datetimeFigureOut">
               <a:rPr kumimoji="1" lang="ko-Kore-KR" altLang="en-US" smtClean="0"/>
-              <a:t>2022. 5. 3.</a:t>
+              <a:t>2022. 5. 5.</a:t>
             </a:fld>
             <a:endParaRPr kumimoji="1" lang="ko-Kore-KR" altLang="en-US"/>
           </a:p>
@@ -1431,7 +1431,7 @@
           <a:p>
             <a:fld id="{CA0C9A70-06BB-774B-8A5A-F2019B565F3F}" type="datetimeFigureOut">
               <a:rPr kumimoji="1" lang="ko-Kore-KR" altLang="en-US" smtClean="0"/>
-              <a:t>2022. 5. 3.</a:t>
+              <a:t>2022. 5. 5.</a:t>
             </a:fld>
             <a:endParaRPr kumimoji="1" lang="ko-Kore-KR" altLang="en-US"/>
           </a:p>
@@ -1846,7 +1846,7 @@
           <a:p>
             <a:fld id="{CA0C9A70-06BB-774B-8A5A-F2019B565F3F}" type="datetimeFigureOut">
               <a:rPr kumimoji="1" lang="ko-Kore-KR" altLang="en-US" smtClean="0"/>
-              <a:t>2022. 5. 3.</a:t>
+              <a:t>2022. 5. 5.</a:t>
             </a:fld>
             <a:endParaRPr kumimoji="1" lang="ko-Kore-KR" altLang="en-US"/>
           </a:p>
@@ -1988,7 +1988,7 @@
           <a:p>
             <a:fld id="{CA0C9A70-06BB-774B-8A5A-F2019B565F3F}" type="datetimeFigureOut">
               <a:rPr kumimoji="1" lang="ko-Kore-KR" altLang="en-US" smtClean="0"/>
-              <a:t>2022. 5. 3.</a:t>
+              <a:t>2022. 5. 5.</a:t>
             </a:fld>
             <a:endParaRPr kumimoji="1" lang="ko-Kore-KR" altLang="en-US"/>
           </a:p>
@@ -2101,7 +2101,7 @@
           <a:p>
             <a:fld id="{CA0C9A70-06BB-774B-8A5A-F2019B565F3F}" type="datetimeFigureOut">
               <a:rPr kumimoji="1" lang="ko-Kore-KR" altLang="en-US" smtClean="0"/>
-              <a:t>2022. 5. 3.</a:t>
+              <a:t>2022. 5. 5.</a:t>
             </a:fld>
             <a:endParaRPr kumimoji="1" lang="ko-Kore-KR" altLang="en-US"/>
           </a:p>
@@ -2414,7 +2414,7 @@
           <a:p>
             <a:fld id="{CA0C9A70-06BB-774B-8A5A-F2019B565F3F}" type="datetimeFigureOut">
               <a:rPr kumimoji="1" lang="ko-Kore-KR" altLang="en-US" smtClean="0"/>
-              <a:t>2022. 5. 3.</a:t>
+              <a:t>2022. 5. 5.</a:t>
             </a:fld>
             <a:endParaRPr kumimoji="1" lang="ko-Kore-KR" altLang="en-US"/>
           </a:p>
@@ -2703,7 +2703,7 @@
           <a:p>
             <a:fld id="{CA0C9A70-06BB-774B-8A5A-F2019B565F3F}" type="datetimeFigureOut">
               <a:rPr kumimoji="1" lang="ko-Kore-KR" altLang="en-US" smtClean="0"/>
-              <a:t>2022. 5. 3.</a:t>
+              <a:t>2022. 5. 5.</a:t>
             </a:fld>
             <a:endParaRPr kumimoji="1" lang="ko-Kore-KR" altLang="en-US"/>
           </a:p>
@@ -2946,7 +2946,7 @@
           <a:p>
             <a:fld id="{CA0C9A70-06BB-774B-8A5A-F2019B565F3F}" type="datetimeFigureOut">
               <a:rPr kumimoji="1" lang="ko-Kore-KR" altLang="en-US" smtClean="0"/>
-              <a:t>2022. 5. 3.</a:t>
+              <a:t>2022. 5. 5.</a:t>
             </a:fld>
             <a:endParaRPr kumimoji="1" lang="ko-Kore-KR" altLang="en-US"/>
           </a:p>
@@ -3562,17 +3562,17 @@
                   <a:sysClr val="windowText" lastClr="000000"/>
                 </a:solidFill>
               </a:rPr>
-              <a:t>Model</a:t>
-            </a:r>
-          </a:p>
-        </p:txBody>
-      </p:sp>
-      <p:sp>
-        <p:nvSpPr>
-          <p:cNvPr id="12" name="모서리가 둥근 직사각형 11">
-            <a:extLst>
-              <a:ext uri="{FF2B5EF4-FFF2-40B4-BE49-F238E27FC236}">
-                <a16:creationId xmlns:a16="http://schemas.microsoft.com/office/drawing/2014/main" id="{0F495902-A207-5344-8779-E7AFD0080D40}"/>
+              <a:t>DB</a:t>
+            </a:r>
+          </a:p>
+        </p:txBody>
+      </p:sp>
+      <p:sp>
+        <p:nvSpPr>
+          <p:cNvPr id="30" name="모서리가 둥근 직사각형 29">
+            <a:extLst>
+              <a:ext uri="{FF2B5EF4-FFF2-40B4-BE49-F238E27FC236}">
+                <a16:creationId xmlns:a16="http://schemas.microsoft.com/office/drawing/2014/main" id="{53E9542E-315B-D643-8807-BEE13D57201E}"/>
               </a:ext>
             </a:extLst>
           </p:cNvPr>
@@ -3581,74 +3581,7 @@
         </p:nvSpPr>
         <p:spPr>
           <a:xfrm>
-            <a:off x="9076130" y="186376"/>
-            <a:ext cx="1382257" cy="320574"/>
-          </a:xfrm>
-          <a:prstGeom prst="roundRect">
-            <a:avLst/>
-          </a:prstGeom>
-          <a:solidFill>
-            <a:schemeClr val="accent6">
-              <a:lumMod val="40000"/>
-              <a:lumOff val="60000"/>
-            </a:schemeClr>
-          </a:solidFill>
-          <a:ln>
-            <a:noFill/>
-          </a:ln>
-        </p:spPr>
-        <p:style>
-          <a:lnRef idx="2">
-            <a:schemeClr val="accent1">
-              <a:shade val="50000"/>
-            </a:schemeClr>
-          </a:lnRef>
-          <a:fillRef idx="1">
-            <a:schemeClr val="accent1"/>
-          </a:fillRef>
-          <a:effectRef idx="0">
-            <a:schemeClr val="accent1"/>
-          </a:effectRef>
-          <a:fontRef idx="minor">
-            <a:schemeClr val="lt1"/>
-          </a:fontRef>
-        </p:style>
-        <p:txBody>
-          <a:bodyPr rtlCol="0" anchor="ctr"/>
-          <a:lstStyle/>
-          <a:p>
-            <a:pPr algn="ctr"/>
-            <a:r>
-              <a:rPr kumimoji="1" lang="en-US" altLang="ko-Kore-KR" dirty="0">
-                <a:solidFill>
-                  <a:sysClr val="windowText" lastClr="000000"/>
-                </a:solidFill>
-              </a:rPr>
-              <a:t>View</a:t>
-            </a:r>
-            <a:endParaRPr kumimoji="1" lang="ko-Kore-KR" altLang="en-US" dirty="0">
-              <a:solidFill>
-                <a:sysClr val="windowText" lastClr="000000"/>
-              </a:solidFill>
-            </a:endParaRPr>
-          </a:p>
-        </p:txBody>
-      </p:sp>
-      <p:sp>
-        <p:nvSpPr>
-          <p:cNvPr id="30" name="모서리가 둥근 직사각형 29">
-            <a:extLst>
-              <a:ext uri="{FF2B5EF4-FFF2-40B4-BE49-F238E27FC236}">
-                <a16:creationId xmlns:a16="http://schemas.microsoft.com/office/drawing/2014/main" id="{53E9542E-315B-D643-8807-BEE13D57201E}"/>
-              </a:ext>
-            </a:extLst>
-          </p:cNvPr>
-          <p:cNvSpPr/>
-          <p:nvPr/>
-        </p:nvSpPr>
-        <p:spPr>
-          <a:xfrm>
-            <a:off x="10621901" y="194313"/>
+            <a:off x="9076130" y="176869"/>
             <a:ext cx="1382257" cy="320574"/>
           </a:xfrm>
           <a:prstGeom prst="roundRect">
@@ -3755,1639 +3688,11 @@
                   <a:sysClr val="windowText" lastClr="000000"/>
                 </a:solidFill>
               </a:rPr>
-              <a:t>DB</a:t>
-            </a:r>
-          </a:p>
-        </p:txBody>
-      </p:sp>
-      <p:sp>
-        <p:nvSpPr>
-          <p:cNvPr id="32" name="모서리가 둥근 직사각형 31">
-            <a:extLst>
-              <a:ext uri="{FF2B5EF4-FFF2-40B4-BE49-F238E27FC236}">
-                <a16:creationId xmlns:a16="http://schemas.microsoft.com/office/drawing/2014/main" id="{ACE1A9E1-1B44-294D-9DA6-F7389B03D7E1}"/>
-              </a:ext>
-            </a:extLst>
-          </p:cNvPr>
-          <p:cNvSpPr/>
-          <p:nvPr/>
-        </p:nvSpPr>
-        <p:spPr>
-          <a:xfrm>
-            <a:off x="289950" y="2639406"/>
-            <a:ext cx="1382257" cy="1579188"/>
-          </a:xfrm>
-          <a:prstGeom prst="roundRect">
-            <a:avLst/>
-          </a:prstGeom>
-          <a:solidFill>
-            <a:srgbClr val="B870EA"/>
-          </a:solidFill>
-          <a:ln>
-            <a:noFill/>
-          </a:ln>
-        </p:spPr>
-        <p:style>
-          <a:lnRef idx="2">
-            <a:schemeClr val="accent1">
-              <a:shade val="50000"/>
-            </a:schemeClr>
-          </a:lnRef>
-          <a:fillRef idx="1">
-            <a:schemeClr val="accent1"/>
-          </a:fillRef>
-          <a:effectRef idx="0">
-            <a:schemeClr val="accent1"/>
-          </a:effectRef>
-          <a:fontRef idx="minor">
-            <a:schemeClr val="lt1"/>
-          </a:fontRef>
-        </p:style>
-        <p:txBody>
-          <a:bodyPr rtlCol="0" anchor="ctr"/>
-          <a:lstStyle/>
-          <a:p>
-            <a:pPr algn="ctr"/>
-            <a:r>
-              <a:rPr kumimoji="1" lang="en-US" altLang="ko-Kore-KR" dirty="0">
-                <a:solidFill>
-                  <a:sysClr val="windowText" lastClr="000000"/>
-                </a:solidFill>
-              </a:rPr>
-              <a:t>Realm</a:t>
-            </a:r>
-          </a:p>
-        </p:txBody>
-      </p:sp>
-      <p:sp>
-        <p:nvSpPr>
-          <p:cNvPr id="9" name="모서리가 둥근 직사각형 8">
-            <a:extLst>
-              <a:ext uri="{FF2B5EF4-FFF2-40B4-BE49-F238E27FC236}">
-                <a16:creationId xmlns:a16="http://schemas.microsoft.com/office/drawing/2014/main" id="{2126D422-7365-7543-A7B2-8DFD9684F6B1}"/>
-              </a:ext>
-            </a:extLst>
-          </p:cNvPr>
-          <p:cNvSpPr/>
-          <p:nvPr/>
-        </p:nvSpPr>
-        <p:spPr>
-          <a:xfrm>
-            <a:off x="2299918" y="3107057"/>
-            <a:ext cx="1719991" cy="1800000"/>
-          </a:xfrm>
-          <a:prstGeom prst="roundRect">
-            <a:avLst/>
-          </a:prstGeom>
-          <a:solidFill>
-            <a:srgbClr val="FD997D"/>
-          </a:solidFill>
-          <a:ln>
-            <a:noFill/>
-          </a:ln>
-        </p:spPr>
-        <p:style>
-          <a:lnRef idx="2">
-            <a:schemeClr val="accent1">
-              <a:shade val="50000"/>
-            </a:schemeClr>
-          </a:lnRef>
-          <a:fillRef idx="1">
-            <a:schemeClr val="accent1"/>
-          </a:fillRef>
-          <a:effectRef idx="0">
-            <a:schemeClr val="accent1"/>
-          </a:effectRef>
-          <a:fontRef idx="minor">
-            <a:schemeClr val="lt1"/>
-          </a:fontRef>
-        </p:style>
-        <p:txBody>
-          <a:bodyPr rtlCol="0" anchor="ctr"/>
-          <a:lstStyle/>
-          <a:p>
-            <a:pPr algn="ctr"/>
-            <a:r>
-              <a:rPr kumimoji="1" lang="en-US" altLang="ko-Kore-KR" dirty="0">
-                <a:solidFill>
-                  <a:sysClr val="windowText" lastClr="000000"/>
-                </a:solidFill>
-              </a:rPr>
-              <a:t>To Do</a:t>
-            </a:r>
-          </a:p>
-          <a:p>
-            <a:pPr algn="ctr"/>
-            <a:endParaRPr kumimoji="1" lang="en-US" altLang="ko-Kore-KR" dirty="0">
-              <a:solidFill>
-                <a:sysClr val="windowText" lastClr="000000"/>
-              </a:solidFill>
-            </a:endParaRPr>
-          </a:p>
-          <a:p>
-            <a:pPr marL="285750" indent="-285750">
-              <a:buFontTx/>
-              <a:buChar char="-"/>
-            </a:pPr>
-            <a:r>
-              <a:rPr kumimoji="1" lang="en-US" altLang="ko-Kore-KR" sz="1200" dirty="0">
-                <a:solidFill>
-                  <a:sysClr val="windowText" lastClr="000000"/>
-                </a:solidFill>
-              </a:rPr>
-              <a:t>title: String</a:t>
-            </a:r>
-          </a:p>
-          <a:p>
-            <a:pPr marL="285750" indent="-285750">
-              <a:buFontTx/>
-              <a:buChar char="-"/>
-            </a:pPr>
-            <a:r>
-              <a:rPr kumimoji="1" lang="en-US" altLang="ko-Kore-KR" sz="1200" dirty="0">
-                <a:solidFill>
-                  <a:sysClr val="windowText" lastClr="000000"/>
-                </a:solidFill>
-              </a:rPr>
-              <a:t>memo: String</a:t>
-            </a:r>
-          </a:p>
-          <a:p>
-            <a:pPr marL="285750" indent="-285750">
-              <a:buFontTx/>
-              <a:buChar char="-"/>
-            </a:pPr>
-            <a:r>
-              <a:rPr kumimoji="1" lang="en-US" altLang="ko-Kore-KR" sz="1200" dirty="0" err="1">
-                <a:solidFill>
-                  <a:sysClr val="windowText" lastClr="000000"/>
-                </a:solidFill>
-              </a:rPr>
-              <a:t>isChecked</a:t>
-            </a:r>
-            <a:r>
-              <a:rPr kumimoji="1" lang="en-US" altLang="ko-Kore-KR" sz="1200" dirty="0">
-                <a:solidFill>
-                  <a:sysClr val="windowText" lastClr="000000"/>
-                </a:solidFill>
-              </a:rPr>
-              <a:t>: Bool</a:t>
-            </a:r>
-          </a:p>
-          <a:p>
-            <a:pPr marL="285750" indent="-285750">
-              <a:buFontTx/>
-              <a:buChar char="-"/>
-            </a:pPr>
-            <a:r>
-              <a:rPr kumimoji="1" lang="en-US" altLang="ko-Kore-KR" sz="1200" dirty="0" err="1">
-                <a:solidFill>
-                  <a:sysClr val="windowText" lastClr="000000"/>
-                </a:solidFill>
-              </a:rPr>
-              <a:t>startDate</a:t>
-            </a:r>
-            <a:r>
-              <a:rPr kumimoji="1" lang="en-US" altLang="ko-Kore-KR" sz="1200" dirty="0">
-                <a:solidFill>
-                  <a:sysClr val="windowText" lastClr="000000"/>
-                </a:solidFill>
-              </a:rPr>
-              <a:t>: Date</a:t>
-            </a:r>
-          </a:p>
-          <a:p>
-            <a:pPr marL="285750" indent="-285750">
-              <a:buFontTx/>
-              <a:buChar char="-"/>
-            </a:pPr>
-            <a:r>
-              <a:rPr kumimoji="1" lang="en-US" altLang="ko-Kore-KR" sz="1200" dirty="0" err="1">
-                <a:solidFill>
-                  <a:sysClr val="windowText" lastClr="000000"/>
-                </a:solidFill>
-              </a:rPr>
-              <a:t>endDate</a:t>
-            </a:r>
-            <a:r>
-              <a:rPr kumimoji="1" lang="en-US" altLang="ko-Kore-KR" sz="1200" dirty="0">
-                <a:solidFill>
-                  <a:sysClr val="windowText" lastClr="000000"/>
-                </a:solidFill>
-              </a:rPr>
-              <a:t>: Date</a:t>
-            </a:r>
-          </a:p>
-        </p:txBody>
-      </p:sp>
-      <p:sp>
-        <p:nvSpPr>
-          <p:cNvPr id="10" name="모서리가 둥근 직사각형 9">
-            <a:extLst>
-              <a:ext uri="{FF2B5EF4-FFF2-40B4-BE49-F238E27FC236}">
-                <a16:creationId xmlns:a16="http://schemas.microsoft.com/office/drawing/2014/main" id="{C5CD0510-17AD-8B40-A414-68CE71F5D9A0}"/>
-              </a:ext>
-            </a:extLst>
-          </p:cNvPr>
-          <p:cNvSpPr/>
-          <p:nvPr/>
-        </p:nvSpPr>
-        <p:spPr>
-          <a:xfrm>
-            <a:off x="2299918" y="848777"/>
-            <a:ext cx="1719991" cy="1800000"/>
-          </a:xfrm>
-          <a:prstGeom prst="roundRect">
-            <a:avLst/>
-          </a:prstGeom>
-          <a:solidFill>
-            <a:srgbClr val="FD997D"/>
-          </a:solidFill>
-          <a:ln>
-            <a:noFill/>
-          </a:ln>
-        </p:spPr>
-        <p:style>
-          <a:lnRef idx="2">
-            <a:schemeClr val="accent1">
-              <a:shade val="50000"/>
-            </a:schemeClr>
-          </a:lnRef>
-          <a:fillRef idx="1">
-            <a:schemeClr val="accent1"/>
-          </a:fillRef>
-          <a:effectRef idx="0">
-            <a:schemeClr val="accent1"/>
-          </a:effectRef>
-          <a:fontRef idx="minor">
-            <a:schemeClr val="lt1"/>
-          </a:fontRef>
-        </p:style>
-        <p:txBody>
-          <a:bodyPr rtlCol="0" anchor="ctr"/>
-          <a:lstStyle/>
-          <a:p>
-            <a:pPr algn="ctr"/>
-            <a:r>
-              <a:rPr kumimoji="1" lang="en-US" altLang="ko-Kore-KR" dirty="0">
-                <a:solidFill>
-                  <a:sysClr val="windowText" lastClr="000000"/>
-                </a:solidFill>
-              </a:rPr>
-              <a:t>Diary</a:t>
-            </a:r>
-          </a:p>
-          <a:p>
-            <a:pPr algn="ctr"/>
-            <a:endParaRPr kumimoji="1" lang="en-US" altLang="ko-Kore-KR" dirty="0">
-              <a:solidFill>
-                <a:sysClr val="windowText" lastClr="000000"/>
-              </a:solidFill>
-            </a:endParaRPr>
-          </a:p>
-          <a:p>
-            <a:pPr marL="285750" indent="-285750">
-              <a:buFontTx/>
-              <a:buChar char="-"/>
-            </a:pPr>
-            <a:r>
-              <a:rPr kumimoji="1" lang="en-US" altLang="ko-Kore-KR" sz="1200" dirty="0">
-                <a:solidFill>
-                  <a:sysClr val="windowText" lastClr="000000"/>
-                </a:solidFill>
-              </a:rPr>
-              <a:t>content: String</a:t>
-            </a:r>
-          </a:p>
-          <a:p>
-            <a:pPr marL="285750" indent="-285750">
-              <a:buFontTx/>
-              <a:buChar char="-"/>
-            </a:pPr>
-            <a:r>
-              <a:rPr kumimoji="1" lang="en-US" altLang="ko-Kore-KR" sz="1200" dirty="0">
-                <a:solidFill>
-                  <a:sysClr val="windowText" lastClr="000000"/>
-                </a:solidFill>
-              </a:rPr>
-              <a:t>hashtag: [String]</a:t>
-            </a:r>
-          </a:p>
-          <a:p>
-            <a:pPr marL="285750" indent="-285750">
-              <a:buFontTx/>
-              <a:buChar char="-"/>
-            </a:pPr>
-            <a:r>
-              <a:rPr kumimoji="1" lang="en-US" altLang="ko-Kore-KR" sz="1200" dirty="0">
-                <a:solidFill>
-                  <a:sysClr val="windowText" lastClr="000000"/>
-                </a:solidFill>
-              </a:rPr>
-              <a:t>date: Date</a:t>
-            </a:r>
-          </a:p>
-          <a:p>
-            <a:pPr marL="285750" indent="-285750">
-              <a:buFontTx/>
-              <a:buChar char="-"/>
-            </a:pPr>
-            <a:r>
-              <a:rPr kumimoji="1" lang="en-US" altLang="ko-Kore-KR" sz="1200" dirty="0">
-                <a:solidFill>
-                  <a:sysClr val="windowText" lastClr="000000"/>
-                </a:solidFill>
-              </a:rPr>
-              <a:t>picture: </a:t>
-            </a:r>
-            <a:r>
-              <a:rPr kumimoji="1" lang="en-US" altLang="ko-Kore-KR" sz="1200" dirty="0" err="1">
-                <a:solidFill>
-                  <a:sysClr val="windowText" lastClr="000000"/>
-                </a:solidFill>
-              </a:rPr>
-              <a:t>UIImage</a:t>
-            </a:r>
-            <a:endParaRPr kumimoji="1" lang="en-US" altLang="ko-Kore-KR" sz="1600" dirty="0">
-              <a:solidFill>
-                <a:sysClr val="windowText" lastClr="000000"/>
-              </a:solidFill>
-            </a:endParaRPr>
-          </a:p>
-        </p:txBody>
-      </p:sp>
-      <p:sp>
-        <p:nvSpPr>
-          <p:cNvPr id="14" name="모서리가 둥근 직사각형 13">
-            <a:extLst>
-              <a:ext uri="{FF2B5EF4-FFF2-40B4-BE49-F238E27FC236}">
-                <a16:creationId xmlns:a16="http://schemas.microsoft.com/office/drawing/2014/main" id="{1F7D66E0-8E15-E041-8F98-CDBB97AAE82F}"/>
-              </a:ext>
-            </a:extLst>
-          </p:cNvPr>
-          <p:cNvSpPr/>
-          <p:nvPr/>
-        </p:nvSpPr>
-        <p:spPr>
-          <a:xfrm>
-            <a:off x="4389567" y="3842698"/>
-            <a:ext cx="1382257" cy="320574"/>
-          </a:xfrm>
-          <a:prstGeom prst="roundRect">
-            <a:avLst/>
-          </a:prstGeom>
-          <a:solidFill>
-            <a:schemeClr val="accent6">
-              <a:lumMod val="40000"/>
-              <a:lumOff val="60000"/>
-            </a:schemeClr>
-          </a:solidFill>
-          <a:ln>
-            <a:noFill/>
-          </a:ln>
-        </p:spPr>
-        <p:style>
-          <a:lnRef idx="2">
-            <a:schemeClr val="accent1">
-              <a:shade val="50000"/>
-            </a:schemeClr>
-          </a:lnRef>
-          <a:fillRef idx="1">
-            <a:schemeClr val="accent1"/>
-          </a:fillRef>
-          <a:effectRef idx="0">
-            <a:schemeClr val="accent1"/>
-          </a:effectRef>
-          <a:fontRef idx="minor">
-            <a:schemeClr val="lt1"/>
-          </a:fontRef>
-        </p:style>
-        <p:txBody>
-          <a:bodyPr rtlCol="0" anchor="ctr"/>
-          <a:lstStyle/>
-          <a:p>
-            <a:pPr algn="ctr"/>
-            <a:r>
-              <a:rPr kumimoji="1" lang="en-US" altLang="ko-Kore-KR" sz="1600" dirty="0" err="1">
-                <a:solidFill>
-                  <a:sysClr val="windowText" lastClr="000000"/>
-                </a:solidFill>
-              </a:rPr>
-              <a:t>ToDoCell</a:t>
-            </a:r>
-            <a:endParaRPr kumimoji="1" lang="ko-Kore-KR" altLang="en-US" sz="1600" dirty="0">
-              <a:solidFill>
-                <a:sysClr val="windowText" lastClr="000000"/>
-              </a:solidFill>
-            </a:endParaRPr>
-          </a:p>
-        </p:txBody>
-      </p:sp>
-      <p:sp>
-        <p:nvSpPr>
-          <p:cNvPr id="31" name="모서리가 둥근 직사각형 30">
-            <a:extLst>
-              <a:ext uri="{FF2B5EF4-FFF2-40B4-BE49-F238E27FC236}">
-                <a16:creationId xmlns:a16="http://schemas.microsoft.com/office/drawing/2014/main" id="{802F804E-1C93-4F4B-B476-9DF8615F6539}"/>
-              </a:ext>
-            </a:extLst>
-          </p:cNvPr>
-          <p:cNvSpPr/>
-          <p:nvPr/>
-        </p:nvSpPr>
-        <p:spPr>
-          <a:xfrm>
-            <a:off x="9592504" y="4677340"/>
-            <a:ext cx="1802921" cy="2160000"/>
-          </a:xfrm>
-          <a:prstGeom prst="roundRect">
-            <a:avLst/>
-          </a:prstGeom>
-          <a:solidFill>
-            <a:schemeClr val="accent6">
-              <a:lumMod val="75000"/>
-            </a:schemeClr>
-          </a:solidFill>
-          <a:ln>
-            <a:noFill/>
-          </a:ln>
-        </p:spPr>
-        <p:style>
-          <a:lnRef idx="2">
-            <a:schemeClr val="accent1">
-              <a:shade val="50000"/>
-            </a:schemeClr>
-          </a:lnRef>
-          <a:fillRef idx="1">
-            <a:schemeClr val="accent1"/>
-          </a:fillRef>
-          <a:effectRef idx="0">
-            <a:schemeClr val="accent1"/>
-          </a:effectRef>
-          <a:fontRef idx="minor">
-            <a:schemeClr val="lt1"/>
-          </a:fontRef>
-        </p:style>
-        <p:txBody>
-          <a:bodyPr rtlCol="0" anchor="ctr"/>
-          <a:lstStyle/>
-          <a:p>
-            <a:pPr algn="ctr"/>
-            <a:endParaRPr kumimoji="1" lang="ko-Kore-KR" altLang="en-US"/>
-          </a:p>
-        </p:txBody>
-      </p:sp>
-      <p:sp>
-        <p:nvSpPr>
-          <p:cNvPr id="15" name="모서리가 둥근 직사각형 14">
-            <a:extLst>
-              <a:ext uri="{FF2B5EF4-FFF2-40B4-BE49-F238E27FC236}">
-                <a16:creationId xmlns:a16="http://schemas.microsoft.com/office/drawing/2014/main" id="{7BAEA1CA-3394-8942-8D1D-DDFB37220599}"/>
-              </a:ext>
-            </a:extLst>
-          </p:cNvPr>
-          <p:cNvSpPr/>
-          <p:nvPr/>
-        </p:nvSpPr>
-        <p:spPr>
-          <a:xfrm>
-            <a:off x="9801981" y="5404842"/>
-            <a:ext cx="1382257" cy="326232"/>
-          </a:xfrm>
-          <a:prstGeom prst="roundRect">
-            <a:avLst/>
-          </a:prstGeom>
-          <a:solidFill>
-            <a:schemeClr val="accent6">
-              <a:lumMod val="40000"/>
-              <a:lumOff val="60000"/>
-            </a:schemeClr>
-          </a:solidFill>
-          <a:ln>
-            <a:noFill/>
-          </a:ln>
-        </p:spPr>
-        <p:style>
-          <a:lnRef idx="2">
-            <a:schemeClr val="accent1">
-              <a:shade val="50000"/>
-            </a:schemeClr>
-          </a:lnRef>
-          <a:fillRef idx="1">
-            <a:schemeClr val="accent1"/>
-          </a:fillRef>
-          <a:effectRef idx="0">
-            <a:schemeClr val="accent1"/>
-          </a:effectRef>
-          <a:fontRef idx="minor">
-            <a:schemeClr val="lt1"/>
-          </a:fontRef>
-        </p:style>
-        <p:txBody>
-          <a:bodyPr rtlCol="0" anchor="ctr"/>
-          <a:lstStyle/>
-          <a:p>
-            <a:pPr algn="ctr"/>
-            <a:r>
-              <a:rPr kumimoji="1" lang="en-US" altLang="ko-Kore-KR" sz="1400" dirty="0" err="1">
-                <a:solidFill>
-                  <a:sysClr val="windowText" lastClr="000000"/>
-                </a:solidFill>
-              </a:rPr>
-              <a:t>FontSizeCell</a:t>
-            </a:r>
-            <a:endParaRPr kumimoji="1" lang="ko-Kore-KR" altLang="en-US" sz="1400" dirty="0">
-              <a:solidFill>
-                <a:sysClr val="windowText" lastClr="000000"/>
-              </a:solidFill>
-            </a:endParaRPr>
-          </a:p>
-        </p:txBody>
-      </p:sp>
-      <p:sp>
-        <p:nvSpPr>
-          <p:cNvPr id="16" name="모서리가 둥근 직사각형 15">
-            <a:extLst>
-              <a:ext uri="{FF2B5EF4-FFF2-40B4-BE49-F238E27FC236}">
-                <a16:creationId xmlns:a16="http://schemas.microsoft.com/office/drawing/2014/main" id="{2F9A790D-82CC-E846-8C8B-4B33204BD382}"/>
-              </a:ext>
-            </a:extLst>
-          </p:cNvPr>
-          <p:cNvSpPr/>
-          <p:nvPr/>
-        </p:nvSpPr>
-        <p:spPr>
-          <a:xfrm>
-            <a:off x="9820858" y="6371729"/>
-            <a:ext cx="1382257" cy="326232"/>
-          </a:xfrm>
-          <a:prstGeom prst="roundRect">
-            <a:avLst/>
-          </a:prstGeom>
-          <a:solidFill>
-            <a:schemeClr val="accent6">
-              <a:lumMod val="40000"/>
-              <a:lumOff val="60000"/>
-            </a:schemeClr>
-          </a:solidFill>
-          <a:ln>
-            <a:noFill/>
-          </a:ln>
-        </p:spPr>
-        <p:style>
-          <a:lnRef idx="2">
-            <a:schemeClr val="accent1">
-              <a:shade val="50000"/>
-            </a:schemeClr>
-          </a:lnRef>
-          <a:fillRef idx="1">
-            <a:schemeClr val="accent1"/>
-          </a:fillRef>
-          <a:effectRef idx="0">
-            <a:schemeClr val="accent1"/>
-          </a:effectRef>
-          <a:fontRef idx="minor">
-            <a:schemeClr val="lt1"/>
-          </a:fontRef>
-        </p:style>
-        <p:txBody>
-          <a:bodyPr rtlCol="0" anchor="ctr"/>
-          <a:lstStyle/>
-          <a:p>
-            <a:pPr algn="ctr"/>
-            <a:r>
-              <a:rPr kumimoji="1" lang="en-US" altLang="ko-Kore-KR" sz="1400" dirty="0" err="1">
-                <a:solidFill>
-                  <a:sysClr val="windowText" lastClr="000000"/>
-                </a:solidFill>
-              </a:rPr>
-              <a:t>FilmCell</a:t>
-            </a:r>
-            <a:endParaRPr kumimoji="1" lang="en-US" altLang="ko-Kore-KR" sz="1400" dirty="0">
-              <a:solidFill>
-                <a:sysClr val="windowText" lastClr="000000"/>
-              </a:solidFill>
-            </a:endParaRPr>
-          </a:p>
-        </p:txBody>
-      </p:sp>
-      <p:sp>
-        <p:nvSpPr>
-          <p:cNvPr id="17" name="모서리가 둥근 직사각형 16">
-            <a:extLst>
-              <a:ext uri="{FF2B5EF4-FFF2-40B4-BE49-F238E27FC236}">
-                <a16:creationId xmlns:a16="http://schemas.microsoft.com/office/drawing/2014/main" id="{D287C181-50DF-8F44-AE8C-73F226049AAF}"/>
-              </a:ext>
-            </a:extLst>
-          </p:cNvPr>
-          <p:cNvSpPr/>
-          <p:nvPr/>
-        </p:nvSpPr>
-        <p:spPr>
-          <a:xfrm>
-            <a:off x="9801981" y="5888285"/>
-            <a:ext cx="1382257" cy="326232"/>
-          </a:xfrm>
-          <a:prstGeom prst="roundRect">
-            <a:avLst/>
-          </a:prstGeom>
-          <a:solidFill>
-            <a:schemeClr val="accent6">
-              <a:lumMod val="40000"/>
-              <a:lumOff val="60000"/>
-            </a:schemeClr>
-          </a:solidFill>
-          <a:ln>
-            <a:noFill/>
-          </a:ln>
-        </p:spPr>
-        <p:style>
-          <a:lnRef idx="2">
-            <a:schemeClr val="accent1">
-              <a:shade val="50000"/>
-            </a:schemeClr>
-          </a:lnRef>
-          <a:fillRef idx="1">
-            <a:schemeClr val="accent1"/>
-          </a:fillRef>
-          <a:effectRef idx="0">
-            <a:schemeClr val="accent1"/>
-          </a:effectRef>
-          <a:fontRef idx="minor">
-            <a:schemeClr val="lt1"/>
-          </a:fontRef>
-        </p:style>
-        <p:txBody>
-          <a:bodyPr rtlCol="0" anchor="ctr"/>
-          <a:lstStyle/>
-          <a:p>
-            <a:pPr algn="ctr"/>
-            <a:r>
-              <a:rPr kumimoji="1" lang="en-US" altLang="ko-Kore-KR" sz="1400" dirty="0" err="1">
-                <a:solidFill>
-                  <a:sysClr val="windowText" lastClr="000000"/>
-                </a:solidFill>
-              </a:rPr>
-              <a:t>FontSettingCell</a:t>
-            </a:r>
-            <a:endParaRPr kumimoji="1" lang="ko-Kore-KR" altLang="en-US" sz="1400" dirty="0">
-              <a:solidFill>
-                <a:sysClr val="windowText" lastClr="000000"/>
-              </a:solidFill>
-            </a:endParaRPr>
-          </a:p>
-        </p:txBody>
-      </p:sp>
-      <p:sp>
-        <p:nvSpPr>
-          <p:cNvPr id="18" name="모서리가 둥근 직사각형 17">
-            <a:extLst>
-              <a:ext uri="{FF2B5EF4-FFF2-40B4-BE49-F238E27FC236}">
-                <a16:creationId xmlns:a16="http://schemas.microsoft.com/office/drawing/2014/main" id="{26352B7A-3BE3-7348-9F81-EC586B34F149}"/>
-              </a:ext>
-            </a:extLst>
-          </p:cNvPr>
-          <p:cNvSpPr/>
-          <p:nvPr/>
-        </p:nvSpPr>
-        <p:spPr>
-          <a:xfrm>
-            <a:off x="9801981" y="4921782"/>
-            <a:ext cx="1382257" cy="326232"/>
-          </a:xfrm>
-          <a:prstGeom prst="roundRect">
-            <a:avLst/>
-          </a:prstGeom>
-          <a:solidFill>
-            <a:schemeClr val="accent6">
-              <a:lumMod val="40000"/>
-              <a:lumOff val="60000"/>
-            </a:schemeClr>
-          </a:solidFill>
-          <a:ln>
-            <a:noFill/>
-          </a:ln>
-        </p:spPr>
-        <p:style>
-          <a:lnRef idx="2">
-            <a:schemeClr val="accent1">
-              <a:shade val="50000"/>
-            </a:schemeClr>
-          </a:lnRef>
-          <a:fillRef idx="1">
-            <a:schemeClr val="accent1"/>
-          </a:fillRef>
-          <a:effectRef idx="0">
-            <a:schemeClr val="accent1"/>
-          </a:effectRef>
-          <a:fontRef idx="minor">
-            <a:schemeClr val="lt1"/>
-          </a:fontRef>
-        </p:style>
-        <p:txBody>
-          <a:bodyPr rtlCol="0" anchor="ctr"/>
-          <a:lstStyle/>
-          <a:p>
-            <a:pPr algn="ctr"/>
-            <a:r>
-              <a:rPr kumimoji="1" lang="en-US" altLang="ko-Kore-KR" sz="1400" dirty="0" err="1">
-                <a:solidFill>
-                  <a:sysClr val="windowText" lastClr="000000"/>
-                </a:solidFill>
-              </a:rPr>
-              <a:t>DateFormatCell</a:t>
-            </a:r>
-            <a:endParaRPr kumimoji="1" lang="ko-Kore-KR" altLang="en-US" sz="1400" dirty="0">
-              <a:solidFill>
-                <a:sysClr val="windowText" lastClr="000000"/>
-              </a:solidFill>
-            </a:endParaRPr>
-          </a:p>
-        </p:txBody>
-      </p:sp>
-      <p:sp>
-        <p:nvSpPr>
-          <p:cNvPr id="23" name="모서리가 둥근 직사각형 22">
-            <a:extLst>
-              <a:ext uri="{FF2B5EF4-FFF2-40B4-BE49-F238E27FC236}">
-                <a16:creationId xmlns:a16="http://schemas.microsoft.com/office/drawing/2014/main" id="{CD6CA262-19CD-E649-8F75-3B9CDC57CE99}"/>
-              </a:ext>
-            </a:extLst>
-          </p:cNvPr>
-          <p:cNvSpPr/>
-          <p:nvPr/>
-        </p:nvSpPr>
-        <p:spPr>
-          <a:xfrm>
-            <a:off x="6422164" y="5580760"/>
-            <a:ext cx="1260000" cy="360000"/>
-          </a:xfrm>
-          <a:prstGeom prst="roundRect">
-            <a:avLst/>
-          </a:prstGeom>
-          <a:solidFill>
-            <a:schemeClr val="accent4">
-              <a:lumMod val="20000"/>
-              <a:lumOff val="80000"/>
-            </a:schemeClr>
-          </a:solidFill>
-          <a:ln>
-            <a:noFill/>
-          </a:ln>
-        </p:spPr>
-        <p:style>
-          <a:lnRef idx="2">
-            <a:schemeClr val="accent1">
-              <a:shade val="50000"/>
-            </a:schemeClr>
-          </a:lnRef>
-          <a:fillRef idx="1">
-            <a:schemeClr val="accent1"/>
-          </a:fillRef>
-          <a:effectRef idx="0">
-            <a:schemeClr val="accent1"/>
-          </a:effectRef>
-          <a:fontRef idx="minor">
-            <a:schemeClr val="lt1"/>
-          </a:fontRef>
-        </p:style>
-        <p:txBody>
-          <a:bodyPr rtlCol="0" anchor="ctr"/>
-          <a:lstStyle/>
-          <a:p>
-            <a:pPr algn="ctr"/>
-            <a:r>
-              <a:rPr kumimoji="1" lang="en-US" altLang="ko-Kore-KR" sz="1600" dirty="0" err="1">
-                <a:solidFill>
-                  <a:sysClr val="windowText" lastClr="000000"/>
-                </a:solidFill>
-              </a:rPr>
-              <a:t>SettingVC</a:t>
-            </a:r>
-            <a:endParaRPr kumimoji="1" lang="ko-Kore-KR" altLang="en-US" sz="1600" dirty="0">
-              <a:solidFill>
-                <a:sysClr val="windowText" lastClr="000000"/>
-              </a:solidFill>
-            </a:endParaRPr>
-          </a:p>
-        </p:txBody>
-      </p:sp>
-      <p:sp>
-        <p:nvSpPr>
-          <p:cNvPr id="28" name="모서리가 둥근 직사각형 27">
-            <a:extLst>
-              <a:ext uri="{FF2B5EF4-FFF2-40B4-BE49-F238E27FC236}">
-                <a16:creationId xmlns:a16="http://schemas.microsoft.com/office/drawing/2014/main" id="{05C9F0C0-DE33-B241-B4C6-27A1A5403CD2}"/>
-              </a:ext>
-            </a:extLst>
-          </p:cNvPr>
-          <p:cNvSpPr/>
-          <p:nvPr/>
-        </p:nvSpPr>
-        <p:spPr>
-          <a:xfrm>
-            <a:off x="6167805" y="938777"/>
-            <a:ext cx="3240000" cy="1620000"/>
-          </a:xfrm>
-          <a:prstGeom prst="roundRect">
-            <a:avLst/>
-          </a:prstGeom>
-          <a:solidFill>
-            <a:schemeClr val="accent4">
-              <a:lumMod val="75000"/>
-            </a:schemeClr>
-          </a:solidFill>
-          <a:ln>
-            <a:noFill/>
-          </a:ln>
-        </p:spPr>
-        <p:style>
-          <a:lnRef idx="2">
-            <a:schemeClr val="accent1">
-              <a:shade val="50000"/>
-            </a:schemeClr>
-          </a:lnRef>
-          <a:fillRef idx="1">
-            <a:schemeClr val="accent1"/>
-          </a:fillRef>
-          <a:effectRef idx="0">
-            <a:schemeClr val="accent1"/>
-          </a:effectRef>
-          <a:fontRef idx="minor">
-            <a:schemeClr val="lt1"/>
-          </a:fontRef>
-        </p:style>
-        <p:txBody>
-          <a:bodyPr rtlCol="0" anchor="ctr"/>
-          <a:lstStyle/>
-          <a:p>
-            <a:pPr algn="ctr"/>
-            <a:endParaRPr kumimoji="1" lang="ko-Kore-KR" altLang="en-US"/>
-          </a:p>
-        </p:txBody>
-      </p:sp>
-      <p:sp>
-        <p:nvSpPr>
-          <p:cNvPr id="19" name="모서리가 둥근 직사각형 18">
-            <a:extLst>
-              <a:ext uri="{FF2B5EF4-FFF2-40B4-BE49-F238E27FC236}">
-                <a16:creationId xmlns:a16="http://schemas.microsoft.com/office/drawing/2014/main" id="{DE142DFC-C292-6D4E-92B2-F41CE60E7E33}"/>
-              </a:ext>
-            </a:extLst>
-          </p:cNvPr>
-          <p:cNvSpPr/>
-          <p:nvPr/>
-        </p:nvSpPr>
-        <p:spPr>
-          <a:xfrm>
-            <a:off x="6353785" y="1568777"/>
-            <a:ext cx="1260000" cy="360000"/>
-          </a:xfrm>
-          <a:prstGeom prst="roundRect">
-            <a:avLst/>
-          </a:prstGeom>
-          <a:solidFill>
-            <a:schemeClr val="accent4">
-              <a:lumMod val="20000"/>
-              <a:lumOff val="80000"/>
-            </a:schemeClr>
-          </a:solidFill>
-          <a:ln>
-            <a:noFill/>
-          </a:ln>
-        </p:spPr>
-        <p:style>
-          <a:lnRef idx="2">
-            <a:schemeClr val="accent1">
-              <a:shade val="50000"/>
-            </a:schemeClr>
-          </a:lnRef>
-          <a:fillRef idx="1">
-            <a:schemeClr val="accent1"/>
-          </a:fillRef>
-          <a:effectRef idx="0">
-            <a:schemeClr val="accent1"/>
-          </a:effectRef>
-          <a:fontRef idx="minor">
-            <a:schemeClr val="lt1"/>
-          </a:fontRef>
-        </p:style>
-        <p:txBody>
-          <a:bodyPr rtlCol="0" anchor="ctr"/>
-          <a:lstStyle/>
-          <a:p>
-            <a:pPr algn="ctr"/>
-            <a:r>
-              <a:rPr kumimoji="1" lang="en-US" altLang="ko-Kore-KR" sz="1600" dirty="0" err="1">
-                <a:solidFill>
-                  <a:sysClr val="windowText" lastClr="000000"/>
-                </a:solidFill>
-              </a:rPr>
-              <a:t>DiaryVC</a:t>
-            </a:r>
-            <a:endParaRPr kumimoji="1" lang="ko-Kore-KR" altLang="en-US" sz="1600" dirty="0">
-              <a:solidFill>
-                <a:sysClr val="windowText" lastClr="000000"/>
-              </a:solidFill>
-            </a:endParaRPr>
-          </a:p>
-        </p:txBody>
-      </p:sp>
-      <p:sp>
-        <p:nvSpPr>
-          <p:cNvPr id="20" name="모서리가 둥근 직사각형 19">
-            <a:extLst>
-              <a:ext uri="{FF2B5EF4-FFF2-40B4-BE49-F238E27FC236}">
-                <a16:creationId xmlns:a16="http://schemas.microsoft.com/office/drawing/2014/main" id="{9D00DDFF-B040-FE4A-8D44-366E3F7DFA96}"/>
-              </a:ext>
-            </a:extLst>
-          </p:cNvPr>
-          <p:cNvSpPr/>
-          <p:nvPr/>
-        </p:nvSpPr>
-        <p:spPr>
-          <a:xfrm>
-            <a:off x="7887401" y="1568777"/>
-            <a:ext cx="1260000" cy="360000"/>
-          </a:xfrm>
-          <a:prstGeom prst="roundRect">
-            <a:avLst/>
-          </a:prstGeom>
-          <a:solidFill>
-            <a:schemeClr val="accent4">
-              <a:lumMod val="20000"/>
-              <a:lumOff val="80000"/>
-            </a:schemeClr>
-          </a:solidFill>
-          <a:ln>
-            <a:noFill/>
-          </a:ln>
-        </p:spPr>
-        <p:style>
-          <a:lnRef idx="2">
-            <a:schemeClr val="accent1">
-              <a:shade val="50000"/>
-            </a:schemeClr>
-          </a:lnRef>
-          <a:fillRef idx="1">
-            <a:schemeClr val="accent1"/>
-          </a:fillRef>
-          <a:effectRef idx="0">
-            <a:schemeClr val="accent1"/>
-          </a:effectRef>
-          <a:fontRef idx="minor">
-            <a:schemeClr val="lt1"/>
-          </a:fontRef>
-        </p:style>
-        <p:txBody>
-          <a:bodyPr rtlCol="0" anchor="ctr"/>
-          <a:lstStyle/>
-          <a:p>
-            <a:pPr algn="ctr"/>
-            <a:r>
-              <a:rPr kumimoji="1" lang="en-US" altLang="ko-Kore-KR" sz="1600" dirty="0" err="1">
-                <a:solidFill>
-                  <a:sysClr val="windowText" lastClr="000000"/>
-                </a:solidFill>
-              </a:rPr>
-              <a:t>AddDiaryVC</a:t>
-            </a:r>
-            <a:endParaRPr kumimoji="1" lang="ko-Kore-KR" altLang="en-US" sz="1600" dirty="0">
-              <a:solidFill>
-                <a:sysClr val="windowText" lastClr="000000"/>
-              </a:solidFill>
-            </a:endParaRPr>
-          </a:p>
-        </p:txBody>
-      </p:sp>
-      <p:sp>
-        <p:nvSpPr>
-          <p:cNvPr id="25" name="모서리가 둥근 직사각형 24">
-            <a:extLst>
-              <a:ext uri="{FF2B5EF4-FFF2-40B4-BE49-F238E27FC236}">
-                <a16:creationId xmlns:a16="http://schemas.microsoft.com/office/drawing/2014/main" id="{B6BE6E2D-D9B0-4241-A153-E3C7C80B5D6D}"/>
-              </a:ext>
-            </a:extLst>
-          </p:cNvPr>
-          <p:cNvSpPr/>
-          <p:nvPr/>
-        </p:nvSpPr>
-        <p:spPr>
-          <a:xfrm>
-            <a:off x="6167805" y="3192985"/>
-            <a:ext cx="3240000" cy="1620000"/>
-          </a:xfrm>
-          <a:prstGeom prst="roundRect">
-            <a:avLst/>
-          </a:prstGeom>
-          <a:solidFill>
-            <a:schemeClr val="accent4">
-              <a:lumMod val="75000"/>
-            </a:schemeClr>
-          </a:solidFill>
-          <a:ln>
-            <a:noFill/>
-          </a:ln>
-        </p:spPr>
-        <p:style>
-          <a:lnRef idx="2">
-            <a:schemeClr val="accent1">
-              <a:shade val="50000"/>
-            </a:schemeClr>
-          </a:lnRef>
-          <a:fillRef idx="1">
-            <a:schemeClr val="accent1"/>
-          </a:fillRef>
-          <a:effectRef idx="0">
-            <a:schemeClr val="accent1"/>
-          </a:effectRef>
-          <a:fontRef idx="minor">
-            <a:schemeClr val="lt1"/>
-          </a:fontRef>
-        </p:style>
-        <p:txBody>
-          <a:bodyPr rtlCol="0" anchor="ctr"/>
-          <a:lstStyle/>
-          <a:p>
-            <a:pPr algn="ctr"/>
-            <a:endParaRPr kumimoji="1" lang="ko-Kore-KR" altLang="en-US"/>
-          </a:p>
-        </p:txBody>
-      </p:sp>
-      <p:sp>
-        <p:nvSpPr>
-          <p:cNvPr id="21" name="모서리가 둥근 직사각형 20">
-            <a:extLst>
-              <a:ext uri="{FF2B5EF4-FFF2-40B4-BE49-F238E27FC236}">
-                <a16:creationId xmlns:a16="http://schemas.microsoft.com/office/drawing/2014/main" id="{A051493F-9B00-3E40-982A-C3DAF4728315}"/>
-              </a:ext>
-            </a:extLst>
-          </p:cNvPr>
-          <p:cNvSpPr/>
-          <p:nvPr/>
-        </p:nvSpPr>
-        <p:spPr>
-          <a:xfrm>
-            <a:off x="6413538" y="3822985"/>
-            <a:ext cx="1260000" cy="360000"/>
-          </a:xfrm>
-          <a:prstGeom prst="roundRect">
-            <a:avLst/>
-          </a:prstGeom>
-          <a:solidFill>
-            <a:schemeClr val="accent4">
-              <a:lumMod val="20000"/>
-              <a:lumOff val="80000"/>
-            </a:schemeClr>
-          </a:solidFill>
-          <a:ln>
-            <a:noFill/>
-          </a:ln>
-        </p:spPr>
-        <p:style>
-          <a:lnRef idx="2">
-            <a:schemeClr val="accent1">
-              <a:shade val="50000"/>
-            </a:schemeClr>
-          </a:lnRef>
-          <a:fillRef idx="1">
-            <a:schemeClr val="accent1"/>
-          </a:fillRef>
-          <a:effectRef idx="0">
-            <a:schemeClr val="accent1"/>
-          </a:effectRef>
-          <a:fontRef idx="minor">
-            <a:schemeClr val="lt1"/>
-          </a:fontRef>
-        </p:style>
-        <p:txBody>
-          <a:bodyPr rtlCol="0" anchor="ctr"/>
-          <a:lstStyle/>
-          <a:p>
-            <a:pPr algn="ctr"/>
-            <a:r>
-              <a:rPr kumimoji="1" lang="en-US" altLang="ko-Kore-KR" sz="1600" dirty="0" err="1">
-                <a:solidFill>
-                  <a:sysClr val="windowText" lastClr="000000"/>
-                </a:solidFill>
-              </a:rPr>
-              <a:t>ToDoVC</a:t>
-            </a:r>
-            <a:endParaRPr kumimoji="1" lang="ko-Kore-KR" altLang="en-US" sz="1600" dirty="0">
-              <a:solidFill>
-                <a:sysClr val="windowText" lastClr="000000"/>
-              </a:solidFill>
-            </a:endParaRPr>
-          </a:p>
-        </p:txBody>
-      </p:sp>
-      <p:sp>
-        <p:nvSpPr>
-          <p:cNvPr id="22" name="모서리가 둥근 직사각형 21">
-            <a:extLst>
-              <a:ext uri="{FF2B5EF4-FFF2-40B4-BE49-F238E27FC236}">
-                <a16:creationId xmlns:a16="http://schemas.microsoft.com/office/drawing/2014/main" id="{F267A0F3-FDF3-044E-A186-B6EF7D4C9738}"/>
-              </a:ext>
-            </a:extLst>
-          </p:cNvPr>
-          <p:cNvSpPr/>
-          <p:nvPr/>
-        </p:nvSpPr>
-        <p:spPr>
-          <a:xfrm>
-            <a:off x="7944861" y="3822985"/>
-            <a:ext cx="1260000" cy="360000"/>
-          </a:xfrm>
-          <a:prstGeom prst="roundRect">
-            <a:avLst/>
-          </a:prstGeom>
-          <a:solidFill>
-            <a:schemeClr val="accent4">
-              <a:lumMod val="20000"/>
-              <a:lumOff val="80000"/>
-            </a:schemeClr>
-          </a:solidFill>
-          <a:ln>
-            <a:noFill/>
-          </a:ln>
-        </p:spPr>
-        <p:style>
-          <a:lnRef idx="2">
-            <a:schemeClr val="accent1">
-              <a:shade val="50000"/>
-            </a:schemeClr>
-          </a:lnRef>
-          <a:fillRef idx="1">
-            <a:schemeClr val="accent1"/>
-          </a:fillRef>
-          <a:effectRef idx="0">
-            <a:schemeClr val="accent1"/>
-          </a:effectRef>
-          <a:fontRef idx="minor">
-            <a:schemeClr val="lt1"/>
-          </a:fontRef>
-        </p:style>
-        <p:txBody>
-          <a:bodyPr rtlCol="0" anchor="ctr"/>
-          <a:lstStyle/>
-          <a:p>
-            <a:pPr algn="ctr"/>
-            <a:r>
-              <a:rPr kumimoji="1" lang="en-US" altLang="ko-Kore-KR" sz="1600" dirty="0" err="1">
-                <a:solidFill>
-                  <a:sysClr val="windowText" lastClr="000000"/>
-                </a:solidFill>
-              </a:rPr>
-              <a:t>AddToDoVC</a:t>
-            </a:r>
-            <a:endParaRPr kumimoji="1" lang="ko-Kore-KR" altLang="en-US" sz="1600" dirty="0">
-              <a:solidFill>
-                <a:sysClr val="windowText" lastClr="000000"/>
-              </a:solidFill>
-            </a:endParaRPr>
-          </a:p>
-        </p:txBody>
-      </p:sp>
-      <p:cxnSp>
-        <p:nvCxnSpPr>
-          <p:cNvPr id="35" name="직선 화살표 연결선 34">
-            <a:extLst>
-              <a:ext uri="{FF2B5EF4-FFF2-40B4-BE49-F238E27FC236}">
-                <a16:creationId xmlns:a16="http://schemas.microsoft.com/office/drawing/2014/main" id="{831C8F6F-A1F3-4743-B286-7D7C36AC7DC8}"/>
-              </a:ext>
-            </a:extLst>
-          </p:cNvPr>
-          <p:cNvCxnSpPr>
-            <a:cxnSpLocks/>
-            <a:stCxn id="32" idx="3"/>
-            <a:endCxn id="9" idx="1"/>
-          </p:cNvCxnSpPr>
-          <p:nvPr/>
-        </p:nvCxnSpPr>
-        <p:spPr>
-          <a:xfrm>
-            <a:off x="1672207" y="3429000"/>
-            <a:ext cx="627711" cy="578057"/>
-          </a:xfrm>
-          <a:prstGeom prst="straightConnector1">
-            <a:avLst/>
-          </a:prstGeom>
-          <a:ln w="28575">
-            <a:headEnd type="triangle" w="med" len="med"/>
-            <a:tailEnd type="triangle" w="med" len="med"/>
-          </a:ln>
-        </p:spPr>
-        <p:style>
-          <a:lnRef idx="1">
-            <a:schemeClr val="dk1"/>
-          </a:lnRef>
-          <a:fillRef idx="0">
-            <a:schemeClr val="dk1"/>
-          </a:fillRef>
-          <a:effectRef idx="0">
-            <a:schemeClr val="dk1"/>
-          </a:effectRef>
-          <a:fontRef idx="minor">
-            <a:schemeClr val="tx1"/>
-          </a:fontRef>
-        </p:style>
-      </p:cxnSp>
-      <p:cxnSp>
-        <p:nvCxnSpPr>
-          <p:cNvPr id="36" name="직선 화살표 연결선 35">
-            <a:extLst>
-              <a:ext uri="{FF2B5EF4-FFF2-40B4-BE49-F238E27FC236}">
-                <a16:creationId xmlns:a16="http://schemas.microsoft.com/office/drawing/2014/main" id="{C1959577-E053-AE4F-B7A9-B8B39D1F9299}"/>
-              </a:ext>
-            </a:extLst>
-          </p:cNvPr>
-          <p:cNvCxnSpPr>
-            <a:cxnSpLocks/>
-            <a:stCxn id="32" idx="3"/>
-            <a:endCxn id="10" idx="1"/>
-          </p:cNvCxnSpPr>
-          <p:nvPr/>
-        </p:nvCxnSpPr>
-        <p:spPr>
-          <a:xfrm flipV="1">
-            <a:off x="1672207" y="1748777"/>
-            <a:ext cx="627711" cy="1680223"/>
-          </a:xfrm>
-          <a:prstGeom prst="straightConnector1">
-            <a:avLst/>
-          </a:prstGeom>
-          <a:ln w="28575">
-            <a:headEnd type="triangle" w="med" len="med"/>
-            <a:tailEnd type="triangle" w="med" len="med"/>
-          </a:ln>
-        </p:spPr>
-        <p:style>
-          <a:lnRef idx="1">
-            <a:schemeClr val="dk1"/>
-          </a:lnRef>
-          <a:fillRef idx="0">
-            <a:schemeClr val="dk1"/>
-          </a:fillRef>
-          <a:effectRef idx="0">
-            <a:schemeClr val="dk1"/>
-          </a:effectRef>
-          <a:fontRef idx="minor">
-            <a:schemeClr val="tx1"/>
-          </a:fontRef>
-        </p:style>
-      </p:cxnSp>
-      <p:cxnSp>
-        <p:nvCxnSpPr>
-          <p:cNvPr id="44" name="직선 화살표 연결선 43">
-            <a:extLst>
-              <a:ext uri="{FF2B5EF4-FFF2-40B4-BE49-F238E27FC236}">
-                <a16:creationId xmlns:a16="http://schemas.microsoft.com/office/drawing/2014/main" id="{DE6FB62A-CF27-B64E-85A5-8977D2DEC02B}"/>
-              </a:ext>
-            </a:extLst>
-          </p:cNvPr>
-          <p:cNvCxnSpPr>
-            <a:cxnSpLocks/>
-            <a:stCxn id="9" idx="3"/>
-            <a:endCxn id="14" idx="1"/>
-          </p:cNvCxnSpPr>
-          <p:nvPr/>
-        </p:nvCxnSpPr>
-        <p:spPr>
-          <a:xfrm flipV="1">
-            <a:off x="4019909" y="4002985"/>
-            <a:ext cx="369658" cy="4072"/>
-          </a:xfrm>
-          <a:prstGeom prst="straightConnector1">
-            <a:avLst/>
-          </a:prstGeom>
-          <a:ln w="28575">
-            <a:headEnd type="none" w="med" len="med"/>
-            <a:tailEnd type="none" w="med" len="med"/>
-          </a:ln>
-        </p:spPr>
-        <p:style>
-          <a:lnRef idx="1">
-            <a:schemeClr val="dk1"/>
-          </a:lnRef>
-          <a:fillRef idx="0">
-            <a:schemeClr val="dk1"/>
-          </a:fillRef>
-          <a:effectRef idx="0">
-            <a:schemeClr val="dk1"/>
-          </a:effectRef>
-          <a:fontRef idx="minor">
-            <a:schemeClr val="tx1"/>
-          </a:fontRef>
-        </p:style>
-      </p:cxnSp>
-      <p:cxnSp>
-        <p:nvCxnSpPr>
-          <p:cNvPr id="47" name="직선 화살표 연결선 46">
-            <a:extLst>
-              <a:ext uri="{FF2B5EF4-FFF2-40B4-BE49-F238E27FC236}">
-                <a16:creationId xmlns:a16="http://schemas.microsoft.com/office/drawing/2014/main" id="{8D6C82CA-9F1E-6B48-8882-653D01558A47}"/>
-              </a:ext>
-            </a:extLst>
-          </p:cNvPr>
-          <p:cNvCxnSpPr>
-            <a:cxnSpLocks/>
-            <a:stCxn id="10" idx="3"/>
-            <a:endCxn id="28" idx="1"/>
-          </p:cNvCxnSpPr>
-          <p:nvPr/>
-        </p:nvCxnSpPr>
-        <p:spPr>
-          <a:xfrm>
-            <a:off x="4019909" y="1748777"/>
-            <a:ext cx="2147896" cy="0"/>
-          </a:xfrm>
-          <a:prstGeom prst="straightConnector1">
-            <a:avLst/>
-          </a:prstGeom>
-          <a:ln w="28575">
-            <a:tailEnd type="triangle"/>
-          </a:ln>
-        </p:spPr>
-        <p:style>
-          <a:lnRef idx="1">
-            <a:schemeClr val="dk1"/>
-          </a:lnRef>
-          <a:fillRef idx="0">
-            <a:schemeClr val="dk1"/>
-          </a:fillRef>
-          <a:effectRef idx="0">
-            <a:schemeClr val="dk1"/>
-          </a:effectRef>
-          <a:fontRef idx="minor">
-            <a:schemeClr val="tx1"/>
-          </a:fontRef>
-        </p:style>
-      </p:cxnSp>
-      <p:cxnSp>
-        <p:nvCxnSpPr>
-          <p:cNvPr id="53" name="직선 화살표 연결선 52">
-            <a:extLst>
-              <a:ext uri="{FF2B5EF4-FFF2-40B4-BE49-F238E27FC236}">
-                <a16:creationId xmlns:a16="http://schemas.microsoft.com/office/drawing/2014/main" id="{86E6140B-222C-6845-8451-CA39F7F9F071}"/>
-              </a:ext>
-            </a:extLst>
-          </p:cNvPr>
-          <p:cNvCxnSpPr>
-            <a:cxnSpLocks/>
-            <a:stCxn id="14" idx="3"/>
-            <a:endCxn id="25" idx="1"/>
-          </p:cNvCxnSpPr>
-          <p:nvPr/>
-        </p:nvCxnSpPr>
-        <p:spPr>
-          <a:xfrm>
-            <a:off x="5771824" y="4002985"/>
-            <a:ext cx="395981" cy="0"/>
-          </a:xfrm>
-          <a:prstGeom prst="straightConnector1">
-            <a:avLst/>
-          </a:prstGeom>
-          <a:ln w="28575">
-            <a:tailEnd type="triangle"/>
-          </a:ln>
-        </p:spPr>
-        <p:style>
-          <a:lnRef idx="1">
-            <a:schemeClr val="dk1"/>
-          </a:lnRef>
-          <a:fillRef idx="0">
-            <a:schemeClr val="dk1"/>
-          </a:fillRef>
-          <a:effectRef idx="0">
-            <a:schemeClr val="dk1"/>
-          </a:effectRef>
-          <a:fontRef idx="minor">
-            <a:schemeClr val="tx1"/>
-          </a:fontRef>
-        </p:style>
-      </p:cxnSp>
-      <p:cxnSp>
-        <p:nvCxnSpPr>
-          <p:cNvPr id="72" name="직선 화살표 연결선 71">
-            <a:extLst>
-              <a:ext uri="{FF2B5EF4-FFF2-40B4-BE49-F238E27FC236}">
-                <a16:creationId xmlns:a16="http://schemas.microsoft.com/office/drawing/2014/main" id="{404ABC3D-D14D-1C42-827B-6C33C31ABA63}"/>
-              </a:ext>
-            </a:extLst>
-          </p:cNvPr>
-          <p:cNvCxnSpPr>
-            <a:cxnSpLocks/>
-            <a:stCxn id="23" idx="3"/>
-            <a:endCxn id="31" idx="1"/>
-          </p:cNvCxnSpPr>
-          <p:nvPr/>
-        </p:nvCxnSpPr>
-        <p:spPr>
-          <a:xfrm flipV="1">
-            <a:off x="7682164" y="5757340"/>
-            <a:ext cx="1910340" cy="3420"/>
-          </a:xfrm>
-          <a:prstGeom prst="straightConnector1">
-            <a:avLst/>
-          </a:prstGeom>
-          <a:ln w="28575">
-            <a:tailEnd type="triangle"/>
-          </a:ln>
-        </p:spPr>
-        <p:style>
-          <a:lnRef idx="1">
-            <a:schemeClr val="dk1"/>
-          </a:lnRef>
-          <a:fillRef idx="0">
-            <a:schemeClr val="dk1"/>
-          </a:fillRef>
-          <a:effectRef idx="0">
-            <a:schemeClr val="dk1"/>
-          </a:effectRef>
-          <a:fontRef idx="minor">
-            <a:schemeClr val="tx1"/>
-          </a:fontRef>
-        </p:style>
-      </p:cxnSp>
-      <p:sp>
-        <p:nvSpPr>
-          <p:cNvPr id="73" name="직사각형 72">
-            <a:extLst>
-              <a:ext uri="{FF2B5EF4-FFF2-40B4-BE49-F238E27FC236}">
-                <a16:creationId xmlns:a16="http://schemas.microsoft.com/office/drawing/2014/main" id="{B6E3CC48-A4C7-6049-9465-8EADF438FAE2}"/>
-              </a:ext>
-            </a:extLst>
-          </p:cNvPr>
-          <p:cNvSpPr/>
-          <p:nvPr/>
-        </p:nvSpPr>
-        <p:spPr>
-          <a:xfrm>
-            <a:off x="5983106" y="577971"/>
-            <a:ext cx="1802921" cy="5793759"/>
-          </a:xfrm>
-          <a:prstGeom prst="rect">
-            <a:avLst/>
-          </a:prstGeom>
-          <a:noFill/>
-          <a:ln w="28575">
-            <a:solidFill>
-              <a:schemeClr val="accent4">
-                <a:lumMod val="60000"/>
-                <a:lumOff val="40000"/>
-              </a:schemeClr>
-            </a:solidFill>
-            <a:prstDash val="dash"/>
-          </a:ln>
-        </p:spPr>
-        <p:style>
-          <a:lnRef idx="2">
-            <a:schemeClr val="accent1">
-              <a:shade val="50000"/>
-            </a:schemeClr>
-          </a:lnRef>
-          <a:fillRef idx="1">
-            <a:schemeClr val="accent1"/>
-          </a:fillRef>
-          <a:effectRef idx="0">
-            <a:schemeClr val="accent1"/>
-          </a:effectRef>
-          <a:fontRef idx="minor">
-            <a:schemeClr val="lt1"/>
-          </a:fontRef>
-        </p:style>
-        <p:txBody>
-          <a:bodyPr rtlCol="0" anchor="ctr"/>
-          <a:lstStyle/>
-          <a:p>
-            <a:pPr algn="ctr"/>
-            <a:endParaRPr kumimoji="1" lang="ko-Kore-KR" altLang="en-US"/>
-          </a:p>
-        </p:txBody>
-      </p:sp>
-      <p:sp>
-        <p:nvSpPr>
-          <p:cNvPr id="77" name="TextBox 76">
-            <a:extLst>
-              <a:ext uri="{FF2B5EF4-FFF2-40B4-BE49-F238E27FC236}">
-                <a16:creationId xmlns:a16="http://schemas.microsoft.com/office/drawing/2014/main" id="{B512C87D-4061-134A-9609-866A45BA1D4D}"/>
-              </a:ext>
-            </a:extLst>
-          </p:cNvPr>
-          <p:cNvSpPr txBox="1"/>
-          <p:nvPr/>
-        </p:nvSpPr>
-        <p:spPr>
-          <a:xfrm>
-            <a:off x="6053831" y="573708"/>
-            <a:ext cx="876778" cy="369332"/>
-          </a:xfrm>
-          <a:prstGeom prst="rect">
-            <a:avLst/>
-          </a:prstGeom>
-          <a:noFill/>
-        </p:spPr>
-        <p:txBody>
-          <a:bodyPr wrap="none" rtlCol="0">
-            <a:spAutoFit/>
-          </a:bodyPr>
-          <a:lstStyle/>
-          <a:p>
-            <a:r>
-              <a:rPr kumimoji="1" lang="en-US" altLang="ko-Kore-KR" dirty="0"/>
-              <a:t>Tab bar</a:t>
-            </a:r>
-            <a:endParaRPr kumimoji="1" lang="ko-Kore-KR" altLang="en-US" dirty="0"/>
-          </a:p>
-        </p:txBody>
-      </p:sp>
-      <p:cxnSp>
-        <p:nvCxnSpPr>
-          <p:cNvPr id="81" name="직선 화살표 연결선 80">
-            <a:extLst>
-              <a:ext uri="{FF2B5EF4-FFF2-40B4-BE49-F238E27FC236}">
-                <a16:creationId xmlns:a16="http://schemas.microsoft.com/office/drawing/2014/main" id="{688629CB-AD69-9F4E-8D27-37434ABBAC47}"/>
-              </a:ext>
-            </a:extLst>
-          </p:cNvPr>
-          <p:cNvCxnSpPr>
-            <a:cxnSpLocks/>
-            <a:endCxn id="20" idx="1"/>
-          </p:cNvCxnSpPr>
-          <p:nvPr/>
-        </p:nvCxnSpPr>
-        <p:spPr>
-          <a:xfrm>
-            <a:off x="7613785" y="1748777"/>
-            <a:ext cx="270000" cy="0"/>
-          </a:xfrm>
-          <a:prstGeom prst="straightConnector1">
-            <a:avLst/>
-          </a:prstGeom>
-          <a:ln w="28575">
-            <a:headEnd type="triangle" w="med" len="med"/>
-            <a:tailEnd type="triangle" w="med" len="med"/>
-          </a:ln>
-        </p:spPr>
-        <p:style>
-          <a:lnRef idx="1">
-            <a:schemeClr val="dk1"/>
-          </a:lnRef>
-          <a:fillRef idx="0">
-            <a:schemeClr val="dk1"/>
-          </a:fillRef>
-          <a:effectRef idx="0">
-            <a:schemeClr val="dk1"/>
-          </a:effectRef>
-          <a:fontRef idx="minor">
-            <a:schemeClr val="tx1"/>
-          </a:fontRef>
-        </p:style>
-      </p:cxnSp>
-      <p:cxnSp>
-        <p:nvCxnSpPr>
-          <p:cNvPr id="84" name="직선 화살표 연결선 83">
-            <a:extLst>
-              <a:ext uri="{FF2B5EF4-FFF2-40B4-BE49-F238E27FC236}">
-                <a16:creationId xmlns:a16="http://schemas.microsoft.com/office/drawing/2014/main" id="{CA94C118-3336-AA45-86A5-134C324DF6B9}"/>
-              </a:ext>
-            </a:extLst>
-          </p:cNvPr>
-          <p:cNvCxnSpPr>
-            <a:cxnSpLocks/>
-            <a:stCxn id="21" idx="3"/>
-            <a:endCxn id="22" idx="1"/>
-          </p:cNvCxnSpPr>
-          <p:nvPr/>
-        </p:nvCxnSpPr>
-        <p:spPr>
-          <a:xfrm>
-            <a:off x="7673538" y="4002985"/>
-            <a:ext cx="271323" cy="0"/>
-          </a:xfrm>
-          <a:prstGeom prst="straightConnector1">
-            <a:avLst/>
-          </a:prstGeom>
-          <a:ln w="28575">
-            <a:headEnd type="triangle" w="med" len="med"/>
-            <a:tailEnd type="triangle" w="med" len="med"/>
-          </a:ln>
-        </p:spPr>
-        <p:style>
-          <a:lnRef idx="1">
-            <a:schemeClr val="dk1"/>
-          </a:lnRef>
-          <a:fillRef idx="0">
-            <a:schemeClr val="dk1"/>
-          </a:fillRef>
-          <a:effectRef idx="0">
-            <a:schemeClr val="dk1"/>
-          </a:effectRef>
-          <a:fontRef idx="minor">
-            <a:schemeClr val="tx1"/>
-          </a:fontRef>
-        </p:style>
-      </p:cxnSp>
+              <a:t>User</a:t>
+            </a:r>
+          </a:p>
+        </p:txBody>
+      </p:sp>
       <p:sp>
         <p:nvSpPr>
           <p:cNvPr id="37" name="모서리가 둥근 직사각형 36">
@@ -5444,6 +3749,1537 @@
           </a:p>
         </p:txBody>
       </p:sp>
+      <p:grpSp>
+        <p:nvGrpSpPr>
+          <p:cNvPr id="66" name="그룹 65">
+            <a:extLst>
+              <a:ext uri="{FF2B5EF4-FFF2-40B4-BE49-F238E27FC236}">
+                <a16:creationId xmlns:a16="http://schemas.microsoft.com/office/drawing/2014/main" id="{B7B55DE6-62E6-D34D-036B-E156000DE4F0}"/>
+              </a:ext>
+            </a:extLst>
+          </p:cNvPr>
+          <p:cNvGrpSpPr/>
+          <p:nvPr/>
+        </p:nvGrpSpPr>
+        <p:grpSpPr>
+          <a:xfrm>
+            <a:off x="848042" y="1156127"/>
+            <a:ext cx="10495916" cy="4545745"/>
+            <a:chOff x="722150" y="1238725"/>
+            <a:chExt cx="10495916" cy="4545745"/>
+          </a:xfrm>
+        </p:grpSpPr>
+        <p:sp>
+          <p:nvSpPr>
+            <p:cNvPr id="76" name="직사각형 75">
+              <a:extLst>
+                <a:ext uri="{FF2B5EF4-FFF2-40B4-BE49-F238E27FC236}">
+                  <a16:creationId xmlns:a16="http://schemas.microsoft.com/office/drawing/2014/main" id="{095BE72C-53BF-9D7D-457E-E52B6241471E}"/>
+                </a:ext>
+              </a:extLst>
+            </p:cNvPr>
+            <p:cNvSpPr/>
+            <p:nvPr/>
+          </p:nvSpPr>
+          <p:spPr>
+            <a:xfrm>
+              <a:off x="2717840" y="1253218"/>
+              <a:ext cx="1890889" cy="4531252"/>
+            </a:xfrm>
+            <a:prstGeom prst="rect">
+              <a:avLst/>
+            </a:prstGeom>
+            <a:solidFill>
+              <a:schemeClr val="bg1"/>
+            </a:solidFill>
+            <a:ln w="28575">
+              <a:solidFill>
+                <a:srgbClr val="FE997D"/>
+              </a:solidFill>
+              <a:prstDash val="dash"/>
+            </a:ln>
+          </p:spPr>
+          <p:style>
+            <a:lnRef idx="2">
+              <a:schemeClr val="accent1">
+                <a:shade val="50000"/>
+              </a:schemeClr>
+            </a:lnRef>
+            <a:fillRef idx="1">
+              <a:schemeClr val="accent1"/>
+            </a:fillRef>
+            <a:effectRef idx="0">
+              <a:schemeClr val="accent1"/>
+            </a:effectRef>
+            <a:fontRef idx="minor">
+              <a:schemeClr val="lt1"/>
+            </a:fontRef>
+          </p:style>
+          <p:txBody>
+            <a:bodyPr rtlCol="0" anchor="ctr"/>
+            <a:lstStyle/>
+            <a:p>
+              <a:pPr algn="ctr"/>
+              <a:endParaRPr kumimoji="1" lang="ko-Kore-KR" altLang="en-US"/>
+            </a:p>
+          </p:txBody>
+        </p:sp>
+        <p:sp>
+          <p:nvSpPr>
+            <p:cNvPr id="32" name="직사각형 31">
+              <a:extLst>
+                <a:ext uri="{FF2B5EF4-FFF2-40B4-BE49-F238E27FC236}">
+                  <a16:creationId xmlns:a16="http://schemas.microsoft.com/office/drawing/2014/main" id="{ACE1A9E1-1B44-294D-9DA6-F7389B03D7E1}"/>
+                </a:ext>
+              </a:extLst>
+            </p:cNvPr>
+            <p:cNvSpPr/>
+            <p:nvPr/>
+          </p:nvSpPr>
+          <p:spPr>
+            <a:xfrm>
+              <a:off x="722150" y="3241608"/>
+              <a:ext cx="1382257" cy="756801"/>
+            </a:xfrm>
+            <a:prstGeom prst="rect">
+              <a:avLst/>
+            </a:prstGeom>
+            <a:solidFill>
+              <a:srgbClr val="B870EA"/>
+            </a:solidFill>
+            <a:ln>
+              <a:noFill/>
+            </a:ln>
+          </p:spPr>
+          <p:style>
+            <a:lnRef idx="2">
+              <a:schemeClr val="accent1">
+                <a:shade val="50000"/>
+              </a:schemeClr>
+            </a:lnRef>
+            <a:fillRef idx="1">
+              <a:schemeClr val="accent1"/>
+            </a:fillRef>
+            <a:effectRef idx="0">
+              <a:schemeClr val="accent1"/>
+            </a:effectRef>
+            <a:fontRef idx="minor">
+              <a:schemeClr val="lt1"/>
+            </a:fontRef>
+          </p:style>
+          <p:txBody>
+            <a:bodyPr rtlCol="0" anchor="ctr"/>
+            <a:lstStyle/>
+            <a:p>
+              <a:pPr algn="ctr"/>
+              <a:r>
+                <a:rPr kumimoji="1" lang="en-US" altLang="ko-Kore-KR" dirty="0">
+                  <a:solidFill>
+                    <a:sysClr val="windowText" lastClr="000000"/>
+                  </a:solidFill>
+                </a:rPr>
+                <a:t>User</a:t>
+              </a:r>
+            </a:p>
+          </p:txBody>
+        </p:sp>
+        <p:sp>
+          <p:nvSpPr>
+            <p:cNvPr id="9" name="직사각형 8">
+              <a:extLst>
+                <a:ext uri="{FF2B5EF4-FFF2-40B4-BE49-F238E27FC236}">
+                  <a16:creationId xmlns:a16="http://schemas.microsoft.com/office/drawing/2014/main" id="{2126D422-7365-7543-A7B2-8DFD9684F6B1}"/>
+                </a:ext>
+              </a:extLst>
+            </p:cNvPr>
+            <p:cNvSpPr/>
+            <p:nvPr/>
+          </p:nvSpPr>
+          <p:spPr>
+            <a:xfrm>
+              <a:off x="2733714" y="4215998"/>
+              <a:ext cx="1800000" cy="900000"/>
+            </a:xfrm>
+            <a:prstGeom prst="rect">
+              <a:avLst/>
+            </a:prstGeom>
+            <a:solidFill>
+              <a:schemeClr val="bg1"/>
+            </a:solidFill>
+            <a:ln>
+              <a:noFill/>
+            </a:ln>
+          </p:spPr>
+          <p:style>
+            <a:lnRef idx="2">
+              <a:schemeClr val="accent1">
+                <a:shade val="50000"/>
+              </a:schemeClr>
+            </a:lnRef>
+            <a:fillRef idx="1">
+              <a:schemeClr val="accent1"/>
+            </a:fillRef>
+            <a:effectRef idx="0">
+              <a:schemeClr val="accent1"/>
+            </a:effectRef>
+            <a:fontRef idx="minor">
+              <a:schemeClr val="lt1"/>
+            </a:fontRef>
+          </p:style>
+          <p:txBody>
+            <a:bodyPr rtlCol="0" anchor="ctr"/>
+            <a:lstStyle/>
+            <a:p>
+              <a:pPr algn="ctr"/>
+              <a:r>
+                <a:rPr kumimoji="1" lang="en-US" altLang="ko-Kore-KR" dirty="0">
+                  <a:solidFill>
+                    <a:sysClr val="windowText" lastClr="000000"/>
+                  </a:solidFill>
+                </a:rPr>
+                <a:t>To Do</a:t>
+              </a:r>
+            </a:p>
+          </p:txBody>
+        </p:sp>
+        <p:sp>
+          <p:nvSpPr>
+            <p:cNvPr id="10" name="직사각형 9">
+              <a:extLst>
+                <a:ext uri="{FF2B5EF4-FFF2-40B4-BE49-F238E27FC236}">
+                  <a16:creationId xmlns:a16="http://schemas.microsoft.com/office/drawing/2014/main" id="{C5CD0510-17AD-8B40-A414-68CE71F5D9A0}"/>
+                </a:ext>
+              </a:extLst>
+            </p:cNvPr>
+            <p:cNvSpPr/>
+            <p:nvPr/>
+          </p:nvSpPr>
+          <p:spPr>
+            <a:xfrm>
+              <a:off x="2734048" y="1963792"/>
+              <a:ext cx="1800000" cy="900000"/>
+            </a:xfrm>
+            <a:prstGeom prst="rect">
+              <a:avLst/>
+            </a:prstGeom>
+            <a:solidFill>
+              <a:schemeClr val="bg1"/>
+            </a:solidFill>
+            <a:ln>
+              <a:noFill/>
+            </a:ln>
+          </p:spPr>
+          <p:style>
+            <a:lnRef idx="2">
+              <a:schemeClr val="accent1">
+                <a:shade val="50000"/>
+              </a:schemeClr>
+            </a:lnRef>
+            <a:fillRef idx="1">
+              <a:schemeClr val="accent1"/>
+            </a:fillRef>
+            <a:effectRef idx="0">
+              <a:schemeClr val="accent1"/>
+            </a:effectRef>
+            <a:fontRef idx="minor">
+              <a:schemeClr val="lt1"/>
+            </a:fontRef>
+          </p:style>
+          <p:txBody>
+            <a:bodyPr rtlCol="0" anchor="ctr"/>
+            <a:lstStyle/>
+            <a:p>
+              <a:pPr algn="ctr"/>
+              <a:r>
+                <a:rPr kumimoji="1" lang="en-US" altLang="ko-Kore-KR" dirty="0">
+                  <a:solidFill>
+                    <a:sysClr val="windowText" lastClr="000000"/>
+                  </a:solidFill>
+                </a:rPr>
+                <a:t>Diary</a:t>
+              </a:r>
+            </a:p>
+          </p:txBody>
+        </p:sp>
+        <p:sp>
+          <p:nvSpPr>
+            <p:cNvPr id="28" name="모서리가 둥근 직사각형 27">
+              <a:extLst>
+                <a:ext uri="{FF2B5EF4-FFF2-40B4-BE49-F238E27FC236}">
+                  <a16:creationId xmlns:a16="http://schemas.microsoft.com/office/drawing/2014/main" id="{05C9F0C0-DE33-B241-B4C6-27A1A5403CD2}"/>
+                </a:ext>
+              </a:extLst>
+            </p:cNvPr>
+            <p:cNvSpPr/>
+            <p:nvPr/>
+          </p:nvSpPr>
+          <p:spPr>
+            <a:xfrm>
+              <a:off x="5238665" y="1603794"/>
+              <a:ext cx="3240000" cy="1620000"/>
+            </a:xfrm>
+            <a:prstGeom prst="roundRect">
+              <a:avLst/>
+            </a:prstGeom>
+            <a:solidFill>
+              <a:schemeClr val="accent4">
+                <a:lumMod val="75000"/>
+              </a:schemeClr>
+            </a:solidFill>
+            <a:ln>
+              <a:noFill/>
+            </a:ln>
+          </p:spPr>
+          <p:style>
+            <a:lnRef idx="2">
+              <a:schemeClr val="accent1">
+                <a:shade val="50000"/>
+              </a:schemeClr>
+            </a:lnRef>
+            <a:fillRef idx="1">
+              <a:schemeClr val="accent1"/>
+            </a:fillRef>
+            <a:effectRef idx="0">
+              <a:schemeClr val="accent1"/>
+            </a:effectRef>
+            <a:fontRef idx="minor">
+              <a:schemeClr val="lt1"/>
+            </a:fontRef>
+          </p:style>
+          <p:txBody>
+            <a:bodyPr rtlCol="0" anchor="ctr"/>
+            <a:lstStyle/>
+            <a:p>
+              <a:pPr algn="ctr"/>
+              <a:endParaRPr kumimoji="1" lang="ko-Kore-KR" altLang="en-US"/>
+            </a:p>
+          </p:txBody>
+        </p:sp>
+        <p:sp>
+          <p:nvSpPr>
+            <p:cNvPr id="19" name="모서리가 둥근 직사각형 18">
+              <a:extLst>
+                <a:ext uri="{FF2B5EF4-FFF2-40B4-BE49-F238E27FC236}">
+                  <a16:creationId xmlns:a16="http://schemas.microsoft.com/office/drawing/2014/main" id="{DE142DFC-C292-6D4E-92B2-F41CE60E7E33}"/>
+                </a:ext>
+              </a:extLst>
+            </p:cNvPr>
+            <p:cNvSpPr/>
+            <p:nvPr/>
+          </p:nvSpPr>
+          <p:spPr>
+            <a:xfrm>
+              <a:off x="5424645" y="2233794"/>
+              <a:ext cx="1260000" cy="360000"/>
+            </a:xfrm>
+            <a:prstGeom prst="roundRect">
+              <a:avLst/>
+            </a:prstGeom>
+            <a:solidFill>
+              <a:schemeClr val="accent4">
+                <a:lumMod val="20000"/>
+                <a:lumOff val="80000"/>
+              </a:schemeClr>
+            </a:solidFill>
+            <a:ln>
+              <a:noFill/>
+            </a:ln>
+          </p:spPr>
+          <p:style>
+            <a:lnRef idx="2">
+              <a:schemeClr val="accent1">
+                <a:shade val="50000"/>
+              </a:schemeClr>
+            </a:lnRef>
+            <a:fillRef idx="1">
+              <a:schemeClr val="accent1"/>
+            </a:fillRef>
+            <a:effectRef idx="0">
+              <a:schemeClr val="accent1"/>
+            </a:effectRef>
+            <a:fontRef idx="minor">
+              <a:schemeClr val="lt1"/>
+            </a:fontRef>
+          </p:style>
+          <p:txBody>
+            <a:bodyPr rtlCol="0" anchor="ctr"/>
+            <a:lstStyle/>
+            <a:p>
+              <a:pPr algn="ctr"/>
+              <a:r>
+                <a:rPr kumimoji="1" lang="en-US" altLang="ko-Kore-KR" sz="1600" dirty="0" err="1">
+                  <a:solidFill>
+                    <a:sysClr val="windowText" lastClr="000000"/>
+                  </a:solidFill>
+                </a:rPr>
+                <a:t>DiaryVC</a:t>
+              </a:r>
+              <a:endParaRPr kumimoji="1" lang="ko-Kore-KR" altLang="en-US" sz="1600" dirty="0">
+                <a:solidFill>
+                  <a:sysClr val="windowText" lastClr="000000"/>
+                </a:solidFill>
+              </a:endParaRPr>
+            </a:p>
+          </p:txBody>
+        </p:sp>
+        <p:sp>
+          <p:nvSpPr>
+            <p:cNvPr id="20" name="모서리가 둥근 직사각형 19">
+              <a:extLst>
+                <a:ext uri="{FF2B5EF4-FFF2-40B4-BE49-F238E27FC236}">
+                  <a16:creationId xmlns:a16="http://schemas.microsoft.com/office/drawing/2014/main" id="{9D00DDFF-B040-FE4A-8D44-366E3F7DFA96}"/>
+                </a:ext>
+              </a:extLst>
+            </p:cNvPr>
+            <p:cNvSpPr/>
+            <p:nvPr/>
+          </p:nvSpPr>
+          <p:spPr>
+            <a:xfrm>
+              <a:off x="6958261" y="2233794"/>
+              <a:ext cx="1260000" cy="360000"/>
+            </a:xfrm>
+            <a:prstGeom prst="roundRect">
+              <a:avLst/>
+            </a:prstGeom>
+            <a:solidFill>
+              <a:schemeClr val="accent4">
+                <a:lumMod val="20000"/>
+                <a:lumOff val="80000"/>
+              </a:schemeClr>
+            </a:solidFill>
+            <a:ln>
+              <a:noFill/>
+            </a:ln>
+          </p:spPr>
+          <p:style>
+            <a:lnRef idx="2">
+              <a:schemeClr val="accent1">
+                <a:shade val="50000"/>
+              </a:schemeClr>
+            </a:lnRef>
+            <a:fillRef idx="1">
+              <a:schemeClr val="accent1"/>
+            </a:fillRef>
+            <a:effectRef idx="0">
+              <a:schemeClr val="accent1"/>
+            </a:effectRef>
+            <a:fontRef idx="minor">
+              <a:schemeClr val="lt1"/>
+            </a:fontRef>
+          </p:style>
+          <p:txBody>
+            <a:bodyPr rtlCol="0" anchor="ctr"/>
+            <a:lstStyle/>
+            <a:p>
+              <a:pPr algn="ctr"/>
+              <a:r>
+                <a:rPr kumimoji="1" lang="en-US" altLang="ko-Kore-KR" sz="1600" dirty="0" err="1">
+                  <a:solidFill>
+                    <a:sysClr val="windowText" lastClr="000000"/>
+                  </a:solidFill>
+                </a:rPr>
+                <a:t>AddDiaryVC</a:t>
+              </a:r>
+              <a:endParaRPr kumimoji="1" lang="ko-Kore-KR" altLang="en-US" sz="1600" dirty="0">
+                <a:solidFill>
+                  <a:sysClr val="windowText" lastClr="000000"/>
+                </a:solidFill>
+              </a:endParaRPr>
+            </a:p>
+          </p:txBody>
+        </p:sp>
+        <p:sp>
+          <p:nvSpPr>
+            <p:cNvPr id="25" name="모서리가 둥근 직사각형 24">
+              <a:extLst>
+                <a:ext uri="{FF2B5EF4-FFF2-40B4-BE49-F238E27FC236}">
+                  <a16:creationId xmlns:a16="http://schemas.microsoft.com/office/drawing/2014/main" id="{B6BE6E2D-D9B0-4241-A153-E3C7C80B5D6D}"/>
+                </a:ext>
+              </a:extLst>
+            </p:cNvPr>
+            <p:cNvSpPr/>
+            <p:nvPr/>
+          </p:nvSpPr>
+          <p:spPr>
+            <a:xfrm>
+              <a:off x="5238665" y="3858002"/>
+              <a:ext cx="3240000" cy="1620000"/>
+            </a:xfrm>
+            <a:prstGeom prst="roundRect">
+              <a:avLst/>
+            </a:prstGeom>
+            <a:solidFill>
+              <a:schemeClr val="accent4">
+                <a:lumMod val="75000"/>
+              </a:schemeClr>
+            </a:solidFill>
+            <a:ln>
+              <a:noFill/>
+            </a:ln>
+          </p:spPr>
+          <p:style>
+            <a:lnRef idx="2">
+              <a:schemeClr val="accent1">
+                <a:shade val="50000"/>
+              </a:schemeClr>
+            </a:lnRef>
+            <a:fillRef idx="1">
+              <a:schemeClr val="accent1"/>
+            </a:fillRef>
+            <a:effectRef idx="0">
+              <a:schemeClr val="accent1"/>
+            </a:effectRef>
+            <a:fontRef idx="minor">
+              <a:schemeClr val="lt1"/>
+            </a:fontRef>
+          </p:style>
+          <p:txBody>
+            <a:bodyPr rtlCol="0" anchor="ctr"/>
+            <a:lstStyle/>
+            <a:p>
+              <a:pPr algn="ctr"/>
+              <a:endParaRPr kumimoji="1" lang="ko-Kore-KR" altLang="en-US"/>
+            </a:p>
+          </p:txBody>
+        </p:sp>
+        <p:sp>
+          <p:nvSpPr>
+            <p:cNvPr id="21" name="모서리가 둥근 직사각형 20">
+              <a:extLst>
+                <a:ext uri="{FF2B5EF4-FFF2-40B4-BE49-F238E27FC236}">
+                  <a16:creationId xmlns:a16="http://schemas.microsoft.com/office/drawing/2014/main" id="{A051493F-9B00-3E40-982A-C3DAF4728315}"/>
+                </a:ext>
+              </a:extLst>
+            </p:cNvPr>
+            <p:cNvSpPr/>
+            <p:nvPr/>
+          </p:nvSpPr>
+          <p:spPr>
+            <a:xfrm>
+              <a:off x="5484398" y="4488002"/>
+              <a:ext cx="1260000" cy="360000"/>
+            </a:xfrm>
+            <a:prstGeom prst="roundRect">
+              <a:avLst/>
+            </a:prstGeom>
+            <a:solidFill>
+              <a:schemeClr val="accent4">
+                <a:lumMod val="20000"/>
+                <a:lumOff val="80000"/>
+              </a:schemeClr>
+            </a:solidFill>
+            <a:ln>
+              <a:noFill/>
+            </a:ln>
+          </p:spPr>
+          <p:style>
+            <a:lnRef idx="2">
+              <a:schemeClr val="accent1">
+                <a:shade val="50000"/>
+              </a:schemeClr>
+            </a:lnRef>
+            <a:fillRef idx="1">
+              <a:schemeClr val="accent1"/>
+            </a:fillRef>
+            <a:effectRef idx="0">
+              <a:schemeClr val="accent1"/>
+            </a:effectRef>
+            <a:fontRef idx="minor">
+              <a:schemeClr val="lt1"/>
+            </a:fontRef>
+          </p:style>
+          <p:txBody>
+            <a:bodyPr rtlCol="0" anchor="ctr"/>
+            <a:lstStyle/>
+            <a:p>
+              <a:pPr algn="ctr"/>
+              <a:r>
+                <a:rPr kumimoji="1" lang="en-US" altLang="ko-Kore-KR" sz="1600" dirty="0" err="1">
+                  <a:solidFill>
+                    <a:sysClr val="windowText" lastClr="000000"/>
+                  </a:solidFill>
+                </a:rPr>
+                <a:t>ToDoVC</a:t>
+              </a:r>
+              <a:endParaRPr kumimoji="1" lang="ko-Kore-KR" altLang="en-US" sz="1600" dirty="0">
+                <a:solidFill>
+                  <a:sysClr val="windowText" lastClr="000000"/>
+                </a:solidFill>
+              </a:endParaRPr>
+            </a:p>
+          </p:txBody>
+        </p:sp>
+        <p:sp>
+          <p:nvSpPr>
+            <p:cNvPr id="22" name="모서리가 둥근 직사각형 21">
+              <a:extLst>
+                <a:ext uri="{FF2B5EF4-FFF2-40B4-BE49-F238E27FC236}">
+                  <a16:creationId xmlns:a16="http://schemas.microsoft.com/office/drawing/2014/main" id="{F267A0F3-FDF3-044E-A186-B6EF7D4C9738}"/>
+                </a:ext>
+              </a:extLst>
+            </p:cNvPr>
+            <p:cNvSpPr/>
+            <p:nvPr/>
+          </p:nvSpPr>
+          <p:spPr>
+            <a:xfrm>
+              <a:off x="7015721" y="4488002"/>
+              <a:ext cx="1260000" cy="360000"/>
+            </a:xfrm>
+            <a:prstGeom prst="roundRect">
+              <a:avLst/>
+            </a:prstGeom>
+            <a:solidFill>
+              <a:schemeClr val="accent4">
+                <a:lumMod val="20000"/>
+                <a:lumOff val="80000"/>
+              </a:schemeClr>
+            </a:solidFill>
+            <a:ln>
+              <a:noFill/>
+            </a:ln>
+          </p:spPr>
+          <p:style>
+            <a:lnRef idx="2">
+              <a:schemeClr val="accent1">
+                <a:shade val="50000"/>
+              </a:schemeClr>
+            </a:lnRef>
+            <a:fillRef idx="1">
+              <a:schemeClr val="accent1"/>
+            </a:fillRef>
+            <a:effectRef idx="0">
+              <a:schemeClr val="accent1"/>
+            </a:effectRef>
+            <a:fontRef idx="minor">
+              <a:schemeClr val="lt1"/>
+            </a:fontRef>
+          </p:style>
+          <p:txBody>
+            <a:bodyPr rtlCol="0" anchor="ctr"/>
+            <a:lstStyle/>
+            <a:p>
+              <a:pPr algn="ctr"/>
+              <a:r>
+                <a:rPr kumimoji="1" lang="en-US" altLang="ko-Kore-KR" sz="1600" dirty="0" err="1">
+                  <a:solidFill>
+                    <a:sysClr val="windowText" lastClr="000000"/>
+                  </a:solidFill>
+                </a:rPr>
+                <a:t>AddToDoVC</a:t>
+              </a:r>
+              <a:endParaRPr kumimoji="1" lang="ko-Kore-KR" altLang="en-US" sz="1600" dirty="0">
+                <a:solidFill>
+                  <a:sysClr val="windowText" lastClr="000000"/>
+                </a:solidFill>
+              </a:endParaRPr>
+            </a:p>
+          </p:txBody>
+        </p:sp>
+        <p:cxnSp>
+          <p:nvCxnSpPr>
+            <p:cNvPr id="35" name="직선 화살표 연결선 34">
+              <a:extLst>
+                <a:ext uri="{FF2B5EF4-FFF2-40B4-BE49-F238E27FC236}">
+                  <a16:creationId xmlns:a16="http://schemas.microsoft.com/office/drawing/2014/main" id="{831C8F6F-A1F3-4743-B286-7D7C36AC7DC8}"/>
+                </a:ext>
+              </a:extLst>
+            </p:cNvPr>
+            <p:cNvCxnSpPr>
+              <a:cxnSpLocks/>
+              <a:stCxn id="32" idx="3"/>
+            </p:cNvCxnSpPr>
+            <p:nvPr/>
+          </p:nvCxnSpPr>
+          <p:spPr>
+            <a:xfrm>
+              <a:off x="2104407" y="3620009"/>
+              <a:ext cx="629307" cy="1045989"/>
+            </a:xfrm>
+            <a:prstGeom prst="straightConnector1">
+              <a:avLst/>
+            </a:prstGeom>
+            <a:ln w="28575" cap="flat" cmpd="sng" algn="ctr">
+              <a:solidFill>
+                <a:schemeClr val="dk1"/>
+              </a:solidFill>
+              <a:prstDash val="solid"/>
+              <a:round/>
+              <a:headEnd type="none" w="med" len="med"/>
+              <a:tailEnd type="arrow" w="med" len="med"/>
+            </a:ln>
+          </p:spPr>
+          <p:style>
+            <a:lnRef idx="0">
+              <a:scrgbClr r="0" g="0" b="0"/>
+            </a:lnRef>
+            <a:fillRef idx="0">
+              <a:scrgbClr r="0" g="0" b="0"/>
+            </a:fillRef>
+            <a:effectRef idx="0">
+              <a:scrgbClr r="0" g="0" b="0"/>
+            </a:effectRef>
+            <a:fontRef idx="minor">
+              <a:schemeClr val="tx1"/>
+            </a:fontRef>
+          </p:style>
+        </p:cxnSp>
+        <p:cxnSp>
+          <p:nvCxnSpPr>
+            <p:cNvPr id="36" name="직선 화살표 연결선 35">
+              <a:extLst>
+                <a:ext uri="{FF2B5EF4-FFF2-40B4-BE49-F238E27FC236}">
+                  <a16:creationId xmlns:a16="http://schemas.microsoft.com/office/drawing/2014/main" id="{C1959577-E053-AE4F-B7A9-B8B39D1F9299}"/>
+                </a:ext>
+              </a:extLst>
+            </p:cNvPr>
+            <p:cNvCxnSpPr>
+              <a:cxnSpLocks/>
+              <a:stCxn id="32" idx="3"/>
+            </p:cNvCxnSpPr>
+            <p:nvPr/>
+          </p:nvCxnSpPr>
+          <p:spPr>
+            <a:xfrm flipV="1">
+              <a:off x="2104407" y="2413792"/>
+              <a:ext cx="629641" cy="1206217"/>
+            </a:xfrm>
+            <a:prstGeom prst="straightConnector1">
+              <a:avLst/>
+            </a:prstGeom>
+            <a:ln w="28575" cap="flat" cmpd="sng" algn="ctr">
+              <a:solidFill>
+                <a:schemeClr val="dk1"/>
+              </a:solidFill>
+              <a:prstDash val="solid"/>
+              <a:round/>
+              <a:headEnd type="none" w="med" len="med"/>
+              <a:tailEnd type="arrow" w="med" len="med"/>
+            </a:ln>
+          </p:spPr>
+          <p:style>
+            <a:lnRef idx="0">
+              <a:scrgbClr r="0" g="0" b="0"/>
+            </a:lnRef>
+            <a:fillRef idx="0">
+              <a:scrgbClr r="0" g="0" b="0"/>
+            </a:fillRef>
+            <a:effectRef idx="0">
+              <a:scrgbClr r="0" g="0" b="0"/>
+            </a:effectRef>
+            <a:fontRef idx="minor">
+              <a:schemeClr val="tx1"/>
+            </a:fontRef>
+          </p:style>
+        </p:cxnSp>
+        <p:cxnSp>
+          <p:nvCxnSpPr>
+            <p:cNvPr id="47" name="직선 화살표 연결선 46">
+              <a:extLst>
+                <a:ext uri="{FF2B5EF4-FFF2-40B4-BE49-F238E27FC236}">
+                  <a16:creationId xmlns:a16="http://schemas.microsoft.com/office/drawing/2014/main" id="{8D6C82CA-9F1E-6B48-8882-653D01558A47}"/>
+                </a:ext>
+              </a:extLst>
+            </p:cNvPr>
+            <p:cNvCxnSpPr>
+              <a:cxnSpLocks/>
+              <a:endCxn id="28" idx="1"/>
+            </p:cNvCxnSpPr>
+            <p:nvPr/>
+          </p:nvCxnSpPr>
+          <p:spPr>
+            <a:xfrm>
+              <a:off x="4534048" y="2413792"/>
+              <a:ext cx="704617" cy="2"/>
+            </a:xfrm>
+            <a:prstGeom prst="straightConnector1">
+              <a:avLst/>
+            </a:prstGeom>
+            <a:ln w="28575">
+              <a:tailEnd type="triangle"/>
+            </a:ln>
+          </p:spPr>
+          <p:style>
+            <a:lnRef idx="1">
+              <a:schemeClr val="dk1"/>
+            </a:lnRef>
+            <a:fillRef idx="0">
+              <a:schemeClr val="dk1"/>
+            </a:fillRef>
+            <a:effectRef idx="0">
+              <a:schemeClr val="dk1"/>
+            </a:effectRef>
+            <a:fontRef idx="minor">
+              <a:schemeClr val="tx1"/>
+            </a:fontRef>
+          </p:style>
+        </p:cxnSp>
+        <p:cxnSp>
+          <p:nvCxnSpPr>
+            <p:cNvPr id="53" name="직선 화살표 연결선 52">
+              <a:extLst>
+                <a:ext uri="{FF2B5EF4-FFF2-40B4-BE49-F238E27FC236}">
+                  <a16:creationId xmlns:a16="http://schemas.microsoft.com/office/drawing/2014/main" id="{86E6140B-222C-6845-8451-CA39F7F9F071}"/>
+                </a:ext>
+              </a:extLst>
+            </p:cNvPr>
+            <p:cNvCxnSpPr>
+              <a:cxnSpLocks/>
+              <a:endCxn id="25" idx="1"/>
+            </p:cNvCxnSpPr>
+            <p:nvPr/>
+          </p:nvCxnSpPr>
+          <p:spPr>
+            <a:xfrm>
+              <a:off x="4533714" y="4665998"/>
+              <a:ext cx="704951" cy="2004"/>
+            </a:xfrm>
+            <a:prstGeom prst="straightConnector1">
+              <a:avLst/>
+            </a:prstGeom>
+            <a:ln w="28575">
+              <a:tailEnd type="triangle"/>
+            </a:ln>
+          </p:spPr>
+          <p:style>
+            <a:lnRef idx="1">
+              <a:schemeClr val="dk1"/>
+            </a:lnRef>
+            <a:fillRef idx="0">
+              <a:schemeClr val="dk1"/>
+            </a:fillRef>
+            <a:effectRef idx="0">
+              <a:schemeClr val="dk1"/>
+            </a:effectRef>
+            <a:fontRef idx="minor">
+              <a:schemeClr val="tx1"/>
+            </a:fontRef>
+          </p:style>
+        </p:cxnSp>
+        <p:sp>
+          <p:nvSpPr>
+            <p:cNvPr id="73" name="직사각형 72">
+              <a:extLst>
+                <a:ext uri="{FF2B5EF4-FFF2-40B4-BE49-F238E27FC236}">
+                  <a16:creationId xmlns:a16="http://schemas.microsoft.com/office/drawing/2014/main" id="{B6E3CC48-A4C7-6049-9465-8EADF438FAE2}"/>
+                </a:ext>
+              </a:extLst>
+            </p:cNvPr>
+            <p:cNvSpPr/>
+            <p:nvPr/>
+          </p:nvSpPr>
+          <p:spPr>
+            <a:xfrm>
+              <a:off x="5053966" y="1242989"/>
+              <a:ext cx="1802921" cy="4531252"/>
+            </a:xfrm>
+            <a:prstGeom prst="rect">
+              <a:avLst/>
+            </a:prstGeom>
+            <a:noFill/>
+            <a:ln w="28575">
+              <a:solidFill>
+                <a:schemeClr val="accent4">
+                  <a:lumMod val="60000"/>
+                  <a:lumOff val="40000"/>
+                </a:schemeClr>
+              </a:solidFill>
+              <a:prstDash val="dash"/>
+            </a:ln>
+          </p:spPr>
+          <p:style>
+            <a:lnRef idx="2">
+              <a:schemeClr val="accent1">
+                <a:shade val="50000"/>
+              </a:schemeClr>
+            </a:lnRef>
+            <a:fillRef idx="1">
+              <a:schemeClr val="accent1"/>
+            </a:fillRef>
+            <a:effectRef idx="0">
+              <a:schemeClr val="accent1"/>
+            </a:effectRef>
+            <a:fontRef idx="minor">
+              <a:schemeClr val="lt1"/>
+            </a:fontRef>
+          </p:style>
+          <p:txBody>
+            <a:bodyPr rtlCol="0" anchor="ctr"/>
+            <a:lstStyle/>
+            <a:p>
+              <a:pPr algn="ctr"/>
+              <a:endParaRPr kumimoji="1" lang="ko-Kore-KR" altLang="en-US"/>
+            </a:p>
+          </p:txBody>
+        </p:sp>
+        <p:sp>
+          <p:nvSpPr>
+            <p:cNvPr id="77" name="TextBox 76">
+              <a:extLst>
+                <a:ext uri="{FF2B5EF4-FFF2-40B4-BE49-F238E27FC236}">
+                  <a16:creationId xmlns:a16="http://schemas.microsoft.com/office/drawing/2014/main" id="{B512C87D-4061-134A-9609-866A45BA1D4D}"/>
+                </a:ext>
+              </a:extLst>
+            </p:cNvPr>
+            <p:cNvSpPr txBox="1"/>
+            <p:nvPr/>
+          </p:nvSpPr>
+          <p:spPr>
+            <a:xfrm>
+              <a:off x="5124691" y="1238725"/>
+              <a:ext cx="876778" cy="369332"/>
+            </a:xfrm>
+            <a:prstGeom prst="rect">
+              <a:avLst/>
+            </a:prstGeom>
+            <a:noFill/>
+          </p:spPr>
+          <p:txBody>
+            <a:bodyPr wrap="none" rtlCol="0">
+              <a:spAutoFit/>
+            </a:bodyPr>
+            <a:lstStyle/>
+            <a:p>
+              <a:r>
+                <a:rPr kumimoji="1" lang="en-US" altLang="ko-Kore-KR" dirty="0"/>
+                <a:t>Tab bar</a:t>
+              </a:r>
+              <a:endParaRPr kumimoji="1" lang="ko-Kore-KR" altLang="en-US" dirty="0"/>
+            </a:p>
+          </p:txBody>
+        </p:sp>
+        <p:cxnSp>
+          <p:nvCxnSpPr>
+            <p:cNvPr id="81" name="직선 화살표 연결선 80">
+              <a:extLst>
+                <a:ext uri="{FF2B5EF4-FFF2-40B4-BE49-F238E27FC236}">
+                  <a16:creationId xmlns:a16="http://schemas.microsoft.com/office/drawing/2014/main" id="{688629CB-AD69-9F4E-8D27-37434ABBAC47}"/>
+                </a:ext>
+              </a:extLst>
+            </p:cNvPr>
+            <p:cNvCxnSpPr>
+              <a:cxnSpLocks/>
+              <a:endCxn id="20" idx="1"/>
+            </p:cNvCxnSpPr>
+            <p:nvPr/>
+          </p:nvCxnSpPr>
+          <p:spPr>
+            <a:xfrm>
+              <a:off x="6684645" y="2413794"/>
+              <a:ext cx="270000" cy="0"/>
+            </a:xfrm>
+            <a:prstGeom prst="straightConnector1">
+              <a:avLst/>
+            </a:prstGeom>
+            <a:ln w="28575">
+              <a:headEnd type="triangle" w="med" len="med"/>
+              <a:tailEnd type="triangle" w="med" len="med"/>
+            </a:ln>
+          </p:spPr>
+          <p:style>
+            <a:lnRef idx="1">
+              <a:schemeClr val="dk1"/>
+            </a:lnRef>
+            <a:fillRef idx="0">
+              <a:schemeClr val="dk1"/>
+            </a:fillRef>
+            <a:effectRef idx="0">
+              <a:schemeClr val="dk1"/>
+            </a:effectRef>
+            <a:fontRef idx="minor">
+              <a:schemeClr val="tx1"/>
+            </a:fontRef>
+          </p:style>
+        </p:cxnSp>
+        <p:cxnSp>
+          <p:nvCxnSpPr>
+            <p:cNvPr id="84" name="직선 화살표 연결선 83">
+              <a:extLst>
+                <a:ext uri="{FF2B5EF4-FFF2-40B4-BE49-F238E27FC236}">
+                  <a16:creationId xmlns:a16="http://schemas.microsoft.com/office/drawing/2014/main" id="{CA94C118-3336-AA45-86A5-134C324DF6B9}"/>
+                </a:ext>
+              </a:extLst>
+            </p:cNvPr>
+            <p:cNvCxnSpPr>
+              <a:cxnSpLocks/>
+              <a:stCxn id="21" idx="3"/>
+              <a:endCxn id="22" idx="1"/>
+            </p:cNvCxnSpPr>
+            <p:nvPr/>
+          </p:nvCxnSpPr>
+          <p:spPr>
+            <a:xfrm>
+              <a:off x="6744398" y="4668002"/>
+              <a:ext cx="271323" cy="0"/>
+            </a:xfrm>
+            <a:prstGeom prst="straightConnector1">
+              <a:avLst/>
+            </a:prstGeom>
+            <a:ln w="28575">
+              <a:headEnd type="triangle" w="med" len="med"/>
+              <a:tailEnd type="triangle" w="med" len="med"/>
+            </a:ln>
+          </p:spPr>
+          <p:style>
+            <a:lnRef idx="1">
+              <a:schemeClr val="dk1"/>
+            </a:lnRef>
+            <a:fillRef idx="0">
+              <a:schemeClr val="dk1"/>
+            </a:fillRef>
+            <a:effectRef idx="0">
+              <a:schemeClr val="dk1"/>
+            </a:effectRef>
+            <a:fontRef idx="minor">
+              <a:schemeClr val="tx1"/>
+            </a:fontRef>
+          </p:style>
+        </p:cxnSp>
+        <p:sp>
+          <p:nvSpPr>
+            <p:cNvPr id="33" name="모서리가 둥근 직사각형 32">
+              <a:extLst>
+                <a:ext uri="{FF2B5EF4-FFF2-40B4-BE49-F238E27FC236}">
+                  <a16:creationId xmlns:a16="http://schemas.microsoft.com/office/drawing/2014/main" id="{EDC95CA3-A529-DD72-ACB0-9C76C17B2CB2}"/>
+                </a:ext>
+              </a:extLst>
+            </p:cNvPr>
+            <p:cNvSpPr/>
+            <p:nvPr/>
+          </p:nvSpPr>
+          <p:spPr>
+            <a:xfrm>
+              <a:off x="9232600" y="1707982"/>
+              <a:ext cx="1985466" cy="1411621"/>
+            </a:xfrm>
+            <a:prstGeom prst="roundRect">
+              <a:avLst/>
+            </a:prstGeom>
+            <a:solidFill>
+              <a:schemeClr val="accent6">
+                <a:lumMod val="40000"/>
+                <a:lumOff val="60000"/>
+              </a:schemeClr>
+            </a:solidFill>
+            <a:ln>
+              <a:noFill/>
+            </a:ln>
+          </p:spPr>
+          <p:style>
+            <a:lnRef idx="2">
+              <a:schemeClr val="accent1">
+                <a:shade val="50000"/>
+              </a:schemeClr>
+            </a:lnRef>
+            <a:fillRef idx="1">
+              <a:schemeClr val="accent1"/>
+            </a:fillRef>
+            <a:effectRef idx="0">
+              <a:schemeClr val="accent1"/>
+            </a:effectRef>
+            <a:fontRef idx="minor">
+              <a:schemeClr val="lt1"/>
+            </a:fontRef>
+          </p:style>
+          <p:txBody>
+            <a:bodyPr rtlCol="0" anchor="ctr"/>
+            <a:lstStyle/>
+            <a:p>
+              <a:pPr marL="285750" indent="-285750">
+                <a:buFontTx/>
+                <a:buChar char="-"/>
+              </a:pPr>
+              <a:r>
+                <a:rPr kumimoji="1" lang="en-US" altLang="ko-Kore-KR" sz="1600" dirty="0">
+                  <a:solidFill>
+                    <a:sysClr val="windowText" lastClr="000000"/>
+                  </a:solidFill>
+                </a:rPr>
+                <a:t>content: String</a:t>
+              </a:r>
+            </a:p>
+            <a:p>
+              <a:pPr marL="285750" indent="-285750">
+                <a:buFontTx/>
+                <a:buChar char="-"/>
+              </a:pPr>
+              <a:r>
+                <a:rPr kumimoji="1" lang="en-US" altLang="ko-Kore-KR" sz="1600" dirty="0">
+                  <a:solidFill>
+                    <a:sysClr val="windowText" lastClr="000000"/>
+                  </a:solidFill>
+                </a:rPr>
+                <a:t>hashtag: [String]</a:t>
+              </a:r>
+            </a:p>
+            <a:p>
+              <a:pPr marL="285750" indent="-285750">
+                <a:buFontTx/>
+                <a:buChar char="-"/>
+              </a:pPr>
+              <a:r>
+                <a:rPr kumimoji="1" lang="en-US" altLang="ko-Kore-KR" sz="1600" dirty="0">
+                  <a:solidFill>
+                    <a:sysClr val="windowText" lastClr="000000"/>
+                  </a:solidFill>
+                </a:rPr>
+                <a:t>date: Date</a:t>
+              </a:r>
+            </a:p>
+            <a:p>
+              <a:pPr marL="285750" indent="-285750">
+                <a:buFontTx/>
+                <a:buChar char="-"/>
+              </a:pPr>
+              <a:r>
+                <a:rPr kumimoji="1" lang="en-US" altLang="ko-Kore-KR" sz="1600" dirty="0">
+                  <a:solidFill>
+                    <a:sysClr val="windowText" lastClr="000000"/>
+                  </a:solidFill>
+                </a:rPr>
+                <a:t>picture: </a:t>
+              </a:r>
+              <a:r>
+                <a:rPr kumimoji="1" lang="en-US" altLang="ko-Kore-KR" sz="1600" dirty="0" err="1">
+                  <a:solidFill>
+                    <a:sysClr val="windowText" lastClr="000000"/>
+                  </a:solidFill>
+                </a:rPr>
+                <a:t>UIImage</a:t>
+              </a:r>
+              <a:endParaRPr kumimoji="1" lang="en-US" altLang="ko-Kore-KR" sz="2000" dirty="0">
+                <a:solidFill>
+                  <a:sysClr val="windowText" lastClr="000000"/>
+                </a:solidFill>
+              </a:endParaRPr>
+            </a:p>
+          </p:txBody>
+        </p:sp>
+        <p:sp>
+          <p:nvSpPr>
+            <p:cNvPr id="56" name="모서리가 둥근 직사각형 55">
+              <a:extLst>
+                <a:ext uri="{FF2B5EF4-FFF2-40B4-BE49-F238E27FC236}">
+                  <a16:creationId xmlns:a16="http://schemas.microsoft.com/office/drawing/2014/main" id="{F6B84845-E93B-7F5F-0566-337BFCFAF97E}"/>
+                </a:ext>
+              </a:extLst>
+            </p:cNvPr>
+            <p:cNvSpPr/>
+            <p:nvPr/>
+          </p:nvSpPr>
+          <p:spPr>
+            <a:xfrm>
+              <a:off x="9232600" y="3960187"/>
+              <a:ext cx="1985466" cy="1411621"/>
+            </a:xfrm>
+            <a:prstGeom prst="roundRect">
+              <a:avLst/>
+            </a:prstGeom>
+            <a:solidFill>
+              <a:schemeClr val="accent6">
+                <a:lumMod val="40000"/>
+                <a:lumOff val="60000"/>
+              </a:schemeClr>
+            </a:solidFill>
+            <a:ln>
+              <a:noFill/>
+            </a:ln>
+          </p:spPr>
+          <p:style>
+            <a:lnRef idx="2">
+              <a:schemeClr val="accent1">
+                <a:shade val="50000"/>
+              </a:schemeClr>
+            </a:lnRef>
+            <a:fillRef idx="1">
+              <a:schemeClr val="accent1"/>
+            </a:fillRef>
+            <a:effectRef idx="0">
+              <a:schemeClr val="accent1"/>
+            </a:effectRef>
+            <a:fontRef idx="minor">
+              <a:schemeClr val="lt1"/>
+            </a:fontRef>
+          </p:style>
+          <p:txBody>
+            <a:bodyPr rtlCol="0" anchor="ctr"/>
+            <a:lstStyle/>
+            <a:p>
+              <a:pPr marL="285750" indent="-285750">
+                <a:buFontTx/>
+                <a:buChar char="-"/>
+              </a:pPr>
+              <a:r>
+                <a:rPr kumimoji="1" lang="en-US" altLang="ko-Kore-KR" sz="1600" dirty="0">
+                  <a:solidFill>
+                    <a:sysClr val="windowText" lastClr="000000"/>
+                  </a:solidFill>
+                </a:rPr>
+                <a:t>title: String</a:t>
+              </a:r>
+            </a:p>
+            <a:p>
+              <a:pPr marL="285750" indent="-285750">
+                <a:buFontTx/>
+                <a:buChar char="-"/>
+              </a:pPr>
+              <a:r>
+                <a:rPr kumimoji="1" lang="en-US" altLang="ko-Kore-KR" sz="1600" dirty="0">
+                  <a:solidFill>
+                    <a:sysClr val="windowText" lastClr="000000"/>
+                  </a:solidFill>
+                </a:rPr>
+                <a:t>memo: String</a:t>
+              </a:r>
+            </a:p>
+            <a:p>
+              <a:pPr marL="285750" indent="-285750">
+                <a:buFontTx/>
+                <a:buChar char="-"/>
+              </a:pPr>
+              <a:r>
+                <a:rPr kumimoji="1" lang="en-US" altLang="ko-Kore-KR" sz="1600" dirty="0" err="1">
+                  <a:solidFill>
+                    <a:sysClr val="windowText" lastClr="000000"/>
+                  </a:solidFill>
+                </a:rPr>
+                <a:t>isChecked</a:t>
+              </a:r>
+              <a:r>
+                <a:rPr kumimoji="1" lang="en-US" altLang="ko-Kore-KR" sz="1600" dirty="0">
+                  <a:solidFill>
+                    <a:sysClr val="windowText" lastClr="000000"/>
+                  </a:solidFill>
+                </a:rPr>
+                <a:t>: Bool</a:t>
+              </a:r>
+            </a:p>
+            <a:p>
+              <a:pPr marL="285750" indent="-285750">
+                <a:buFontTx/>
+                <a:buChar char="-"/>
+              </a:pPr>
+              <a:r>
+                <a:rPr kumimoji="1" lang="en-US" altLang="ko-Kore-KR" sz="1600" dirty="0" err="1">
+                  <a:solidFill>
+                    <a:sysClr val="windowText" lastClr="000000"/>
+                  </a:solidFill>
+                </a:rPr>
+                <a:t>startDate</a:t>
+              </a:r>
+              <a:r>
+                <a:rPr kumimoji="1" lang="en-US" altLang="ko-Kore-KR" sz="1600" dirty="0">
+                  <a:solidFill>
+                    <a:sysClr val="windowText" lastClr="000000"/>
+                  </a:solidFill>
+                </a:rPr>
+                <a:t>: Date</a:t>
+              </a:r>
+            </a:p>
+            <a:p>
+              <a:pPr marL="285750" indent="-285750">
+                <a:buFontTx/>
+                <a:buChar char="-"/>
+              </a:pPr>
+              <a:r>
+                <a:rPr kumimoji="1" lang="en-US" altLang="ko-Kore-KR" sz="1600" dirty="0" err="1">
+                  <a:solidFill>
+                    <a:sysClr val="windowText" lastClr="000000"/>
+                  </a:solidFill>
+                </a:rPr>
+                <a:t>endDate</a:t>
+              </a:r>
+              <a:r>
+                <a:rPr kumimoji="1" lang="en-US" altLang="ko-Kore-KR" sz="1600" dirty="0">
+                  <a:solidFill>
+                    <a:sysClr val="windowText" lastClr="000000"/>
+                  </a:solidFill>
+                </a:rPr>
+                <a:t>: Date</a:t>
+              </a:r>
+              <a:endParaRPr kumimoji="1" lang="en-US" altLang="ko-Kore-KR" sz="2000" dirty="0">
+                <a:solidFill>
+                  <a:sysClr val="windowText" lastClr="000000"/>
+                </a:solidFill>
+              </a:endParaRPr>
+            </a:p>
+          </p:txBody>
+        </p:sp>
+        <p:cxnSp>
+          <p:nvCxnSpPr>
+            <p:cNvPr id="54" name="직선 화살표 연결선 53">
+              <a:extLst>
+                <a:ext uri="{FF2B5EF4-FFF2-40B4-BE49-F238E27FC236}">
+                  <a16:creationId xmlns:a16="http://schemas.microsoft.com/office/drawing/2014/main" id="{73973BFE-8451-17B4-6F48-540779C6140A}"/>
+                </a:ext>
+              </a:extLst>
+            </p:cNvPr>
+            <p:cNvCxnSpPr>
+              <a:cxnSpLocks/>
+              <a:stCxn id="56" idx="1"/>
+              <a:endCxn id="25" idx="3"/>
+            </p:cNvCxnSpPr>
+            <p:nvPr/>
+          </p:nvCxnSpPr>
+          <p:spPr>
+            <a:xfrm flipH="1">
+              <a:off x="8478665" y="4665998"/>
+              <a:ext cx="753935" cy="2004"/>
+            </a:xfrm>
+            <a:prstGeom prst="straightConnector1">
+              <a:avLst/>
+            </a:prstGeom>
+            <a:ln w="28575">
+              <a:tailEnd type="triangle"/>
+            </a:ln>
+          </p:spPr>
+          <p:style>
+            <a:lnRef idx="1">
+              <a:schemeClr val="dk1"/>
+            </a:lnRef>
+            <a:fillRef idx="0">
+              <a:schemeClr val="dk1"/>
+            </a:fillRef>
+            <a:effectRef idx="0">
+              <a:schemeClr val="dk1"/>
+            </a:effectRef>
+            <a:fontRef idx="minor">
+              <a:schemeClr val="tx1"/>
+            </a:fontRef>
+          </p:style>
+        </p:cxnSp>
+        <p:cxnSp>
+          <p:nvCxnSpPr>
+            <p:cNvPr id="62" name="직선 화살표 연결선 61">
+              <a:extLst>
+                <a:ext uri="{FF2B5EF4-FFF2-40B4-BE49-F238E27FC236}">
+                  <a16:creationId xmlns:a16="http://schemas.microsoft.com/office/drawing/2014/main" id="{14048CA9-4E82-640E-F74E-BA562FCD927F}"/>
+                </a:ext>
+              </a:extLst>
+            </p:cNvPr>
+            <p:cNvCxnSpPr>
+              <a:cxnSpLocks/>
+              <a:stCxn id="33" idx="1"/>
+              <a:endCxn id="28" idx="3"/>
+            </p:cNvCxnSpPr>
+            <p:nvPr/>
+          </p:nvCxnSpPr>
+          <p:spPr>
+            <a:xfrm flipH="1">
+              <a:off x="8478665" y="2413793"/>
+              <a:ext cx="753935" cy="1"/>
+            </a:xfrm>
+            <a:prstGeom prst="straightConnector1">
+              <a:avLst/>
+            </a:prstGeom>
+            <a:ln w="28575">
+              <a:solidFill>
+                <a:schemeClr val="tx1"/>
+              </a:solidFill>
+              <a:tailEnd type="triangle"/>
+            </a:ln>
+          </p:spPr>
+          <p:style>
+            <a:lnRef idx="1">
+              <a:schemeClr val="accent1"/>
+            </a:lnRef>
+            <a:fillRef idx="0">
+              <a:schemeClr val="accent1"/>
+            </a:fillRef>
+            <a:effectRef idx="0">
+              <a:schemeClr val="accent1"/>
+            </a:effectRef>
+            <a:fontRef idx="minor">
+              <a:schemeClr val="tx1"/>
+            </a:fontRef>
+          </p:style>
+        </p:cxnSp>
+        <p:cxnSp>
+          <p:nvCxnSpPr>
+            <p:cNvPr id="65" name="직선 연결선[R] 64">
+              <a:extLst>
+                <a:ext uri="{FF2B5EF4-FFF2-40B4-BE49-F238E27FC236}">
+                  <a16:creationId xmlns:a16="http://schemas.microsoft.com/office/drawing/2014/main" id="{7893A6DD-6665-4871-C2BB-623405AFD759}"/>
+                </a:ext>
+              </a:extLst>
+            </p:cNvPr>
+            <p:cNvCxnSpPr/>
+            <p:nvPr/>
+          </p:nvCxnSpPr>
+          <p:spPr>
+            <a:xfrm>
+              <a:off x="2771389" y="1965796"/>
+              <a:ext cx="1762325" cy="0"/>
+            </a:xfrm>
+            <a:prstGeom prst="line">
+              <a:avLst/>
+            </a:prstGeom>
+            <a:ln w="28575"/>
+          </p:spPr>
+          <p:style>
+            <a:lnRef idx="1">
+              <a:schemeClr val="dk1"/>
+            </a:lnRef>
+            <a:fillRef idx="0">
+              <a:schemeClr val="dk1"/>
+            </a:fillRef>
+            <a:effectRef idx="0">
+              <a:schemeClr val="dk1"/>
+            </a:effectRef>
+            <a:fontRef idx="minor">
+              <a:schemeClr val="tx1"/>
+            </a:fontRef>
+          </p:style>
+        </p:cxnSp>
+        <p:cxnSp>
+          <p:nvCxnSpPr>
+            <p:cNvPr id="71" name="직선 연결선[R] 70">
+              <a:extLst>
+                <a:ext uri="{FF2B5EF4-FFF2-40B4-BE49-F238E27FC236}">
+                  <a16:creationId xmlns:a16="http://schemas.microsoft.com/office/drawing/2014/main" id="{71F76990-BCC9-E1E4-7243-4426CADDDD4C}"/>
+                </a:ext>
+              </a:extLst>
+            </p:cNvPr>
+            <p:cNvCxnSpPr/>
+            <p:nvPr/>
+          </p:nvCxnSpPr>
+          <p:spPr>
+            <a:xfrm>
+              <a:off x="2771389" y="2847167"/>
+              <a:ext cx="1762325" cy="0"/>
+            </a:xfrm>
+            <a:prstGeom prst="line">
+              <a:avLst/>
+            </a:prstGeom>
+            <a:ln w="28575"/>
+          </p:spPr>
+          <p:style>
+            <a:lnRef idx="1">
+              <a:schemeClr val="dk1"/>
+            </a:lnRef>
+            <a:fillRef idx="0">
+              <a:schemeClr val="dk1"/>
+            </a:fillRef>
+            <a:effectRef idx="0">
+              <a:schemeClr val="dk1"/>
+            </a:effectRef>
+            <a:fontRef idx="minor">
+              <a:schemeClr val="tx1"/>
+            </a:fontRef>
+          </p:style>
+        </p:cxnSp>
+        <p:cxnSp>
+          <p:nvCxnSpPr>
+            <p:cNvPr id="74" name="직선 연결선[R] 73">
+              <a:extLst>
+                <a:ext uri="{FF2B5EF4-FFF2-40B4-BE49-F238E27FC236}">
+                  <a16:creationId xmlns:a16="http://schemas.microsoft.com/office/drawing/2014/main" id="{48290CB7-43D6-20C0-F6D8-88D7341012A9}"/>
+                </a:ext>
+              </a:extLst>
+            </p:cNvPr>
+            <p:cNvCxnSpPr/>
+            <p:nvPr/>
+          </p:nvCxnSpPr>
+          <p:spPr>
+            <a:xfrm>
+              <a:off x="2771389" y="4234627"/>
+              <a:ext cx="1762325" cy="0"/>
+            </a:xfrm>
+            <a:prstGeom prst="line">
+              <a:avLst/>
+            </a:prstGeom>
+            <a:ln w="28575"/>
+          </p:spPr>
+          <p:style>
+            <a:lnRef idx="1">
+              <a:schemeClr val="dk1"/>
+            </a:lnRef>
+            <a:fillRef idx="0">
+              <a:schemeClr val="dk1"/>
+            </a:fillRef>
+            <a:effectRef idx="0">
+              <a:schemeClr val="dk1"/>
+            </a:effectRef>
+            <a:fontRef idx="minor">
+              <a:schemeClr val="tx1"/>
+            </a:fontRef>
+          </p:style>
+        </p:cxnSp>
+        <p:cxnSp>
+          <p:nvCxnSpPr>
+            <p:cNvPr id="75" name="직선 연결선[R] 74">
+              <a:extLst>
+                <a:ext uri="{FF2B5EF4-FFF2-40B4-BE49-F238E27FC236}">
+                  <a16:creationId xmlns:a16="http://schemas.microsoft.com/office/drawing/2014/main" id="{E0B7E0BD-7F0E-DB1F-5F4F-81DC946E90D6}"/>
+                </a:ext>
+              </a:extLst>
+            </p:cNvPr>
+            <p:cNvCxnSpPr/>
+            <p:nvPr/>
+          </p:nvCxnSpPr>
+          <p:spPr>
+            <a:xfrm>
+              <a:off x="2771389" y="5115998"/>
+              <a:ext cx="1762325" cy="0"/>
+            </a:xfrm>
+            <a:prstGeom prst="line">
+              <a:avLst/>
+            </a:prstGeom>
+            <a:ln w="28575"/>
+          </p:spPr>
+          <p:style>
+            <a:lnRef idx="1">
+              <a:schemeClr val="dk1"/>
+            </a:lnRef>
+            <a:fillRef idx="0">
+              <a:schemeClr val="dk1"/>
+            </a:fillRef>
+            <a:effectRef idx="0">
+              <a:schemeClr val="dk1"/>
+            </a:effectRef>
+            <a:fontRef idx="minor">
+              <a:schemeClr val="tx1"/>
+            </a:fontRef>
+          </p:style>
+        </p:cxnSp>
+        <p:sp>
+          <p:nvSpPr>
+            <p:cNvPr id="78" name="TextBox 77">
+              <a:extLst>
+                <a:ext uri="{FF2B5EF4-FFF2-40B4-BE49-F238E27FC236}">
+                  <a16:creationId xmlns:a16="http://schemas.microsoft.com/office/drawing/2014/main" id="{97239E0C-CCA7-F5CE-64DD-358AEB7D6EA2}"/>
+                </a:ext>
+              </a:extLst>
+            </p:cNvPr>
+            <p:cNvSpPr txBox="1"/>
+            <p:nvPr/>
+          </p:nvSpPr>
+          <p:spPr>
+            <a:xfrm>
+              <a:off x="2766642" y="1274749"/>
+              <a:ext cx="452368" cy="369332"/>
+            </a:xfrm>
+            <a:prstGeom prst="rect">
+              <a:avLst/>
+            </a:prstGeom>
+            <a:noFill/>
+          </p:spPr>
+          <p:txBody>
+            <a:bodyPr wrap="none" rtlCol="0">
+              <a:spAutoFit/>
+            </a:bodyPr>
+            <a:lstStyle/>
+            <a:p>
+              <a:r>
+                <a:rPr kumimoji="1" lang="en-US" altLang="ko-Kore-KR" dirty="0"/>
+                <a:t>DB</a:t>
+              </a:r>
+              <a:endParaRPr kumimoji="1" lang="ko-Kore-KR" altLang="en-US" dirty="0"/>
+            </a:p>
+          </p:txBody>
+        </p:sp>
+      </p:grpSp>
     </p:spTree>
     <p:extLst>
       <p:ext uri="{BB962C8B-B14F-4D97-AF65-F5344CB8AC3E}">
@@ -5544,7 +5380,7 @@
         </p:nvSpPr>
         <p:spPr>
           <a:xfrm>
-            <a:off x="3718560" y="3069000"/>
+            <a:off x="2405989" y="3326693"/>
             <a:ext cx="1620000" cy="720000"/>
           </a:xfrm>
           <a:prstGeom prst="rect">
@@ -5600,7 +5436,7 @@
         </p:nvSpPr>
         <p:spPr>
           <a:xfrm>
-            <a:off x="6683829" y="3069000"/>
+            <a:off x="8418294" y="3326693"/>
             <a:ext cx="1620000" cy="720000"/>
           </a:xfrm>
           <a:prstGeom prst="rect">
@@ -5656,7 +5492,7 @@
         </p:nvSpPr>
         <p:spPr>
           <a:xfrm>
-            <a:off x="1410788" y="1654629"/>
+            <a:off x="473402" y="4383924"/>
             <a:ext cx="1443600" cy="720000"/>
           </a:xfrm>
           <a:prstGeom prst="ellipse">
@@ -5691,7 +5527,7 @@
           <a:p>
             <a:pPr algn="ctr"/>
             <a:r>
-              <a:rPr kumimoji="1" lang="en-US" altLang="ko-Kore-KR" sz="1400" dirty="0">
+              <a:rPr kumimoji="1" lang="en-US" altLang="ko-Kore-KR" sz="1400" u="sng" dirty="0">
                 <a:solidFill>
                   <a:schemeClr val="bg1"/>
                 </a:solidFill>
@@ -5702,14 +5538,14 @@
           <a:p>
             <a:pPr algn="ctr"/>
             <a:r>
-              <a:rPr kumimoji="1" lang="en-US" altLang="ko-Kore-KR" sz="1400" dirty="0">
+              <a:rPr kumimoji="1" lang="en-US" altLang="ko-Kore-KR" sz="1400" u="sng" dirty="0">
                 <a:solidFill>
                   <a:schemeClr val="bg1"/>
                 </a:solidFill>
               </a:rPr>
               <a:t>Date</a:t>
             </a:r>
-            <a:endParaRPr kumimoji="1" lang="ko-Kore-KR" altLang="en-US" sz="1400" dirty="0">
+            <a:endParaRPr kumimoji="1" lang="ko-Kore-KR" altLang="en-US" sz="1400" u="sng" dirty="0">
               <a:solidFill>
                 <a:schemeClr val="bg1"/>
               </a:solidFill>
@@ -5731,7 +5567,7 @@
         </p:nvSpPr>
         <p:spPr>
           <a:xfrm>
-            <a:off x="1410788" y="2640613"/>
+            <a:off x="1334693" y="5543368"/>
             <a:ext cx="1440000" cy="720000"/>
           </a:xfrm>
           <a:prstGeom prst="ellipse">
@@ -5787,7 +5623,7 @@
         </p:nvSpPr>
         <p:spPr>
           <a:xfrm>
-            <a:off x="1410788" y="3632495"/>
+            <a:off x="3309310" y="5543368"/>
             <a:ext cx="1440000" cy="720000"/>
           </a:xfrm>
           <a:prstGeom prst="ellipse">
@@ -5843,7 +5679,7 @@
         </p:nvSpPr>
         <p:spPr>
           <a:xfrm>
-            <a:off x="1410788" y="4624377"/>
+            <a:off x="4736394" y="4522629"/>
             <a:ext cx="1440000" cy="720000"/>
           </a:xfrm>
           <a:prstGeom prst="ellipse">
@@ -5903,7 +5739,7 @@
         </p:nvSpPr>
         <p:spPr>
           <a:xfrm>
-            <a:off x="9165771" y="1294629"/>
+            <a:off x="6719092" y="4654760"/>
             <a:ext cx="1443600" cy="720000"/>
           </a:xfrm>
           <a:prstGeom prst="ellipse">
@@ -5938,7 +5774,7 @@
           <a:p>
             <a:pPr algn="ctr"/>
             <a:r>
-              <a:rPr kumimoji="1" lang="en-US" altLang="ko-Kore-KR" sz="1400" dirty="0">
+              <a:rPr kumimoji="1" lang="en-US" altLang="ko-Kore-KR" sz="1400" u="sng" dirty="0">
                 <a:solidFill>
                   <a:schemeClr val="bg1"/>
                 </a:solidFill>
@@ -5949,14 +5785,14 @@
           <a:p>
             <a:pPr algn="ctr"/>
             <a:r>
-              <a:rPr kumimoji="1" lang="en-US" altLang="ko-Kore-KR" sz="1400" dirty="0">
+              <a:rPr kumimoji="1" lang="en-US" altLang="ko-Kore-KR" sz="1400" u="sng" dirty="0">
                 <a:solidFill>
                   <a:schemeClr val="bg1"/>
                 </a:solidFill>
               </a:rPr>
               <a:t>String</a:t>
             </a:r>
-            <a:endParaRPr kumimoji="1" lang="ko-Kore-KR" altLang="en-US" sz="1400" dirty="0">
+            <a:endParaRPr kumimoji="1" lang="ko-Kore-KR" altLang="en-US" sz="1400" u="sng" dirty="0">
               <a:solidFill>
                 <a:schemeClr val="bg1"/>
               </a:solidFill>
@@ -5978,7 +5814,7 @@
         </p:nvSpPr>
         <p:spPr>
           <a:xfrm>
-            <a:off x="9165771" y="2280613"/>
+            <a:off x="7298196" y="5500484"/>
             <a:ext cx="1440000" cy="720000"/>
           </a:xfrm>
           <a:prstGeom prst="ellipse">
@@ -6041,7 +5877,7 @@
         </p:nvSpPr>
         <p:spPr>
           <a:xfrm>
-            <a:off x="9165771" y="3272495"/>
+            <a:off x="8508294" y="6078968"/>
             <a:ext cx="1440000" cy="720000"/>
           </a:xfrm>
           <a:prstGeom prst="ellipse">
@@ -6108,7 +5944,7 @@
         </p:nvSpPr>
         <p:spPr>
           <a:xfrm>
-            <a:off x="9165771" y="4264377"/>
+            <a:off x="10054180" y="5626208"/>
             <a:ext cx="1440000" cy="720000"/>
           </a:xfrm>
           <a:prstGeom prst="ellipse">
@@ -6171,7 +6007,7 @@
         </p:nvSpPr>
         <p:spPr>
           <a:xfrm>
-            <a:off x="9162171" y="5256259"/>
+            <a:off x="10655378" y="4743924"/>
             <a:ext cx="1443600" cy="720000"/>
           </a:xfrm>
           <a:prstGeom prst="ellipse">
@@ -6250,15 +6086,16 @@
             </a:extLst>
           </p:cNvPr>
           <p:cNvCxnSpPr>
-            <a:stCxn id="8" idx="6"/>
-            <a:endCxn id="7" idx="1"/>
+            <a:cxnSpLocks/>
+            <a:stCxn id="8" idx="0"/>
+            <a:endCxn id="7" idx="2"/>
           </p:cNvCxnSpPr>
           <p:nvPr/>
         </p:nvCxnSpPr>
         <p:spPr>
-          <a:xfrm>
-            <a:off x="2854388" y="2014629"/>
-            <a:ext cx="864172" cy="1414371"/>
+          <a:xfrm flipV="1">
+            <a:off x="1195202" y="4046693"/>
+            <a:ext cx="2020787" cy="337231"/>
           </a:xfrm>
           <a:prstGeom prst="line">
             <a:avLst/>
@@ -6290,15 +6127,16 @@
             </a:extLst>
           </p:cNvPr>
           <p:cNvCxnSpPr>
-            <a:stCxn id="21" idx="6"/>
-            <a:endCxn id="7" idx="1"/>
+            <a:cxnSpLocks/>
+            <a:stCxn id="21" idx="0"/>
+            <a:endCxn id="7" idx="2"/>
           </p:cNvCxnSpPr>
           <p:nvPr/>
         </p:nvCxnSpPr>
         <p:spPr>
-          <a:xfrm>
-            <a:off x="2850788" y="3000613"/>
-            <a:ext cx="867772" cy="428387"/>
+          <a:xfrm flipV="1">
+            <a:off x="2054693" y="4046693"/>
+            <a:ext cx="1161296" cy="1496675"/>
           </a:xfrm>
           <a:prstGeom prst="line">
             <a:avLst/>
@@ -6331,15 +6169,15 @@
           </p:cNvPr>
           <p:cNvCxnSpPr>
             <a:cxnSpLocks/>
-            <a:stCxn id="22" idx="6"/>
-            <a:endCxn id="7" idx="1"/>
+            <a:stCxn id="22" idx="0"/>
+            <a:endCxn id="7" idx="2"/>
           </p:cNvCxnSpPr>
           <p:nvPr/>
         </p:nvCxnSpPr>
         <p:spPr>
-          <a:xfrm flipV="1">
-            <a:off x="2850788" y="3429000"/>
-            <a:ext cx="867772" cy="563495"/>
+          <a:xfrm flipH="1" flipV="1">
+            <a:off x="3215989" y="4046693"/>
+            <a:ext cx="813321" cy="1496675"/>
           </a:xfrm>
           <a:prstGeom prst="line">
             <a:avLst/>
@@ -6371,15 +6209,16 @@
             </a:extLst>
           </p:cNvPr>
           <p:cNvCxnSpPr>
-            <a:stCxn id="23" idx="6"/>
-            <a:endCxn id="7" idx="1"/>
+            <a:cxnSpLocks/>
+            <a:stCxn id="23" idx="0"/>
+            <a:endCxn id="7" idx="2"/>
           </p:cNvCxnSpPr>
           <p:nvPr/>
         </p:nvCxnSpPr>
         <p:spPr>
-          <a:xfrm flipV="1">
-            <a:off x="2850788" y="3429000"/>
-            <a:ext cx="867772" cy="1555377"/>
+          <a:xfrm flipH="1" flipV="1">
+            <a:off x="3215989" y="4046693"/>
+            <a:ext cx="2240405" cy="475936"/>
           </a:xfrm>
           <a:prstGeom prst="line">
             <a:avLst/>
@@ -6411,15 +6250,16 @@
             </a:extLst>
           </p:cNvPr>
           <p:cNvCxnSpPr>
-            <a:stCxn id="24" idx="2"/>
-            <a:endCxn id="19" idx="3"/>
+            <a:cxnSpLocks/>
+            <a:stCxn id="24" idx="0"/>
+            <a:endCxn id="19" idx="2"/>
           </p:cNvCxnSpPr>
           <p:nvPr/>
         </p:nvCxnSpPr>
         <p:spPr>
-          <a:xfrm flipH="1">
-            <a:off x="8303829" y="1654629"/>
-            <a:ext cx="861942" cy="1774371"/>
+          <a:xfrm flipV="1">
+            <a:off x="7440892" y="4046693"/>
+            <a:ext cx="1787402" cy="608067"/>
           </a:xfrm>
           <a:prstGeom prst="line">
             <a:avLst/>
@@ -6451,15 +6291,16 @@
             </a:extLst>
           </p:cNvPr>
           <p:cNvCxnSpPr>
-            <a:stCxn id="25" idx="2"/>
-            <a:endCxn id="19" idx="3"/>
+            <a:cxnSpLocks/>
+            <a:stCxn id="25" idx="0"/>
+            <a:endCxn id="19" idx="2"/>
           </p:cNvCxnSpPr>
           <p:nvPr/>
         </p:nvCxnSpPr>
         <p:spPr>
-          <a:xfrm flipH="1">
-            <a:off x="8303829" y="2640613"/>
-            <a:ext cx="861942" cy="788387"/>
+          <a:xfrm flipV="1">
+            <a:off x="8018196" y="4046693"/>
+            <a:ext cx="1210098" cy="1453791"/>
           </a:xfrm>
           <a:prstGeom prst="line">
             <a:avLst/>
@@ -6491,15 +6332,16 @@
             </a:extLst>
           </p:cNvPr>
           <p:cNvCxnSpPr>
-            <a:stCxn id="26" idx="2"/>
-            <a:endCxn id="19" idx="3"/>
+            <a:cxnSpLocks/>
+            <a:stCxn id="26" idx="0"/>
+            <a:endCxn id="19" idx="2"/>
           </p:cNvCxnSpPr>
           <p:nvPr/>
         </p:nvCxnSpPr>
         <p:spPr>
-          <a:xfrm flipH="1" flipV="1">
-            <a:off x="8303829" y="3429000"/>
-            <a:ext cx="861942" cy="203495"/>
+          <a:xfrm flipV="1">
+            <a:off x="9228294" y="4046693"/>
+            <a:ext cx="0" cy="2032275"/>
           </a:xfrm>
           <a:prstGeom prst="line">
             <a:avLst/>
@@ -6531,15 +6373,16 @@
             </a:extLst>
           </p:cNvPr>
           <p:cNvCxnSpPr>
-            <a:stCxn id="27" idx="2"/>
-            <a:endCxn id="19" idx="3"/>
+            <a:cxnSpLocks/>
+            <a:stCxn id="27" idx="0"/>
+            <a:endCxn id="19" idx="2"/>
           </p:cNvCxnSpPr>
           <p:nvPr/>
         </p:nvCxnSpPr>
         <p:spPr>
           <a:xfrm flipH="1" flipV="1">
-            <a:off x="8303829" y="3429000"/>
-            <a:ext cx="861942" cy="1195377"/>
+            <a:off x="9228294" y="4046693"/>
+            <a:ext cx="1545886" cy="1579515"/>
           </a:xfrm>
           <a:prstGeom prst="line">
             <a:avLst/>
@@ -6571,15 +6414,16 @@
             </a:extLst>
           </p:cNvPr>
           <p:cNvCxnSpPr>
-            <a:stCxn id="28" idx="2"/>
-            <a:endCxn id="19" idx="3"/>
+            <a:cxnSpLocks/>
+            <a:stCxn id="28" idx="0"/>
+            <a:endCxn id="19" idx="2"/>
           </p:cNvCxnSpPr>
           <p:nvPr/>
         </p:nvCxnSpPr>
         <p:spPr>
           <a:xfrm flipH="1" flipV="1">
-            <a:off x="8303829" y="3429000"/>
-            <a:ext cx="858342" cy="2187259"/>
+            <a:off x="9228294" y="4046693"/>
+            <a:ext cx="2148884" cy="697231"/>
           </a:xfrm>
           <a:prstGeom prst="line">
             <a:avLst/>
@@ -6601,6 +6445,475 @@
           </a:fontRef>
         </p:style>
       </p:cxnSp>
+      <p:sp>
+        <p:nvSpPr>
+          <p:cNvPr id="132" name="다이아몬드 131">
+            <a:extLst>
+              <a:ext uri="{FF2B5EF4-FFF2-40B4-BE49-F238E27FC236}">
+                <a16:creationId xmlns:a16="http://schemas.microsoft.com/office/drawing/2014/main" id="{7CFE62DB-CD8C-13D8-66CB-6A85EF4BFCA4}"/>
+              </a:ext>
+            </a:extLst>
+          </p:cNvPr>
+          <p:cNvSpPr/>
+          <p:nvPr/>
+        </p:nvSpPr>
+        <p:spPr>
+          <a:xfrm>
+            <a:off x="2402092" y="1793858"/>
+            <a:ext cx="1620000" cy="681644"/>
+          </a:xfrm>
+          <a:prstGeom prst="diamond">
+            <a:avLst/>
+          </a:prstGeom>
+          <a:solidFill>
+            <a:srgbClr val="FD997D"/>
+          </a:solidFill>
+          <a:ln>
+            <a:noFill/>
+          </a:ln>
+        </p:spPr>
+        <p:style>
+          <a:lnRef idx="2">
+            <a:schemeClr val="accent1">
+              <a:shade val="50000"/>
+            </a:schemeClr>
+          </a:lnRef>
+          <a:fillRef idx="1">
+            <a:schemeClr val="accent1"/>
+          </a:fillRef>
+          <a:effectRef idx="0">
+            <a:schemeClr val="accent1"/>
+          </a:effectRef>
+          <a:fontRef idx="minor">
+            <a:schemeClr val="lt1"/>
+          </a:fontRef>
+        </p:style>
+        <p:txBody>
+          <a:bodyPr rtlCol="0" anchor="ctr"/>
+          <a:lstStyle/>
+          <a:p>
+            <a:pPr algn="ctr"/>
+            <a:r>
+              <a:rPr kumimoji="1" lang="ko-Kore-KR" altLang="en-US" dirty="0"/>
+              <a:t>등록</a:t>
+            </a:r>
+          </a:p>
+        </p:txBody>
+      </p:sp>
+      <p:sp>
+        <p:nvSpPr>
+          <p:cNvPr id="133" name="다이아몬드 132">
+            <a:extLst>
+              <a:ext uri="{FF2B5EF4-FFF2-40B4-BE49-F238E27FC236}">
+                <a16:creationId xmlns:a16="http://schemas.microsoft.com/office/drawing/2014/main" id="{720DFC2B-A931-6726-ED26-EFDA07C2502D}"/>
+              </a:ext>
+            </a:extLst>
+          </p:cNvPr>
+          <p:cNvSpPr/>
+          <p:nvPr/>
+        </p:nvSpPr>
+        <p:spPr>
+          <a:xfrm>
+            <a:off x="8418294" y="1817572"/>
+            <a:ext cx="1620000" cy="681644"/>
+          </a:xfrm>
+          <a:prstGeom prst="diamond">
+            <a:avLst/>
+          </a:prstGeom>
+          <a:solidFill>
+            <a:srgbClr val="FD997D"/>
+          </a:solidFill>
+          <a:ln>
+            <a:noFill/>
+          </a:ln>
+        </p:spPr>
+        <p:style>
+          <a:lnRef idx="2">
+            <a:schemeClr val="accent1">
+              <a:shade val="50000"/>
+            </a:schemeClr>
+          </a:lnRef>
+          <a:fillRef idx="1">
+            <a:schemeClr val="accent1"/>
+          </a:fillRef>
+          <a:effectRef idx="0">
+            <a:schemeClr val="accent1"/>
+          </a:effectRef>
+          <a:fontRef idx="minor">
+            <a:schemeClr val="lt1"/>
+          </a:fontRef>
+        </p:style>
+        <p:txBody>
+          <a:bodyPr rtlCol="0" anchor="ctr"/>
+          <a:lstStyle/>
+          <a:p>
+            <a:pPr algn="ctr"/>
+            <a:r>
+              <a:rPr kumimoji="1" lang="ko-Kore-KR" altLang="en-US" dirty="0"/>
+              <a:t>등록</a:t>
+            </a:r>
+          </a:p>
+        </p:txBody>
+      </p:sp>
+      <p:cxnSp>
+        <p:nvCxnSpPr>
+          <p:cNvPr id="135" name="직선 연결선[R] 134">
+            <a:extLst>
+              <a:ext uri="{FF2B5EF4-FFF2-40B4-BE49-F238E27FC236}">
+                <a16:creationId xmlns:a16="http://schemas.microsoft.com/office/drawing/2014/main" id="{0F7DF34C-FDAE-073F-9F39-A3F2920F28DA}"/>
+              </a:ext>
+            </a:extLst>
+          </p:cNvPr>
+          <p:cNvCxnSpPr>
+            <a:stCxn id="132" idx="2"/>
+            <a:endCxn id="7" idx="0"/>
+          </p:cNvCxnSpPr>
+          <p:nvPr/>
+        </p:nvCxnSpPr>
+        <p:spPr>
+          <a:xfrm>
+            <a:off x="3212092" y="2475502"/>
+            <a:ext cx="3897" cy="851191"/>
+          </a:xfrm>
+          <a:prstGeom prst="line">
+            <a:avLst/>
+          </a:prstGeom>
+          <a:ln w="19050"/>
+        </p:spPr>
+        <p:style>
+          <a:lnRef idx="1">
+            <a:schemeClr val="dk1"/>
+          </a:lnRef>
+          <a:fillRef idx="0">
+            <a:schemeClr val="dk1"/>
+          </a:fillRef>
+          <a:effectRef idx="0">
+            <a:schemeClr val="dk1"/>
+          </a:effectRef>
+          <a:fontRef idx="minor">
+            <a:schemeClr val="tx1"/>
+          </a:fontRef>
+        </p:style>
+      </p:cxnSp>
+      <p:cxnSp>
+        <p:nvCxnSpPr>
+          <p:cNvPr id="137" name="직선 연결선[R] 136">
+            <a:extLst>
+              <a:ext uri="{FF2B5EF4-FFF2-40B4-BE49-F238E27FC236}">
+                <a16:creationId xmlns:a16="http://schemas.microsoft.com/office/drawing/2014/main" id="{5B2FECD1-4FFF-E87F-A4C3-52DEBDA432C7}"/>
+              </a:ext>
+            </a:extLst>
+          </p:cNvPr>
+          <p:cNvCxnSpPr>
+            <a:stCxn id="133" idx="2"/>
+            <a:endCxn id="19" idx="0"/>
+          </p:cNvCxnSpPr>
+          <p:nvPr/>
+        </p:nvCxnSpPr>
+        <p:spPr>
+          <a:xfrm>
+            <a:off x="9228294" y="2499216"/>
+            <a:ext cx="0" cy="827477"/>
+          </a:xfrm>
+          <a:prstGeom prst="line">
+            <a:avLst/>
+          </a:prstGeom>
+          <a:ln w="19050"/>
+        </p:spPr>
+        <p:style>
+          <a:lnRef idx="1">
+            <a:schemeClr val="dk1"/>
+          </a:lnRef>
+          <a:fillRef idx="0">
+            <a:schemeClr val="dk1"/>
+          </a:fillRef>
+          <a:effectRef idx="0">
+            <a:schemeClr val="dk1"/>
+          </a:effectRef>
+          <a:fontRef idx="minor">
+            <a:schemeClr val="tx1"/>
+          </a:fontRef>
+        </p:style>
+      </p:cxnSp>
+      <p:sp>
+        <p:nvSpPr>
+          <p:cNvPr id="138" name="직사각형 137">
+            <a:extLst>
+              <a:ext uri="{FF2B5EF4-FFF2-40B4-BE49-F238E27FC236}">
+                <a16:creationId xmlns:a16="http://schemas.microsoft.com/office/drawing/2014/main" id="{8A223756-673C-FE49-4E0B-449B5390536E}"/>
+              </a:ext>
+            </a:extLst>
+          </p:cNvPr>
+          <p:cNvSpPr/>
+          <p:nvPr/>
+        </p:nvSpPr>
+        <p:spPr>
+          <a:xfrm>
+            <a:off x="5255493" y="470271"/>
+            <a:ext cx="1841802" cy="798022"/>
+          </a:xfrm>
+          <a:prstGeom prst="rect">
+            <a:avLst/>
+          </a:prstGeom>
+          <a:solidFill>
+            <a:srgbClr val="FD997D"/>
+          </a:solidFill>
+          <a:ln>
+            <a:noFill/>
+          </a:ln>
+        </p:spPr>
+        <p:style>
+          <a:lnRef idx="2">
+            <a:schemeClr val="accent1">
+              <a:shade val="50000"/>
+            </a:schemeClr>
+          </a:lnRef>
+          <a:fillRef idx="1">
+            <a:schemeClr val="accent1"/>
+          </a:fillRef>
+          <a:effectRef idx="0">
+            <a:schemeClr val="accent1"/>
+          </a:effectRef>
+          <a:fontRef idx="minor">
+            <a:schemeClr val="lt1"/>
+          </a:fontRef>
+        </p:style>
+        <p:txBody>
+          <a:bodyPr rtlCol="0" anchor="ctr"/>
+          <a:lstStyle/>
+          <a:p>
+            <a:pPr algn="ctr"/>
+            <a:r>
+              <a:rPr kumimoji="1" lang="ko-Kore-KR" altLang="en-US" dirty="0"/>
+              <a:t>사용자</a:t>
+            </a:r>
+          </a:p>
+        </p:txBody>
+      </p:sp>
+      <p:cxnSp>
+        <p:nvCxnSpPr>
+          <p:cNvPr id="140" name="직선 연결선[R] 139">
+            <a:extLst>
+              <a:ext uri="{FF2B5EF4-FFF2-40B4-BE49-F238E27FC236}">
+                <a16:creationId xmlns:a16="http://schemas.microsoft.com/office/drawing/2014/main" id="{F12457CE-883C-CA00-84B3-94FA9C282CD1}"/>
+              </a:ext>
+            </a:extLst>
+          </p:cNvPr>
+          <p:cNvCxnSpPr>
+            <a:stCxn id="132" idx="0"/>
+            <a:endCxn id="138" idx="2"/>
+          </p:cNvCxnSpPr>
+          <p:nvPr/>
+        </p:nvCxnSpPr>
+        <p:spPr>
+          <a:xfrm flipV="1">
+            <a:off x="3212092" y="1268293"/>
+            <a:ext cx="2964302" cy="525565"/>
+          </a:xfrm>
+          <a:prstGeom prst="line">
+            <a:avLst/>
+          </a:prstGeom>
+          <a:ln w="19050"/>
+        </p:spPr>
+        <p:style>
+          <a:lnRef idx="1">
+            <a:schemeClr val="dk1"/>
+          </a:lnRef>
+          <a:fillRef idx="0">
+            <a:schemeClr val="dk1"/>
+          </a:fillRef>
+          <a:effectRef idx="0">
+            <a:schemeClr val="dk1"/>
+          </a:effectRef>
+          <a:fontRef idx="minor">
+            <a:schemeClr val="tx1"/>
+          </a:fontRef>
+        </p:style>
+      </p:cxnSp>
+      <p:cxnSp>
+        <p:nvCxnSpPr>
+          <p:cNvPr id="142" name="직선 연결선[R] 141">
+            <a:extLst>
+              <a:ext uri="{FF2B5EF4-FFF2-40B4-BE49-F238E27FC236}">
+                <a16:creationId xmlns:a16="http://schemas.microsoft.com/office/drawing/2014/main" id="{0B081634-D9E7-2A10-B865-938B1A9F5998}"/>
+              </a:ext>
+            </a:extLst>
+          </p:cNvPr>
+          <p:cNvCxnSpPr>
+            <a:stCxn id="133" idx="0"/>
+            <a:endCxn id="138" idx="2"/>
+          </p:cNvCxnSpPr>
+          <p:nvPr/>
+        </p:nvCxnSpPr>
+        <p:spPr>
+          <a:xfrm flipH="1" flipV="1">
+            <a:off x="6176394" y="1268293"/>
+            <a:ext cx="3051900" cy="549279"/>
+          </a:xfrm>
+          <a:prstGeom prst="line">
+            <a:avLst/>
+          </a:prstGeom>
+          <a:ln w="19050"/>
+        </p:spPr>
+        <p:style>
+          <a:lnRef idx="1">
+            <a:schemeClr val="dk1"/>
+          </a:lnRef>
+          <a:fillRef idx="0">
+            <a:schemeClr val="dk1"/>
+          </a:fillRef>
+          <a:effectRef idx="0">
+            <a:schemeClr val="dk1"/>
+          </a:effectRef>
+          <a:fontRef idx="minor">
+            <a:schemeClr val="tx1"/>
+          </a:fontRef>
+        </p:style>
+      </p:cxnSp>
+      <p:sp>
+        <p:nvSpPr>
+          <p:cNvPr id="159" name="TextBox 158">
+            <a:extLst>
+              <a:ext uri="{FF2B5EF4-FFF2-40B4-BE49-F238E27FC236}">
+                <a16:creationId xmlns:a16="http://schemas.microsoft.com/office/drawing/2014/main" id="{127620C1-3DA2-FFD1-07C8-F20C3B5D4EA3}"/>
+              </a:ext>
+            </a:extLst>
+          </p:cNvPr>
+          <p:cNvSpPr txBox="1"/>
+          <p:nvPr/>
+        </p:nvSpPr>
+        <p:spPr>
+          <a:xfrm>
+            <a:off x="4183749" y="1133890"/>
+            <a:ext cx="301686" cy="369332"/>
+          </a:xfrm>
+          <a:prstGeom prst="rect">
+            <a:avLst/>
+          </a:prstGeom>
+          <a:noFill/>
+        </p:spPr>
+        <p:txBody>
+          <a:bodyPr wrap="none" rtlCol="0">
+            <a:spAutoFit/>
+          </a:bodyPr>
+          <a:lstStyle/>
+          <a:p>
+            <a:r>
+              <a:rPr kumimoji="1" lang="en-US" altLang="ko-Kore-KR" dirty="0"/>
+              <a:t>1</a:t>
+            </a:r>
+            <a:endParaRPr kumimoji="1" lang="ko-Kore-KR" altLang="en-US" dirty="0"/>
+          </a:p>
+        </p:txBody>
+      </p:sp>
+      <p:sp>
+        <p:nvSpPr>
+          <p:cNvPr id="160" name="TextBox 159">
+            <a:extLst>
+              <a:ext uri="{FF2B5EF4-FFF2-40B4-BE49-F238E27FC236}">
+                <a16:creationId xmlns:a16="http://schemas.microsoft.com/office/drawing/2014/main" id="{454DC386-3A48-BEAB-ED52-B9DEB61460C7}"/>
+              </a:ext>
+            </a:extLst>
+          </p:cNvPr>
+          <p:cNvSpPr txBox="1"/>
+          <p:nvPr/>
+        </p:nvSpPr>
+        <p:spPr>
+          <a:xfrm>
+            <a:off x="7983351" y="1133890"/>
+            <a:ext cx="301686" cy="369332"/>
+          </a:xfrm>
+          <a:prstGeom prst="rect">
+            <a:avLst/>
+          </a:prstGeom>
+          <a:noFill/>
+        </p:spPr>
+        <p:txBody>
+          <a:bodyPr wrap="none" rtlCol="0">
+            <a:spAutoFit/>
+          </a:bodyPr>
+          <a:lstStyle/>
+          <a:p>
+            <a:r>
+              <a:rPr kumimoji="1" lang="en-US" altLang="ko-Kore-KR" dirty="0"/>
+              <a:t>1</a:t>
+            </a:r>
+            <a:endParaRPr kumimoji="1" lang="ko-Kore-KR" altLang="en-US" dirty="0"/>
+          </a:p>
+        </p:txBody>
+      </p:sp>
+      <p:sp>
+        <p:nvSpPr>
+          <p:cNvPr id="161" name="TextBox 160">
+            <a:extLst>
+              <a:ext uri="{FF2B5EF4-FFF2-40B4-BE49-F238E27FC236}">
+                <a16:creationId xmlns:a16="http://schemas.microsoft.com/office/drawing/2014/main" id="{2E711C3A-958D-E6F2-5566-52AA60FCA245}"/>
+              </a:ext>
+            </a:extLst>
+          </p:cNvPr>
+          <p:cNvSpPr txBox="1"/>
+          <p:nvPr/>
+        </p:nvSpPr>
+        <p:spPr>
+          <a:xfrm>
+            <a:off x="3320963" y="2696570"/>
+            <a:ext cx="333746" cy="369332"/>
+          </a:xfrm>
+          <a:prstGeom prst="rect">
+            <a:avLst/>
+          </a:prstGeom>
+          <a:noFill/>
+        </p:spPr>
+        <p:txBody>
+          <a:bodyPr wrap="none" rtlCol="0">
+            <a:spAutoFit/>
+          </a:bodyPr>
+          <a:lstStyle/>
+          <a:p>
+            <a:r>
+              <a:rPr kumimoji="1" lang="en-US" altLang="ko-Kore-KR" dirty="0"/>
+              <a:t>N</a:t>
+            </a:r>
+            <a:endParaRPr kumimoji="1" lang="ko-Kore-KR" altLang="en-US" dirty="0"/>
+          </a:p>
+        </p:txBody>
+      </p:sp>
+      <p:sp>
+        <p:nvSpPr>
+          <p:cNvPr id="162" name="TextBox 161">
+            <a:extLst>
+              <a:ext uri="{FF2B5EF4-FFF2-40B4-BE49-F238E27FC236}">
+                <a16:creationId xmlns:a16="http://schemas.microsoft.com/office/drawing/2014/main" id="{413F78B7-A004-EEF1-BD58-A111CC5181E4}"/>
+              </a:ext>
+            </a:extLst>
+          </p:cNvPr>
+          <p:cNvSpPr txBox="1"/>
+          <p:nvPr/>
+        </p:nvSpPr>
+        <p:spPr>
+          <a:xfrm>
+            <a:off x="9352224" y="2716431"/>
+            <a:ext cx="333746" cy="369332"/>
+          </a:xfrm>
+          <a:prstGeom prst="rect">
+            <a:avLst/>
+          </a:prstGeom>
+          <a:noFill/>
+        </p:spPr>
+        <p:txBody>
+          <a:bodyPr wrap="none" rtlCol="0">
+            <a:spAutoFit/>
+          </a:bodyPr>
+          <a:lstStyle/>
+          <a:p>
+            <a:r>
+              <a:rPr kumimoji="1" lang="en-US" altLang="ko-Kore-KR" dirty="0"/>
+              <a:t>N</a:t>
+            </a:r>
+            <a:endParaRPr kumimoji="1" lang="ko-Kore-KR" altLang="en-US" dirty="0"/>
+          </a:p>
+        </p:txBody>
+      </p:sp>
     </p:spTree>
     <p:extLst>
       <p:ext uri="{BB962C8B-B14F-4D97-AF65-F5344CB8AC3E}">

--- a/4-1/소프트웨어 종합설계/10주차/졸업작품 DFD : ERD.pptx
+++ b/4-1/소프트웨어 종합설계/10주차/졸업작품 DFD : ERD.pptx
@@ -7,22 +7,23 @@
   <p:sldIdLst>
     <p:sldId id="257" r:id="rId2"/>
     <p:sldId id="288" r:id="rId3"/>
-    <p:sldId id="290" r:id="rId4"/>
+    <p:sldId id="291" r:id="rId4"/>
+    <p:sldId id="290" r:id="rId5"/>
   </p:sldIdLst>
   <p:sldSz cx="12192000" cy="6858000"/>
   <p:notesSz cx="6858000" cy="9144000"/>
   <p:embeddedFontLst>
     <p:embeddedFont>
       <p:font typeface="Calibri" panose="020F0502020204030204" pitchFamily="34" charset="0"/>
-      <p:regular r:id="rId5"/>
-      <p:bold r:id="rId6"/>
-      <p:italic r:id="rId7"/>
-      <p:boldItalic r:id="rId8"/>
+      <p:regular r:id="rId6"/>
+      <p:bold r:id="rId7"/>
+      <p:italic r:id="rId8"/>
+      <p:boldItalic r:id="rId9"/>
     </p:embeddedFont>
     <p:embeddedFont>
       <p:font typeface="Calibri Light" panose="020F0302020204030204" pitchFamily="34" charset="0"/>
-      <p:regular r:id="rId9"/>
-      <p:italic r:id="rId10"/>
+      <p:regular r:id="rId10"/>
+      <p:italic r:id="rId11"/>
     </p:embeddedFont>
   </p:embeddedFontLst>
   <p:defaultTextStyle>
@@ -3510,10 +3511,10 @@
       </p:grpSpPr>
       <p:sp>
         <p:nvSpPr>
-          <p:cNvPr id="11" name="모서리가 둥근 직사각형 10">
-            <a:extLst>
-              <a:ext uri="{FF2B5EF4-FFF2-40B4-BE49-F238E27FC236}">
-                <a16:creationId xmlns:a16="http://schemas.microsoft.com/office/drawing/2014/main" id="{2F63CCEA-3F5B-BA48-9B5A-685CD3779618}"/>
+          <p:cNvPr id="187" name="직사각형 186">
+            <a:extLst>
+              <a:ext uri="{FF2B5EF4-FFF2-40B4-BE49-F238E27FC236}">
+                <a16:creationId xmlns:a16="http://schemas.microsoft.com/office/drawing/2014/main" id="{5E235518-20BD-D37A-91F7-6F5ECD1912B8}"/>
               </a:ext>
             </a:extLst>
           </p:cNvPr>
@@ -3522,14 +3523,14 @@
         </p:nvSpPr>
         <p:spPr>
           <a:xfrm>
-            <a:off x="7530359" y="186376"/>
-            <a:ext cx="1382257" cy="320574"/>
-          </a:xfrm>
-          <a:prstGeom prst="roundRect">
+            <a:off x="722147" y="5458870"/>
+            <a:ext cx="1391282" cy="756801"/>
+          </a:xfrm>
+          <a:prstGeom prst="rect">
             <a:avLst/>
           </a:prstGeom>
           <a:solidFill>
-            <a:srgbClr val="FD997D"/>
+            <a:srgbClr val="B870EA"/>
           </a:solidFill>
           <a:ln>
             <a:noFill/>
@@ -3556,23 +3557,16 @@
           <a:lstStyle/>
           <a:p>
             <a:pPr algn="ctr"/>
-            <a:r>
-              <a:rPr kumimoji="1" lang="en-US" altLang="ko-Kore-KR" dirty="0">
-                <a:solidFill>
-                  <a:sysClr val="windowText" lastClr="000000"/>
-                </a:solidFill>
-              </a:rPr>
-              <a:t>DB</a:t>
-            </a:r>
-          </a:p>
-        </p:txBody>
-      </p:sp>
-      <p:sp>
-        <p:nvSpPr>
-          <p:cNvPr id="30" name="모서리가 둥근 직사각형 29">
-            <a:extLst>
-              <a:ext uri="{FF2B5EF4-FFF2-40B4-BE49-F238E27FC236}">
-                <a16:creationId xmlns:a16="http://schemas.microsoft.com/office/drawing/2014/main" id="{53E9542E-315B-D643-8807-BEE13D57201E}"/>
+            <a:endParaRPr kumimoji="1" lang="ko-Kore-KR" altLang="en-US"/>
+          </a:p>
+        </p:txBody>
+      </p:sp>
+      <p:sp>
+        <p:nvSpPr>
+          <p:cNvPr id="37" name="모서리가 둥근 직사각형 36">
+            <a:extLst>
+              <a:ext uri="{FF2B5EF4-FFF2-40B4-BE49-F238E27FC236}">
+                <a16:creationId xmlns:a16="http://schemas.microsoft.com/office/drawing/2014/main" id="{112F15CB-D38A-8F4A-8F32-5C1B35289BF3}"/>
               </a:ext>
             </a:extLst>
           </p:cNvPr>
@@ -3581,17 +3575,14 @@
         </p:nvSpPr>
         <p:spPr>
           <a:xfrm>
-            <a:off x="9076130" y="176869"/>
-            <a:ext cx="1382257" cy="320574"/>
+            <a:off x="722150" y="213749"/>
+            <a:ext cx="1688541" cy="513045"/>
           </a:xfrm>
           <a:prstGeom prst="roundRect">
             <a:avLst/>
           </a:prstGeom>
           <a:solidFill>
-            <a:schemeClr val="accent4">
-              <a:lumMod val="20000"/>
-              <a:lumOff val="80000"/>
-            </a:schemeClr>
+            <a:srgbClr val="FD997D"/>
           </a:solidFill>
           <a:ln>
             <a:noFill/>
@@ -3619,27 +3610,35 @@
           <a:p>
             <a:pPr algn="ctr"/>
             <a:r>
-              <a:rPr kumimoji="1" lang="en-US" altLang="ko-Kore-KR" dirty="0">
-                <a:solidFill>
-                  <a:sysClr val="windowText" lastClr="000000"/>
-                </a:solidFill>
-              </a:rPr>
-              <a:t>Controller</a:t>
-            </a:r>
-            <a:endParaRPr kumimoji="1" lang="ko-Kore-KR" altLang="en-US" dirty="0">
-              <a:solidFill>
-                <a:sysClr val="windowText" lastClr="000000"/>
-              </a:solidFill>
-            </a:endParaRPr>
-          </a:p>
-        </p:txBody>
-      </p:sp>
-      <p:sp>
-        <p:nvSpPr>
-          <p:cNvPr id="29" name="모서리가 둥근 직사각형 28">
-            <a:extLst>
-              <a:ext uri="{FF2B5EF4-FFF2-40B4-BE49-F238E27FC236}">
-                <a16:creationId xmlns:a16="http://schemas.microsoft.com/office/drawing/2014/main" id="{45E8FE5A-E451-2445-9B62-D1A4CECF240B}"/>
+              <a:rPr kumimoji="1" lang="en-US" altLang="ko-KR" dirty="0"/>
+              <a:t>DFD</a:t>
+            </a:r>
+            <a:r>
+              <a:rPr kumimoji="1" lang="ko-KR" altLang="en-US" dirty="0"/>
+              <a:t> </a:t>
+            </a:r>
+            <a:r>
+              <a:rPr kumimoji="1" lang="en-US" altLang="ko-KR" dirty="0"/>
+              <a:t>-</a:t>
+            </a:r>
+            <a:r>
+              <a:rPr kumimoji="1" lang="ko-KR" altLang="en-US" dirty="0"/>
+              <a:t> </a:t>
+            </a:r>
+            <a:r>
+              <a:rPr kumimoji="1" lang="en-US" altLang="ko-KR" dirty="0"/>
+              <a:t>Diary</a:t>
+            </a:r>
+            <a:endParaRPr kumimoji="1" lang="en-US" altLang="ko-Kore-KR" dirty="0"/>
+          </a:p>
+        </p:txBody>
+      </p:sp>
+      <p:sp>
+        <p:nvSpPr>
+          <p:cNvPr id="32" name="타원 31">
+            <a:extLst>
+              <a:ext uri="{FF2B5EF4-FFF2-40B4-BE49-F238E27FC236}">
+                <a16:creationId xmlns:a16="http://schemas.microsoft.com/office/drawing/2014/main" id="{ACE1A9E1-1B44-294D-9DA6-F7389B03D7E1}"/>
               </a:ext>
             </a:extLst>
           </p:cNvPr>
@@ -3648,15 +3647,13 @@
         </p:nvSpPr>
         <p:spPr>
           <a:xfrm>
-            <a:off x="5984588" y="194313"/>
-            <a:ext cx="1382257" cy="320574"/>
-          </a:xfrm>
-          <a:prstGeom prst="roundRect">
-            <a:avLst/>
-          </a:prstGeom>
-          <a:solidFill>
-            <a:srgbClr val="B870EA"/>
-          </a:solidFill>
+            <a:off x="722150" y="5458870"/>
+            <a:ext cx="1382257" cy="756801"/>
+          </a:xfrm>
+          <a:prstGeom prst="ellipse">
+            <a:avLst/>
+          </a:prstGeom>
+          <a:noFill/>
           <a:ln>
             <a:noFill/>
           </a:ln>
@@ -3695,10 +3692,10 @@
       </p:sp>
       <p:sp>
         <p:nvSpPr>
-          <p:cNvPr id="37" name="모서리가 둥근 직사각형 36">
-            <a:extLst>
-              <a:ext uri="{FF2B5EF4-FFF2-40B4-BE49-F238E27FC236}">
-                <a16:creationId xmlns:a16="http://schemas.microsoft.com/office/drawing/2014/main" id="{112F15CB-D38A-8F4A-8F32-5C1B35289BF3}"/>
+          <p:cNvPr id="10" name="타원 9">
+            <a:extLst>
+              <a:ext uri="{FF2B5EF4-FFF2-40B4-BE49-F238E27FC236}">
+                <a16:creationId xmlns:a16="http://schemas.microsoft.com/office/drawing/2014/main" id="{C5CD0510-17AD-8B40-A414-68CE71F5D9A0}"/>
               </a:ext>
             </a:extLst>
           </p:cNvPr>
@@ -3707,14 +3704,14 @@
         </p:nvSpPr>
         <p:spPr>
           <a:xfrm>
-            <a:off x="722150" y="213749"/>
-            <a:ext cx="1132529" cy="513045"/>
-          </a:xfrm>
-          <a:prstGeom prst="roundRect">
+            <a:off x="9204335" y="1241429"/>
+            <a:ext cx="1800000" cy="900000"/>
+          </a:xfrm>
+          <a:prstGeom prst="ellipse">
             <a:avLst/>
           </a:prstGeom>
           <a:solidFill>
-            <a:srgbClr val="FD997D"/>
+            <a:schemeClr val="bg1"/>
           </a:solidFill>
           <a:ln>
             <a:noFill/>
@@ -3742,1544 +3739,1239 @@
           <a:p>
             <a:pPr algn="ctr"/>
             <a:r>
-              <a:rPr kumimoji="1" lang="en-US" altLang="ko-KR" dirty="0"/>
-              <a:t>DFD</a:t>
-            </a:r>
-            <a:endParaRPr kumimoji="1" lang="en-US" altLang="ko-Kore-KR" dirty="0"/>
-          </a:p>
-        </p:txBody>
-      </p:sp>
-      <p:grpSp>
-        <p:nvGrpSpPr>
-          <p:cNvPr id="66" name="그룹 65">
-            <a:extLst>
-              <a:ext uri="{FF2B5EF4-FFF2-40B4-BE49-F238E27FC236}">
-                <a16:creationId xmlns:a16="http://schemas.microsoft.com/office/drawing/2014/main" id="{B7B55DE6-62E6-D34D-036B-E156000DE4F0}"/>
-              </a:ext>
-            </a:extLst>
-          </p:cNvPr>
-          <p:cNvGrpSpPr/>
-          <p:nvPr/>
-        </p:nvGrpSpPr>
-        <p:grpSpPr>
-          <a:xfrm>
-            <a:off x="848042" y="1156127"/>
-            <a:ext cx="10495916" cy="4545745"/>
-            <a:chOff x="722150" y="1238725"/>
-            <a:chExt cx="10495916" cy="4545745"/>
-          </a:xfrm>
-        </p:grpSpPr>
-        <p:sp>
-          <p:nvSpPr>
-            <p:cNvPr id="76" name="직사각형 75">
-              <a:extLst>
-                <a:ext uri="{FF2B5EF4-FFF2-40B4-BE49-F238E27FC236}">
-                  <a16:creationId xmlns:a16="http://schemas.microsoft.com/office/drawing/2014/main" id="{095BE72C-53BF-9D7D-457E-E52B6241471E}"/>
-                </a:ext>
-              </a:extLst>
-            </p:cNvPr>
-            <p:cNvSpPr/>
-            <p:nvPr/>
-          </p:nvSpPr>
-          <p:spPr>
-            <a:xfrm>
-              <a:off x="2717840" y="1253218"/>
-              <a:ext cx="1890889" cy="4531252"/>
-            </a:xfrm>
-            <a:prstGeom prst="rect">
-              <a:avLst/>
-            </a:prstGeom>
-            <a:solidFill>
-              <a:schemeClr val="bg1"/>
-            </a:solidFill>
-            <a:ln w="28575">
-              <a:solidFill>
-                <a:srgbClr val="FE997D"/>
-              </a:solidFill>
-              <a:prstDash val="dash"/>
-            </a:ln>
-          </p:spPr>
-          <p:style>
-            <a:lnRef idx="2">
-              <a:schemeClr val="accent1">
-                <a:shade val="50000"/>
-              </a:schemeClr>
-            </a:lnRef>
-            <a:fillRef idx="1">
-              <a:schemeClr val="accent1"/>
-            </a:fillRef>
-            <a:effectRef idx="0">
-              <a:schemeClr val="accent1"/>
-            </a:effectRef>
-            <a:fontRef idx="minor">
-              <a:schemeClr val="lt1"/>
-            </a:fontRef>
-          </p:style>
-          <p:txBody>
-            <a:bodyPr rtlCol="0" anchor="ctr"/>
-            <a:lstStyle/>
-            <a:p>
-              <a:pPr algn="ctr"/>
-              <a:endParaRPr kumimoji="1" lang="ko-Kore-KR" altLang="en-US"/>
-            </a:p>
-          </p:txBody>
-        </p:sp>
-        <p:sp>
-          <p:nvSpPr>
-            <p:cNvPr id="32" name="직사각형 31">
-              <a:extLst>
-                <a:ext uri="{FF2B5EF4-FFF2-40B4-BE49-F238E27FC236}">
-                  <a16:creationId xmlns:a16="http://schemas.microsoft.com/office/drawing/2014/main" id="{ACE1A9E1-1B44-294D-9DA6-F7389B03D7E1}"/>
-                </a:ext>
-              </a:extLst>
-            </p:cNvPr>
-            <p:cNvSpPr/>
-            <p:nvPr/>
-          </p:nvSpPr>
-          <p:spPr>
-            <a:xfrm>
-              <a:off x="722150" y="3241608"/>
-              <a:ext cx="1382257" cy="756801"/>
-            </a:xfrm>
-            <a:prstGeom prst="rect">
-              <a:avLst/>
-            </a:prstGeom>
-            <a:solidFill>
-              <a:srgbClr val="B870EA"/>
-            </a:solidFill>
-            <a:ln>
-              <a:noFill/>
-            </a:ln>
-          </p:spPr>
-          <p:style>
-            <a:lnRef idx="2">
-              <a:schemeClr val="accent1">
-                <a:shade val="50000"/>
-              </a:schemeClr>
-            </a:lnRef>
-            <a:fillRef idx="1">
-              <a:schemeClr val="accent1"/>
-            </a:fillRef>
-            <a:effectRef idx="0">
-              <a:schemeClr val="accent1"/>
-            </a:effectRef>
-            <a:fontRef idx="minor">
-              <a:schemeClr val="lt1"/>
-            </a:fontRef>
-          </p:style>
-          <p:txBody>
-            <a:bodyPr rtlCol="0" anchor="ctr"/>
-            <a:lstStyle/>
-            <a:p>
-              <a:pPr algn="ctr"/>
-              <a:r>
-                <a:rPr kumimoji="1" lang="en-US" altLang="ko-Kore-KR" dirty="0">
-                  <a:solidFill>
-                    <a:sysClr val="windowText" lastClr="000000"/>
-                  </a:solidFill>
-                </a:rPr>
-                <a:t>User</a:t>
-              </a:r>
-            </a:p>
-          </p:txBody>
-        </p:sp>
-        <p:sp>
-          <p:nvSpPr>
-            <p:cNvPr id="9" name="직사각형 8">
-              <a:extLst>
-                <a:ext uri="{FF2B5EF4-FFF2-40B4-BE49-F238E27FC236}">
-                  <a16:creationId xmlns:a16="http://schemas.microsoft.com/office/drawing/2014/main" id="{2126D422-7365-7543-A7B2-8DFD9684F6B1}"/>
-                </a:ext>
-              </a:extLst>
-            </p:cNvPr>
-            <p:cNvSpPr/>
-            <p:nvPr/>
-          </p:nvSpPr>
-          <p:spPr>
-            <a:xfrm>
-              <a:off x="2733714" y="4215998"/>
-              <a:ext cx="1800000" cy="900000"/>
-            </a:xfrm>
-            <a:prstGeom prst="rect">
-              <a:avLst/>
-            </a:prstGeom>
-            <a:solidFill>
-              <a:schemeClr val="bg1"/>
-            </a:solidFill>
-            <a:ln>
-              <a:noFill/>
-            </a:ln>
-          </p:spPr>
-          <p:style>
-            <a:lnRef idx="2">
-              <a:schemeClr val="accent1">
-                <a:shade val="50000"/>
-              </a:schemeClr>
-            </a:lnRef>
-            <a:fillRef idx="1">
-              <a:schemeClr val="accent1"/>
-            </a:fillRef>
-            <a:effectRef idx="0">
-              <a:schemeClr val="accent1"/>
-            </a:effectRef>
-            <a:fontRef idx="minor">
-              <a:schemeClr val="lt1"/>
-            </a:fontRef>
-          </p:style>
-          <p:txBody>
-            <a:bodyPr rtlCol="0" anchor="ctr"/>
-            <a:lstStyle/>
-            <a:p>
-              <a:pPr algn="ctr"/>
-              <a:r>
-                <a:rPr kumimoji="1" lang="en-US" altLang="ko-Kore-KR" dirty="0">
-                  <a:solidFill>
-                    <a:sysClr val="windowText" lastClr="000000"/>
-                  </a:solidFill>
-                </a:rPr>
-                <a:t>To Do</a:t>
-              </a:r>
-            </a:p>
-          </p:txBody>
-        </p:sp>
-        <p:sp>
-          <p:nvSpPr>
-            <p:cNvPr id="10" name="직사각형 9">
-              <a:extLst>
-                <a:ext uri="{FF2B5EF4-FFF2-40B4-BE49-F238E27FC236}">
-                  <a16:creationId xmlns:a16="http://schemas.microsoft.com/office/drawing/2014/main" id="{C5CD0510-17AD-8B40-A414-68CE71F5D9A0}"/>
-                </a:ext>
-              </a:extLst>
-            </p:cNvPr>
-            <p:cNvSpPr/>
-            <p:nvPr/>
-          </p:nvSpPr>
-          <p:spPr>
-            <a:xfrm>
-              <a:off x="2734048" y="1963792"/>
-              <a:ext cx="1800000" cy="900000"/>
-            </a:xfrm>
-            <a:prstGeom prst="rect">
-              <a:avLst/>
-            </a:prstGeom>
-            <a:solidFill>
-              <a:schemeClr val="bg1"/>
-            </a:solidFill>
-            <a:ln>
-              <a:noFill/>
-            </a:ln>
-          </p:spPr>
-          <p:style>
-            <a:lnRef idx="2">
-              <a:schemeClr val="accent1">
-                <a:shade val="50000"/>
-              </a:schemeClr>
-            </a:lnRef>
-            <a:fillRef idx="1">
-              <a:schemeClr val="accent1"/>
-            </a:fillRef>
-            <a:effectRef idx="0">
-              <a:schemeClr val="accent1"/>
-            </a:effectRef>
-            <a:fontRef idx="minor">
-              <a:schemeClr val="lt1"/>
-            </a:fontRef>
-          </p:style>
-          <p:txBody>
-            <a:bodyPr rtlCol="0" anchor="ctr"/>
-            <a:lstStyle/>
-            <a:p>
-              <a:pPr algn="ctr"/>
-              <a:r>
-                <a:rPr kumimoji="1" lang="en-US" altLang="ko-Kore-KR" dirty="0">
-                  <a:solidFill>
-                    <a:sysClr val="windowText" lastClr="000000"/>
-                  </a:solidFill>
-                </a:rPr>
-                <a:t>Diary</a:t>
-              </a:r>
-            </a:p>
-          </p:txBody>
-        </p:sp>
-        <p:sp>
-          <p:nvSpPr>
-            <p:cNvPr id="28" name="모서리가 둥근 직사각형 27">
-              <a:extLst>
-                <a:ext uri="{FF2B5EF4-FFF2-40B4-BE49-F238E27FC236}">
-                  <a16:creationId xmlns:a16="http://schemas.microsoft.com/office/drawing/2014/main" id="{05C9F0C0-DE33-B241-B4C6-27A1A5403CD2}"/>
-                </a:ext>
-              </a:extLst>
-            </p:cNvPr>
-            <p:cNvSpPr/>
-            <p:nvPr/>
-          </p:nvSpPr>
-          <p:spPr>
-            <a:xfrm>
-              <a:off x="5238665" y="1603794"/>
-              <a:ext cx="3240000" cy="1620000"/>
-            </a:xfrm>
-            <a:prstGeom prst="roundRect">
-              <a:avLst/>
-            </a:prstGeom>
-            <a:solidFill>
-              <a:schemeClr val="accent4">
-                <a:lumMod val="75000"/>
-              </a:schemeClr>
-            </a:solidFill>
-            <a:ln>
-              <a:noFill/>
-            </a:ln>
-          </p:spPr>
-          <p:style>
-            <a:lnRef idx="2">
-              <a:schemeClr val="accent1">
-                <a:shade val="50000"/>
-              </a:schemeClr>
-            </a:lnRef>
-            <a:fillRef idx="1">
-              <a:schemeClr val="accent1"/>
-            </a:fillRef>
-            <a:effectRef idx="0">
-              <a:schemeClr val="accent1"/>
-            </a:effectRef>
-            <a:fontRef idx="minor">
-              <a:schemeClr val="lt1"/>
-            </a:fontRef>
-          </p:style>
-          <p:txBody>
-            <a:bodyPr rtlCol="0" anchor="ctr"/>
-            <a:lstStyle/>
-            <a:p>
-              <a:pPr algn="ctr"/>
-              <a:endParaRPr kumimoji="1" lang="ko-Kore-KR" altLang="en-US"/>
-            </a:p>
-          </p:txBody>
-        </p:sp>
-        <p:sp>
-          <p:nvSpPr>
-            <p:cNvPr id="19" name="모서리가 둥근 직사각형 18">
-              <a:extLst>
-                <a:ext uri="{FF2B5EF4-FFF2-40B4-BE49-F238E27FC236}">
-                  <a16:creationId xmlns:a16="http://schemas.microsoft.com/office/drawing/2014/main" id="{DE142DFC-C292-6D4E-92B2-F41CE60E7E33}"/>
-                </a:ext>
-              </a:extLst>
-            </p:cNvPr>
-            <p:cNvSpPr/>
-            <p:nvPr/>
-          </p:nvSpPr>
-          <p:spPr>
-            <a:xfrm>
-              <a:off x="5424645" y="2233794"/>
-              <a:ext cx="1260000" cy="360000"/>
-            </a:xfrm>
-            <a:prstGeom prst="roundRect">
-              <a:avLst/>
-            </a:prstGeom>
-            <a:solidFill>
-              <a:schemeClr val="accent4">
-                <a:lumMod val="20000"/>
-                <a:lumOff val="80000"/>
-              </a:schemeClr>
-            </a:solidFill>
-            <a:ln>
-              <a:noFill/>
-            </a:ln>
-          </p:spPr>
-          <p:style>
-            <a:lnRef idx="2">
-              <a:schemeClr val="accent1">
-                <a:shade val="50000"/>
-              </a:schemeClr>
-            </a:lnRef>
-            <a:fillRef idx="1">
-              <a:schemeClr val="accent1"/>
-            </a:fillRef>
-            <a:effectRef idx="0">
-              <a:schemeClr val="accent1"/>
-            </a:effectRef>
-            <a:fontRef idx="minor">
-              <a:schemeClr val="lt1"/>
-            </a:fontRef>
-          </p:style>
-          <p:txBody>
-            <a:bodyPr rtlCol="0" anchor="ctr"/>
-            <a:lstStyle/>
-            <a:p>
-              <a:pPr algn="ctr"/>
-              <a:r>
-                <a:rPr kumimoji="1" lang="en-US" altLang="ko-Kore-KR" sz="1600" dirty="0" err="1">
-                  <a:solidFill>
-                    <a:sysClr val="windowText" lastClr="000000"/>
-                  </a:solidFill>
-                </a:rPr>
-                <a:t>DiaryVC</a:t>
-              </a:r>
-              <a:endParaRPr kumimoji="1" lang="ko-Kore-KR" altLang="en-US" sz="1600" dirty="0">
+              <a:rPr kumimoji="1" lang="en-US" altLang="ko-Kore-KR" dirty="0">
                 <a:solidFill>
                   <a:sysClr val="windowText" lastClr="000000"/>
                 </a:solidFill>
-              </a:endParaRPr>
-            </a:p>
-          </p:txBody>
-        </p:sp>
-        <p:sp>
-          <p:nvSpPr>
-            <p:cNvPr id="20" name="모서리가 둥근 직사각형 19">
-              <a:extLst>
-                <a:ext uri="{FF2B5EF4-FFF2-40B4-BE49-F238E27FC236}">
-                  <a16:creationId xmlns:a16="http://schemas.microsoft.com/office/drawing/2014/main" id="{9D00DDFF-B040-FE4A-8D44-366E3F7DFA96}"/>
-                </a:ext>
-              </a:extLst>
-            </p:cNvPr>
-            <p:cNvSpPr/>
-            <p:nvPr/>
-          </p:nvSpPr>
-          <p:spPr>
-            <a:xfrm>
-              <a:off x="6958261" y="2233794"/>
-              <a:ext cx="1260000" cy="360000"/>
-            </a:xfrm>
-            <a:prstGeom prst="roundRect">
-              <a:avLst/>
-            </a:prstGeom>
-            <a:solidFill>
-              <a:schemeClr val="accent4">
-                <a:lumMod val="20000"/>
-                <a:lumOff val="80000"/>
-              </a:schemeClr>
-            </a:solidFill>
-            <a:ln>
-              <a:noFill/>
-            </a:ln>
-          </p:spPr>
-          <p:style>
-            <a:lnRef idx="2">
-              <a:schemeClr val="accent1">
-                <a:shade val="50000"/>
-              </a:schemeClr>
-            </a:lnRef>
-            <a:fillRef idx="1">
-              <a:schemeClr val="accent1"/>
-            </a:fillRef>
-            <a:effectRef idx="0">
-              <a:schemeClr val="accent1"/>
-            </a:effectRef>
-            <a:fontRef idx="minor">
-              <a:schemeClr val="lt1"/>
-            </a:fontRef>
-          </p:style>
-          <p:txBody>
-            <a:bodyPr rtlCol="0" anchor="ctr"/>
-            <a:lstStyle/>
-            <a:p>
-              <a:pPr algn="ctr"/>
-              <a:r>
-                <a:rPr kumimoji="1" lang="en-US" altLang="ko-Kore-KR" sz="1600" dirty="0" err="1">
-                  <a:solidFill>
-                    <a:sysClr val="windowText" lastClr="000000"/>
-                  </a:solidFill>
-                </a:rPr>
-                <a:t>AddDiaryVC</a:t>
-              </a:r>
-              <a:endParaRPr kumimoji="1" lang="ko-Kore-KR" altLang="en-US" sz="1600" dirty="0">
-                <a:solidFill>
-                  <a:sysClr val="windowText" lastClr="000000"/>
-                </a:solidFill>
-              </a:endParaRPr>
-            </a:p>
-          </p:txBody>
-        </p:sp>
-        <p:sp>
-          <p:nvSpPr>
-            <p:cNvPr id="25" name="모서리가 둥근 직사각형 24">
-              <a:extLst>
-                <a:ext uri="{FF2B5EF4-FFF2-40B4-BE49-F238E27FC236}">
-                  <a16:creationId xmlns:a16="http://schemas.microsoft.com/office/drawing/2014/main" id="{B6BE6E2D-D9B0-4241-A153-E3C7C80B5D6D}"/>
-                </a:ext>
-              </a:extLst>
-            </p:cNvPr>
-            <p:cNvSpPr/>
-            <p:nvPr/>
-          </p:nvSpPr>
-          <p:spPr>
-            <a:xfrm>
-              <a:off x="5238665" y="3858002"/>
-              <a:ext cx="3240000" cy="1620000"/>
-            </a:xfrm>
-            <a:prstGeom prst="roundRect">
-              <a:avLst/>
-            </a:prstGeom>
-            <a:solidFill>
-              <a:schemeClr val="accent4">
-                <a:lumMod val="75000"/>
-              </a:schemeClr>
-            </a:solidFill>
-            <a:ln>
-              <a:noFill/>
-            </a:ln>
-          </p:spPr>
-          <p:style>
-            <a:lnRef idx="2">
-              <a:schemeClr val="accent1">
-                <a:shade val="50000"/>
-              </a:schemeClr>
-            </a:lnRef>
-            <a:fillRef idx="1">
-              <a:schemeClr val="accent1"/>
-            </a:fillRef>
-            <a:effectRef idx="0">
-              <a:schemeClr val="accent1"/>
-            </a:effectRef>
-            <a:fontRef idx="minor">
-              <a:schemeClr val="lt1"/>
-            </a:fontRef>
-          </p:style>
-          <p:txBody>
-            <a:bodyPr rtlCol="0" anchor="ctr"/>
-            <a:lstStyle/>
-            <a:p>
-              <a:pPr algn="ctr"/>
-              <a:endParaRPr kumimoji="1" lang="ko-Kore-KR" altLang="en-US"/>
-            </a:p>
-          </p:txBody>
-        </p:sp>
-        <p:sp>
-          <p:nvSpPr>
-            <p:cNvPr id="21" name="모서리가 둥근 직사각형 20">
-              <a:extLst>
-                <a:ext uri="{FF2B5EF4-FFF2-40B4-BE49-F238E27FC236}">
-                  <a16:creationId xmlns:a16="http://schemas.microsoft.com/office/drawing/2014/main" id="{A051493F-9B00-3E40-982A-C3DAF4728315}"/>
-                </a:ext>
-              </a:extLst>
-            </p:cNvPr>
-            <p:cNvSpPr/>
-            <p:nvPr/>
-          </p:nvSpPr>
-          <p:spPr>
-            <a:xfrm>
-              <a:off x="5484398" y="4488002"/>
-              <a:ext cx="1260000" cy="360000"/>
-            </a:xfrm>
-            <a:prstGeom prst="roundRect">
-              <a:avLst/>
-            </a:prstGeom>
-            <a:solidFill>
-              <a:schemeClr val="accent4">
-                <a:lumMod val="20000"/>
-                <a:lumOff val="80000"/>
-              </a:schemeClr>
-            </a:solidFill>
-            <a:ln>
-              <a:noFill/>
-            </a:ln>
-          </p:spPr>
-          <p:style>
-            <a:lnRef idx="2">
-              <a:schemeClr val="accent1">
-                <a:shade val="50000"/>
-              </a:schemeClr>
-            </a:lnRef>
-            <a:fillRef idx="1">
-              <a:schemeClr val="accent1"/>
-            </a:fillRef>
-            <a:effectRef idx="0">
-              <a:schemeClr val="accent1"/>
-            </a:effectRef>
-            <a:fontRef idx="minor">
-              <a:schemeClr val="lt1"/>
-            </a:fontRef>
-          </p:style>
-          <p:txBody>
-            <a:bodyPr rtlCol="0" anchor="ctr"/>
-            <a:lstStyle/>
-            <a:p>
-              <a:pPr algn="ctr"/>
-              <a:r>
-                <a:rPr kumimoji="1" lang="en-US" altLang="ko-Kore-KR" sz="1600" dirty="0" err="1">
-                  <a:solidFill>
-                    <a:sysClr val="windowText" lastClr="000000"/>
-                  </a:solidFill>
-                </a:rPr>
-                <a:t>ToDoVC</a:t>
-              </a:r>
-              <a:endParaRPr kumimoji="1" lang="ko-Kore-KR" altLang="en-US" sz="1600" dirty="0">
-                <a:solidFill>
-                  <a:sysClr val="windowText" lastClr="000000"/>
-                </a:solidFill>
-              </a:endParaRPr>
-            </a:p>
-          </p:txBody>
-        </p:sp>
-        <p:sp>
-          <p:nvSpPr>
-            <p:cNvPr id="22" name="모서리가 둥근 직사각형 21">
-              <a:extLst>
-                <a:ext uri="{FF2B5EF4-FFF2-40B4-BE49-F238E27FC236}">
-                  <a16:creationId xmlns:a16="http://schemas.microsoft.com/office/drawing/2014/main" id="{F267A0F3-FDF3-044E-A186-B6EF7D4C9738}"/>
-                </a:ext>
-              </a:extLst>
-            </p:cNvPr>
-            <p:cNvSpPr/>
-            <p:nvPr/>
-          </p:nvSpPr>
-          <p:spPr>
-            <a:xfrm>
-              <a:off x="7015721" y="4488002"/>
-              <a:ext cx="1260000" cy="360000"/>
-            </a:xfrm>
-            <a:prstGeom prst="roundRect">
-              <a:avLst/>
-            </a:prstGeom>
-            <a:solidFill>
-              <a:schemeClr val="accent4">
-                <a:lumMod val="20000"/>
-                <a:lumOff val="80000"/>
-              </a:schemeClr>
-            </a:solidFill>
-            <a:ln>
-              <a:noFill/>
-            </a:ln>
-          </p:spPr>
-          <p:style>
-            <a:lnRef idx="2">
-              <a:schemeClr val="accent1">
-                <a:shade val="50000"/>
-              </a:schemeClr>
-            </a:lnRef>
-            <a:fillRef idx="1">
-              <a:schemeClr val="accent1"/>
-            </a:fillRef>
-            <a:effectRef idx="0">
-              <a:schemeClr val="accent1"/>
-            </a:effectRef>
-            <a:fontRef idx="minor">
-              <a:schemeClr val="lt1"/>
-            </a:fontRef>
-          </p:style>
-          <p:txBody>
-            <a:bodyPr rtlCol="0" anchor="ctr"/>
-            <a:lstStyle/>
-            <a:p>
-              <a:pPr algn="ctr"/>
-              <a:r>
-                <a:rPr kumimoji="1" lang="en-US" altLang="ko-Kore-KR" sz="1600" dirty="0" err="1">
-                  <a:solidFill>
-                    <a:sysClr val="windowText" lastClr="000000"/>
-                  </a:solidFill>
-                </a:rPr>
-                <a:t>AddToDoVC</a:t>
-              </a:r>
-              <a:endParaRPr kumimoji="1" lang="ko-Kore-KR" altLang="en-US" sz="1600" dirty="0">
-                <a:solidFill>
-                  <a:sysClr val="windowText" lastClr="000000"/>
-                </a:solidFill>
-              </a:endParaRPr>
-            </a:p>
-          </p:txBody>
-        </p:sp>
-        <p:cxnSp>
-          <p:nvCxnSpPr>
-            <p:cNvPr id="35" name="직선 화살표 연결선 34">
-              <a:extLst>
-                <a:ext uri="{FF2B5EF4-FFF2-40B4-BE49-F238E27FC236}">
-                  <a16:creationId xmlns:a16="http://schemas.microsoft.com/office/drawing/2014/main" id="{831C8F6F-A1F3-4743-B286-7D7C36AC7DC8}"/>
-                </a:ext>
-              </a:extLst>
-            </p:cNvPr>
-            <p:cNvCxnSpPr>
-              <a:cxnSpLocks/>
-              <a:stCxn id="32" idx="3"/>
-            </p:cNvCxnSpPr>
-            <p:nvPr/>
-          </p:nvCxnSpPr>
-          <p:spPr>
-            <a:xfrm>
-              <a:off x="2104407" y="3620009"/>
-              <a:ext cx="629307" cy="1045989"/>
-            </a:xfrm>
-            <a:prstGeom prst="straightConnector1">
-              <a:avLst/>
-            </a:prstGeom>
-            <a:ln w="28575" cap="flat" cmpd="sng" algn="ctr">
-              <a:solidFill>
-                <a:schemeClr val="dk1"/>
-              </a:solidFill>
-              <a:prstDash val="solid"/>
-              <a:round/>
-              <a:headEnd type="none" w="med" len="med"/>
-              <a:tailEnd type="arrow" w="med" len="med"/>
-            </a:ln>
-          </p:spPr>
-          <p:style>
-            <a:lnRef idx="0">
-              <a:scrgbClr r="0" g="0" b="0"/>
-            </a:lnRef>
-            <a:fillRef idx="0">
-              <a:scrgbClr r="0" g="0" b="0"/>
-            </a:fillRef>
-            <a:effectRef idx="0">
-              <a:scrgbClr r="0" g="0" b="0"/>
-            </a:effectRef>
-            <a:fontRef idx="minor">
-              <a:schemeClr val="tx1"/>
-            </a:fontRef>
-          </p:style>
-        </p:cxnSp>
-        <p:cxnSp>
-          <p:nvCxnSpPr>
-            <p:cNvPr id="36" name="직선 화살표 연결선 35">
-              <a:extLst>
-                <a:ext uri="{FF2B5EF4-FFF2-40B4-BE49-F238E27FC236}">
-                  <a16:creationId xmlns:a16="http://schemas.microsoft.com/office/drawing/2014/main" id="{C1959577-E053-AE4F-B7A9-B8B39D1F9299}"/>
-                </a:ext>
-              </a:extLst>
-            </p:cNvPr>
-            <p:cNvCxnSpPr>
-              <a:cxnSpLocks/>
-              <a:stCxn id="32" idx="3"/>
-            </p:cNvCxnSpPr>
-            <p:nvPr/>
-          </p:nvCxnSpPr>
-          <p:spPr>
-            <a:xfrm flipV="1">
-              <a:off x="2104407" y="2413792"/>
-              <a:ext cx="629641" cy="1206217"/>
-            </a:xfrm>
-            <a:prstGeom prst="straightConnector1">
-              <a:avLst/>
-            </a:prstGeom>
-            <a:ln w="28575" cap="flat" cmpd="sng" algn="ctr">
-              <a:solidFill>
-                <a:schemeClr val="dk1"/>
-              </a:solidFill>
-              <a:prstDash val="solid"/>
-              <a:round/>
-              <a:headEnd type="none" w="med" len="med"/>
-              <a:tailEnd type="arrow" w="med" len="med"/>
-            </a:ln>
-          </p:spPr>
-          <p:style>
-            <a:lnRef idx="0">
-              <a:scrgbClr r="0" g="0" b="0"/>
-            </a:lnRef>
-            <a:fillRef idx="0">
-              <a:scrgbClr r="0" g="0" b="0"/>
-            </a:fillRef>
-            <a:effectRef idx="0">
-              <a:scrgbClr r="0" g="0" b="0"/>
-            </a:effectRef>
-            <a:fontRef idx="minor">
-              <a:schemeClr val="tx1"/>
-            </a:fontRef>
-          </p:style>
-        </p:cxnSp>
-        <p:cxnSp>
-          <p:nvCxnSpPr>
-            <p:cNvPr id="47" name="직선 화살표 연결선 46">
-              <a:extLst>
-                <a:ext uri="{FF2B5EF4-FFF2-40B4-BE49-F238E27FC236}">
-                  <a16:creationId xmlns:a16="http://schemas.microsoft.com/office/drawing/2014/main" id="{8D6C82CA-9F1E-6B48-8882-653D01558A47}"/>
-                </a:ext>
-              </a:extLst>
-            </p:cNvPr>
-            <p:cNvCxnSpPr>
-              <a:cxnSpLocks/>
-              <a:endCxn id="28" idx="1"/>
-            </p:cNvCxnSpPr>
-            <p:nvPr/>
-          </p:nvCxnSpPr>
-          <p:spPr>
-            <a:xfrm>
-              <a:off x="4534048" y="2413792"/>
-              <a:ext cx="704617" cy="2"/>
-            </a:xfrm>
-            <a:prstGeom prst="straightConnector1">
-              <a:avLst/>
-            </a:prstGeom>
-            <a:ln w="28575">
-              <a:tailEnd type="triangle"/>
-            </a:ln>
-          </p:spPr>
-          <p:style>
-            <a:lnRef idx="1">
-              <a:schemeClr val="dk1"/>
-            </a:lnRef>
-            <a:fillRef idx="0">
-              <a:schemeClr val="dk1"/>
-            </a:fillRef>
-            <a:effectRef idx="0">
-              <a:schemeClr val="dk1"/>
-            </a:effectRef>
-            <a:fontRef idx="minor">
-              <a:schemeClr val="tx1"/>
-            </a:fontRef>
-          </p:style>
-        </p:cxnSp>
-        <p:cxnSp>
-          <p:nvCxnSpPr>
-            <p:cNvPr id="53" name="직선 화살표 연결선 52">
-              <a:extLst>
-                <a:ext uri="{FF2B5EF4-FFF2-40B4-BE49-F238E27FC236}">
-                  <a16:creationId xmlns:a16="http://schemas.microsoft.com/office/drawing/2014/main" id="{86E6140B-222C-6845-8451-CA39F7F9F071}"/>
-                </a:ext>
-              </a:extLst>
-            </p:cNvPr>
-            <p:cNvCxnSpPr>
-              <a:cxnSpLocks/>
-              <a:endCxn id="25" idx="1"/>
-            </p:cNvCxnSpPr>
-            <p:nvPr/>
-          </p:nvCxnSpPr>
-          <p:spPr>
-            <a:xfrm>
-              <a:off x="4533714" y="4665998"/>
-              <a:ext cx="704951" cy="2004"/>
-            </a:xfrm>
-            <a:prstGeom prst="straightConnector1">
-              <a:avLst/>
-            </a:prstGeom>
-            <a:ln w="28575">
-              <a:tailEnd type="triangle"/>
-            </a:ln>
-          </p:spPr>
-          <p:style>
-            <a:lnRef idx="1">
-              <a:schemeClr val="dk1"/>
-            </a:lnRef>
-            <a:fillRef idx="0">
-              <a:schemeClr val="dk1"/>
-            </a:fillRef>
-            <a:effectRef idx="0">
-              <a:schemeClr val="dk1"/>
-            </a:effectRef>
-            <a:fontRef idx="minor">
-              <a:schemeClr val="tx1"/>
-            </a:fontRef>
-          </p:style>
-        </p:cxnSp>
-        <p:sp>
-          <p:nvSpPr>
-            <p:cNvPr id="73" name="직사각형 72">
-              <a:extLst>
-                <a:ext uri="{FF2B5EF4-FFF2-40B4-BE49-F238E27FC236}">
-                  <a16:creationId xmlns:a16="http://schemas.microsoft.com/office/drawing/2014/main" id="{B6E3CC48-A4C7-6049-9465-8EADF438FAE2}"/>
-                </a:ext>
-              </a:extLst>
-            </p:cNvPr>
-            <p:cNvSpPr/>
-            <p:nvPr/>
-          </p:nvSpPr>
-          <p:spPr>
-            <a:xfrm>
-              <a:off x="5053966" y="1242989"/>
-              <a:ext cx="1802921" cy="4531252"/>
-            </a:xfrm>
-            <a:prstGeom prst="rect">
-              <a:avLst/>
-            </a:prstGeom>
+              </a:rPr>
+              <a:t>Diary</a:t>
+            </a:r>
+          </a:p>
+        </p:txBody>
+      </p:sp>
+      <p:cxnSp>
+        <p:nvCxnSpPr>
+          <p:cNvPr id="65" name="직선 연결선[R] 64">
+            <a:extLst>
+              <a:ext uri="{FF2B5EF4-FFF2-40B4-BE49-F238E27FC236}">
+                <a16:creationId xmlns:a16="http://schemas.microsoft.com/office/drawing/2014/main" id="{7893A6DD-6665-4871-C2BB-623405AFD759}"/>
+              </a:ext>
+            </a:extLst>
+          </p:cNvPr>
+          <p:cNvCxnSpPr/>
+          <p:nvPr/>
+        </p:nvCxnSpPr>
+        <p:spPr>
+          <a:xfrm>
+            <a:off x="9241676" y="1243433"/>
+            <a:ext cx="1762325" cy="0"/>
+          </a:xfrm>
+          <a:prstGeom prst="line">
+            <a:avLst/>
+          </a:prstGeom>
+          <a:ln w="28575"/>
+        </p:spPr>
+        <p:style>
+          <a:lnRef idx="1">
+            <a:schemeClr val="dk1"/>
+          </a:lnRef>
+          <a:fillRef idx="0">
+            <a:schemeClr val="dk1"/>
+          </a:fillRef>
+          <a:effectRef idx="0">
+            <a:schemeClr val="dk1"/>
+          </a:effectRef>
+          <a:fontRef idx="minor">
+            <a:schemeClr val="tx1"/>
+          </a:fontRef>
+        </p:style>
+      </p:cxnSp>
+      <p:cxnSp>
+        <p:nvCxnSpPr>
+          <p:cNvPr id="71" name="직선 연결선[R] 70">
+            <a:extLst>
+              <a:ext uri="{FF2B5EF4-FFF2-40B4-BE49-F238E27FC236}">
+                <a16:creationId xmlns:a16="http://schemas.microsoft.com/office/drawing/2014/main" id="{71F76990-BCC9-E1E4-7243-4426CADDDD4C}"/>
+              </a:ext>
+            </a:extLst>
+          </p:cNvPr>
+          <p:cNvCxnSpPr/>
+          <p:nvPr/>
+        </p:nvCxnSpPr>
+        <p:spPr>
+          <a:xfrm>
+            <a:off x="9241676" y="2124804"/>
+            <a:ext cx="1762325" cy="0"/>
+          </a:xfrm>
+          <a:prstGeom prst="line">
+            <a:avLst/>
+          </a:prstGeom>
+          <a:ln w="28575"/>
+        </p:spPr>
+        <p:style>
+          <a:lnRef idx="1">
+            <a:schemeClr val="dk1"/>
+          </a:lnRef>
+          <a:fillRef idx="0">
+            <a:schemeClr val="dk1"/>
+          </a:fillRef>
+          <a:effectRef idx="0">
+            <a:schemeClr val="dk1"/>
+          </a:effectRef>
+          <a:fontRef idx="minor">
+            <a:schemeClr val="tx1"/>
+          </a:fontRef>
+        </p:style>
+      </p:cxnSp>
+      <p:cxnSp>
+        <p:nvCxnSpPr>
+          <p:cNvPr id="86" name="구부러진 연결선[U] 85">
+            <a:extLst>
+              <a:ext uri="{FF2B5EF4-FFF2-40B4-BE49-F238E27FC236}">
+                <a16:creationId xmlns:a16="http://schemas.microsoft.com/office/drawing/2014/main" id="{3296D80B-B284-8D92-69B6-DBF247E8355D}"/>
+              </a:ext>
+            </a:extLst>
+          </p:cNvPr>
+          <p:cNvCxnSpPr>
+            <a:cxnSpLocks/>
+            <a:stCxn id="32" idx="6"/>
+            <a:endCxn id="88" idx="2"/>
+          </p:cNvCxnSpPr>
+          <p:nvPr/>
+        </p:nvCxnSpPr>
+        <p:spPr>
+          <a:xfrm flipV="1">
+            <a:off x="2104407" y="4350160"/>
+            <a:ext cx="1974701" cy="1487111"/>
+          </a:xfrm>
+          <a:prstGeom prst="curvedConnector3">
+            <a:avLst>
+              <a:gd name="adj1" fmla="val 50000"/>
+            </a:avLst>
+          </a:prstGeom>
+          <a:ln w="28575">
+            <a:tailEnd type="triangle"/>
+          </a:ln>
+        </p:spPr>
+        <p:style>
+          <a:lnRef idx="1">
+            <a:schemeClr val="dk1"/>
+          </a:lnRef>
+          <a:fillRef idx="0">
+            <a:schemeClr val="dk1"/>
+          </a:fillRef>
+          <a:effectRef idx="0">
+            <a:schemeClr val="dk1"/>
+          </a:effectRef>
+          <a:fontRef idx="minor">
+            <a:schemeClr val="tx1"/>
+          </a:fontRef>
+        </p:style>
+      </p:cxnSp>
+      <p:sp>
+        <p:nvSpPr>
+          <p:cNvPr id="87" name="타원 86">
+            <a:extLst>
+              <a:ext uri="{FF2B5EF4-FFF2-40B4-BE49-F238E27FC236}">
+                <a16:creationId xmlns:a16="http://schemas.microsoft.com/office/drawing/2014/main" id="{80BF9C7D-D437-8998-E52C-74A92582E9DC}"/>
+              </a:ext>
+            </a:extLst>
+          </p:cNvPr>
+          <p:cNvSpPr/>
+          <p:nvPr/>
+        </p:nvSpPr>
+        <p:spPr>
+          <a:xfrm>
+            <a:off x="3837718" y="1864031"/>
+            <a:ext cx="1800000" cy="1080000"/>
+          </a:xfrm>
+          <a:prstGeom prst="ellipse">
+            <a:avLst/>
+          </a:prstGeom>
+          <a:solidFill>
+            <a:srgbClr val="FD997D"/>
+          </a:solidFill>
+          <a:ln>
             <a:noFill/>
-            <a:ln w="28575">
-              <a:solidFill>
-                <a:schemeClr val="accent4">
-                  <a:lumMod val="60000"/>
-                  <a:lumOff val="40000"/>
-                </a:schemeClr>
-              </a:solidFill>
-              <a:prstDash val="dash"/>
-            </a:ln>
-          </p:spPr>
-          <p:style>
-            <a:lnRef idx="2">
-              <a:schemeClr val="accent1">
-                <a:shade val="50000"/>
-              </a:schemeClr>
-            </a:lnRef>
-            <a:fillRef idx="1">
-              <a:schemeClr val="accent1"/>
-            </a:fillRef>
-            <a:effectRef idx="0">
-              <a:schemeClr val="accent1"/>
-            </a:effectRef>
-            <a:fontRef idx="minor">
-              <a:schemeClr val="lt1"/>
-            </a:fontRef>
-          </p:style>
-          <p:txBody>
-            <a:bodyPr rtlCol="0" anchor="ctr"/>
-            <a:lstStyle/>
-            <a:p>
-              <a:pPr algn="ctr"/>
-              <a:endParaRPr kumimoji="1" lang="ko-Kore-KR" altLang="en-US"/>
-            </a:p>
-          </p:txBody>
-        </p:sp>
-        <p:sp>
-          <p:nvSpPr>
-            <p:cNvPr id="77" name="TextBox 76">
-              <a:extLst>
-                <a:ext uri="{FF2B5EF4-FFF2-40B4-BE49-F238E27FC236}">
-                  <a16:creationId xmlns:a16="http://schemas.microsoft.com/office/drawing/2014/main" id="{B512C87D-4061-134A-9609-866A45BA1D4D}"/>
-                </a:ext>
-              </a:extLst>
-            </p:cNvPr>
-            <p:cNvSpPr txBox="1"/>
-            <p:nvPr/>
-          </p:nvSpPr>
-          <p:spPr>
-            <a:xfrm>
-              <a:off x="5124691" y="1238725"/>
-              <a:ext cx="876778" cy="369332"/>
-            </a:xfrm>
-            <a:prstGeom prst="rect">
-              <a:avLst/>
-            </a:prstGeom>
+          </a:ln>
+        </p:spPr>
+        <p:style>
+          <a:lnRef idx="2">
+            <a:schemeClr val="accent1">
+              <a:shade val="50000"/>
+            </a:schemeClr>
+          </a:lnRef>
+          <a:fillRef idx="1">
+            <a:schemeClr val="accent1"/>
+          </a:fillRef>
+          <a:effectRef idx="0">
+            <a:schemeClr val="accent1"/>
+          </a:effectRef>
+          <a:fontRef idx="minor">
+            <a:schemeClr val="lt1"/>
+          </a:fontRef>
+        </p:style>
+        <p:txBody>
+          <a:bodyPr rtlCol="0" anchor="ctr"/>
+          <a:lstStyle/>
+          <a:p>
+            <a:pPr algn="ctr"/>
+            <a:r>
+              <a:rPr kumimoji="1" lang="ko-Kore-KR" altLang="en-US" sz="1600" dirty="0"/>
+              <a:t>다이어리</a:t>
+            </a:r>
+            <a:r>
+              <a:rPr kumimoji="1" lang="ko-KR" altLang="en-US" sz="1600" dirty="0"/>
+              <a:t> 작성</a:t>
+            </a:r>
+            <a:endParaRPr kumimoji="1" lang="ko-Kore-KR" altLang="en-US" sz="1600" dirty="0"/>
+          </a:p>
+        </p:txBody>
+      </p:sp>
+      <p:sp>
+        <p:nvSpPr>
+          <p:cNvPr id="88" name="타원 87">
+            <a:extLst>
+              <a:ext uri="{FF2B5EF4-FFF2-40B4-BE49-F238E27FC236}">
+                <a16:creationId xmlns:a16="http://schemas.microsoft.com/office/drawing/2014/main" id="{33DDCF04-BCE8-58B9-173E-75F0CAAE9022}"/>
+              </a:ext>
+            </a:extLst>
+          </p:cNvPr>
+          <p:cNvSpPr/>
+          <p:nvPr/>
+        </p:nvSpPr>
+        <p:spPr>
+          <a:xfrm>
+            <a:off x="4079108" y="3810160"/>
+            <a:ext cx="1800000" cy="1080000"/>
+          </a:xfrm>
+          <a:prstGeom prst="ellipse">
+            <a:avLst/>
+          </a:prstGeom>
+          <a:solidFill>
+            <a:srgbClr val="FD997D"/>
+          </a:solidFill>
+          <a:ln>
             <a:noFill/>
-          </p:spPr>
-          <p:txBody>
-            <a:bodyPr wrap="none" rtlCol="0">
-              <a:spAutoFit/>
-            </a:bodyPr>
-            <a:lstStyle/>
-            <a:p>
-              <a:r>
-                <a:rPr kumimoji="1" lang="en-US" altLang="ko-Kore-KR" dirty="0"/>
-                <a:t>Tab bar</a:t>
-              </a:r>
-              <a:endParaRPr kumimoji="1" lang="ko-Kore-KR" altLang="en-US" dirty="0"/>
-            </a:p>
-          </p:txBody>
-        </p:sp>
-        <p:cxnSp>
-          <p:nvCxnSpPr>
-            <p:cNvPr id="81" name="직선 화살표 연결선 80">
-              <a:extLst>
-                <a:ext uri="{FF2B5EF4-FFF2-40B4-BE49-F238E27FC236}">
-                  <a16:creationId xmlns:a16="http://schemas.microsoft.com/office/drawing/2014/main" id="{688629CB-AD69-9F4E-8D27-37434ABBAC47}"/>
-                </a:ext>
-              </a:extLst>
-            </p:cNvPr>
-            <p:cNvCxnSpPr>
-              <a:cxnSpLocks/>
-              <a:endCxn id="20" idx="1"/>
-            </p:cNvCxnSpPr>
-            <p:nvPr/>
-          </p:nvCxnSpPr>
-          <p:spPr>
-            <a:xfrm>
-              <a:off x="6684645" y="2413794"/>
-              <a:ext cx="270000" cy="0"/>
-            </a:xfrm>
-            <a:prstGeom prst="straightConnector1">
-              <a:avLst/>
-            </a:prstGeom>
-            <a:ln w="28575">
-              <a:headEnd type="triangle" w="med" len="med"/>
-              <a:tailEnd type="triangle" w="med" len="med"/>
-            </a:ln>
-          </p:spPr>
-          <p:style>
-            <a:lnRef idx="1">
-              <a:schemeClr val="dk1"/>
-            </a:lnRef>
-            <a:fillRef idx="0">
-              <a:schemeClr val="dk1"/>
-            </a:fillRef>
-            <a:effectRef idx="0">
-              <a:schemeClr val="dk1"/>
-            </a:effectRef>
-            <a:fontRef idx="minor">
-              <a:schemeClr val="tx1"/>
-            </a:fontRef>
-          </p:style>
-        </p:cxnSp>
-        <p:cxnSp>
-          <p:nvCxnSpPr>
-            <p:cNvPr id="84" name="직선 화살표 연결선 83">
-              <a:extLst>
-                <a:ext uri="{FF2B5EF4-FFF2-40B4-BE49-F238E27FC236}">
-                  <a16:creationId xmlns:a16="http://schemas.microsoft.com/office/drawing/2014/main" id="{CA94C118-3336-AA45-86A5-134C324DF6B9}"/>
-                </a:ext>
-              </a:extLst>
-            </p:cNvPr>
-            <p:cNvCxnSpPr>
-              <a:cxnSpLocks/>
-              <a:stCxn id="21" idx="3"/>
-              <a:endCxn id="22" idx="1"/>
-            </p:cNvCxnSpPr>
-            <p:nvPr/>
-          </p:nvCxnSpPr>
-          <p:spPr>
-            <a:xfrm>
-              <a:off x="6744398" y="4668002"/>
-              <a:ext cx="271323" cy="0"/>
-            </a:xfrm>
-            <a:prstGeom prst="straightConnector1">
-              <a:avLst/>
-            </a:prstGeom>
-            <a:ln w="28575">
-              <a:headEnd type="triangle" w="med" len="med"/>
-              <a:tailEnd type="triangle" w="med" len="med"/>
-            </a:ln>
-          </p:spPr>
-          <p:style>
-            <a:lnRef idx="1">
-              <a:schemeClr val="dk1"/>
-            </a:lnRef>
-            <a:fillRef idx="0">
-              <a:schemeClr val="dk1"/>
-            </a:fillRef>
-            <a:effectRef idx="0">
-              <a:schemeClr val="dk1"/>
-            </a:effectRef>
-            <a:fontRef idx="minor">
-              <a:schemeClr val="tx1"/>
-            </a:fontRef>
-          </p:style>
-        </p:cxnSp>
-        <p:sp>
-          <p:nvSpPr>
-            <p:cNvPr id="33" name="모서리가 둥근 직사각형 32">
-              <a:extLst>
-                <a:ext uri="{FF2B5EF4-FFF2-40B4-BE49-F238E27FC236}">
-                  <a16:creationId xmlns:a16="http://schemas.microsoft.com/office/drawing/2014/main" id="{EDC95CA3-A529-DD72-ACB0-9C76C17B2CB2}"/>
-                </a:ext>
-              </a:extLst>
-            </p:cNvPr>
-            <p:cNvSpPr/>
-            <p:nvPr/>
-          </p:nvSpPr>
-          <p:spPr>
-            <a:xfrm>
-              <a:off x="9232600" y="1707982"/>
-              <a:ext cx="1985466" cy="1411621"/>
-            </a:xfrm>
-            <a:prstGeom prst="roundRect">
-              <a:avLst/>
-            </a:prstGeom>
-            <a:solidFill>
-              <a:schemeClr val="accent6">
-                <a:lumMod val="40000"/>
-                <a:lumOff val="60000"/>
-              </a:schemeClr>
-            </a:solidFill>
-            <a:ln>
-              <a:noFill/>
-            </a:ln>
-          </p:spPr>
-          <p:style>
-            <a:lnRef idx="2">
-              <a:schemeClr val="accent1">
-                <a:shade val="50000"/>
-              </a:schemeClr>
-            </a:lnRef>
-            <a:fillRef idx="1">
-              <a:schemeClr val="accent1"/>
-            </a:fillRef>
-            <a:effectRef idx="0">
-              <a:schemeClr val="accent1"/>
-            </a:effectRef>
-            <a:fontRef idx="minor">
-              <a:schemeClr val="lt1"/>
-            </a:fontRef>
-          </p:style>
-          <p:txBody>
-            <a:bodyPr rtlCol="0" anchor="ctr"/>
-            <a:lstStyle/>
-            <a:p>
-              <a:pPr marL="285750" indent="-285750">
-                <a:buFontTx/>
-                <a:buChar char="-"/>
-              </a:pPr>
-              <a:r>
-                <a:rPr kumimoji="1" lang="en-US" altLang="ko-Kore-KR" sz="1600" dirty="0">
-                  <a:solidFill>
-                    <a:sysClr val="windowText" lastClr="000000"/>
-                  </a:solidFill>
-                </a:rPr>
-                <a:t>content: String</a:t>
-              </a:r>
-            </a:p>
-            <a:p>
-              <a:pPr marL="285750" indent="-285750">
-                <a:buFontTx/>
-                <a:buChar char="-"/>
-              </a:pPr>
-              <a:r>
-                <a:rPr kumimoji="1" lang="en-US" altLang="ko-Kore-KR" sz="1600" dirty="0">
-                  <a:solidFill>
-                    <a:sysClr val="windowText" lastClr="000000"/>
-                  </a:solidFill>
-                </a:rPr>
-                <a:t>hashtag: [String]</a:t>
-              </a:r>
-            </a:p>
-            <a:p>
-              <a:pPr marL="285750" indent="-285750">
-                <a:buFontTx/>
-                <a:buChar char="-"/>
-              </a:pPr>
-              <a:r>
-                <a:rPr kumimoji="1" lang="en-US" altLang="ko-Kore-KR" sz="1600" dirty="0">
-                  <a:solidFill>
-                    <a:sysClr val="windowText" lastClr="000000"/>
-                  </a:solidFill>
-                </a:rPr>
-                <a:t>date: Date</a:t>
-              </a:r>
-            </a:p>
-            <a:p>
-              <a:pPr marL="285750" indent="-285750">
-                <a:buFontTx/>
-                <a:buChar char="-"/>
-              </a:pPr>
-              <a:r>
-                <a:rPr kumimoji="1" lang="en-US" altLang="ko-Kore-KR" sz="1600" dirty="0">
-                  <a:solidFill>
-                    <a:sysClr val="windowText" lastClr="000000"/>
-                  </a:solidFill>
-                </a:rPr>
-                <a:t>picture: </a:t>
-              </a:r>
-              <a:r>
-                <a:rPr kumimoji="1" lang="en-US" altLang="ko-Kore-KR" sz="1600" dirty="0" err="1">
-                  <a:solidFill>
-                    <a:sysClr val="windowText" lastClr="000000"/>
-                  </a:solidFill>
-                </a:rPr>
-                <a:t>UIImage</a:t>
-              </a:r>
-              <a:endParaRPr kumimoji="1" lang="en-US" altLang="ko-Kore-KR" sz="2000" dirty="0">
-                <a:solidFill>
-                  <a:sysClr val="windowText" lastClr="000000"/>
-                </a:solidFill>
-              </a:endParaRPr>
-            </a:p>
-          </p:txBody>
-        </p:sp>
-        <p:sp>
-          <p:nvSpPr>
-            <p:cNvPr id="56" name="모서리가 둥근 직사각형 55">
-              <a:extLst>
-                <a:ext uri="{FF2B5EF4-FFF2-40B4-BE49-F238E27FC236}">
-                  <a16:creationId xmlns:a16="http://schemas.microsoft.com/office/drawing/2014/main" id="{F6B84845-E93B-7F5F-0566-337BFCFAF97E}"/>
-                </a:ext>
-              </a:extLst>
-            </p:cNvPr>
-            <p:cNvSpPr/>
-            <p:nvPr/>
-          </p:nvSpPr>
-          <p:spPr>
-            <a:xfrm>
-              <a:off x="9232600" y="3960187"/>
-              <a:ext cx="1985466" cy="1411621"/>
-            </a:xfrm>
-            <a:prstGeom prst="roundRect">
-              <a:avLst/>
-            </a:prstGeom>
-            <a:solidFill>
-              <a:schemeClr val="accent6">
-                <a:lumMod val="40000"/>
-                <a:lumOff val="60000"/>
-              </a:schemeClr>
-            </a:solidFill>
-            <a:ln>
-              <a:noFill/>
-            </a:ln>
-          </p:spPr>
-          <p:style>
-            <a:lnRef idx="2">
-              <a:schemeClr val="accent1">
-                <a:shade val="50000"/>
-              </a:schemeClr>
-            </a:lnRef>
-            <a:fillRef idx="1">
-              <a:schemeClr val="accent1"/>
-            </a:fillRef>
-            <a:effectRef idx="0">
-              <a:schemeClr val="accent1"/>
-            </a:effectRef>
-            <a:fontRef idx="minor">
-              <a:schemeClr val="lt1"/>
-            </a:fontRef>
-          </p:style>
-          <p:txBody>
-            <a:bodyPr rtlCol="0" anchor="ctr"/>
-            <a:lstStyle/>
-            <a:p>
-              <a:pPr marL="285750" indent="-285750">
-                <a:buFontTx/>
-                <a:buChar char="-"/>
-              </a:pPr>
-              <a:r>
-                <a:rPr kumimoji="1" lang="en-US" altLang="ko-Kore-KR" sz="1600" dirty="0">
-                  <a:solidFill>
-                    <a:sysClr val="windowText" lastClr="000000"/>
-                  </a:solidFill>
-                </a:rPr>
-                <a:t>title: String</a:t>
-              </a:r>
-            </a:p>
-            <a:p>
-              <a:pPr marL="285750" indent="-285750">
-                <a:buFontTx/>
-                <a:buChar char="-"/>
-              </a:pPr>
-              <a:r>
-                <a:rPr kumimoji="1" lang="en-US" altLang="ko-Kore-KR" sz="1600" dirty="0">
-                  <a:solidFill>
-                    <a:sysClr val="windowText" lastClr="000000"/>
-                  </a:solidFill>
-                </a:rPr>
-                <a:t>memo: String</a:t>
-              </a:r>
-            </a:p>
-            <a:p>
-              <a:pPr marL="285750" indent="-285750">
-                <a:buFontTx/>
-                <a:buChar char="-"/>
-              </a:pPr>
-              <a:r>
-                <a:rPr kumimoji="1" lang="en-US" altLang="ko-Kore-KR" sz="1600" dirty="0" err="1">
-                  <a:solidFill>
-                    <a:sysClr val="windowText" lastClr="000000"/>
-                  </a:solidFill>
-                </a:rPr>
-                <a:t>isChecked</a:t>
-              </a:r>
-              <a:r>
-                <a:rPr kumimoji="1" lang="en-US" altLang="ko-Kore-KR" sz="1600" dirty="0">
-                  <a:solidFill>
-                    <a:sysClr val="windowText" lastClr="000000"/>
-                  </a:solidFill>
-                </a:rPr>
-                <a:t>: Bool</a:t>
-              </a:r>
-            </a:p>
-            <a:p>
-              <a:pPr marL="285750" indent="-285750">
-                <a:buFontTx/>
-                <a:buChar char="-"/>
-              </a:pPr>
-              <a:r>
-                <a:rPr kumimoji="1" lang="en-US" altLang="ko-Kore-KR" sz="1600" dirty="0" err="1">
-                  <a:solidFill>
-                    <a:sysClr val="windowText" lastClr="000000"/>
-                  </a:solidFill>
-                </a:rPr>
-                <a:t>startDate</a:t>
-              </a:r>
-              <a:r>
-                <a:rPr kumimoji="1" lang="en-US" altLang="ko-Kore-KR" sz="1600" dirty="0">
-                  <a:solidFill>
-                    <a:sysClr val="windowText" lastClr="000000"/>
-                  </a:solidFill>
-                </a:rPr>
-                <a:t>: Date</a:t>
-              </a:r>
-            </a:p>
-            <a:p>
-              <a:pPr marL="285750" indent="-285750">
-                <a:buFontTx/>
-                <a:buChar char="-"/>
-              </a:pPr>
-              <a:r>
-                <a:rPr kumimoji="1" lang="en-US" altLang="ko-Kore-KR" sz="1600" dirty="0" err="1">
-                  <a:solidFill>
-                    <a:sysClr val="windowText" lastClr="000000"/>
-                  </a:solidFill>
-                </a:rPr>
-                <a:t>endDate</a:t>
-              </a:r>
-              <a:r>
-                <a:rPr kumimoji="1" lang="en-US" altLang="ko-Kore-KR" sz="1600" dirty="0">
-                  <a:solidFill>
-                    <a:sysClr val="windowText" lastClr="000000"/>
-                  </a:solidFill>
-                </a:rPr>
-                <a:t>: Date</a:t>
-              </a:r>
-              <a:endParaRPr kumimoji="1" lang="en-US" altLang="ko-Kore-KR" sz="2000" dirty="0">
-                <a:solidFill>
-                  <a:sysClr val="windowText" lastClr="000000"/>
-                </a:solidFill>
-              </a:endParaRPr>
-            </a:p>
-          </p:txBody>
-        </p:sp>
-        <p:cxnSp>
-          <p:nvCxnSpPr>
-            <p:cNvPr id="54" name="직선 화살표 연결선 53">
-              <a:extLst>
-                <a:ext uri="{FF2B5EF4-FFF2-40B4-BE49-F238E27FC236}">
-                  <a16:creationId xmlns:a16="http://schemas.microsoft.com/office/drawing/2014/main" id="{73973BFE-8451-17B4-6F48-540779C6140A}"/>
-                </a:ext>
-              </a:extLst>
-            </p:cNvPr>
-            <p:cNvCxnSpPr>
-              <a:cxnSpLocks/>
-              <a:stCxn id="56" idx="1"/>
-              <a:endCxn id="25" idx="3"/>
-            </p:cNvCxnSpPr>
-            <p:nvPr/>
-          </p:nvCxnSpPr>
-          <p:spPr>
-            <a:xfrm flipH="1">
-              <a:off x="8478665" y="4665998"/>
-              <a:ext cx="753935" cy="2004"/>
-            </a:xfrm>
-            <a:prstGeom prst="straightConnector1">
-              <a:avLst/>
-            </a:prstGeom>
-            <a:ln w="28575">
-              <a:tailEnd type="triangle"/>
-            </a:ln>
-          </p:spPr>
-          <p:style>
-            <a:lnRef idx="1">
-              <a:schemeClr val="dk1"/>
-            </a:lnRef>
-            <a:fillRef idx="0">
-              <a:schemeClr val="dk1"/>
-            </a:fillRef>
-            <a:effectRef idx="0">
-              <a:schemeClr val="dk1"/>
-            </a:effectRef>
-            <a:fontRef idx="minor">
-              <a:schemeClr val="tx1"/>
-            </a:fontRef>
-          </p:style>
-        </p:cxnSp>
-        <p:cxnSp>
-          <p:nvCxnSpPr>
-            <p:cNvPr id="62" name="직선 화살표 연결선 61">
-              <a:extLst>
-                <a:ext uri="{FF2B5EF4-FFF2-40B4-BE49-F238E27FC236}">
-                  <a16:creationId xmlns:a16="http://schemas.microsoft.com/office/drawing/2014/main" id="{14048CA9-4E82-640E-F74E-BA562FCD927F}"/>
-                </a:ext>
-              </a:extLst>
-            </p:cNvPr>
-            <p:cNvCxnSpPr>
-              <a:cxnSpLocks/>
-              <a:stCxn id="33" idx="1"/>
-              <a:endCxn id="28" idx="3"/>
-            </p:cNvCxnSpPr>
-            <p:nvPr/>
-          </p:nvCxnSpPr>
-          <p:spPr>
-            <a:xfrm flipH="1">
-              <a:off x="8478665" y="2413793"/>
-              <a:ext cx="753935" cy="1"/>
-            </a:xfrm>
-            <a:prstGeom prst="straightConnector1">
-              <a:avLst/>
-            </a:prstGeom>
-            <a:ln w="28575">
-              <a:solidFill>
-                <a:schemeClr val="tx1"/>
-              </a:solidFill>
-              <a:tailEnd type="triangle"/>
-            </a:ln>
-          </p:spPr>
-          <p:style>
-            <a:lnRef idx="1">
-              <a:schemeClr val="accent1"/>
-            </a:lnRef>
-            <a:fillRef idx="0">
-              <a:schemeClr val="accent1"/>
-            </a:fillRef>
-            <a:effectRef idx="0">
-              <a:schemeClr val="accent1"/>
-            </a:effectRef>
-            <a:fontRef idx="minor">
-              <a:schemeClr val="tx1"/>
-            </a:fontRef>
-          </p:style>
-        </p:cxnSp>
-        <p:cxnSp>
-          <p:nvCxnSpPr>
-            <p:cNvPr id="65" name="직선 연결선[R] 64">
-              <a:extLst>
-                <a:ext uri="{FF2B5EF4-FFF2-40B4-BE49-F238E27FC236}">
-                  <a16:creationId xmlns:a16="http://schemas.microsoft.com/office/drawing/2014/main" id="{7893A6DD-6665-4871-C2BB-623405AFD759}"/>
-                </a:ext>
-              </a:extLst>
-            </p:cNvPr>
-            <p:cNvCxnSpPr/>
-            <p:nvPr/>
-          </p:nvCxnSpPr>
-          <p:spPr>
-            <a:xfrm>
-              <a:off x="2771389" y="1965796"/>
-              <a:ext cx="1762325" cy="0"/>
-            </a:xfrm>
-            <a:prstGeom prst="line">
-              <a:avLst/>
-            </a:prstGeom>
-            <a:ln w="28575"/>
-          </p:spPr>
-          <p:style>
-            <a:lnRef idx="1">
-              <a:schemeClr val="dk1"/>
-            </a:lnRef>
-            <a:fillRef idx="0">
-              <a:schemeClr val="dk1"/>
-            </a:fillRef>
-            <a:effectRef idx="0">
-              <a:schemeClr val="dk1"/>
-            </a:effectRef>
-            <a:fontRef idx="minor">
-              <a:schemeClr val="tx1"/>
-            </a:fontRef>
-          </p:style>
-        </p:cxnSp>
-        <p:cxnSp>
-          <p:nvCxnSpPr>
-            <p:cNvPr id="71" name="직선 연결선[R] 70">
-              <a:extLst>
-                <a:ext uri="{FF2B5EF4-FFF2-40B4-BE49-F238E27FC236}">
-                  <a16:creationId xmlns:a16="http://schemas.microsoft.com/office/drawing/2014/main" id="{71F76990-BCC9-E1E4-7243-4426CADDDD4C}"/>
-                </a:ext>
-              </a:extLst>
-            </p:cNvPr>
-            <p:cNvCxnSpPr/>
-            <p:nvPr/>
-          </p:nvCxnSpPr>
-          <p:spPr>
-            <a:xfrm>
-              <a:off x="2771389" y="2847167"/>
-              <a:ext cx="1762325" cy="0"/>
-            </a:xfrm>
-            <a:prstGeom prst="line">
-              <a:avLst/>
-            </a:prstGeom>
-            <a:ln w="28575"/>
-          </p:spPr>
-          <p:style>
-            <a:lnRef idx="1">
-              <a:schemeClr val="dk1"/>
-            </a:lnRef>
-            <a:fillRef idx="0">
-              <a:schemeClr val="dk1"/>
-            </a:fillRef>
-            <a:effectRef idx="0">
-              <a:schemeClr val="dk1"/>
-            </a:effectRef>
-            <a:fontRef idx="minor">
-              <a:schemeClr val="tx1"/>
-            </a:fontRef>
-          </p:style>
-        </p:cxnSp>
-        <p:cxnSp>
-          <p:nvCxnSpPr>
-            <p:cNvPr id="74" name="직선 연결선[R] 73">
-              <a:extLst>
-                <a:ext uri="{FF2B5EF4-FFF2-40B4-BE49-F238E27FC236}">
-                  <a16:creationId xmlns:a16="http://schemas.microsoft.com/office/drawing/2014/main" id="{48290CB7-43D6-20C0-F6D8-88D7341012A9}"/>
-                </a:ext>
-              </a:extLst>
-            </p:cNvPr>
-            <p:cNvCxnSpPr/>
-            <p:nvPr/>
-          </p:nvCxnSpPr>
-          <p:spPr>
-            <a:xfrm>
-              <a:off x="2771389" y="4234627"/>
-              <a:ext cx="1762325" cy="0"/>
-            </a:xfrm>
-            <a:prstGeom prst="line">
-              <a:avLst/>
-            </a:prstGeom>
-            <a:ln w="28575"/>
-          </p:spPr>
-          <p:style>
-            <a:lnRef idx="1">
-              <a:schemeClr val="dk1"/>
-            </a:lnRef>
-            <a:fillRef idx="0">
-              <a:schemeClr val="dk1"/>
-            </a:fillRef>
-            <a:effectRef idx="0">
-              <a:schemeClr val="dk1"/>
-            </a:effectRef>
-            <a:fontRef idx="minor">
-              <a:schemeClr val="tx1"/>
-            </a:fontRef>
-          </p:style>
-        </p:cxnSp>
-        <p:cxnSp>
-          <p:nvCxnSpPr>
-            <p:cNvPr id="75" name="직선 연결선[R] 74">
-              <a:extLst>
-                <a:ext uri="{FF2B5EF4-FFF2-40B4-BE49-F238E27FC236}">
-                  <a16:creationId xmlns:a16="http://schemas.microsoft.com/office/drawing/2014/main" id="{E0B7E0BD-7F0E-DB1F-5F4F-81DC946E90D6}"/>
-                </a:ext>
-              </a:extLst>
-            </p:cNvPr>
-            <p:cNvCxnSpPr/>
-            <p:nvPr/>
-          </p:nvCxnSpPr>
-          <p:spPr>
-            <a:xfrm>
-              <a:off x="2771389" y="5115998"/>
-              <a:ext cx="1762325" cy="0"/>
-            </a:xfrm>
-            <a:prstGeom prst="line">
-              <a:avLst/>
-            </a:prstGeom>
-            <a:ln w="28575"/>
-          </p:spPr>
-          <p:style>
-            <a:lnRef idx="1">
-              <a:schemeClr val="dk1"/>
-            </a:lnRef>
-            <a:fillRef idx="0">
-              <a:schemeClr val="dk1"/>
-            </a:fillRef>
-            <a:effectRef idx="0">
-              <a:schemeClr val="dk1"/>
-            </a:effectRef>
-            <a:fontRef idx="minor">
-              <a:schemeClr val="tx1"/>
-            </a:fontRef>
-          </p:style>
-        </p:cxnSp>
-        <p:sp>
-          <p:nvSpPr>
-            <p:cNvPr id="78" name="TextBox 77">
-              <a:extLst>
-                <a:ext uri="{FF2B5EF4-FFF2-40B4-BE49-F238E27FC236}">
-                  <a16:creationId xmlns:a16="http://schemas.microsoft.com/office/drawing/2014/main" id="{97239E0C-CCA7-F5CE-64DD-358AEB7D6EA2}"/>
-                </a:ext>
-              </a:extLst>
-            </p:cNvPr>
-            <p:cNvSpPr txBox="1"/>
-            <p:nvPr/>
-          </p:nvSpPr>
-          <p:spPr>
-            <a:xfrm>
-              <a:off x="2766642" y="1274749"/>
-              <a:ext cx="452368" cy="369332"/>
-            </a:xfrm>
-            <a:prstGeom prst="rect">
-              <a:avLst/>
-            </a:prstGeom>
+          </a:ln>
+        </p:spPr>
+        <p:style>
+          <a:lnRef idx="2">
+            <a:schemeClr val="accent1">
+              <a:shade val="50000"/>
+            </a:schemeClr>
+          </a:lnRef>
+          <a:fillRef idx="1">
+            <a:schemeClr val="accent1"/>
+          </a:fillRef>
+          <a:effectRef idx="0">
+            <a:schemeClr val="accent1"/>
+          </a:effectRef>
+          <a:fontRef idx="minor">
+            <a:schemeClr val="lt1"/>
+          </a:fontRef>
+        </p:style>
+        <p:txBody>
+          <a:bodyPr rtlCol="0" anchor="ctr"/>
+          <a:lstStyle/>
+          <a:p>
+            <a:pPr algn="ctr"/>
+            <a:r>
+              <a:rPr kumimoji="1" lang="ko-Kore-KR" altLang="en-US" sz="1600" dirty="0"/>
+              <a:t>다이어리</a:t>
+            </a:r>
+            <a:r>
+              <a:rPr kumimoji="1" lang="ko-KR" altLang="en-US" sz="1600" dirty="0"/>
+              <a:t> 수정</a:t>
+            </a:r>
+            <a:endParaRPr kumimoji="1" lang="ko-Kore-KR" altLang="en-US" sz="1600" dirty="0"/>
+          </a:p>
+        </p:txBody>
+      </p:sp>
+      <p:cxnSp>
+        <p:nvCxnSpPr>
+          <p:cNvPr id="91" name="구부러진 연결선[U] 90">
+            <a:extLst>
+              <a:ext uri="{FF2B5EF4-FFF2-40B4-BE49-F238E27FC236}">
+                <a16:creationId xmlns:a16="http://schemas.microsoft.com/office/drawing/2014/main" id="{3A860A38-4E58-C893-3314-7B04E7F5EC01}"/>
+              </a:ext>
+            </a:extLst>
+          </p:cNvPr>
+          <p:cNvCxnSpPr>
+            <a:cxnSpLocks/>
+            <a:stCxn id="32" idx="0"/>
+            <a:endCxn id="87" idx="2"/>
+          </p:cNvCxnSpPr>
+          <p:nvPr/>
+        </p:nvCxnSpPr>
+        <p:spPr>
+          <a:xfrm rot="5400000" flipH="1" flipV="1">
+            <a:off x="1098079" y="2719232"/>
+            <a:ext cx="3054839" cy="2424439"/>
+          </a:xfrm>
+          <a:prstGeom prst="curvedConnector2">
+            <a:avLst/>
+          </a:prstGeom>
+          <a:ln w="28575">
+            <a:tailEnd type="triangle"/>
+          </a:ln>
+        </p:spPr>
+        <p:style>
+          <a:lnRef idx="1">
+            <a:schemeClr val="dk1"/>
+          </a:lnRef>
+          <a:fillRef idx="0">
+            <a:schemeClr val="dk1"/>
+          </a:fillRef>
+          <a:effectRef idx="0">
+            <a:schemeClr val="dk1"/>
+          </a:effectRef>
+          <a:fontRef idx="minor">
+            <a:schemeClr val="tx1"/>
+          </a:fontRef>
+        </p:style>
+      </p:cxnSp>
+      <p:cxnSp>
+        <p:nvCxnSpPr>
+          <p:cNvPr id="95" name="구부러진 연결선[U] 94">
+            <a:extLst>
+              <a:ext uri="{FF2B5EF4-FFF2-40B4-BE49-F238E27FC236}">
+                <a16:creationId xmlns:a16="http://schemas.microsoft.com/office/drawing/2014/main" id="{CD3FF84E-313D-457F-A3F9-FB8625822729}"/>
+              </a:ext>
+            </a:extLst>
+          </p:cNvPr>
+          <p:cNvCxnSpPr>
+            <a:cxnSpLocks/>
+            <a:stCxn id="87" idx="7"/>
+            <a:endCxn id="10" idx="2"/>
+          </p:cNvCxnSpPr>
+          <p:nvPr/>
+        </p:nvCxnSpPr>
+        <p:spPr>
+          <a:xfrm rot="5400000" flipH="1" flipV="1">
+            <a:off x="7123842" y="-58299"/>
+            <a:ext cx="330764" cy="3830221"/>
+          </a:xfrm>
+          <a:prstGeom prst="curvedConnector2">
+            <a:avLst/>
+          </a:prstGeom>
+          <a:ln w="28575">
+            <a:tailEnd type="triangle"/>
+          </a:ln>
+        </p:spPr>
+        <p:style>
+          <a:lnRef idx="1">
+            <a:schemeClr val="dk1"/>
+          </a:lnRef>
+          <a:fillRef idx="0">
+            <a:schemeClr val="dk1"/>
+          </a:fillRef>
+          <a:effectRef idx="0">
+            <a:schemeClr val="dk1"/>
+          </a:effectRef>
+          <a:fontRef idx="minor">
+            <a:schemeClr val="tx1"/>
+          </a:fontRef>
+        </p:style>
+      </p:cxnSp>
+      <p:cxnSp>
+        <p:nvCxnSpPr>
+          <p:cNvPr id="98" name="구부러진 연결선[U] 97">
+            <a:extLst>
+              <a:ext uri="{FF2B5EF4-FFF2-40B4-BE49-F238E27FC236}">
+                <a16:creationId xmlns:a16="http://schemas.microsoft.com/office/drawing/2014/main" id="{0940C5C9-8EF0-B1E3-EAC4-1CC6567E0E3D}"/>
+              </a:ext>
+            </a:extLst>
+          </p:cNvPr>
+          <p:cNvCxnSpPr>
+            <a:cxnSpLocks/>
+            <a:stCxn id="88" idx="0"/>
+            <a:endCxn id="10" idx="3"/>
+          </p:cNvCxnSpPr>
+          <p:nvPr/>
+        </p:nvCxnSpPr>
+        <p:spPr>
+          <a:xfrm rot="5400000" flipH="1" flipV="1">
+            <a:off x="6323257" y="665479"/>
+            <a:ext cx="1800533" cy="4488831"/>
+          </a:xfrm>
+          <a:prstGeom prst="curvedConnector3">
+            <a:avLst>
+              <a:gd name="adj1" fmla="val 50000"/>
+            </a:avLst>
+          </a:prstGeom>
+          <a:ln w="28575">
+            <a:tailEnd type="triangle"/>
+          </a:ln>
+        </p:spPr>
+        <p:style>
+          <a:lnRef idx="1">
+            <a:schemeClr val="dk1"/>
+          </a:lnRef>
+          <a:fillRef idx="0">
+            <a:schemeClr val="dk1"/>
+          </a:fillRef>
+          <a:effectRef idx="0">
+            <a:schemeClr val="dk1"/>
+          </a:effectRef>
+          <a:fontRef idx="minor">
+            <a:schemeClr val="tx1"/>
+          </a:fontRef>
+        </p:style>
+      </p:cxnSp>
+      <p:sp>
+        <p:nvSpPr>
+          <p:cNvPr id="104" name="타원 103">
+            <a:extLst>
+              <a:ext uri="{FF2B5EF4-FFF2-40B4-BE49-F238E27FC236}">
+                <a16:creationId xmlns:a16="http://schemas.microsoft.com/office/drawing/2014/main" id="{30B06896-7945-6821-D3AF-4A1E71BEE90A}"/>
+              </a:ext>
+            </a:extLst>
+          </p:cNvPr>
+          <p:cNvSpPr/>
+          <p:nvPr/>
+        </p:nvSpPr>
+        <p:spPr>
+          <a:xfrm>
+            <a:off x="6726783" y="4112532"/>
+            <a:ext cx="1800000" cy="1080000"/>
+          </a:xfrm>
+          <a:prstGeom prst="ellipse">
+            <a:avLst/>
+          </a:prstGeom>
+          <a:solidFill>
+            <a:srgbClr val="FD997D"/>
+          </a:solidFill>
+          <a:ln>
             <a:noFill/>
-          </p:spPr>
-          <p:txBody>
-            <a:bodyPr wrap="none" rtlCol="0">
-              <a:spAutoFit/>
-            </a:bodyPr>
-            <a:lstStyle/>
-            <a:p>
-              <a:r>
-                <a:rPr kumimoji="1" lang="en-US" altLang="ko-Kore-KR" dirty="0"/>
-                <a:t>DB</a:t>
-              </a:r>
-              <a:endParaRPr kumimoji="1" lang="ko-Kore-KR" altLang="en-US" dirty="0"/>
-            </a:p>
-          </p:txBody>
-        </p:sp>
-      </p:grpSp>
+          </a:ln>
+        </p:spPr>
+        <p:style>
+          <a:lnRef idx="2">
+            <a:schemeClr val="accent1">
+              <a:shade val="50000"/>
+            </a:schemeClr>
+          </a:lnRef>
+          <a:fillRef idx="1">
+            <a:schemeClr val="accent1"/>
+          </a:fillRef>
+          <a:effectRef idx="0">
+            <a:schemeClr val="accent1"/>
+          </a:effectRef>
+          <a:fontRef idx="minor">
+            <a:schemeClr val="lt1"/>
+          </a:fontRef>
+        </p:style>
+        <p:txBody>
+          <a:bodyPr rtlCol="0" anchor="ctr"/>
+          <a:lstStyle/>
+          <a:p>
+            <a:pPr algn="ctr"/>
+            <a:r>
+              <a:rPr kumimoji="1" lang="ko-Kore-KR" altLang="en-US" sz="1600" dirty="0"/>
+              <a:t>다이어리</a:t>
+            </a:r>
+            <a:r>
+              <a:rPr kumimoji="1" lang="ko-KR" altLang="en-US" sz="1600" dirty="0"/>
+              <a:t> 삭제</a:t>
+            </a:r>
+            <a:endParaRPr kumimoji="1" lang="ko-Kore-KR" altLang="en-US" sz="1600" dirty="0"/>
+          </a:p>
+        </p:txBody>
+      </p:sp>
+      <p:cxnSp>
+        <p:nvCxnSpPr>
+          <p:cNvPr id="105" name="구부러진 연결선[U] 104">
+            <a:extLst>
+              <a:ext uri="{FF2B5EF4-FFF2-40B4-BE49-F238E27FC236}">
+                <a16:creationId xmlns:a16="http://schemas.microsoft.com/office/drawing/2014/main" id="{EF34F7DB-2254-CE94-C781-A07D883038BE}"/>
+              </a:ext>
+            </a:extLst>
+          </p:cNvPr>
+          <p:cNvCxnSpPr>
+            <a:cxnSpLocks/>
+            <a:stCxn id="88" idx="6"/>
+            <a:endCxn id="104" idx="2"/>
+          </p:cNvCxnSpPr>
+          <p:nvPr/>
+        </p:nvCxnSpPr>
+        <p:spPr>
+          <a:xfrm>
+            <a:off x="5879108" y="4350160"/>
+            <a:ext cx="847675" cy="302372"/>
+          </a:xfrm>
+          <a:prstGeom prst="curvedConnector3">
+            <a:avLst>
+              <a:gd name="adj1" fmla="val 50000"/>
+            </a:avLst>
+          </a:prstGeom>
+          <a:ln w="28575">
+            <a:tailEnd type="triangle"/>
+          </a:ln>
+        </p:spPr>
+        <p:style>
+          <a:lnRef idx="1">
+            <a:schemeClr val="dk1"/>
+          </a:lnRef>
+          <a:fillRef idx="0">
+            <a:schemeClr val="dk1"/>
+          </a:fillRef>
+          <a:effectRef idx="0">
+            <a:schemeClr val="dk1"/>
+          </a:effectRef>
+          <a:fontRef idx="minor">
+            <a:schemeClr val="tx1"/>
+          </a:fontRef>
+        </p:style>
+      </p:cxnSp>
+      <p:cxnSp>
+        <p:nvCxnSpPr>
+          <p:cNvPr id="108" name="구부러진 연결선[U] 107">
+            <a:extLst>
+              <a:ext uri="{FF2B5EF4-FFF2-40B4-BE49-F238E27FC236}">
+                <a16:creationId xmlns:a16="http://schemas.microsoft.com/office/drawing/2014/main" id="{F9AE52FC-2DF7-1C98-F60C-9CDCB24A085D}"/>
+              </a:ext>
+            </a:extLst>
+          </p:cNvPr>
+          <p:cNvCxnSpPr>
+            <a:cxnSpLocks/>
+            <a:stCxn id="104" idx="6"/>
+            <a:endCxn id="10" idx="4"/>
+          </p:cNvCxnSpPr>
+          <p:nvPr/>
+        </p:nvCxnSpPr>
+        <p:spPr>
+          <a:xfrm flipV="1">
+            <a:off x="8526783" y="2141429"/>
+            <a:ext cx="1577552" cy="2511103"/>
+          </a:xfrm>
+          <a:prstGeom prst="curvedConnector2">
+            <a:avLst/>
+          </a:prstGeom>
+          <a:ln w="28575">
+            <a:tailEnd type="triangle"/>
+          </a:ln>
+        </p:spPr>
+        <p:style>
+          <a:lnRef idx="1">
+            <a:schemeClr val="dk1"/>
+          </a:lnRef>
+          <a:fillRef idx="0">
+            <a:schemeClr val="dk1"/>
+          </a:fillRef>
+          <a:effectRef idx="0">
+            <a:schemeClr val="dk1"/>
+          </a:effectRef>
+          <a:fontRef idx="minor">
+            <a:schemeClr val="tx1"/>
+          </a:fontRef>
+        </p:style>
+      </p:cxnSp>
+      <p:sp>
+        <p:nvSpPr>
+          <p:cNvPr id="113" name="TextBox 112">
+            <a:extLst>
+              <a:ext uri="{FF2B5EF4-FFF2-40B4-BE49-F238E27FC236}">
+                <a16:creationId xmlns:a16="http://schemas.microsoft.com/office/drawing/2014/main" id="{C118F336-F203-D0A7-CE69-55198475F6D8}"/>
+              </a:ext>
+            </a:extLst>
+          </p:cNvPr>
+          <p:cNvSpPr txBox="1"/>
+          <p:nvPr/>
+        </p:nvSpPr>
+        <p:spPr>
+          <a:xfrm>
+            <a:off x="1490374" y="2750647"/>
+            <a:ext cx="902811" cy="523220"/>
+          </a:xfrm>
+          <a:prstGeom prst="rect">
+            <a:avLst/>
+          </a:prstGeom>
+          <a:noFill/>
+        </p:spPr>
+        <p:txBody>
+          <a:bodyPr wrap="none" rtlCol="0">
+            <a:spAutoFit/>
+          </a:bodyPr>
+          <a:lstStyle/>
+          <a:p>
+            <a:pPr algn="ctr"/>
+            <a:r>
+              <a:rPr kumimoji="1" lang="ko-KR" altLang="en-US" sz="1400" dirty="0"/>
+              <a:t>추가버튼</a:t>
+            </a:r>
+            <a:endParaRPr kumimoji="1" lang="en-US" altLang="ko-KR" sz="1400" dirty="0"/>
+          </a:p>
+          <a:p>
+            <a:pPr algn="ctr"/>
+            <a:r>
+              <a:rPr kumimoji="1" lang="ko-KR" altLang="en-US" sz="1400" dirty="0"/>
+              <a:t>클릭</a:t>
+            </a:r>
+            <a:endParaRPr kumimoji="1" lang="ko-Kore-KR" altLang="en-US" sz="1400" dirty="0"/>
+          </a:p>
+        </p:txBody>
+      </p:sp>
+      <p:sp>
+        <p:nvSpPr>
+          <p:cNvPr id="114" name="TextBox 113">
+            <a:extLst>
+              <a:ext uri="{FF2B5EF4-FFF2-40B4-BE49-F238E27FC236}">
+                <a16:creationId xmlns:a16="http://schemas.microsoft.com/office/drawing/2014/main" id="{D58D1B98-A14E-8C81-F858-E09B0863D448}"/>
+              </a:ext>
+            </a:extLst>
+          </p:cNvPr>
+          <p:cNvSpPr txBox="1"/>
+          <p:nvPr/>
+        </p:nvSpPr>
+        <p:spPr>
+          <a:xfrm>
+            <a:off x="2085650" y="4449036"/>
+            <a:ext cx="1301959" cy="523220"/>
+          </a:xfrm>
+          <a:prstGeom prst="rect">
+            <a:avLst/>
+          </a:prstGeom>
+          <a:noFill/>
+        </p:spPr>
+        <p:txBody>
+          <a:bodyPr wrap="none" rtlCol="0">
+            <a:spAutoFit/>
+          </a:bodyPr>
+          <a:lstStyle/>
+          <a:p>
+            <a:pPr algn="ctr"/>
+            <a:r>
+              <a:rPr kumimoji="1" lang="ko-KR" altLang="en-US" sz="1400" dirty="0"/>
+              <a:t>수정할</a:t>
+            </a:r>
+            <a:endParaRPr kumimoji="1" lang="en-US" altLang="ko-KR" sz="1400" dirty="0"/>
+          </a:p>
+          <a:p>
+            <a:pPr algn="ctr"/>
+            <a:r>
+              <a:rPr kumimoji="1" lang="ko-KR" altLang="en-US" sz="1400" dirty="0"/>
+              <a:t>다이어리 클릭</a:t>
+            </a:r>
+            <a:endParaRPr kumimoji="1" lang="ko-Kore-KR" altLang="en-US" sz="1400" dirty="0"/>
+          </a:p>
+        </p:txBody>
+      </p:sp>
+      <p:sp>
+        <p:nvSpPr>
+          <p:cNvPr id="115" name="TextBox 114">
+            <a:extLst>
+              <a:ext uri="{FF2B5EF4-FFF2-40B4-BE49-F238E27FC236}">
+                <a16:creationId xmlns:a16="http://schemas.microsoft.com/office/drawing/2014/main" id="{8F60941A-A0D0-A7D6-ED8F-47B750450F27}"/>
+              </a:ext>
+            </a:extLst>
+          </p:cNvPr>
+          <p:cNvSpPr txBox="1"/>
+          <p:nvPr/>
+        </p:nvSpPr>
+        <p:spPr>
+          <a:xfrm>
+            <a:off x="5718060" y="4655983"/>
+            <a:ext cx="902811" cy="523220"/>
+          </a:xfrm>
+          <a:prstGeom prst="rect">
+            <a:avLst/>
+          </a:prstGeom>
+          <a:noFill/>
+        </p:spPr>
+        <p:txBody>
+          <a:bodyPr wrap="none" rtlCol="0">
+            <a:spAutoFit/>
+          </a:bodyPr>
+          <a:lstStyle/>
+          <a:p>
+            <a:pPr algn="ctr"/>
+            <a:r>
+              <a:rPr kumimoji="1" lang="ko-KR" altLang="en-US" sz="1400" dirty="0"/>
+              <a:t>삭제버튼</a:t>
+            </a:r>
+            <a:endParaRPr kumimoji="1" lang="en-US" altLang="ko-KR" sz="1400" dirty="0"/>
+          </a:p>
+          <a:p>
+            <a:pPr algn="ctr"/>
+            <a:r>
+              <a:rPr kumimoji="1" lang="ko-KR" altLang="en-US" sz="1400" dirty="0"/>
+              <a:t>클릭</a:t>
+            </a:r>
+            <a:endParaRPr kumimoji="1" lang="ko-Kore-KR" altLang="en-US" sz="1400" dirty="0"/>
+          </a:p>
+        </p:txBody>
+      </p:sp>
+      <p:sp>
+        <p:nvSpPr>
+          <p:cNvPr id="116" name="TextBox 115">
+            <a:extLst>
+              <a:ext uri="{FF2B5EF4-FFF2-40B4-BE49-F238E27FC236}">
+                <a16:creationId xmlns:a16="http://schemas.microsoft.com/office/drawing/2014/main" id="{9B85BF0C-49B3-E4DF-DBDC-32F9AE028028}"/>
+              </a:ext>
+            </a:extLst>
+          </p:cNvPr>
+          <p:cNvSpPr txBox="1"/>
+          <p:nvPr/>
+        </p:nvSpPr>
+        <p:spPr>
+          <a:xfrm>
+            <a:off x="6572543" y="2391485"/>
+            <a:ext cx="1301959" cy="523220"/>
+          </a:xfrm>
+          <a:prstGeom prst="rect">
+            <a:avLst/>
+          </a:prstGeom>
+          <a:noFill/>
+        </p:spPr>
+        <p:txBody>
+          <a:bodyPr wrap="none" rtlCol="0">
+            <a:spAutoFit/>
+          </a:bodyPr>
+          <a:lstStyle/>
+          <a:p>
+            <a:pPr algn="ctr"/>
+            <a:r>
+              <a:rPr kumimoji="1" lang="ko-KR" altLang="en-US" sz="1400" dirty="0"/>
+              <a:t>수정할 </a:t>
+            </a:r>
+            <a:endParaRPr kumimoji="1" lang="en-US" altLang="ko-KR" sz="1400" dirty="0"/>
+          </a:p>
+          <a:p>
+            <a:pPr algn="ctr"/>
+            <a:r>
+              <a:rPr kumimoji="1" lang="ko-KR" altLang="en-US" sz="1400" dirty="0"/>
+              <a:t>다이어리 정보</a:t>
+            </a:r>
+            <a:endParaRPr kumimoji="1" lang="en-US" altLang="ko-KR" sz="1400" dirty="0"/>
+          </a:p>
+        </p:txBody>
+      </p:sp>
+      <p:sp>
+        <p:nvSpPr>
+          <p:cNvPr id="118" name="TextBox 117">
+            <a:extLst>
+              <a:ext uri="{FF2B5EF4-FFF2-40B4-BE49-F238E27FC236}">
+                <a16:creationId xmlns:a16="http://schemas.microsoft.com/office/drawing/2014/main" id="{06E4066B-46EA-66B6-86FD-02C00A966C13}"/>
+              </a:ext>
+            </a:extLst>
+          </p:cNvPr>
+          <p:cNvSpPr txBox="1"/>
+          <p:nvPr/>
+        </p:nvSpPr>
+        <p:spPr>
+          <a:xfrm>
+            <a:off x="5854703" y="1284053"/>
+            <a:ext cx="1301959" cy="523220"/>
+          </a:xfrm>
+          <a:prstGeom prst="rect">
+            <a:avLst/>
+          </a:prstGeom>
+          <a:noFill/>
+        </p:spPr>
+        <p:txBody>
+          <a:bodyPr wrap="none" rtlCol="0">
+            <a:spAutoFit/>
+          </a:bodyPr>
+          <a:lstStyle/>
+          <a:p>
+            <a:pPr algn="ctr"/>
+            <a:r>
+              <a:rPr kumimoji="1" lang="ko-KR" altLang="en-US" sz="1400" dirty="0"/>
+              <a:t>등록할 </a:t>
+            </a:r>
+            <a:endParaRPr kumimoji="1" lang="en-US" altLang="ko-KR" sz="1400" dirty="0"/>
+          </a:p>
+          <a:p>
+            <a:pPr algn="ctr"/>
+            <a:r>
+              <a:rPr kumimoji="1" lang="ko-KR" altLang="en-US" sz="1400" dirty="0"/>
+              <a:t>다이어리 정보</a:t>
+            </a:r>
+            <a:endParaRPr kumimoji="1" lang="en-US" altLang="ko-KR" sz="1400" dirty="0"/>
+          </a:p>
+        </p:txBody>
+      </p:sp>
+      <p:sp>
+        <p:nvSpPr>
+          <p:cNvPr id="119" name="타원 118">
+            <a:extLst>
+              <a:ext uri="{FF2B5EF4-FFF2-40B4-BE49-F238E27FC236}">
+                <a16:creationId xmlns:a16="http://schemas.microsoft.com/office/drawing/2014/main" id="{88FD1AC5-6025-FEEF-9626-52E2A58E5986}"/>
+              </a:ext>
+            </a:extLst>
+          </p:cNvPr>
+          <p:cNvSpPr/>
+          <p:nvPr/>
+        </p:nvSpPr>
+        <p:spPr>
+          <a:xfrm>
+            <a:off x="2807863" y="929626"/>
+            <a:ext cx="1800000" cy="1080000"/>
+          </a:xfrm>
+          <a:prstGeom prst="ellipse">
+            <a:avLst/>
+          </a:prstGeom>
+          <a:solidFill>
+            <a:srgbClr val="FD997D"/>
+          </a:solidFill>
+          <a:ln>
+            <a:noFill/>
+          </a:ln>
+        </p:spPr>
+        <p:style>
+          <a:lnRef idx="2">
+            <a:schemeClr val="accent1">
+              <a:shade val="50000"/>
+            </a:schemeClr>
+          </a:lnRef>
+          <a:fillRef idx="1">
+            <a:schemeClr val="accent1"/>
+          </a:fillRef>
+          <a:effectRef idx="0">
+            <a:schemeClr val="accent1"/>
+          </a:effectRef>
+          <a:fontRef idx="minor">
+            <a:schemeClr val="lt1"/>
+          </a:fontRef>
+        </p:style>
+        <p:txBody>
+          <a:bodyPr rtlCol="0" anchor="ctr"/>
+          <a:lstStyle/>
+          <a:p>
+            <a:pPr algn="ctr"/>
+            <a:r>
+              <a:rPr kumimoji="1" lang="ko-Kore-KR" altLang="en-US" sz="1600" dirty="0"/>
+              <a:t>다이어리</a:t>
+            </a:r>
+            <a:r>
+              <a:rPr kumimoji="1" lang="ko-KR" altLang="en-US" sz="1600" dirty="0"/>
+              <a:t> 검색</a:t>
+            </a:r>
+            <a:endParaRPr kumimoji="1" lang="ko-Kore-KR" altLang="en-US" sz="1600" dirty="0"/>
+          </a:p>
+        </p:txBody>
+      </p:sp>
+      <p:cxnSp>
+        <p:nvCxnSpPr>
+          <p:cNvPr id="120" name="구부러진 연결선[U] 119">
+            <a:extLst>
+              <a:ext uri="{FF2B5EF4-FFF2-40B4-BE49-F238E27FC236}">
+                <a16:creationId xmlns:a16="http://schemas.microsoft.com/office/drawing/2014/main" id="{263E73AA-82A2-C47B-57C9-1BED3AA32FF8}"/>
+              </a:ext>
+            </a:extLst>
+          </p:cNvPr>
+          <p:cNvCxnSpPr>
+            <a:cxnSpLocks/>
+            <a:stCxn id="32" idx="2"/>
+            <a:endCxn id="119" idx="2"/>
+          </p:cNvCxnSpPr>
+          <p:nvPr/>
+        </p:nvCxnSpPr>
+        <p:spPr>
+          <a:xfrm rot="10800000" flipH="1">
+            <a:off x="722149" y="1469627"/>
+            <a:ext cx="2085713" cy="4367645"/>
+          </a:xfrm>
+          <a:prstGeom prst="curvedConnector3">
+            <a:avLst>
+              <a:gd name="adj1" fmla="val -10960"/>
+            </a:avLst>
+          </a:prstGeom>
+          <a:ln w="28575">
+            <a:tailEnd type="triangle"/>
+          </a:ln>
+        </p:spPr>
+        <p:style>
+          <a:lnRef idx="1">
+            <a:schemeClr val="dk1"/>
+          </a:lnRef>
+          <a:fillRef idx="0">
+            <a:schemeClr val="dk1"/>
+          </a:fillRef>
+          <a:effectRef idx="0">
+            <a:schemeClr val="dk1"/>
+          </a:effectRef>
+          <a:fontRef idx="minor">
+            <a:schemeClr val="tx1"/>
+          </a:fontRef>
+        </p:style>
+      </p:cxnSp>
+      <p:sp>
+        <p:nvSpPr>
+          <p:cNvPr id="125" name="타원 124">
+            <a:extLst>
+              <a:ext uri="{FF2B5EF4-FFF2-40B4-BE49-F238E27FC236}">
+                <a16:creationId xmlns:a16="http://schemas.microsoft.com/office/drawing/2014/main" id="{37F1F47D-6C1F-40D8-4CA3-1AC6E37BB4D0}"/>
+              </a:ext>
+            </a:extLst>
+          </p:cNvPr>
+          <p:cNvSpPr/>
+          <p:nvPr/>
+        </p:nvSpPr>
+        <p:spPr>
+          <a:xfrm>
+            <a:off x="8811150" y="4497573"/>
+            <a:ext cx="1800000" cy="1080000"/>
+          </a:xfrm>
+          <a:prstGeom prst="ellipse">
+            <a:avLst/>
+          </a:prstGeom>
+          <a:solidFill>
+            <a:srgbClr val="FD997D"/>
+          </a:solidFill>
+          <a:ln>
+            <a:noFill/>
+          </a:ln>
+        </p:spPr>
+        <p:style>
+          <a:lnRef idx="2">
+            <a:schemeClr val="accent1">
+              <a:shade val="50000"/>
+            </a:schemeClr>
+          </a:lnRef>
+          <a:fillRef idx="1">
+            <a:schemeClr val="accent1"/>
+          </a:fillRef>
+          <a:effectRef idx="0">
+            <a:schemeClr val="accent1"/>
+          </a:effectRef>
+          <a:fontRef idx="minor">
+            <a:schemeClr val="lt1"/>
+          </a:fontRef>
+        </p:style>
+        <p:txBody>
+          <a:bodyPr rtlCol="0" anchor="ctr"/>
+          <a:lstStyle/>
+          <a:p>
+            <a:pPr algn="ctr"/>
+            <a:r>
+              <a:rPr kumimoji="1" lang="ko-KR" altLang="en-US" sz="1600" dirty="0"/>
+              <a:t>캘린더</a:t>
+            </a:r>
+            <a:endParaRPr kumimoji="1" lang="en-US" altLang="ko-Kore-KR" sz="1600" dirty="0"/>
+          </a:p>
+          <a:p>
+            <a:pPr algn="ctr"/>
+            <a:r>
+              <a:rPr kumimoji="1" lang="ko-Kore-KR" altLang="en-US" sz="1600" dirty="0"/>
+              <a:t>다이어리</a:t>
+            </a:r>
+            <a:r>
+              <a:rPr kumimoji="1" lang="ko-KR" altLang="en-US" sz="1600" dirty="0"/>
+              <a:t> 이동</a:t>
+            </a:r>
+            <a:endParaRPr kumimoji="1" lang="ko-Kore-KR" altLang="en-US" sz="1600" dirty="0"/>
+          </a:p>
+        </p:txBody>
+      </p:sp>
+      <p:cxnSp>
+        <p:nvCxnSpPr>
+          <p:cNvPr id="131" name="구부러진 연결선[U] 130">
+            <a:extLst>
+              <a:ext uri="{FF2B5EF4-FFF2-40B4-BE49-F238E27FC236}">
+                <a16:creationId xmlns:a16="http://schemas.microsoft.com/office/drawing/2014/main" id="{EBF7AB47-D305-C246-E951-28F492A614C5}"/>
+              </a:ext>
+            </a:extLst>
+          </p:cNvPr>
+          <p:cNvCxnSpPr>
+            <a:cxnSpLocks/>
+            <a:stCxn id="32" idx="4"/>
+            <a:endCxn id="125" idx="4"/>
+          </p:cNvCxnSpPr>
+          <p:nvPr/>
+        </p:nvCxnSpPr>
+        <p:spPr>
+          <a:xfrm rot="5400000" flipH="1" flipV="1">
+            <a:off x="5243165" y="1747686"/>
+            <a:ext cx="638098" cy="8297871"/>
+          </a:xfrm>
+          <a:prstGeom prst="curvedConnector3">
+            <a:avLst>
+              <a:gd name="adj1" fmla="val -35825"/>
+            </a:avLst>
+          </a:prstGeom>
+          <a:ln w="28575">
+            <a:tailEnd type="triangle"/>
+          </a:ln>
+        </p:spPr>
+        <p:style>
+          <a:lnRef idx="1">
+            <a:schemeClr val="dk1"/>
+          </a:lnRef>
+          <a:fillRef idx="0">
+            <a:schemeClr val="dk1"/>
+          </a:fillRef>
+          <a:effectRef idx="0">
+            <a:schemeClr val="dk1"/>
+          </a:effectRef>
+          <a:fontRef idx="minor">
+            <a:schemeClr val="tx1"/>
+          </a:fontRef>
+        </p:style>
+      </p:cxnSp>
+      <p:sp>
+        <p:nvSpPr>
+          <p:cNvPr id="140" name="TextBox 139">
+            <a:extLst>
+              <a:ext uri="{FF2B5EF4-FFF2-40B4-BE49-F238E27FC236}">
+                <a16:creationId xmlns:a16="http://schemas.microsoft.com/office/drawing/2014/main" id="{A3A50E1F-46A5-1874-4BF6-DD3861492603}"/>
+              </a:ext>
+            </a:extLst>
+          </p:cNvPr>
+          <p:cNvSpPr txBox="1"/>
+          <p:nvPr/>
+        </p:nvSpPr>
+        <p:spPr>
+          <a:xfrm>
+            <a:off x="722147" y="1399129"/>
+            <a:ext cx="1301959" cy="307777"/>
+          </a:xfrm>
+          <a:prstGeom prst="rect">
+            <a:avLst/>
+          </a:prstGeom>
+          <a:noFill/>
+        </p:spPr>
+        <p:txBody>
+          <a:bodyPr wrap="none" rtlCol="0">
+            <a:spAutoFit/>
+          </a:bodyPr>
+          <a:lstStyle/>
+          <a:p>
+            <a:pPr algn="ctr"/>
+            <a:r>
+              <a:rPr kumimoji="1" lang="ko-KR" altLang="en-US" sz="1400" dirty="0"/>
+              <a:t>검색버튼 클릭</a:t>
+            </a:r>
+            <a:endParaRPr kumimoji="1" lang="en-US" altLang="ko-KR" sz="1400" dirty="0"/>
+          </a:p>
+        </p:txBody>
+      </p:sp>
+      <p:sp>
+        <p:nvSpPr>
+          <p:cNvPr id="141" name="TextBox 140">
+            <a:extLst>
+              <a:ext uri="{FF2B5EF4-FFF2-40B4-BE49-F238E27FC236}">
+                <a16:creationId xmlns:a16="http://schemas.microsoft.com/office/drawing/2014/main" id="{188B9633-E26E-D118-F7C0-C52BCB77F23E}"/>
+              </a:ext>
+            </a:extLst>
+          </p:cNvPr>
+          <p:cNvSpPr txBox="1"/>
+          <p:nvPr/>
+        </p:nvSpPr>
+        <p:spPr>
+          <a:xfrm>
+            <a:off x="5624557" y="5906461"/>
+            <a:ext cx="942886" cy="523220"/>
+          </a:xfrm>
+          <a:prstGeom prst="rect">
+            <a:avLst/>
+          </a:prstGeom>
+          <a:noFill/>
+        </p:spPr>
+        <p:txBody>
+          <a:bodyPr wrap="none" rtlCol="0">
+            <a:spAutoFit/>
+          </a:bodyPr>
+          <a:lstStyle/>
+          <a:p>
+            <a:pPr algn="ctr"/>
+            <a:r>
+              <a:rPr kumimoji="1" lang="ko-KR" altLang="en-US" sz="1400" dirty="0"/>
+              <a:t>캘린더 </a:t>
+            </a:r>
+            <a:endParaRPr kumimoji="1" lang="en-US" altLang="ko-KR" sz="1400" dirty="0"/>
+          </a:p>
+          <a:p>
+            <a:pPr algn="ctr"/>
+            <a:r>
+              <a:rPr kumimoji="1" lang="ko-KR" altLang="en-US" sz="1400" dirty="0"/>
+              <a:t>버튼 클릭</a:t>
+            </a:r>
+            <a:endParaRPr kumimoji="1" lang="en-US" altLang="ko-KR" sz="1400" dirty="0"/>
+          </a:p>
+        </p:txBody>
+      </p:sp>
+      <p:cxnSp>
+        <p:nvCxnSpPr>
+          <p:cNvPr id="148" name="구부러진 연결선[U] 147">
+            <a:extLst>
+              <a:ext uri="{FF2B5EF4-FFF2-40B4-BE49-F238E27FC236}">
+                <a16:creationId xmlns:a16="http://schemas.microsoft.com/office/drawing/2014/main" id="{888265AF-4FCD-1222-BA93-9F41A91EE849}"/>
+              </a:ext>
+            </a:extLst>
+          </p:cNvPr>
+          <p:cNvCxnSpPr>
+            <a:cxnSpLocks/>
+            <a:stCxn id="125" idx="6"/>
+            <a:endCxn id="10" idx="6"/>
+          </p:cNvCxnSpPr>
+          <p:nvPr/>
+        </p:nvCxnSpPr>
+        <p:spPr>
+          <a:xfrm flipV="1">
+            <a:off x="10611150" y="1691429"/>
+            <a:ext cx="393185" cy="3346144"/>
+          </a:xfrm>
+          <a:prstGeom prst="curvedConnector3">
+            <a:avLst>
+              <a:gd name="adj1" fmla="val 158141"/>
+            </a:avLst>
+          </a:prstGeom>
+          <a:ln w="28575">
+            <a:tailEnd type="triangle"/>
+          </a:ln>
+        </p:spPr>
+        <p:style>
+          <a:lnRef idx="1">
+            <a:schemeClr val="dk1"/>
+          </a:lnRef>
+          <a:fillRef idx="0">
+            <a:schemeClr val="dk1"/>
+          </a:fillRef>
+          <a:effectRef idx="0">
+            <a:schemeClr val="dk1"/>
+          </a:effectRef>
+          <a:fontRef idx="minor">
+            <a:schemeClr val="tx1"/>
+          </a:fontRef>
+        </p:style>
+      </p:cxnSp>
+      <p:cxnSp>
+        <p:nvCxnSpPr>
+          <p:cNvPr id="165" name="구부러진 연결선[U] 164">
+            <a:extLst>
+              <a:ext uri="{FF2B5EF4-FFF2-40B4-BE49-F238E27FC236}">
+                <a16:creationId xmlns:a16="http://schemas.microsoft.com/office/drawing/2014/main" id="{6C586EC8-B70F-D22A-B69B-E40F262FDB76}"/>
+              </a:ext>
+            </a:extLst>
+          </p:cNvPr>
+          <p:cNvCxnSpPr>
+            <a:cxnSpLocks/>
+            <a:stCxn id="119" idx="7"/>
+            <a:endCxn id="10" idx="1"/>
+          </p:cNvCxnSpPr>
+          <p:nvPr/>
+        </p:nvCxnSpPr>
+        <p:spPr>
+          <a:xfrm rot="16200000" flipH="1">
+            <a:off x="6763377" y="-1331331"/>
+            <a:ext cx="285443" cy="5123680"/>
+          </a:xfrm>
+          <a:prstGeom prst="curvedConnector3">
+            <a:avLst>
+              <a:gd name="adj1" fmla="val -135495"/>
+            </a:avLst>
+          </a:prstGeom>
+          <a:ln w="28575">
+            <a:tailEnd type="triangle"/>
+          </a:ln>
+        </p:spPr>
+        <p:style>
+          <a:lnRef idx="1">
+            <a:schemeClr val="dk1"/>
+          </a:lnRef>
+          <a:fillRef idx="0">
+            <a:schemeClr val="dk1"/>
+          </a:fillRef>
+          <a:effectRef idx="0">
+            <a:schemeClr val="dk1"/>
+          </a:effectRef>
+          <a:fontRef idx="minor">
+            <a:schemeClr val="tx1"/>
+          </a:fontRef>
+        </p:style>
+      </p:cxnSp>
+      <p:sp>
+        <p:nvSpPr>
+          <p:cNvPr id="179" name="TextBox 178">
+            <a:extLst>
+              <a:ext uri="{FF2B5EF4-FFF2-40B4-BE49-F238E27FC236}">
+                <a16:creationId xmlns:a16="http://schemas.microsoft.com/office/drawing/2014/main" id="{FF6460A8-F35F-3BEB-F8FE-545A24603652}"/>
+              </a:ext>
+            </a:extLst>
+          </p:cNvPr>
+          <p:cNvSpPr txBox="1"/>
+          <p:nvPr/>
+        </p:nvSpPr>
+        <p:spPr>
+          <a:xfrm>
+            <a:off x="5735444" y="140012"/>
+            <a:ext cx="2060179" cy="523220"/>
+          </a:xfrm>
+          <a:prstGeom prst="rect">
+            <a:avLst/>
+          </a:prstGeom>
+          <a:noFill/>
+        </p:spPr>
+        <p:txBody>
+          <a:bodyPr wrap="none" rtlCol="0">
+            <a:spAutoFit/>
+          </a:bodyPr>
+          <a:lstStyle/>
+          <a:p>
+            <a:pPr algn="ctr"/>
+            <a:r>
+              <a:rPr kumimoji="1" lang="ko-KR" altLang="en-US" sz="1400" dirty="0"/>
+              <a:t>입력한 해시태그에</a:t>
+            </a:r>
+            <a:endParaRPr kumimoji="1" lang="en-US" altLang="ko-KR" sz="1400" dirty="0"/>
+          </a:p>
+          <a:p>
+            <a:pPr algn="ctr"/>
+            <a:r>
+              <a:rPr kumimoji="1" lang="ko-KR" altLang="en-US" sz="1400" dirty="0"/>
+              <a:t>해당하는 다이어리 나열</a:t>
+            </a:r>
+            <a:endParaRPr kumimoji="1" lang="en-US" altLang="ko-KR" sz="1400" dirty="0"/>
+          </a:p>
+        </p:txBody>
+      </p:sp>
+      <p:sp>
+        <p:nvSpPr>
+          <p:cNvPr id="211" name="TextBox 210">
+            <a:extLst>
+              <a:ext uri="{FF2B5EF4-FFF2-40B4-BE49-F238E27FC236}">
+                <a16:creationId xmlns:a16="http://schemas.microsoft.com/office/drawing/2014/main" id="{80837250-060F-0F27-606A-1B9B55B058B3}"/>
+              </a:ext>
+            </a:extLst>
+          </p:cNvPr>
+          <p:cNvSpPr txBox="1"/>
+          <p:nvPr/>
+        </p:nvSpPr>
+        <p:spPr>
+          <a:xfrm>
+            <a:off x="9928167" y="3273867"/>
+            <a:ext cx="1701108" cy="523220"/>
+          </a:xfrm>
+          <a:prstGeom prst="rect">
+            <a:avLst/>
+          </a:prstGeom>
+          <a:noFill/>
+        </p:spPr>
+        <p:txBody>
+          <a:bodyPr wrap="none" rtlCol="0">
+            <a:spAutoFit/>
+          </a:bodyPr>
+          <a:lstStyle/>
+          <a:p>
+            <a:pPr algn="ctr"/>
+            <a:r>
+              <a:rPr kumimoji="1" lang="ko-KR" altLang="en-US" sz="1400" dirty="0"/>
+              <a:t>선택한 날짜에 </a:t>
+            </a:r>
+            <a:endParaRPr kumimoji="1" lang="en-US" altLang="ko-KR" sz="1400" dirty="0"/>
+          </a:p>
+          <a:p>
+            <a:pPr algn="ctr"/>
+            <a:r>
+              <a:rPr kumimoji="1" lang="ko-KR" altLang="en-US" sz="1400" dirty="0"/>
+              <a:t>대한 다이어리 정보</a:t>
+            </a:r>
+            <a:endParaRPr kumimoji="1" lang="en-US" altLang="ko-KR" sz="1400" dirty="0"/>
+          </a:p>
+        </p:txBody>
+      </p:sp>
     </p:spTree>
     <p:extLst>
       <p:ext uri="{BB962C8B-B14F-4D97-AF65-F5344CB8AC3E}">
@@ -5294,6 +4986,1289 @@
 </file>
 
 <file path=ppt/slides/slide3.xml><?xml version="1.0" encoding="utf-8"?>
+<p:sld xmlns:a="http://schemas.openxmlformats.org/drawingml/2006/main" xmlns:r="http://schemas.openxmlformats.org/officeDocument/2006/relationships" xmlns:p="http://schemas.openxmlformats.org/presentationml/2006/main">
+  <p:cSld>
+    <p:spTree>
+      <p:nvGrpSpPr>
+        <p:cNvPr id="1" name=""/>
+        <p:cNvGrpSpPr/>
+        <p:nvPr/>
+      </p:nvGrpSpPr>
+      <p:grpSpPr>
+        <a:xfrm>
+          <a:off x="0" y="0"/>
+          <a:ext cx="0" cy="0"/>
+          <a:chOff x="0" y="0"/>
+          <a:chExt cx="0" cy="0"/>
+        </a:xfrm>
+      </p:grpSpPr>
+      <p:sp>
+        <p:nvSpPr>
+          <p:cNvPr id="37" name="모서리가 둥근 직사각형 36">
+            <a:extLst>
+              <a:ext uri="{FF2B5EF4-FFF2-40B4-BE49-F238E27FC236}">
+                <a16:creationId xmlns:a16="http://schemas.microsoft.com/office/drawing/2014/main" id="{112F15CB-D38A-8F4A-8F32-5C1B35289BF3}"/>
+              </a:ext>
+            </a:extLst>
+          </p:cNvPr>
+          <p:cNvSpPr/>
+          <p:nvPr/>
+        </p:nvSpPr>
+        <p:spPr>
+          <a:xfrm>
+            <a:off x="722150" y="213749"/>
+            <a:ext cx="1688541" cy="513045"/>
+          </a:xfrm>
+          <a:prstGeom prst="roundRect">
+            <a:avLst/>
+          </a:prstGeom>
+          <a:solidFill>
+            <a:srgbClr val="FD997D"/>
+          </a:solidFill>
+          <a:ln>
+            <a:noFill/>
+          </a:ln>
+        </p:spPr>
+        <p:style>
+          <a:lnRef idx="2">
+            <a:schemeClr val="accent1">
+              <a:shade val="50000"/>
+            </a:schemeClr>
+          </a:lnRef>
+          <a:fillRef idx="1">
+            <a:schemeClr val="accent1"/>
+          </a:fillRef>
+          <a:effectRef idx="0">
+            <a:schemeClr val="accent1"/>
+          </a:effectRef>
+          <a:fontRef idx="minor">
+            <a:schemeClr val="lt1"/>
+          </a:fontRef>
+        </p:style>
+        <p:txBody>
+          <a:bodyPr rtlCol="0" anchor="ctr"/>
+          <a:lstStyle/>
+          <a:p>
+            <a:pPr algn="ctr"/>
+            <a:r>
+              <a:rPr kumimoji="1" lang="en-US" altLang="ko-KR" dirty="0"/>
+              <a:t>DFD</a:t>
+            </a:r>
+            <a:r>
+              <a:rPr kumimoji="1" lang="ko-KR" altLang="en-US" dirty="0"/>
+              <a:t> </a:t>
+            </a:r>
+            <a:r>
+              <a:rPr kumimoji="1" lang="en-US" altLang="ko-KR" dirty="0"/>
+              <a:t>–</a:t>
+            </a:r>
+            <a:r>
+              <a:rPr kumimoji="1" lang="ko-KR" altLang="en-US" dirty="0"/>
+              <a:t> </a:t>
+            </a:r>
+            <a:r>
+              <a:rPr kumimoji="1" lang="en-US" altLang="ko-KR" dirty="0" err="1"/>
+              <a:t>ToDo</a:t>
+            </a:r>
+            <a:endParaRPr kumimoji="1" lang="en-US" altLang="ko-Kore-KR" dirty="0"/>
+          </a:p>
+        </p:txBody>
+      </p:sp>
+      <p:sp>
+        <p:nvSpPr>
+          <p:cNvPr id="32" name="직사각형 31">
+            <a:extLst>
+              <a:ext uri="{FF2B5EF4-FFF2-40B4-BE49-F238E27FC236}">
+                <a16:creationId xmlns:a16="http://schemas.microsoft.com/office/drawing/2014/main" id="{ACE1A9E1-1B44-294D-9DA6-F7389B03D7E1}"/>
+              </a:ext>
+            </a:extLst>
+          </p:cNvPr>
+          <p:cNvSpPr/>
+          <p:nvPr/>
+        </p:nvSpPr>
+        <p:spPr>
+          <a:xfrm>
+            <a:off x="939073" y="5341368"/>
+            <a:ext cx="1382257" cy="756801"/>
+          </a:xfrm>
+          <a:prstGeom prst="rect">
+            <a:avLst/>
+          </a:prstGeom>
+          <a:solidFill>
+            <a:srgbClr val="B870EA"/>
+          </a:solidFill>
+          <a:ln>
+            <a:noFill/>
+          </a:ln>
+        </p:spPr>
+        <p:style>
+          <a:lnRef idx="2">
+            <a:schemeClr val="accent1">
+              <a:shade val="50000"/>
+            </a:schemeClr>
+          </a:lnRef>
+          <a:fillRef idx="1">
+            <a:schemeClr val="accent1"/>
+          </a:fillRef>
+          <a:effectRef idx="0">
+            <a:schemeClr val="accent1"/>
+          </a:effectRef>
+          <a:fontRef idx="minor">
+            <a:schemeClr val="lt1"/>
+          </a:fontRef>
+        </p:style>
+        <p:txBody>
+          <a:bodyPr rtlCol="0" anchor="ctr"/>
+          <a:lstStyle/>
+          <a:p>
+            <a:pPr algn="ctr"/>
+            <a:r>
+              <a:rPr kumimoji="1" lang="en-US" altLang="ko-Kore-KR" dirty="0">
+                <a:solidFill>
+                  <a:sysClr val="windowText" lastClr="000000"/>
+                </a:solidFill>
+              </a:rPr>
+              <a:t>User</a:t>
+            </a:r>
+          </a:p>
+        </p:txBody>
+      </p:sp>
+      <p:sp>
+        <p:nvSpPr>
+          <p:cNvPr id="10" name="타원 9">
+            <a:extLst>
+              <a:ext uri="{FF2B5EF4-FFF2-40B4-BE49-F238E27FC236}">
+                <a16:creationId xmlns:a16="http://schemas.microsoft.com/office/drawing/2014/main" id="{C5CD0510-17AD-8B40-A414-68CE71F5D9A0}"/>
+              </a:ext>
+            </a:extLst>
+          </p:cNvPr>
+          <p:cNvSpPr/>
+          <p:nvPr/>
+        </p:nvSpPr>
+        <p:spPr>
+          <a:xfrm>
+            <a:off x="8589457" y="698231"/>
+            <a:ext cx="1800000" cy="900000"/>
+          </a:xfrm>
+          <a:prstGeom prst="ellipse">
+            <a:avLst/>
+          </a:prstGeom>
+          <a:solidFill>
+            <a:schemeClr val="bg1"/>
+          </a:solidFill>
+          <a:ln>
+            <a:noFill/>
+          </a:ln>
+        </p:spPr>
+        <p:style>
+          <a:lnRef idx="2">
+            <a:schemeClr val="accent1">
+              <a:shade val="50000"/>
+            </a:schemeClr>
+          </a:lnRef>
+          <a:fillRef idx="1">
+            <a:schemeClr val="accent1"/>
+          </a:fillRef>
+          <a:effectRef idx="0">
+            <a:schemeClr val="accent1"/>
+          </a:effectRef>
+          <a:fontRef idx="minor">
+            <a:schemeClr val="lt1"/>
+          </a:fontRef>
+        </p:style>
+        <p:txBody>
+          <a:bodyPr rtlCol="0" anchor="ctr"/>
+          <a:lstStyle/>
+          <a:p>
+            <a:pPr algn="ctr"/>
+            <a:r>
+              <a:rPr kumimoji="1" lang="en-US" altLang="ko-Kore-KR" dirty="0" err="1">
+                <a:solidFill>
+                  <a:sysClr val="windowText" lastClr="000000"/>
+                </a:solidFill>
+              </a:rPr>
+              <a:t>ToDo</a:t>
+            </a:r>
+            <a:endParaRPr kumimoji="1" lang="en-US" altLang="ko-Kore-KR" dirty="0">
+              <a:solidFill>
+                <a:sysClr val="windowText" lastClr="000000"/>
+              </a:solidFill>
+            </a:endParaRPr>
+          </a:p>
+        </p:txBody>
+      </p:sp>
+      <p:cxnSp>
+        <p:nvCxnSpPr>
+          <p:cNvPr id="65" name="직선 연결선[R] 64">
+            <a:extLst>
+              <a:ext uri="{FF2B5EF4-FFF2-40B4-BE49-F238E27FC236}">
+                <a16:creationId xmlns:a16="http://schemas.microsoft.com/office/drawing/2014/main" id="{7893A6DD-6665-4871-C2BB-623405AFD759}"/>
+              </a:ext>
+            </a:extLst>
+          </p:cNvPr>
+          <p:cNvCxnSpPr/>
+          <p:nvPr/>
+        </p:nvCxnSpPr>
+        <p:spPr>
+          <a:xfrm>
+            <a:off x="8626798" y="700235"/>
+            <a:ext cx="1762325" cy="0"/>
+          </a:xfrm>
+          <a:prstGeom prst="line">
+            <a:avLst/>
+          </a:prstGeom>
+          <a:ln w="28575"/>
+        </p:spPr>
+        <p:style>
+          <a:lnRef idx="1">
+            <a:schemeClr val="dk1"/>
+          </a:lnRef>
+          <a:fillRef idx="0">
+            <a:schemeClr val="dk1"/>
+          </a:fillRef>
+          <a:effectRef idx="0">
+            <a:schemeClr val="dk1"/>
+          </a:effectRef>
+          <a:fontRef idx="minor">
+            <a:schemeClr val="tx1"/>
+          </a:fontRef>
+        </p:style>
+      </p:cxnSp>
+      <p:cxnSp>
+        <p:nvCxnSpPr>
+          <p:cNvPr id="71" name="직선 연결선[R] 70">
+            <a:extLst>
+              <a:ext uri="{FF2B5EF4-FFF2-40B4-BE49-F238E27FC236}">
+                <a16:creationId xmlns:a16="http://schemas.microsoft.com/office/drawing/2014/main" id="{71F76990-BCC9-E1E4-7243-4426CADDDD4C}"/>
+              </a:ext>
+            </a:extLst>
+          </p:cNvPr>
+          <p:cNvCxnSpPr/>
+          <p:nvPr/>
+        </p:nvCxnSpPr>
+        <p:spPr>
+          <a:xfrm>
+            <a:off x="8626798" y="1581606"/>
+            <a:ext cx="1762325" cy="0"/>
+          </a:xfrm>
+          <a:prstGeom prst="line">
+            <a:avLst/>
+          </a:prstGeom>
+          <a:ln w="28575"/>
+        </p:spPr>
+        <p:style>
+          <a:lnRef idx="1">
+            <a:schemeClr val="dk1"/>
+          </a:lnRef>
+          <a:fillRef idx="0">
+            <a:schemeClr val="dk1"/>
+          </a:fillRef>
+          <a:effectRef idx="0">
+            <a:schemeClr val="dk1"/>
+          </a:effectRef>
+          <a:fontRef idx="minor">
+            <a:schemeClr val="tx1"/>
+          </a:fontRef>
+        </p:style>
+      </p:cxnSp>
+      <p:cxnSp>
+        <p:nvCxnSpPr>
+          <p:cNvPr id="86" name="구부러진 연결선[U] 85">
+            <a:extLst>
+              <a:ext uri="{FF2B5EF4-FFF2-40B4-BE49-F238E27FC236}">
+                <a16:creationId xmlns:a16="http://schemas.microsoft.com/office/drawing/2014/main" id="{3296D80B-B284-8D92-69B6-DBF247E8355D}"/>
+              </a:ext>
+            </a:extLst>
+          </p:cNvPr>
+          <p:cNvCxnSpPr>
+            <a:cxnSpLocks/>
+            <a:stCxn id="32" idx="3"/>
+            <a:endCxn id="88" idx="2"/>
+          </p:cNvCxnSpPr>
+          <p:nvPr/>
+        </p:nvCxnSpPr>
+        <p:spPr>
+          <a:xfrm flipV="1">
+            <a:off x="2321330" y="4636330"/>
+            <a:ext cx="2758802" cy="1083439"/>
+          </a:xfrm>
+          <a:prstGeom prst="curvedConnector3">
+            <a:avLst>
+              <a:gd name="adj1" fmla="val 50000"/>
+            </a:avLst>
+          </a:prstGeom>
+          <a:ln w="28575">
+            <a:tailEnd type="triangle"/>
+          </a:ln>
+        </p:spPr>
+        <p:style>
+          <a:lnRef idx="1">
+            <a:schemeClr val="dk1"/>
+          </a:lnRef>
+          <a:fillRef idx="0">
+            <a:schemeClr val="dk1"/>
+          </a:fillRef>
+          <a:effectRef idx="0">
+            <a:schemeClr val="dk1"/>
+          </a:effectRef>
+          <a:fontRef idx="minor">
+            <a:schemeClr val="tx1"/>
+          </a:fontRef>
+        </p:style>
+      </p:cxnSp>
+      <p:sp>
+        <p:nvSpPr>
+          <p:cNvPr id="87" name="타원 86">
+            <a:extLst>
+              <a:ext uri="{FF2B5EF4-FFF2-40B4-BE49-F238E27FC236}">
+                <a16:creationId xmlns:a16="http://schemas.microsoft.com/office/drawing/2014/main" id="{80BF9C7D-D437-8998-E52C-74A92582E9DC}"/>
+              </a:ext>
+            </a:extLst>
+          </p:cNvPr>
+          <p:cNvSpPr/>
+          <p:nvPr/>
+        </p:nvSpPr>
+        <p:spPr>
+          <a:xfrm>
+            <a:off x="2212872" y="810873"/>
+            <a:ext cx="1800000" cy="1080000"/>
+          </a:xfrm>
+          <a:prstGeom prst="ellipse">
+            <a:avLst/>
+          </a:prstGeom>
+          <a:solidFill>
+            <a:srgbClr val="FD997D"/>
+          </a:solidFill>
+          <a:ln>
+            <a:noFill/>
+          </a:ln>
+        </p:spPr>
+        <p:style>
+          <a:lnRef idx="2">
+            <a:schemeClr val="accent1">
+              <a:shade val="50000"/>
+            </a:schemeClr>
+          </a:lnRef>
+          <a:fillRef idx="1">
+            <a:schemeClr val="accent1"/>
+          </a:fillRef>
+          <a:effectRef idx="0">
+            <a:schemeClr val="accent1"/>
+          </a:effectRef>
+          <a:fontRef idx="minor">
+            <a:schemeClr val="lt1"/>
+          </a:fontRef>
+        </p:style>
+        <p:txBody>
+          <a:bodyPr rtlCol="0" anchor="ctr"/>
+          <a:lstStyle/>
+          <a:p>
+            <a:pPr algn="ctr"/>
+            <a:r>
+              <a:rPr kumimoji="1" lang="ko-Kore-KR" altLang="en-US" sz="1600" dirty="0"/>
+              <a:t>투두</a:t>
+            </a:r>
+            <a:r>
+              <a:rPr kumimoji="1" lang="ko-KR" altLang="en-US" sz="1600" dirty="0"/>
+              <a:t> 작성</a:t>
+            </a:r>
+            <a:endParaRPr kumimoji="1" lang="ko-Kore-KR" altLang="en-US" sz="1600" dirty="0"/>
+          </a:p>
+        </p:txBody>
+      </p:sp>
+      <p:sp>
+        <p:nvSpPr>
+          <p:cNvPr id="88" name="타원 87">
+            <a:extLst>
+              <a:ext uri="{FF2B5EF4-FFF2-40B4-BE49-F238E27FC236}">
+                <a16:creationId xmlns:a16="http://schemas.microsoft.com/office/drawing/2014/main" id="{33DDCF04-BCE8-58B9-173E-75F0CAAE9022}"/>
+              </a:ext>
+            </a:extLst>
+          </p:cNvPr>
+          <p:cNvSpPr/>
+          <p:nvPr/>
+        </p:nvSpPr>
+        <p:spPr>
+          <a:xfrm>
+            <a:off x="5080132" y="4096330"/>
+            <a:ext cx="1800000" cy="1080000"/>
+          </a:xfrm>
+          <a:prstGeom prst="ellipse">
+            <a:avLst/>
+          </a:prstGeom>
+          <a:solidFill>
+            <a:srgbClr val="FD997D"/>
+          </a:solidFill>
+          <a:ln>
+            <a:noFill/>
+          </a:ln>
+        </p:spPr>
+        <p:style>
+          <a:lnRef idx="2">
+            <a:schemeClr val="accent1">
+              <a:shade val="50000"/>
+            </a:schemeClr>
+          </a:lnRef>
+          <a:fillRef idx="1">
+            <a:schemeClr val="accent1"/>
+          </a:fillRef>
+          <a:effectRef idx="0">
+            <a:schemeClr val="accent1"/>
+          </a:effectRef>
+          <a:fontRef idx="minor">
+            <a:schemeClr val="lt1"/>
+          </a:fontRef>
+        </p:style>
+        <p:txBody>
+          <a:bodyPr rtlCol="0" anchor="ctr"/>
+          <a:lstStyle/>
+          <a:p>
+            <a:pPr algn="ctr"/>
+            <a:r>
+              <a:rPr kumimoji="1" lang="ko-Kore-KR" altLang="en-US" sz="1600" dirty="0"/>
+              <a:t>투두</a:t>
+            </a:r>
+            <a:r>
+              <a:rPr kumimoji="1" lang="ko-KR" altLang="en-US" sz="1600" dirty="0"/>
+              <a:t> 수정</a:t>
+            </a:r>
+            <a:endParaRPr kumimoji="1" lang="ko-Kore-KR" altLang="en-US" sz="1600" dirty="0"/>
+          </a:p>
+        </p:txBody>
+      </p:sp>
+      <p:cxnSp>
+        <p:nvCxnSpPr>
+          <p:cNvPr id="91" name="구부러진 연결선[U] 90">
+            <a:extLst>
+              <a:ext uri="{FF2B5EF4-FFF2-40B4-BE49-F238E27FC236}">
+                <a16:creationId xmlns:a16="http://schemas.microsoft.com/office/drawing/2014/main" id="{3A860A38-4E58-C893-3314-7B04E7F5EC01}"/>
+              </a:ext>
+            </a:extLst>
+          </p:cNvPr>
+          <p:cNvCxnSpPr>
+            <a:cxnSpLocks/>
+            <a:stCxn id="32" idx="1"/>
+            <a:endCxn id="87" idx="2"/>
+          </p:cNvCxnSpPr>
+          <p:nvPr/>
+        </p:nvCxnSpPr>
+        <p:spPr>
+          <a:xfrm rot="10800000" flipH="1">
+            <a:off x="939072" y="1350873"/>
+            <a:ext cx="1273799" cy="4368896"/>
+          </a:xfrm>
+          <a:prstGeom prst="curvedConnector3">
+            <a:avLst>
+              <a:gd name="adj1" fmla="val -17946"/>
+            </a:avLst>
+          </a:prstGeom>
+          <a:ln w="28575">
+            <a:tailEnd type="triangle"/>
+          </a:ln>
+        </p:spPr>
+        <p:style>
+          <a:lnRef idx="1">
+            <a:schemeClr val="dk1"/>
+          </a:lnRef>
+          <a:fillRef idx="0">
+            <a:schemeClr val="dk1"/>
+          </a:fillRef>
+          <a:effectRef idx="0">
+            <a:schemeClr val="dk1"/>
+          </a:effectRef>
+          <a:fontRef idx="minor">
+            <a:schemeClr val="tx1"/>
+          </a:fontRef>
+        </p:style>
+      </p:cxnSp>
+      <p:cxnSp>
+        <p:nvCxnSpPr>
+          <p:cNvPr id="95" name="구부러진 연결선[U] 94">
+            <a:extLst>
+              <a:ext uri="{FF2B5EF4-FFF2-40B4-BE49-F238E27FC236}">
+                <a16:creationId xmlns:a16="http://schemas.microsoft.com/office/drawing/2014/main" id="{CD3FF84E-313D-457F-A3F9-FB8625822729}"/>
+              </a:ext>
+            </a:extLst>
+          </p:cNvPr>
+          <p:cNvCxnSpPr>
+            <a:cxnSpLocks/>
+            <a:stCxn id="87" idx="7"/>
+            <a:endCxn id="10" idx="1"/>
+          </p:cNvCxnSpPr>
+          <p:nvPr/>
+        </p:nvCxnSpPr>
+        <p:spPr>
+          <a:xfrm rot="5400000" flipH="1" flipV="1">
+            <a:off x="6231663" y="-1652362"/>
+            <a:ext cx="139002" cy="5103793"/>
+          </a:xfrm>
+          <a:prstGeom prst="curvedConnector3">
+            <a:avLst>
+              <a:gd name="adj1" fmla="val 359278"/>
+            </a:avLst>
+          </a:prstGeom>
+          <a:ln w="28575">
+            <a:tailEnd type="triangle"/>
+          </a:ln>
+        </p:spPr>
+        <p:style>
+          <a:lnRef idx="1">
+            <a:schemeClr val="dk1"/>
+          </a:lnRef>
+          <a:fillRef idx="0">
+            <a:schemeClr val="dk1"/>
+          </a:fillRef>
+          <a:effectRef idx="0">
+            <a:schemeClr val="dk1"/>
+          </a:effectRef>
+          <a:fontRef idx="minor">
+            <a:schemeClr val="tx1"/>
+          </a:fontRef>
+        </p:style>
+      </p:cxnSp>
+      <p:cxnSp>
+        <p:nvCxnSpPr>
+          <p:cNvPr id="98" name="구부러진 연결선[U] 97">
+            <a:extLst>
+              <a:ext uri="{FF2B5EF4-FFF2-40B4-BE49-F238E27FC236}">
+                <a16:creationId xmlns:a16="http://schemas.microsoft.com/office/drawing/2014/main" id="{0940C5C9-8EF0-B1E3-EAC4-1CC6567E0E3D}"/>
+              </a:ext>
+            </a:extLst>
+          </p:cNvPr>
+          <p:cNvCxnSpPr>
+            <a:cxnSpLocks/>
+            <a:stCxn id="88" idx="6"/>
+            <a:endCxn id="10" idx="4"/>
+          </p:cNvCxnSpPr>
+          <p:nvPr/>
+        </p:nvCxnSpPr>
+        <p:spPr>
+          <a:xfrm flipV="1">
+            <a:off x="6880132" y="1598231"/>
+            <a:ext cx="2609325" cy="3038099"/>
+          </a:xfrm>
+          <a:prstGeom prst="curvedConnector2">
+            <a:avLst/>
+          </a:prstGeom>
+          <a:ln w="28575">
+            <a:tailEnd type="triangle"/>
+          </a:ln>
+        </p:spPr>
+        <p:style>
+          <a:lnRef idx="1">
+            <a:schemeClr val="dk1"/>
+          </a:lnRef>
+          <a:fillRef idx="0">
+            <a:schemeClr val="dk1"/>
+          </a:fillRef>
+          <a:effectRef idx="0">
+            <a:schemeClr val="dk1"/>
+          </a:effectRef>
+          <a:fontRef idx="minor">
+            <a:schemeClr val="tx1"/>
+          </a:fontRef>
+        </p:style>
+      </p:cxnSp>
+      <p:sp>
+        <p:nvSpPr>
+          <p:cNvPr id="104" name="타원 103">
+            <a:extLst>
+              <a:ext uri="{FF2B5EF4-FFF2-40B4-BE49-F238E27FC236}">
+                <a16:creationId xmlns:a16="http://schemas.microsoft.com/office/drawing/2014/main" id="{30B06896-7945-6821-D3AF-4A1E71BEE90A}"/>
+              </a:ext>
+            </a:extLst>
+          </p:cNvPr>
+          <p:cNvSpPr/>
+          <p:nvPr/>
+        </p:nvSpPr>
+        <p:spPr>
+          <a:xfrm>
+            <a:off x="3546675" y="2707586"/>
+            <a:ext cx="1800000" cy="1080000"/>
+          </a:xfrm>
+          <a:prstGeom prst="ellipse">
+            <a:avLst/>
+          </a:prstGeom>
+          <a:solidFill>
+            <a:srgbClr val="FD997D"/>
+          </a:solidFill>
+          <a:ln>
+            <a:noFill/>
+          </a:ln>
+        </p:spPr>
+        <p:style>
+          <a:lnRef idx="2">
+            <a:schemeClr val="accent1">
+              <a:shade val="50000"/>
+            </a:schemeClr>
+          </a:lnRef>
+          <a:fillRef idx="1">
+            <a:schemeClr val="accent1"/>
+          </a:fillRef>
+          <a:effectRef idx="0">
+            <a:schemeClr val="accent1"/>
+          </a:effectRef>
+          <a:fontRef idx="minor">
+            <a:schemeClr val="lt1"/>
+          </a:fontRef>
+        </p:style>
+        <p:txBody>
+          <a:bodyPr rtlCol="0" anchor="ctr"/>
+          <a:lstStyle/>
+          <a:p>
+            <a:pPr algn="ctr"/>
+            <a:r>
+              <a:rPr kumimoji="1" lang="ko-Kore-KR" altLang="en-US" sz="1600" dirty="0"/>
+              <a:t>투두</a:t>
+            </a:r>
+            <a:r>
+              <a:rPr kumimoji="1" lang="ko-KR" altLang="en-US" sz="1600" dirty="0"/>
+              <a:t> 삭제</a:t>
+            </a:r>
+            <a:endParaRPr kumimoji="1" lang="ko-Kore-KR" altLang="en-US" sz="1600" dirty="0"/>
+          </a:p>
+        </p:txBody>
+      </p:sp>
+      <p:cxnSp>
+        <p:nvCxnSpPr>
+          <p:cNvPr id="105" name="구부러진 연결선[U] 104">
+            <a:extLst>
+              <a:ext uri="{FF2B5EF4-FFF2-40B4-BE49-F238E27FC236}">
+                <a16:creationId xmlns:a16="http://schemas.microsoft.com/office/drawing/2014/main" id="{EF34F7DB-2254-CE94-C781-A07D883038BE}"/>
+              </a:ext>
+            </a:extLst>
+          </p:cNvPr>
+          <p:cNvCxnSpPr>
+            <a:cxnSpLocks/>
+            <a:stCxn id="32" idx="0"/>
+            <a:endCxn id="104" idx="2"/>
+          </p:cNvCxnSpPr>
+          <p:nvPr/>
+        </p:nvCxnSpPr>
+        <p:spPr>
+          <a:xfrm rot="5400000" flipH="1" flipV="1">
+            <a:off x="1541547" y="3336241"/>
+            <a:ext cx="2093782" cy="1916473"/>
+          </a:xfrm>
+          <a:prstGeom prst="curvedConnector2">
+            <a:avLst/>
+          </a:prstGeom>
+          <a:ln w="28575">
+            <a:tailEnd type="triangle"/>
+          </a:ln>
+        </p:spPr>
+        <p:style>
+          <a:lnRef idx="1">
+            <a:schemeClr val="dk1"/>
+          </a:lnRef>
+          <a:fillRef idx="0">
+            <a:schemeClr val="dk1"/>
+          </a:fillRef>
+          <a:effectRef idx="0">
+            <a:schemeClr val="dk1"/>
+          </a:effectRef>
+          <a:fontRef idx="minor">
+            <a:schemeClr val="tx1"/>
+          </a:fontRef>
+        </p:style>
+      </p:cxnSp>
+      <p:cxnSp>
+        <p:nvCxnSpPr>
+          <p:cNvPr id="108" name="구부러진 연결선[U] 107">
+            <a:extLst>
+              <a:ext uri="{FF2B5EF4-FFF2-40B4-BE49-F238E27FC236}">
+                <a16:creationId xmlns:a16="http://schemas.microsoft.com/office/drawing/2014/main" id="{F9AE52FC-2DF7-1C98-F60C-9CDCB24A085D}"/>
+              </a:ext>
+            </a:extLst>
+          </p:cNvPr>
+          <p:cNvCxnSpPr>
+            <a:cxnSpLocks/>
+            <a:stCxn id="104" idx="7"/>
+            <a:endCxn id="10" idx="2"/>
+          </p:cNvCxnSpPr>
+          <p:nvPr/>
+        </p:nvCxnSpPr>
+        <p:spPr>
+          <a:xfrm rot="5400000" flipH="1" flipV="1">
+            <a:off x="5977506" y="253797"/>
+            <a:ext cx="1717517" cy="3506386"/>
+          </a:xfrm>
+          <a:prstGeom prst="curvedConnector2">
+            <a:avLst/>
+          </a:prstGeom>
+          <a:ln w="28575">
+            <a:tailEnd type="triangle"/>
+          </a:ln>
+        </p:spPr>
+        <p:style>
+          <a:lnRef idx="1">
+            <a:schemeClr val="dk1"/>
+          </a:lnRef>
+          <a:fillRef idx="0">
+            <a:schemeClr val="dk1"/>
+          </a:fillRef>
+          <a:effectRef idx="0">
+            <a:schemeClr val="dk1"/>
+          </a:effectRef>
+          <a:fontRef idx="minor">
+            <a:schemeClr val="tx1"/>
+          </a:fontRef>
+        </p:style>
+      </p:cxnSp>
+      <p:sp>
+        <p:nvSpPr>
+          <p:cNvPr id="113" name="TextBox 112">
+            <a:extLst>
+              <a:ext uri="{FF2B5EF4-FFF2-40B4-BE49-F238E27FC236}">
+                <a16:creationId xmlns:a16="http://schemas.microsoft.com/office/drawing/2014/main" id="{C118F336-F203-D0A7-CE69-55198475F6D8}"/>
+              </a:ext>
+            </a:extLst>
+          </p:cNvPr>
+          <p:cNvSpPr txBox="1"/>
+          <p:nvPr/>
+        </p:nvSpPr>
+        <p:spPr>
+          <a:xfrm>
+            <a:off x="969502" y="2595432"/>
+            <a:ext cx="902811" cy="523220"/>
+          </a:xfrm>
+          <a:prstGeom prst="rect">
+            <a:avLst/>
+          </a:prstGeom>
+          <a:noFill/>
+        </p:spPr>
+        <p:txBody>
+          <a:bodyPr wrap="none" rtlCol="0">
+            <a:spAutoFit/>
+          </a:bodyPr>
+          <a:lstStyle/>
+          <a:p>
+            <a:pPr algn="ctr"/>
+            <a:r>
+              <a:rPr kumimoji="1" lang="ko-KR" altLang="en-US" sz="1400" dirty="0"/>
+              <a:t>추가버튼</a:t>
+            </a:r>
+            <a:endParaRPr kumimoji="1" lang="en-US" altLang="ko-KR" sz="1400" dirty="0"/>
+          </a:p>
+          <a:p>
+            <a:pPr algn="ctr"/>
+            <a:r>
+              <a:rPr kumimoji="1" lang="ko-KR" altLang="en-US" sz="1400" dirty="0"/>
+              <a:t>클릭</a:t>
+            </a:r>
+            <a:endParaRPr kumimoji="1" lang="ko-Kore-KR" altLang="en-US" sz="1400" dirty="0"/>
+          </a:p>
+        </p:txBody>
+      </p:sp>
+      <p:sp>
+        <p:nvSpPr>
+          <p:cNvPr id="114" name="TextBox 113">
+            <a:extLst>
+              <a:ext uri="{FF2B5EF4-FFF2-40B4-BE49-F238E27FC236}">
+                <a16:creationId xmlns:a16="http://schemas.microsoft.com/office/drawing/2014/main" id="{D58D1B98-A14E-8C81-F858-E09B0863D448}"/>
+              </a:ext>
+            </a:extLst>
+          </p:cNvPr>
+          <p:cNvSpPr txBox="1"/>
+          <p:nvPr/>
+        </p:nvSpPr>
+        <p:spPr>
+          <a:xfrm>
+            <a:off x="3862283" y="4914720"/>
+            <a:ext cx="942887" cy="523220"/>
+          </a:xfrm>
+          <a:prstGeom prst="rect">
+            <a:avLst/>
+          </a:prstGeom>
+          <a:noFill/>
+        </p:spPr>
+        <p:txBody>
+          <a:bodyPr wrap="none" rtlCol="0">
+            <a:spAutoFit/>
+          </a:bodyPr>
+          <a:lstStyle/>
+          <a:p>
+            <a:pPr algn="ctr"/>
+            <a:r>
+              <a:rPr kumimoji="1" lang="ko-KR" altLang="en-US" sz="1400" dirty="0"/>
+              <a:t>수정할</a:t>
+            </a:r>
+            <a:endParaRPr kumimoji="1" lang="en-US" altLang="ko-KR" sz="1400" dirty="0"/>
+          </a:p>
+          <a:p>
+            <a:pPr algn="ctr"/>
+            <a:r>
+              <a:rPr kumimoji="1" lang="ko-KR" altLang="en-US" sz="1400" dirty="0" err="1"/>
+              <a:t>투두</a:t>
+            </a:r>
+            <a:r>
+              <a:rPr kumimoji="1" lang="ko-KR" altLang="en-US" sz="1400" dirty="0"/>
+              <a:t> 클릭</a:t>
+            </a:r>
+            <a:endParaRPr kumimoji="1" lang="ko-Kore-KR" altLang="en-US" sz="1400" dirty="0"/>
+          </a:p>
+        </p:txBody>
+      </p:sp>
+      <p:sp>
+        <p:nvSpPr>
+          <p:cNvPr id="115" name="TextBox 114">
+            <a:extLst>
+              <a:ext uri="{FF2B5EF4-FFF2-40B4-BE49-F238E27FC236}">
+                <a16:creationId xmlns:a16="http://schemas.microsoft.com/office/drawing/2014/main" id="{8F60941A-A0D0-A7D6-ED8F-47B750450F27}"/>
+              </a:ext>
+            </a:extLst>
+          </p:cNvPr>
+          <p:cNvSpPr txBox="1"/>
+          <p:nvPr/>
+        </p:nvSpPr>
+        <p:spPr>
+          <a:xfrm>
+            <a:off x="5728325" y="1890873"/>
+            <a:ext cx="902811" cy="523220"/>
+          </a:xfrm>
+          <a:prstGeom prst="rect">
+            <a:avLst/>
+          </a:prstGeom>
+          <a:noFill/>
+        </p:spPr>
+        <p:txBody>
+          <a:bodyPr wrap="none" rtlCol="0">
+            <a:spAutoFit/>
+          </a:bodyPr>
+          <a:lstStyle/>
+          <a:p>
+            <a:pPr algn="ctr"/>
+            <a:r>
+              <a:rPr kumimoji="1" lang="ko-KR" altLang="en-US" sz="1400" dirty="0"/>
+              <a:t>삭제버튼</a:t>
+            </a:r>
+            <a:endParaRPr kumimoji="1" lang="en-US" altLang="ko-KR" sz="1400" dirty="0"/>
+          </a:p>
+          <a:p>
+            <a:pPr algn="ctr"/>
+            <a:r>
+              <a:rPr kumimoji="1" lang="ko-KR" altLang="en-US" sz="1400" dirty="0"/>
+              <a:t>클릭</a:t>
+            </a:r>
+            <a:endParaRPr kumimoji="1" lang="ko-Kore-KR" altLang="en-US" sz="1400" dirty="0"/>
+          </a:p>
+        </p:txBody>
+      </p:sp>
+      <p:sp>
+        <p:nvSpPr>
+          <p:cNvPr id="116" name="TextBox 115">
+            <a:extLst>
+              <a:ext uri="{FF2B5EF4-FFF2-40B4-BE49-F238E27FC236}">
+                <a16:creationId xmlns:a16="http://schemas.microsoft.com/office/drawing/2014/main" id="{9B85BF0C-49B3-E4DF-DBDC-32F9AE028028}"/>
+              </a:ext>
+            </a:extLst>
+          </p:cNvPr>
+          <p:cNvSpPr txBox="1"/>
+          <p:nvPr/>
+        </p:nvSpPr>
+        <p:spPr>
+          <a:xfrm>
+            <a:off x="7489859" y="3484422"/>
+            <a:ext cx="942887" cy="523220"/>
+          </a:xfrm>
+          <a:prstGeom prst="rect">
+            <a:avLst/>
+          </a:prstGeom>
+          <a:noFill/>
+        </p:spPr>
+        <p:txBody>
+          <a:bodyPr wrap="none" rtlCol="0">
+            <a:spAutoFit/>
+          </a:bodyPr>
+          <a:lstStyle/>
+          <a:p>
+            <a:pPr algn="ctr"/>
+            <a:r>
+              <a:rPr kumimoji="1" lang="ko-KR" altLang="en-US" sz="1400" dirty="0"/>
+              <a:t>수정할 </a:t>
+            </a:r>
+            <a:endParaRPr kumimoji="1" lang="en-US" altLang="ko-KR" sz="1400" dirty="0"/>
+          </a:p>
+          <a:p>
+            <a:pPr algn="ctr"/>
+            <a:r>
+              <a:rPr kumimoji="1" lang="ko-KR" altLang="en-US" sz="1400" dirty="0" err="1"/>
+              <a:t>투두</a:t>
+            </a:r>
+            <a:r>
+              <a:rPr kumimoji="1" lang="ko-KR" altLang="en-US" sz="1400" dirty="0"/>
+              <a:t> 정보</a:t>
+            </a:r>
+            <a:endParaRPr kumimoji="1" lang="en-US" altLang="ko-KR" sz="1400" dirty="0"/>
+          </a:p>
+        </p:txBody>
+      </p:sp>
+      <p:sp>
+        <p:nvSpPr>
+          <p:cNvPr id="118" name="TextBox 117">
+            <a:extLst>
+              <a:ext uri="{FF2B5EF4-FFF2-40B4-BE49-F238E27FC236}">
+                <a16:creationId xmlns:a16="http://schemas.microsoft.com/office/drawing/2014/main" id="{06E4066B-46EA-66B6-86FD-02C00A966C13}"/>
+              </a:ext>
+            </a:extLst>
+          </p:cNvPr>
+          <p:cNvSpPr txBox="1"/>
+          <p:nvPr/>
+        </p:nvSpPr>
+        <p:spPr>
+          <a:xfrm>
+            <a:off x="5198238" y="620424"/>
+            <a:ext cx="942887" cy="523220"/>
+          </a:xfrm>
+          <a:prstGeom prst="rect">
+            <a:avLst/>
+          </a:prstGeom>
+          <a:noFill/>
+        </p:spPr>
+        <p:txBody>
+          <a:bodyPr wrap="none" rtlCol="0">
+            <a:spAutoFit/>
+          </a:bodyPr>
+          <a:lstStyle/>
+          <a:p>
+            <a:pPr algn="ctr"/>
+            <a:r>
+              <a:rPr kumimoji="1" lang="ko-KR" altLang="en-US" sz="1400" dirty="0"/>
+              <a:t>등록할 </a:t>
+            </a:r>
+            <a:endParaRPr kumimoji="1" lang="en-US" altLang="ko-KR" sz="1400" dirty="0"/>
+          </a:p>
+          <a:p>
+            <a:pPr algn="ctr"/>
+            <a:r>
+              <a:rPr kumimoji="1" lang="ko-KR" altLang="en-US" sz="1400" dirty="0" err="1"/>
+              <a:t>투두</a:t>
+            </a:r>
+            <a:r>
+              <a:rPr kumimoji="1" lang="ko-KR" altLang="en-US" sz="1400" dirty="0"/>
+              <a:t> 정보</a:t>
+            </a:r>
+            <a:endParaRPr kumimoji="1" lang="en-US" altLang="ko-KR" sz="1400" dirty="0"/>
+          </a:p>
+        </p:txBody>
+      </p:sp>
+      <p:sp>
+        <p:nvSpPr>
+          <p:cNvPr id="125" name="타원 124">
+            <a:extLst>
+              <a:ext uri="{FF2B5EF4-FFF2-40B4-BE49-F238E27FC236}">
+                <a16:creationId xmlns:a16="http://schemas.microsoft.com/office/drawing/2014/main" id="{37F1F47D-6C1F-40D8-4CA3-1AC6E37BB4D0}"/>
+              </a:ext>
+            </a:extLst>
+          </p:cNvPr>
+          <p:cNvSpPr/>
+          <p:nvPr/>
+        </p:nvSpPr>
+        <p:spPr>
+          <a:xfrm>
+            <a:off x="7489859" y="4935503"/>
+            <a:ext cx="1800000" cy="1080000"/>
+          </a:xfrm>
+          <a:prstGeom prst="ellipse">
+            <a:avLst/>
+          </a:prstGeom>
+          <a:solidFill>
+            <a:srgbClr val="FD997D"/>
+          </a:solidFill>
+          <a:ln>
+            <a:noFill/>
+          </a:ln>
+        </p:spPr>
+        <p:style>
+          <a:lnRef idx="2">
+            <a:schemeClr val="accent1">
+              <a:shade val="50000"/>
+            </a:schemeClr>
+          </a:lnRef>
+          <a:fillRef idx="1">
+            <a:schemeClr val="accent1"/>
+          </a:fillRef>
+          <a:effectRef idx="0">
+            <a:schemeClr val="accent1"/>
+          </a:effectRef>
+          <a:fontRef idx="minor">
+            <a:schemeClr val="lt1"/>
+          </a:fontRef>
+        </p:style>
+        <p:txBody>
+          <a:bodyPr rtlCol="0" anchor="ctr"/>
+          <a:lstStyle/>
+          <a:p>
+            <a:pPr algn="ctr"/>
+            <a:r>
+              <a:rPr kumimoji="1" lang="ko-KR" altLang="en-US" sz="1600" dirty="0"/>
+              <a:t>캘린더</a:t>
+            </a:r>
+            <a:endParaRPr kumimoji="1" lang="en-US" altLang="ko-Kore-KR" sz="1600" dirty="0"/>
+          </a:p>
+          <a:p>
+            <a:pPr algn="ctr"/>
+            <a:r>
+              <a:rPr kumimoji="1" lang="ko-Kore-KR" altLang="en-US" sz="1600" dirty="0"/>
+              <a:t>투두</a:t>
+            </a:r>
+            <a:r>
+              <a:rPr kumimoji="1" lang="ko-KR" altLang="en-US" sz="1600" dirty="0"/>
+              <a:t> 이동</a:t>
+            </a:r>
+            <a:endParaRPr kumimoji="1" lang="ko-Kore-KR" altLang="en-US" sz="1600" dirty="0"/>
+          </a:p>
+        </p:txBody>
+      </p:sp>
+      <p:cxnSp>
+        <p:nvCxnSpPr>
+          <p:cNvPr id="131" name="구부러진 연결선[U] 130">
+            <a:extLst>
+              <a:ext uri="{FF2B5EF4-FFF2-40B4-BE49-F238E27FC236}">
+                <a16:creationId xmlns:a16="http://schemas.microsoft.com/office/drawing/2014/main" id="{EBF7AB47-D305-C246-E951-28F492A614C5}"/>
+              </a:ext>
+            </a:extLst>
+          </p:cNvPr>
+          <p:cNvCxnSpPr>
+            <a:cxnSpLocks/>
+            <a:stCxn id="32" idx="2"/>
+            <a:endCxn id="125" idx="3"/>
+          </p:cNvCxnSpPr>
+          <p:nvPr/>
+        </p:nvCxnSpPr>
+        <p:spPr>
+          <a:xfrm rot="5400000" flipH="1" flipV="1">
+            <a:off x="4571418" y="2916124"/>
+            <a:ext cx="240828" cy="6123261"/>
+          </a:xfrm>
+          <a:prstGeom prst="curvedConnector3">
+            <a:avLst>
+              <a:gd name="adj1" fmla="val -94923"/>
+            </a:avLst>
+          </a:prstGeom>
+          <a:ln w="28575">
+            <a:tailEnd type="triangle"/>
+          </a:ln>
+        </p:spPr>
+        <p:style>
+          <a:lnRef idx="1">
+            <a:schemeClr val="dk1"/>
+          </a:lnRef>
+          <a:fillRef idx="0">
+            <a:schemeClr val="dk1"/>
+          </a:fillRef>
+          <a:effectRef idx="0">
+            <a:schemeClr val="dk1"/>
+          </a:effectRef>
+          <a:fontRef idx="minor">
+            <a:schemeClr val="tx1"/>
+          </a:fontRef>
+        </p:style>
+      </p:cxnSp>
+      <p:sp>
+        <p:nvSpPr>
+          <p:cNvPr id="141" name="TextBox 140">
+            <a:extLst>
+              <a:ext uri="{FF2B5EF4-FFF2-40B4-BE49-F238E27FC236}">
+                <a16:creationId xmlns:a16="http://schemas.microsoft.com/office/drawing/2014/main" id="{188B9633-E26E-D118-F7C0-C52BCB77F23E}"/>
+              </a:ext>
+            </a:extLst>
+          </p:cNvPr>
+          <p:cNvSpPr txBox="1"/>
+          <p:nvPr/>
+        </p:nvSpPr>
+        <p:spPr>
+          <a:xfrm>
+            <a:off x="5346675" y="5595730"/>
+            <a:ext cx="942886" cy="523220"/>
+          </a:xfrm>
+          <a:prstGeom prst="rect">
+            <a:avLst/>
+          </a:prstGeom>
+          <a:noFill/>
+        </p:spPr>
+        <p:txBody>
+          <a:bodyPr wrap="none" rtlCol="0">
+            <a:spAutoFit/>
+          </a:bodyPr>
+          <a:lstStyle/>
+          <a:p>
+            <a:pPr algn="ctr"/>
+            <a:r>
+              <a:rPr kumimoji="1" lang="ko-KR" altLang="en-US" sz="1400" dirty="0"/>
+              <a:t>캘린더 </a:t>
+            </a:r>
+            <a:endParaRPr kumimoji="1" lang="en-US" altLang="ko-KR" sz="1400" dirty="0"/>
+          </a:p>
+          <a:p>
+            <a:pPr algn="ctr"/>
+            <a:r>
+              <a:rPr kumimoji="1" lang="ko-KR" altLang="en-US" sz="1400" dirty="0"/>
+              <a:t>버튼 클릭</a:t>
+            </a:r>
+            <a:endParaRPr kumimoji="1" lang="en-US" altLang="ko-KR" sz="1400" dirty="0"/>
+          </a:p>
+        </p:txBody>
+      </p:sp>
+      <p:cxnSp>
+        <p:nvCxnSpPr>
+          <p:cNvPr id="148" name="구부러진 연결선[U] 147">
+            <a:extLst>
+              <a:ext uri="{FF2B5EF4-FFF2-40B4-BE49-F238E27FC236}">
+                <a16:creationId xmlns:a16="http://schemas.microsoft.com/office/drawing/2014/main" id="{888265AF-4FCD-1222-BA93-9F41A91EE849}"/>
+              </a:ext>
+            </a:extLst>
+          </p:cNvPr>
+          <p:cNvCxnSpPr>
+            <a:cxnSpLocks/>
+            <a:stCxn id="125" idx="6"/>
+            <a:endCxn id="10" idx="5"/>
+          </p:cNvCxnSpPr>
+          <p:nvPr/>
+        </p:nvCxnSpPr>
+        <p:spPr>
+          <a:xfrm flipV="1">
+            <a:off x="9289859" y="1466429"/>
+            <a:ext cx="835994" cy="4009074"/>
+          </a:xfrm>
+          <a:prstGeom prst="curvedConnector2">
+            <a:avLst/>
+          </a:prstGeom>
+          <a:ln w="28575">
+            <a:tailEnd type="triangle"/>
+          </a:ln>
+        </p:spPr>
+        <p:style>
+          <a:lnRef idx="1">
+            <a:schemeClr val="dk1"/>
+          </a:lnRef>
+          <a:fillRef idx="0">
+            <a:schemeClr val="dk1"/>
+          </a:fillRef>
+          <a:effectRef idx="0">
+            <a:schemeClr val="dk1"/>
+          </a:effectRef>
+          <a:fontRef idx="minor">
+            <a:schemeClr val="tx1"/>
+          </a:fontRef>
+        </p:style>
+      </p:cxnSp>
+      <p:sp>
+        <p:nvSpPr>
+          <p:cNvPr id="39" name="TextBox 38">
+            <a:extLst>
+              <a:ext uri="{FF2B5EF4-FFF2-40B4-BE49-F238E27FC236}">
+                <a16:creationId xmlns:a16="http://schemas.microsoft.com/office/drawing/2014/main" id="{A550F1C2-97B2-129F-6D30-7B46F6857B85}"/>
+              </a:ext>
+            </a:extLst>
+          </p:cNvPr>
+          <p:cNvSpPr txBox="1"/>
+          <p:nvPr/>
+        </p:nvSpPr>
+        <p:spPr>
+          <a:xfrm>
+            <a:off x="2109194" y="4025457"/>
+            <a:ext cx="1122422" cy="523220"/>
+          </a:xfrm>
+          <a:prstGeom prst="rect">
+            <a:avLst/>
+          </a:prstGeom>
+          <a:noFill/>
+        </p:spPr>
+        <p:txBody>
+          <a:bodyPr wrap="none" rtlCol="0">
+            <a:spAutoFit/>
+          </a:bodyPr>
+          <a:lstStyle/>
+          <a:p>
+            <a:pPr algn="ctr"/>
+            <a:r>
+              <a:rPr kumimoji="1" lang="ko-KR" altLang="en-US" sz="1400" dirty="0"/>
+              <a:t>삭제할 </a:t>
+            </a:r>
+            <a:r>
+              <a:rPr kumimoji="1" lang="ko-KR" altLang="en-US" sz="1400" dirty="0" err="1"/>
+              <a:t>투두</a:t>
+            </a:r>
+            <a:endParaRPr kumimoji="1" lang="en-US" altLang="ko-KR" sz="1400" dirty="0"/>
+          </a:p>
+          <a:p>
+            <a:pPr algn="ctr"/>
+            <a:r>
+              <a:rPr kumimoji="1" lang="ko-KR" altLang="en-US" sz="1400" dirty="0" err="1"/>
+              <a:t>스와이프</a:t>
+            </a:r>
+            <a:endParaRPr kumimoji="1" lang="ko-Kore-KR" altLang="en-US" sz="1400" dirty="0"/>
+          </a:p>
+        </p:txBody>
+      </p:sp>
+      <p:sp>
+        <p:nvSpPr>
+          <p:cNvPr id="92" name="TextBox 91">
+            <a:extLst>
+              <a:ext uri="{FF2B5EF4-FFF2-40B4-BE49-F238E27FC236}">
+                <a16:creationId xmlns:a16="http://schemas.microsoft.com/office/drawing/2014/main" id="{C33B11C4-FA8C-58EE-896B-5D8A4273D0D6}"/>
+              </a:ext>
+            </a:extLst>
+          </p:cNvPr>
+          <p:cNvSpPr txBox="1"/>
+          <p:nvPr/>
+        </p:nvSpPr>
+        <p:spPr>
+          <a:xfrm>
+            <a:off x="9873757" y="3834720"/>
+            <a:ext cx="1342034" cy="523220"/>
+          </a:xfrm>
+          <a:prstGeom prst="rect">
+            <a:avLst/>
+          </a:prstGeom>
+          <a:noFill/>
+        </p:spPr>
+        <p:txBody>
+          <a:bodyPr wrap="none" rtlCol="0">
+            <a:spAutoFit/>
+          </a:bodyPr>
+          <a:lstStyle/>
+          <a:p>
+            <a:pPr algn="ctr"/>
+            <a:r>
+              <a:rPr kumimoji="1" lang="ko-KR" altLang="en-US" sz="1400" dirty="0"/>
+              <a:t>선택한 날짜에 </a:t>
+            </a:r>
+            <a:endParaRPr kumimoji="1" lang="en-US" altLang="ko-KR" sz="1400" dirty="0"/>
+          </a:p>
+          <a:p>
+            <a:pPr algn="ctr"/>
+            <a:r>
+              <a:rPr kumimoji="1" lang="ko-KR" altLang="en-US" sz="1400" dirty="0"/>
+              <a:t>대한 </a:t>
+            </a:r>
+            <a:r>
+              <a:rPr kumimoji="1" lang="ko-KR" altLang="en-US" sz="1400" dirty="0" err="1"/>
+              <a:t>투두</a:t>
+            </a:r>
+            <a:r>
+              <a:rPr kumimoji="1" lang="ko-KR" altLang="en-US" sz="1400" dirty="0"/>
+              <a:t> 정보</a:t>
+            </a:r>
+            <a:endParaRPr kumimoji="1" lang="en-US" altLang="ko-KR" sz="1400" dirty="0"/>
+          </a:p>
+        </p:txBody>
+      </p:sp>
+    </p:spTree>
+    <p:extLst>
+      <p:ext uri="{BB962C8B-B14F-4D97-AF65-F5344CB8AC3E}">
+        <p14:creationId xmlns:p14="http://schemas.microsoft.com/office/powerpoint/2010/main" val="2485525893"/>
+      </p:ext>
+    </p:extLst>
+  </p:cSld>
+  <p:clrMapOvr>
+    <a:masterClrMapping/>
+  </p:clrMapOvr>
+</p:sld>
+</file>
+
+<file path=ppt/slides/slide4.xml><?xml version="1.0" encoding="utf-8"?>
 <p:sld xmlns:a="http://schemas.openxmlformats.org/drawingml/2006/main" xmlns:r="http://schemas.openxmlformats.org/officeDocument/2006/relationships" xmlns:p="http://schemas.openxmlformats.org/presentationml/2006/main">
   <p:cSld>
     <p:spTree>
